--- a/YANA_SpecificationDocument_v3.pptx
+++ b/YANA_SpecificationDocument_v3.pptx
@@ -12,8 +12,8 @@
     <p:sldId id="261" r:id="rId6"/>
     <p:sldId id="262" r:id="rId7"/>
     <p:sldId id="263" r:id="rId8"/>
-    <p:sldId id="271" r:id="rId9"/>
-    <p:sldId id="265" r:id="rId10"/>
+    <p:sldId id="265" r:id="rId9"/>
+    <p:sldId id="271" r:id="rId10"/>
     <p:sldId id="267" r:id="rId11"/>
     <p:sldId id="266" r:id="rId12"/>
     <p:sldId id="268" r:id="rId13"/>
@@ -275,7 +275,7 @@
           <a:p>
             <a:fld id="{94B43D15-E77F-4644-B541-976CD44FBF9F}" type="datetimeFigureOut">
               <a:rPr lang="en-US" smtClean="0"/>
-              <a:t>2021-03-21</a:t>
+              <a:t>4/7/2021</a:t>
             </a:fld>
             <a:endParaRPr lang="en-US"/>
           </a:p>
@@ -473,7 +473,7 @@
           <a:p>
             <a:fld id="{94B43D15-E77F-4644-B541-976CD44FBF9F}" type="datetimeFigureOut">
               <a:rPr lang="en-US" smtClean="0"/>
-              <a:t>2021-03-21</a:t>
+              <a:t>4/7/2021</a:t>
             </a:fld>
             <a:endParaRPr lang="en-US"/>
           </a:p>
@@ -681,7 +681,7 @@
           <a:p>
             <a:fld id="{94B43D15-E77F-4644-B541-976CD44FBF9F}" type="datetimeFigureOut">
               <a:rPr lang="en-US" smtClean="0"/>
-              <a:t>2021-03-21</a:t>
+              <a:t>4/7/2021</a:t>
             </a:fld>
             <a:endParaRPr lang="en-US"/>
           </a:p>
@@ -879,7 +879,7 @@
           <a:p>
             <a:fld id="{94B43D15-E77F-4644-B541-976CD44FBF9F}" type="datetimeFigureOut">
               <a:rPr lang="en-US" smtClean="0"/>
-              <a:t>2021-03-21</a:t>
+              <a:t>4/7/2021</a:t>
             </a:fld>
             <a:endParaRPr lang="en-US"/>
           </a:p>
@@ -1154,7 +1154,7 @@
           <a:p>
             <a:fld id="{94B43D15-E77F-4644-B541-976CD44FBF9F}" type="datetimeFigureOut">
               <a:rPr lang="en-US" smtClean="0"/>
-              <a:t>2021-03-21</a:t>
+              <a:t>4/7/2021</a:t>
             </a:fld>
             <a:endParaRPr lang="en-US"/>
           </a:p>
@@ -1419,7 +1419,7 @@
           <a:p>
             <a:fld id="{94B43D15-E77F-4644-B541-976CD44FBF9F}" type="datetimeFigureOut">
               <a:rPr lang="en-US" smtClean="0"/>
-              <a:t>2021-03-21</a:t>
+              <a:t>4/7/2021</a:t>
             </a:fld>
             <a:endParaRPr lang="en-US"/>
           </a:p>
@@ -1831,7 +1831,7 @@
           <a:p>
             <a:fld id="{94B43D15-E77F-4644-B541-976CD44FBF9F}" type="datetimeFigureOut">
               <a:rPr lang="en-US" smtClean="0"/>
-              <a:t>2021-03-21</a:t>
+              <a:t>4/7/2021</a:t>
             </a:fld>
             <a:endParaRPr lang="en-US"/>
           </a:p>
@@ -1972,7 +1972,7 @@
           <a:p>
             <a:fld id="{94B43D15-E77F-4644-B541-976CD44FBF9F}" type="datetimeFigureOut">
               <a:rPr lang="en-US" smtClean="0"/>
-              <a:t>2021-03-21</a:t>
+              <a:t>4/7/2021</a:t>
             </a:fld>
             <a:endParaRPr lang="en-US"/>
           </a:p>
@@ -2085,7 +2085,7 @@
           <a:p>
             <a:fld id="{94B43D15-E77F-4644-B541-976CD44FBF9F}" type="datetimeFigureOut">
               <a:rPr lang="en-US" smtClean="0"/>
-              <a:t>2021-03-21</a:t>
+              <a:t>4/7/2021</a:t>
             </a:fld>
             <a:endParaRPr lang="en-US"/>
           </a:p>
@@ -2396,7 +2396,7 @@
           <a:p>
             <a:fld id="{94B43D15-E77F-4644-B541-976CD44FBF9F}" type="datetimeFigureOut">
               <a:rPr lang="en-US" smtClean="0"/>
-              <a:t>2021-03-21</a:t>
+              <a:t>4/7/2021</a:t>
             </a:fld>
             <a:endParaRPr lang="en-US"/>
           </a:p>
@@ -2684,7 +2684,7 @@
           <a:p>
             <a:fld id="{94B43D15-E77F-4644-B541-976CD44FBF9F}" type="datetimeFigureOut">
               <a:rPr lang="en-US" smtClean="0"/>
-              <a:t>2021-03-21</a:t>
+              <a:t>4/7/2021</a:t>
             </a:fld>
             <a:endParaRPr lang="en-US"/>
           </a:p>
@@ -2925,7 +2925,7 @@
           <a:p>
             <a:fld id="{94B43D15-E77F-4644-B541-976CD44FBF9F}" type="datetimeFigureOut">
               <a:rPr lang="en-US" smtClean="0"/>
-              <a:t>2021-03-21</a:t>
+              <a:t>4/7/2021</a:t>
             </a:fld>
             <a:endParaRPr lang="en-US"/>
           </a:p>
@@ -3796,8 +3796,8 @@
             </p:nvSpPr>
             <p:spPr>
               <a:xfrm>
-                <a:off x="5762636" y="2849732"/>
-                <a:ext cx="1055414" cy="646331"/>
+                <a:off x="5211567" y="2217287"/>
+                <a:ext cx="1893549" cy="2031325"/>
               </a:xfrm>
               <a:prstGeom prst="rect">
                 <a:avLst/>
@@ -3810,11 +3810,29 @@
               </a:bodyPr>
               <a:lstStyle/>
               <a:p>
+                <a:pPr algn="r" rtl="1"/>
                 <a:r>
                   <a:rPr lang="he-IL" dirty="0"/>
-                  <a:t> רשימת סינונים</a:t>
+                  <a:t> רשימת סינונים,</a:t>
                 </a:r>
-                <a:endParaRPr lang="en-US" dirty="0"/>
+              </a:p>
+              <a:p>
+                <a:pPr algn="r" rtl="1"/>
+                <a:r>
+                  <a:rPr lang="he-IL" dirty="0"/>
+                  <a:t>בתור התחלה עשו עם סינון לבחירת המפתח.</a:t>
+                </a:r>
+              </a:p>
+              <a:p>
+                <a:pPr algn="r" rtl="1"/>
+                <a:endParaRPr lang="he-IL" dirty="0"/>
+              </a:p>
+              <a:p>
+                <a:pPr algn="r" rtl="1"/>
+                <a:r>
+                  <a:rPr lang="he-IL" i="1" u="sng" dirty="0"/>
+                  <a:t>בהמשך נעבוד על הרשימה</a:t>
+                </a:r>
               </a:p>
             </p:txBody>
           </p:sp>
@@ -4993,8 +5011,8 @@
             </p:nvSpPr>
             <p:spPr>
               <a:xfrm>
-                <a:off x="5762636" y="2849732"/>
-                <a:ext cx="1055414" cy="1754326"/>
+                <a:off x="5335403" y="2472721"/>
+                <a:ext cx="1614243" cy="1200329"/>
               </a:xfrm>
               <a:prstGeom prst="rect">
                 <a:avLst/>
@@ -5460,7 +5478,7 @@
         <p:spPr>
           <a:xfrm>
             <a:off x="1428480" y="1416830"/>
-            <a:ext cx="4386393" cy="2308324"/>
+            <a:ext cx="4386393" cy="3139321"/>
           </a:xfrm>
           <a:prstGeom prst="rect">
             <a:avLst/>
@@ -5486,20 +5504,28 @@
               <a:buChar char="-"/>
             </a:pPr>
             <a:r>
-              <a:rPr lang="he-IL" dirty="0" err="1"/>
-              <a:t>דיפולט</a:t>
-            </a:r>
-            <a:r>
-              <a:rPr lang="he-IL" dirty="0"/>
-              <a:t> סינון תוצאות (ע"פ אינפוט </a:t>
-            </a:r>
-            <a:r>
-              <a:rPr lang="he-IL" dirty="0" err="1"/>
-              <a:t>יוזר</a:t>
-            </a:r>
-            <a:r>
-              <a:rPr lang="he-IL" dirty="0"/>
-              <a:t>)</a:t>
+              <a:rPr lang="he-IL" dirty="0"/>
+              <a:t>סינונים אוטומטיים</a:t>
+            </a:r>
+          </a:p>
+          <a:p>
+            <a:pPr marL="742950" lvl="1" indent="-285750" algn="r" rtl="1">
+              <a:buFontTx/>
+              <a:buChar char="-"/>
+            </a:pPr>
+            <a:r>
+              <a:rPr lang="he-IL" dirty="0"/>
+              <a:t>ברירת מחדל כלום לא מופעל</a:t>
+            </a:r>
+          </a:p>
+          <a:p>
+            <a:pPr marL="742950" lvl="1" indent="-285750" algn="r" rtl="1">
+              <a:buFontTx/>
+              <a:buChar char="-"/>
+            </a:pPr>
+            <a:r>
+              <a:rPr lang="he-IL" dirty="0"/>
+              <a:t>יש למשתמש אפשרות להפעיל מי מהם שרוצה</a:t>
             </a:r>
           </a:p>
           <a:p>
@@ -5539,9 +5565,29 @@
             </a:r>
             <a:r>
               <a:rPr lang="he-IL" dirty="0"/>
-              <a:t> – בדיקה – לא בטוח</a:t>
-            </a:r>
-            <a:endParaRPr lang="en-US" dirty="0"/>
+              <a:t> – </a:t>
+            </a:r>
+            <a:r>
+              <a:rPr lang="he-IL" b="1" i="1" dirty="0">
+                <a:effectLst>
+                  <a:outerShdw blurRad="38100" dist="38100" dir="2700000" algn="tl">
+                    <a:srgbClr val="000000">
+                      <a:alpha val="43137"/>
+                    </a:srgbClr>
+                  </a:outerShdw>
+                </a:effectLst>
+              </a:rPr>
+              <a:t>בדיקה – לא בטוח</a:t>
+            </a:r>
+            <a:endParaRPr lang="en-US" b="1" i="1" dirty="0">
+              <a:effectLst>
+                <a:outerShdw blurRad="38100" dist="38100" dir="2700000" algn="tl">
+                  <a:srgbClr val="000000">
+                    <a:alpha val="43137"/>
+                  </a:srgbClr>
+                </a:outerShdw>
+              </a:effectLst>
+            </a:endParaRPr>
           </a:p>
           <a:p>
             <a:pPr marL="285750" indent="-285750" algn="r" rtl="1">
@@ -6020,7 +6066,7 @@
         </p:nvSpPr>
         <p:spPr>
           <a:xfrm>
-            <a:off x="7087566" y="1189579"/>
+            <a:off x="6182042" y="1189579"/>
             <a:ext cx="2790334" cy="4926928"/>
           </a:xfrm>
           <a:prstGeom prst="rect">
@@ -6125,7 +6171,7 @@
         </p:nvSpPr>
         <p:spPr>
           <a:xfrm>
-            <a:off x="7087566" y="1189579"/>
+            <a:off x="6182042" y="1189579"/>
             <a:ext cx="2790334" cy="541538"/>
           </a:xfrm>
           <a:prstGeom prst="rect">
@@ -6181,7 +6227,7 @@
         </p:nvSpPr>
         <p:spPr>
           <a:xfrm>
-            <a:off x="8045766" y="1271243"/>
+            <a:off x="7140242" y="1271243"/>
             <a:ext cx="1358283" cy="369332"/>
           </a:xfrm>
           <a:prstGeom prst="rect">
@@ -6225,7 +6271,7 @@
         </p:nvSpPr>
         <p:spPr>
           <a:xfrm>
-            <a:off x="7087566" y="3502081"/>
+            <a:off x="6182042" y="3502081"/>
             <a:ext cx="2790334" cy="646331"/>
           </a:xfrm>
           <a:prstGeom prst="rect">
@@ -6278,7 +6324,7 @@
         </p:nvSpPr>
         <p:spPr>
           <a:xfrm>
-            <a:off x="7087566" y="1731117"/>
+            <a:off x="6182042" y="1731117"/>
             <a:ext cx="2790334" cy="1754326"/>
           </a:xfrm>
           <a:prstGeom prst="rect">
@@ -6339,7 +6385,7 @@
         </p:nvSpPr>
         <p:spPr>
           <a:xfrm>
-            <a:off x="7087566" y="4804727"/>
+            <a:off x="6182042" y="4804727"/>
             <a:ext cx="2790334" cy="646331"/>
           </a:xfrm>
           <a:prstGeom prst="rect">
@@ -6392,7 +6438,7 @@
         </p:nvSpPr>
         <p:spPr>
           <a:xfrm>
-            <a:off x="7087566" y="4146684"/>
+            <a:off x="6182042" y="4146684"/>
             <a:ext cx="2790334" cy="646331"/>
           </a:xfrm>
           <a:prstGeom prst="rect">
@@ -6662,7 +6708,7 @@
         <p:spPr>
           <a:xfrm flipH="1">
             <a:off x="4145584" y="3825247"/>
-            <a:ext cx="2941982" cy="428901"/>
+            <a:ext cx="2036458" cy="428901"/>
           </a:xfrm>
           <a:prstGeom prst="line">
             <a:avLst/>
@@ -6697,7 +6743,7 @@
         </p:nvSpPr>
         <p:spPr>
           <a:xfrm>
-            <a:off x="8066024" y="3107887"/>
+            <a:off x="7160500" y="3107887"/>
             <a:ext cx="906011" cy="283577"/>
           </a:xfrm>
           <a:prstGeom prst="rect">
@@ -6757,7 +6803,7 @@
         </p:nvSpPr>
         <p:spPr>
           <a:xfrm>
-            <a:off x="7087566" y="5559461"/>
+            <a:off x="6182042" y="5559461"/>
             <a:ext cx="2790334" cy="541538"/>
           </a:xfrm>
           <a:prstGeom prst="rect">
@@ -6830,7 +6876,7 @@
         </p:blipFill>
         <p:spPr>
           <a:xfrm>
-            <a:off x="9203435" y="5572449"/>
+            <a:off x="8297911" y="5572449"/>
             <a:ext cx="535297" cy="535297"/>
           </a:xfrm>
           <a:prstGeom prst="rect">
@@ -6869,7 +6915,7 @@
         </p:blipFill>
         <p:spPr>
           <a:xfrm>
-            <a:off x="8519030" y="5567707"/>
+            <a:off x="7613506" y="5567707"/>
             <a:ext cx="593574" cy="593574"/>
           </a:xfrm>
           <a:prstGeom prst="rect">
@@ -6908,7 +6954,7 @@
         </p:blipFill>
         <p:spPr>
           <a:xfrm>
-            <a:off x="7822730" y="5577819"/>
+            <a:off x="6917206" y="5577819"/>
             <a:ext cx="461462" cy="461462"/>
           </a:xfrm>
           <a:prstGeom prst="rect">
@@ -6947,7 +6993,7 @@
         </p:blipFill>
         <p:spPr>
           <a:xfrm>
-            <a:off x="7223482" y="5600190"/>
+            <a:off x="6317958" y="5600190"/>
             <a:ext cx="460080" cy="460080"/>
           </a:xfrm>
           <a:prstGeom prst="rect">
@@ -6955,6 +7001,152 @@
           </a:prstGeom>
         </p:spPr>
       </p:pic>
+      <p:grpSp>
+        <p:nvGrpSpPr>
+          <p:cNvPr id="34" name="Group 33">
+            <a:extLst>
+              <a:ext uri="{FF2B5EF4-FFF2-40B4-BE49-F238E27FC236}">
+                <a16:creationId xmlns:a16="http://schemas.microsoft.com/office/drawing/2014/main" id="{5425DB97-A28F-4B4A-A278-990136464D4B}"/>
+              </a:ext>
+            </a:extLst>
+          </p:cNvPr>
+          <p:cNvGrpSpPr/>
+          <p:nvPr/>
+        </p:nvGrpSpPr>
+        <p:grpSpPr>
+          <a:xfrm>
+            <a:off x="9663118" y="968005"/>
+            <a:ext cx="2325949" cy="1325563"/>
+            <a:chOff x="5031997" y="1842985"/>
+            <a:chExt cx="2325949" cy="3071693"/>
+          </a:xfrm>
+        </p:grpSpPr>
+        <p:sp>
+          <p:nvSpPr>
+            <p:cNvPr id="42" name="Rectangle: Rounded Corners 41">
+              <a:extLst>
+                <a:ext uri="{FF2B5EF4-FFF2-40B4-BE49-F238E27FC236}">
+                  <a16:creationId xmlns:a16="http://schemas.microsoft.com/office/drawing/2014/main" id="{62E544F4-11A5-44CE-B930-549EBF0A1128}"/>
+                </a:ext>
+              </a:extLst>
+            </p:cNvPr>
+            <p:cNvSpPr/>
+            <p:nvPr/>
+          </p:nvSpPr>
+          <p:spPr>
+            <a:xfrm>
+              <a:off x="5031997" y="1842985"/>
+              <a:ext cx="2325949" cy="3071693"/>
+            </a:xfrm>
+            <a:prstGeom prst="roundRect">
+              <a:avLst/>
+            </a:prstGeom>
+            <a:solidFill>
+              <a:schemeClr val="bg1"/>
+            </a:solidFill>
+          </p:spPr>
+          <p:style>
+            <a:lnRef idx="2">
+              <a:schemeClr val="accent1">
+                <a:shade val="50000"/>
+              </a:schemeClr>
+            </a:lnRef>
+            <a:fillRef idx="1">
+              <a:schemeClr val="accent1"/>
+            </a:fillRef>
+            <a:effectRef idx="0">
+              <a:schemeClr val="accent1"/>
+            </a:effectRef>
+            <a:fontRef idx="minor">
+              <a:schemeClr val="lt1"/>
+            </a:fontRef>
+          </p:style>
+          <p:txBody>
+            <a:bodyPr rtlCol="0" anchor="ctr"/>
+            <a:lstStyle/>
+            <a:p>
+              <a:pPr algn="ctr"/>
+              <a:endParaRPr lang="en-US"/>
+            </a:p>
+          </p:txBody>
+        </p:sp>
+        <p:sp>
+          <p:nvSpPr>
+            <p:cNvPr id="43" name="TextBox 42">
+              <a:extLst>
+                <a:ext uri="{FF2B5EF4-FFF2-40B4-BE49-F238E27FC236}">
+                  <a16:creationId xmlns:a16="http://schemas.microsoft.com/office/drawing/2014/main" id="{719AF1BF-7EF7-453C-8ABF-8FB443341C3B}"/>
+                </a:ext>
+              </a:extLst>
+            </p:cNvPr>
+            <p:cNvSpPr txBox="1"/>
+            <p:nvPr/>
+          </p:nvSpPr>
+          <p:spPr>
+            <a:xfrm>
+              <a:off x="5324542" y="2684207"/>
+              <a:ext cx="1740858" cy="1389248"/>
+            </a:xfrm>
+            <a:prstGeom prst="rect">
+              <a:avLst/>
+            </a:prstGeom>
+            <a:noFill/>
+          </p:spPr>
+          <p:txBody>
+            <a:bodyPr wrap="square" rtlCol="0">
+              <a:spAutoFit/>
+            </a:bodyPr>
+            <a:lstStyle/>
+            <a:p>
+              <a:pPr algn="ctr"/>
+              <a:r>
+                <a:rPr lang="he-IL" dirty="0"/>
+                <a:t>על פי רשימת סינונים שייבחרו בהמשך</a:t>
+              </a:r>
+              <a:endParaRPr lang="en-US" dirty="0"/>
+            </a:p>
+          </p:txBody>
+        </p:sp>
+      </p:grpSp>
+      <p:cxnSp>
+        <p:nvCxnSpPr>
+          <p:cNvPr id="5" name="Straight Connector 4">
+            <a:extLst>
+              <a:ext uri="{FF2B5EF4-FFF2-40B4-BE49-F238E27FC236}">
+                <a16:creationId xmlns:a16="http://schemas.microsoft.com/office/drawing/2014/main" id="{52C68725-A13A-4C84-AD3C-B7317FE32518}"/>
+              </a:ext>
+            </a:extLst>
+          </p:cNvPr>
+          <p:cNvCxnSpPr>
+            <a:cxnSpLocks/>
+            <a:endCxn id="42" idx="1"/>
+          </p:cNvCxnSpPr>
+          <p:nvPr/>
+        </p:nvCxnSpPr>
+        <p:spPr>
+          <a:xfrm flipV="1">
+            <a:off x="8972376" y="1630787"/>
+            <a:ext cx="690742" cy="977494"/>
+          </a:xfrm>
+          <a:prstGeom prst="line">
+            <a:avLst/>
+          </a:prstGeom>
+        </p:spPr>
+        <p:style>
+          <a:lnRef idx="1">
+            <a:schemeClr val="accent1"/>
+          </a:lnRef>
+          <a:fillRef idx="0">
+            <a:schemeClr val="accent1"/>
+          </a:fillRef>
+          <a:effectRef idx="0">
+            <a:schemeClr val="accent1"/>
+          </a:effectRef>
+          <a:fontRef idx="minor">
+            <a:schemeClr val="tx1"/>
+          </a:fontRef>
+        </p:style>
+      </p:cxnSp>
     </p:spTree>
     <p:extLst>
       <p:ext uri="{BB962C8B-B14F-4D97-AF65-F5344CB8AC3E}">
@@ -7033,7 +7225,7 @@
           <p:nvPr>
             <p:extLst>
               <p:ext uri="{D42A27DB-BD31-4B8C-83A1-F6EECF244321}">
-                <p14:modId xmlns:p14="http://schemas.microsoft.com/office/powerpoint/2010/main" val="1863920359"/>
+                <p14:modId xmlns:p14="http://schemas.microsoft.com/office/powerpoint/2010/main" val="2644585621"/>
               </p:ext>
             </p:extLst>
           </p:nvPr>
@@ -7143,7 +7335,23 @@
                     <a:bodyPr/>
                     <a:lstStyle/>
                     <a:p>
-                      <a:pPr algn="ctr" rtl="1"/>
+                      <a:pPr marL="0" marR="0" lvl="0" indent="0" algn="ctr" defTabSz="914400" rtl="1" eaLnBrk="1" fontAlgn="auto" latinLnBrk="0" hangingPunct="1">
+                        <a:lnSpc>
+                          <a:spcPct val="100000"/>
+                        </a:lnSpc>
+                        <a:spcBef>
+                          <a:spcPts val="0"/>
+                        </a:spcBef>
+                        <a:spcAft>
+                          <a:spcPts val="0"/>
+                        </a:spcAft>
+                        <a:buClrTx/>
+                        <a:buSzTx/>
+                        <a:buFontTx/>
+                        <a:buNone/>
+                        <a:tabLst/>
+                        <a:defRPr/>
+                      </a:pPr>
                       <a:r>
                         <a:rPr lang="he-IL" dirty="0"/>
                         <a:t>מיקום</a:t>
@@ -7157,9 +7365,23 @@
                           </a:solidFill>
                           <a:sym typeface="Wingdings" panose="05000000000000000000" pitchFamily="2" charset="2"/>
                         </a:rPr>
-                        <a:t></a:t>
+                        <a:t> </a:t>
                       </a:r>
-                      <a:endParaRPr lang="en-US" dirty="0"/>
+                      <a:r>
+                        <a:rPr lang="en-US" dirty="0">
+                          <a:solidFill>
+                            <a:srgbClr val="FF0000"/>
+                          </a:solidFill>
+                          <a:sym typeface="Webdings" panose="05030102010509060703" pitchFamily="18" charset="2"/>
+                        </a:rPr>
+                        <a:t></a:t>
+                      </a:r>
+                      <a:endParaRPr lang="en-US" dirty="0">
+                        <a:solidFill>
+                          <a:srgbClr val="FF0000"/>
+                        </a:solidFill>
+                        <a:sym typeface="Wingdings" panose="05000000000000000000" pitchFamily="2" charset="2"/>
+                      </a:endParaRPr>
                     </a:p>
                   </a:txBody>
                   <a:tcPr anchor="ctr"/>
@@ -7287,7 +7509,23 @@
                     <a:bodyPr/>
                     <a:lstStyle/>
                     <a:p>
-                      <a:pPr algn="ctr" rtl="1"/>
+                      <a:pPr marL="0" marR="0" lvl="0" indent="0" algn="ctr" defTabSz="914400" rtl="1" eaLnBrk="1" fontAlgn="auto" latinLnBrk="0" hangingPunct="1">
+                        <a:lnSpc>
+                          <a:spcPct val="100000"/>
+                        </a:lnSpc>
+                        <a:spcBef>
+                          <a:spcPts val="0"/>
+                        </a:spcBef>
+                        <a:spcAft>
+                          <a:spcPts val="0"/>
+                        </a:spcAft>
+                        <a:buClrTx/>
+                        <a:buSzTx/>
+                        <a:buFontTx/>
+                        <a:buNone/>
+                        <a:tabLst/>
+                        <a:defRPr/>
+                      </a:pPr>
                       <a:r>
                         <a:rPr lang="he-IL" dirty="0"/>
                         <a:t>זמן פתיחה</a:t>
@@ -7299,9 +7537,23 @@
                           </a:solidFill>
                           <a:sym typeface="Wingdings" panose="05000000000000000000" pitchFamily="2" charset="2"/>
                         </a:rPr>
-                        <a:t></a:t>
+                        <a:t> </a:t>
                       </a:r>
-                      <a:endParaRPr lang="en-US" dirty="0"/>
+                      <a:r>
+                        <a:rPr lang="en-US" dirty="0">
+                          <a:solidFill>
+                            <a:srgbClr val="FF0000"/>
+                          </a:solidFill>
+                          <a:sym typeface="Webdings" panose="05030102010509060703" pitchFamily="18" charset="2"/>
+                        </a:rPr>
+                        <a:t></a:t>
+                      </a:r>
+                      <a:endParaRPr lang="en-US" dirty="0">
+                        <a:solidFill>
+                          <a:srgbClr val="FF0000"/>
+                        </a:solidFill>
+                        <a:sym typeface="Wingdings" panose="05000000000000000000" pitchFamily="2" charset="2"/>
+                      </a:endParaRPr>
                     </a:p>
                   </a:txBody>
                   <a:tcPr/>
@@ -7329,7 +7581,23 @@
                     <a:bodyPr/>
                     <a:lstStyle/>
                     <a:p>
-                      <a:pPr algn="ctr" rtl="1"/>
+                      <a:pPr marL="0" marR="0" lvl="0" indent="0" algn="ctr" defTabSz="914400" rtl="1" eaLnBrk="1" fontAlgn="auto" latinLnBrk="0" hangingPunct="1">
+                        <a:lnSpc>
+                          <a:spcPct val="100000"/>
+                        </a:lnSpc>
+                        <a:spcBef>
+                          <a:spcPts val="0"/>
+                        </a:spcBef>
+                        <a:spcAft>
+                          <a:spcPts val="0"/>
+                        </a:spcAft>
+                        <a:buClrTx/>
+                        <a:buSzTx/>
+                        <a:buFontTx/>
+                        <a:buNone/>
+                        <a:tabLst/>
+                        <a:defRPr/>
+                      </a:pPr>
                       <a:r>
                         <a:rPr lang="he-IL" dirty="0"/>
                         <a:t>זמן סגירה</a:t>
@@ -7341,9 +7609,23 @@
                           </a:solidFill>
                           <a:sym typeface="Wingdings" panose="05000000000000000000" pitchFamily="2" charset="2"/>
                         </a:rPr>
-                        <a:t></a:t>
+                        <a:t> </a:t>
                       </a:r>
-                      <a:endParaRPr lang="en-US" dirty="0"/>
+                      <a:r>
+                        <a:rPr lang="en-US" dirty="0">
+                          <a:solidFill>
+                            <a:srgbClr val="FF0000"/>
+                          </a:solidFill>
+                          <a:sym typeface="Webdings" panose="05030102010509060703" pitchFamily="18" charset="2"/>
+                        </a:rPr>
+                        <a:t></a:t>
+                      </a:r>
+                      <a:endParaRPr lang="en-US" dirty="0">
+                        <a:solidFill>
+                          <a:srgbClr val="FF0000"/>
+                        </a:solidFill>
+                        <a:sym typeface="Wingdings" panose="05000000000000000000" pitchFamily="2" charset="2"/>
+                      </a:endParaRPr>
                     </a:p>
                   </a:txBody>
                   <a:tcPr/>
@@ -7374,7 +7656,23 @@
                     <a:bodyPr/>
                     <a:lstStyle/>
                     <a:p>
-                      <a:pPr algn="ctr" rtl="1"/>
+                      <a:pPr marL="0" marR="0" lvl="0" indent="0" algn="ctr" defTabSz="914400" rtl="1" eaLnBrk="1" fontAlgn="auto" latinLnBrk="0" hangingPunct="1">
+                        <a:lnSpc>
+                          <a:spcPct val="100000"/>
+                        </a:lnSpc>
+                        <a:spcBef>
+                          <a:spcPts val="0"/>
+                        </a:spcBef>
+                        <a:spcAft>
+                          <a:spcPts val="0"/>
+                        </a:spcAft>
+                        <a:buClrTx/>
+                        <a:buSzTx/>
+                        <a:buFontTx/>
+                        <a:buNone/>
+                        <a:tabLst/>
+                        <a:defRPr/>
+                      </a:pPr>
                       <a:r>
                         <a:rPr lang="he-IL" dirty="0"/>
                         <a:t>סוג מקום</a:t>
@@ -7388,9 +7686,23 @@
                           </a:solidFill>
                           <a:sym typeface="Wingdings" panose="05000000000000000000" pitchFamily="2" charset="2"/>
                         </a:rPr>
-                        <a:t></a:t>
+                        <a:t> </a:t>
                       </a:r>
-                      <a:endParaRPr lang="en-US" dirty="0"/>
+                      <a:r>
+                        <a:rPr lang="en-US" dirty="0">
+                          <a:solidFill>
+                            <a:srgbClr val="FF0000"/>
+                          </a:solidFill>
+                          <a:sym typeface="Webdings" panose="05030102010509060703" pitchFamily="18" charset="2"/>
+                        </a:rPr>
+                        <a:t></a:t>
+                      </a:r>
+                      <a:endParaRPr lang="en-US" dirty="0">
+                        <a:solidFill>
+                          <a:srgbClr val="FF0000"/>
+                        </a:solidFill>
+                        <a:sym typeface="Wingdings" panose="05000000000000000000" pitchFamily="2" charset="2"/>
+                      </a:endParaRPr>
                     </a:p>
                   </a:txBody>
                   <a:tcPr/>
@@ -7435,7 +7747,18 @@
                           </a:solidFill>
                           <a:sym typeface="Wingdings" panose="05000000000000000000" pitchFamily="2" charset="2"/>
                         </a:rPr>
-                        <a:t></a:t>
+                        <a:t> </a:t>
+                      </a:r>
+                      <a:r>
+                        <a:rPr lang="en-US" dirty="0">
+                          <a:solidFill>
+                            <a:schemeClr val="accent1">
+                              <a:lumMod val="75000"/>
+                            </a:schemeClr>
+                          </a:solidFill>
+                          <a:sym typeface="Webdings" panose="05030102010509060703" pitchFamily="18" charset="2"/>
+                        </a:rPr>
+                        <a:t></a:t>
                       </a:r>
                       <a:endParaRPr lang="en-US" dirty="0"/>
                     </a:p>
@@ -7484,7 +7807,23 @@
                     <a:bodyPr/>
                     <a:lstStyle/>
                     <a:p>
-                      <a:pPr algn="ctr" rtl="1"/>
+                      <a:pPr marL="0" marR="0" lvl="0" indent="0" algn="ctr" defTabSz="914400" rtl="1" eaLnBrk="1" fontAlgn="auto" latinLnBrk="0" hangingPunct="1">
+                        <a:lnSpc>
+                          <a:spcPct val="100000"/>
+                        </a:lnSpc>
+                        <a:spcBef>
+                          <a:spcPts val="0"/>
+                        </a:spcBef>
+                        <a:spcAft>
+                          <a:spcPts val="0"/>
+                        </a:spcAft>
+                        <a:buClrTx/>
+                        <a:buSzTx/>
+                        <a:buFontTx/>
+                        <a:buNone/>
+                        <a:tabLst/>
+                        <a:defRPr/>
+                      </a:pPr>
                       <a:r>
                         <a:rPr lang="he-IL" dirty="0"/>
                         <a:t>נמחק / לא נמחק</a:t>
@@ -7496,9 +7835,23 @@
                           </a:solidFill>
                           <a:sym typeface="Wingdings" panose="05000000000000000000" pitchFamily="2" charset="2"/>
                         </a:rPr>
-                        <a:t></a:t>
+                        <a:t> </a:t>
                       </a:r>
-                      <a:endParaRPr lang="en-US" dirty="0"/>
+                      <a:r>
+                        <a:rPr lang="en-US" dirty="0">
+                          <a:solidFill>
+                            <a:srgbClr val="FF0000"/>
+                          </a:solidFill>
+                          <a:sym typeface="Webdings" panose="05030102010509060703" pitchFamily="18" charset="2"/>
+                        </a:rPr>
+                        <a:t></a:t>
+                      </a:r>
+                      <a:endParaRPr lang="en-US" dirty="0">
+                        <a:solidFill>
+                          <a:srgbClr val="FF0000"/>
+                        </a:solidFill>
+                        <a:sym typeface="Wingdings" panose="05000000000000000000" pitchFamily="2" charset="2"/>
+                      </a:endParaRPr>
                     </a:p>
                   </a:txBody>
                   <a:tcPr/>
@@ -7676,6 +8029,107 @@
           </a:p>
         </p:txBody>
       </p:sp>
+      <p:sp>
+        <p:nvSpPr>
+          <p:cNvPr id="8" name="TextBox 7">
+            <a:extLst>
+              <a:ext uri="{FF2B5EF4-FFF2-40B4-BE49-F238E27FC236}">
+                <a16:creationId xmlns:a16="http://schemas.microsoft.com/office/drawing/2014/main" id="{BE10F7EA-3587-4C6D-B951-C1C3D6C2B5C5}"/>
+              </a:ext>
+            </a:extLst>
+          </p:cNvPr>
+          <p:cNvSpPr txBox="1"/>
+          <p:nvPr/>
+        </p:nvSpPr>
+        <p:spPr>
+          <a:xfrm>
+            <a:off x="3098306" y="648070"/>
+            <a:ext cx="1562470" cy="646331"/>
+          </a:xfrm>
+          <a:prstGeom prst="rect">
+            <a:avLst/>
+          </a:prstGeom>
+          <a:noFill/>
+          <a:ln w="38100" cap="flat" cmpd="sng">
+            <a:solidFill>
+              <a:schemeClr val="tx1"/>
+            </a:solidFill>
+          </a:ln>
+        </p:spPr>
+        <p:txBody>
+          <a:bodyPr wrap="square" rtlCol="0">
+            <a:spAutoFit/>
+          </a:bodyPr>
+          <a:lstStyle/>
+          <a:p>
+            <a:pPr algn="l"/>
+            <a:r>
+              <a:rPr lang="en-US" dirty="0"/>
+              <a:t>Must    </a:t>
+            </a:r>
+            <a:r>
+              <a:rPr lang="en-US" dirty="0">
+                <a:sym typeface="Wingdings" panose="05000000000000000000" pitchFamily="2" charset="2"/>
+              </a:rPr>
+              <a:t>  </a:t>
+            </a:r>
+            <a:r>
+              <a:rPr lang="en-US" dirty="0">
+                <a:solidFill>
+                  <a:srgbClr val="FF0000"/>
+                </a:solidFill>
+                <a:sym typeface="Webdings" panose="05030102010509060703" pitchFamily="18" charset="2"/>
+              </a:rPr>
+              <a:t></a:t>
+            </a:r>
+            <a:endParaRPr lang="en-US" dirty="0">
+              <a:solidFill>
+                <a:srgbClr val="FF0000"/>
+              </a:solidFill>
+              <a:sym typeface="Wingdings" panose="05000000000000000000" pitchFamily="2" charset="2"/>
+            </a:endParaRPr>
+          </a:p>
+          <a:p>
+            <a:pPr algn="l"/>
+            <a:r>
+              <a:rPr lang="en-US" dirty="0">
+                <a:sym typeface="Wingdings" panose="05000000000000000000" pitchFamily="2" charset="2"/>
+              </a:rPr>
+              <a:t>Option </a:t>
+            </a:r>
+            <a:r>
+              <a:rPr lang="he-IL" dirty="0">
+                <a:sym typeface="Wingdings" panose="05000000000000000000" pitchFamily="2" charset="2"/>
+              </a:rPr>
+              <a:t> </a:t>
+            </a:r>
+            <a:r>
+              <a:rPr lang="en-US" dirty="0">
+                <a:sym typeface="Wingdings" panose="05000000000000000000" pitchFamily="2" charset="2"/>
+              </a:rPr>
+              <a:t> </a:t>
+            </a:r>
+            <a:r>
+              <a:rPr lang="en-US" dirty="0">
+                <a:solidFill>
+                  <a:schemeClr val="accent1">
+                    <a:lumMod val="75000"/>
+                  </a:schemeClr>
+                </a:solidFill>
+                <a:sym typeface="Webdings" panose="05030102010509060703" pitchFamily="18" charset="2"/>
+              </a:rPr>
+              <a:t></a:t>
+            </a:r>
+            <a:endParaRPr lang="en-US" dirty="0">
+              <a:solidFill>
+                <a:schemeClr val="accent1">
+                  <a:lumMod val="75000"/>
+                </a:schemeClr>
+              </a:solidFill>
+            </a:endParaRPr>
+          </a:p>
+        </p:txBody>
+      </p:sp>
     </p:spTree>
     <p:extLst>
       <p:ext uri="{BB962C8B-B14F-4D97-AF65-F5344CB8AC3E}">
@@ -7743,7 +8197,7 @@
                   </a:outerShdw>
                 </a:effectLst>
               </a:rPr>
-              <a:t>חלון ראשי צאט</a:t>
+              <a:t>עמוד צ'אטים</a:t>
             </a:r>
             <a:endParaRPr lang="en-US" b="1" u="sng" dirty="0">
               <a:effectLst>
@@ -7933,8 +8387,20 @@
               <a:buChar char="-"/>
             </a:pPr>
             <a:r>
-              <a:rPr lang="he-IL" dirty="0"/>
-              <a:t>#רעיון  - הצאט פתוח רק למשך הזמן של הפגישה הפתוחה, לאחר מכן ננעל אוטומטית</a:t>
+              <a:rPr lang="he-IL" b="1" i="1" u="sng" dirty="0">
+                <a:effectLst>
+                  <a:outerShdw blurRad="38100" dist="38100" dir="2700000" algn="tl">
+                    <a:srgbClr val="000000">
+                      <a:alpha val="43137"/>
+                    </a:srgbClr>
+                  </a:outerShdw>
+                </a:effectLst>
+              </a:rPr>
+              <a:t>#</a:t>
+            </a:r>
+            <a:r>
+              <a:rPr lang="he-IL" i="1" dirty="0"/>
+              <a:t> רעיון  - הצאט פתוח רק למשך הזמן של הפגישה הפתוחה, לאחר מכן נסגר אוטומטית</a:t>
             </a:r>
           </a:p>
           <a:p>
@@ -8612,13 +9078,13 @@
             <p:nvPr/>
           </p:nvPicPr>
           <p:blipFill>
-            <a:blip r:embed="rId4">
+            <a:blip r:embed="rId12">
               <a:extLst>
                 <a:ext uri="{28A0092B-C50C-407E-A947-70E740481C1C}">
                   <a14:useLocalDpi xmlns:a14="http://schemas.microsoft.com/office/drawing/2010/main" val="0"/>
                 </a:ext>
                 <a:ext uri="{96DAC541-7B7A-43D3-8B79-37D633B846F1}">
-                  <asvg:svgBlip xmlns:asvg="http://schemas.microsoft.com/office/drawing/2016/SVG/main" r:embed="rId5"/>
+                  <asvg:svgBlip xmlns:asvg="http://schemas.microsoft.com/office/drawing/2016/SVG/main" r:embed="rId13"/>
                 </a:ext>
               </a:extLst>
             </a:blip>
@@ -8651,13 +9117,13 @@
             <p:nvPr/>
           </p:nvPicPr>
           <p:blipFill>
-            <a:blip r:embed="rId12">
+            <a:blip r:embed="rId14">
               <a:extLst>
                 <a:ext uri="{28A0092B-C50C-407E-A947-70E740481C1C}">
                   <a14:useLocalDpi xmlns:a14="http://schemas.microsoft.com/office/drawing/2010/main" val="0"/>
                 </a:ext>
                 <a:ext uri="{96DAC541-7B7A-43D3-8B79-37D633B846F1}">
-                  <asvg:svgBlip xmlns:asvg="http://schemas.microsoft.com/office/drawing/2016/SVG/main" r:embed="rId13"/>
+                  <asvg:svgBlip xmlns:asvg="http://schemas.microsoft.com/office/drawing/2016/SVG/main" r:embed="rId15"/>
                 </a:ext>
               </a:extLst>
             </a:blip>
@@ -8690,13 +9156,13 @@
             <p:nvPr/>
           </p:nvPicPr>
           <p:blipFill>
-            <a:blip r:embed="rId14">
+            <a:blip r:embed="rId16">
               <a:extLst>
                 <a:ext uri="{28A0092B-C50C-407E-A947-70E740481C1C}">
                   <a14:useLocalDpi xmlns:a14="http://schemas.microsoft.com/office/drawing/2010/main" val="0"/>
                 </a:ext>
                 <a:ext uri="{96DAC541-7B7A-43D3-8B79-37D633B846F1}">
-                  <asvg:svgBlip xmlns:asvg="http://schemas.microsoft.com/office/drawing/2016/SVG/main" r:embed="rId15"/>
+                  <asvg:svgBlip xmlns:asvg="http://schemas.microsoft.com/office/drawing/2016/SVG/main" r:embed="rId17"/>
                 </a:ext>
               </a:extLst>
             </a:blip>
@@ -8865,7 +9331,7 @@
         <p:spPr>
           <a:xfrm>
             <a:off x="1717129" y="1407952"/>
-            <a:ext cx="4275297" cy="2031325"/>
+            <a:ext cx="4275297" cy="2585323"/>
           </a:xfrm>
           <a:prstGeom prst="rect">
             <a:avLst/>
@@ -8938,6 +9404,24 @@
             <a:r>
               <a:rPr lang="he-IL" dirty="0"/>
               <a:t>לסגור צ'אט</a:t>
+            </a:r>
+          </a:p>
+          <a:p>
+            <a:pPr marL="285750" indent="-285750" algn="r" rtl="1">
+              <a:buFontTx/>
+              <a:buChar char="-"/>
+            </a:pPr>
+            <a:r>
+              <a:rPr lang="he-IL" dirty="0"/>
+              <a:t>שליחת הודעה תתבצע על ידי הקשת כפתור </a:t>
+            </a:r>
+            <a:r>
+              <a:rPr lang="en-US" dirty="0"/>
+              <a:t>send</a:t>
+            </a:r>
+            <a:r>
+              <a:rPr lang="he-IL" dirty="0"/>
+              <a:t> במקלדת המכשיר עצמה</a:t>
             </a:r>
           </a:p>
           <a:p>
@@ -9491,13 +9975,13 @@
             <p:nvPr/>
           </p:nvPicPr>
           <p:blipFill>
-            <a:blip r:embed="rId4">
+            <a:blip r:embed="rId12">
               <a:extLst>
                 <a:ext uri="{28A0092B-C50C-407E-A947-70E740481C1C}">
                   <a14:useLocalDpi xmlns:a14="http://schemas.microsoft.com/office/drawing/2010/main" val="0"/>
                 </a:ext>
                 <a:ext uri="{96DAC541-7B7A-43D3-8B79-37D633B846F1}">
-                  <asvg:svgBlip xmlns:asvg="http://schemas.microsoft.com/office/drawing/2016/SVG/main" r:embed="rId5"/>
+                  <asvg:svgBlip xmlns:asvg="http://schemas.microsoft.com/office/drawing/2016/SVG/main" r:embed="rId13"/>
                 </a:ext>
               </a:extLst>
             </a:blip>
@@ -9530,13 +10014,13 @@
             <p:nvPr/>
           </p:nvPicPr>
           <p:blipFill>
-            <a:blip r:embed="rId12">
+            <a:blip r:embed="rId14">
               <a:extLst>
                 <a:ext uri="{28A0092B-C50C-407E-A947-70E740481C1C}">
                   <a14:useLocalDpi xmlns:a14="http://schemas.microsoft.com/office/drawing/2010/main" val="0"/>
                 </a:ext>
                 <a:ext uri="{96DAC541-7B7A-43D3-8B79-37D633B846F1}">
-                  <asvg:svgBlip xmlns:asvg="http://schemas.microsoft.com/office/drawing/2016/SVG/main" r:embed="rId13"/>
+                  <asvg:svgBlip xmlns:asvg="http://schemas.microsoft.com/office/drawing/2016/SVG/main" r:embed="rId15"/>
                 </a:ext>
               </a:extLst>
             </a:blip>
@@ -9569,13 +10053,13 @@
             <p:nvPr/>
           </p:nvPicPr>
           <p:blipFill>
-            <a:blip r:embed="rId14">
+            <a:blip r:embed="rId16">
               <a:extLst>
                 <a:ext uri="{28A0092B-C50C-407E-A947-70E740481C1C}">
                   <a14:useLocalDpi xmlns:a14="http://schemas.microsoft.com/office/drawing/2010/main" val="0"/>
                 </a:ext>
                 <a:ext uri="{96DAC541-7B7A-43D3-8B79-37D633B846F1}">
-                  <asvg:svgBlip xmlns:asvg="http://schemas.microsoft.com/office/drawing/2016/SVG/main" r:embed="rId15"/>
+                  <asvg:svgBlip xmlns:asvg="http://schemas.microsoft.com/office/drawing/2016/SVG/main" r:embed="rId17"/>
                 </a:ext>
               </a:extLst>
             </a:blip>
@@ -9988,6 +10472,157 @@
               <a:rPr lang="en-US" dirty="0"/>
               <a:t>i</a:t>
             </a:r>
+          </a:p>
+        </p:txBody>
+      </p:sp>
+      <p:sp>
+        <p:nvSpPr>
+          <p:cNvPr id="6" name="TextBox 5">
+            <a:extLst>
+              <a:ext uri="{FF2B5EF4-FFF2-40B4-BE49-F238E27FC236}">
+                <a16:creationId xmlns:a16="http://schemas.microsoft.com/office/drawing/2014/main" id="{2EAC65E5-FCE2-4CA8-BAD5-540F8E75A0EF}"/>
+              </a:ext>
+            </a:extLst>
+          </p:cNvPr>
+          <p:cNvSpPr txBox="1"/>
+          <p:nvPr/>
+        </p:nvSpPr>
+        <p:spPr>
+          <a:xfrm>
+            <a:off x="552488" y="1942673"/>
+            <a:ext cx="1118586" cy="223477"/>
+          </a:xfrm>
+          <a:prstGeom prst="rect">
+            <a:avLst/>
+          </a:prstGeom>
+          <a:noFill/>
+          <a:ln w="12700">
+            <a:solidFill>
+              <a:schemeClr val="tx1"/>
+            </a:solidFill>
+          </a:ln>
+        </p:spPr>
+        <p:txBody>
+          <a:bodyPr wrap="square" rtlCol="0">
+            <a:spAutoFit/>
+          </a:bodyPr>
+          <a:lstStyle/>
+          <a:p>
+            <a:pPr algn="r" rtl="1"/>
+            <a:r>
+              <a:rPr lang="he-IL" sz="800" dirty="0"/>
+              <a:t>על שניהם ניתן להסתכל</a:t>
+            </a:r>
+            <a:endParaRPr lang="en-US" sz="800" dirty="0"/>
+          </a:p>
+        </p:txBody>
+      </p:sp>
+      <p:sp>
+        <p:nvSpPr>
+          <p:cNvPr id="9" name="Left Brace 8">
+            <a:extLst>
+              <a:ext uri="{FF2B5EF4-FFF2-40B4-BE49-F238E27FC236}">
+                <a16:creationId xmlns:a16="http://schemas.microsoft.com/office/drawing/2014/main" id="{C0F75E8E-67D8-4029-B070-57C41C62C133}"/>
+              </a:ext>
+            </a:extLst>
+          </p:cNvPr>
+          <p:cNvSpPr/>
+          <p:nvPr/>
+        </p:nvSpPr>
+        <p:spPr>
+          <a:xfrm>
+            <a:off x="1748898" y="1760600"/>
+            <a:ext cx="177556" cy="547594"/>
+          </a:xfrm>
+          <a:prstGeom prst="leftBrace">
+            <a:avLst/>
+          </a:prstGeom>
+          <a:ln w="12700">
+            <a:solidFill>
+              <a:schemeClr val="tx1"/>
+            </a:solidFill>
+          </a:ln>
+        </p:spPr>
+        <p:style>
+          <a:lnRef idx="1">
+            <a:schemeClr val="accent1"/>
+          </a:lnRef>
+          <a:fillRef idx="0">
+            <a:schemeClr val="accent1"/>
+          </a:fillRef>
+          <a:effectRef idx="0">
+            <a:schemeClr val="accent1"/>
+          </a:effectRef>
+          <a:fontRef idx="minor">
+            <a:schemeClr val="tx1"/>
+          </a:fontRef>
+        </p:style>
+        <p:txBody>
+          <a:bodyPr rtlCol="0" anchor="ctr"/>
+          <a:lstStyle/>
+          <a:p>
+            <a:pPr algn="ctr"/>
+            <a:endParaRPr lang="en-US"/>
+          </a:p>
+        </p:txBody>
+      </p:sp>
+      <p:sp>
+        <p:nvSpPr>
+          <p:cNvPr id="40" name="TextBox 39">
+            <a:extLst>
+              <a:ext uri="{FF2B5EF4-FFF2-40B4-BE49-F238E27FC236}">
+                <a16:creationId xmlns:a16="http://schemas.microsoft.com/office/drawing/2014/main" id="{4C51BA10-0736-4745-A787-C355150172DA}"/>
+              </a:ext>
+            </a:extLst>
+          </p:cNvPr>
+          <p:cNvSpPr txBox="1"/>
+          <p:nvPr/>
+        </p:nvSpPr>
+        <p:spPr>
+          <a:xfrm>
+            <a:off x="1733337" y="3865813"/>
+            <a:ext cx="4275297" cy="1754326"/>
+          </a:xfrm>
+          <a:prstGeom prst="rect">
+            <a:avLst/>
+          </a:prstGeom>
+          <a:noFill/>
+        </p:spPr>
+        <p:txBody>
+          <a:bodyPr wrap="square" rtlCol="0">
+            <a:spAutoFit/>
+          </a:bodyPr>
+          <a:lstStyle/>
+          <a:p>
+            <a:pPr algn="r" rtl="1"/>
+            <a:r>
+              <a:rPr lang="he-IL" dirty="0"/>
+              <a:t>דגשים:</a:t>
+            </a:r>
+          </a:p>
+          <a:p>
+            <a:pPr marL="285750" indent="-285750" algn="r" rtl="1">
+              <a:buFont typeface="Arial" panose="020B0604020202020204" pitchFamily="34" charset="0"/>
+              <a:buChar char="•"/>
+            </a:pPr>
+            <a:r>
+              <a:rPr lang="he-IL" dirty="0"/>
+              <a:t>בדיקת טקסט ההודעה, אסור שליחת מילים לא ראויות וכדומה</a:t>
+            </a:r>
+          </a:p>
+          <a:p>
+            <a:pPr marL="285750" indent="-285750" algn="r" rtl="1">
+              <a:buFont typeface="Arial" panose="020B0604020202020204" pitchFamily="34" charset="0"/>
+              <a:buChar char="•"/>
+            </a:pPr>
+            <a:r>
+              <a:rPr lang="he-IL" dirty="0"/>
+              <a:t>תהיה אפשרות שהאפליקציה תייצר הודעה לכאלה שלא יודעים הכיצד לשבור את הקרח</a:t>
+            </a:r>
+          </a:p>
+          <a:p>
+            <a:pPr algn="r" rtl="1"/>
+            <a:endParaRPr lang="he-IL" dirty="0"/>
           </a:p>
         </p:txBody>
       </p:sp>
@@ -10067,7 +10702,12 @@
             <p:ph idx="1"/>
           </p:nvPr>
         </p:nvSpPr>
-        <p:spPr/>
+        <p:spPr>
+          <a:xfrm>
+            <a:off x="838200" y="1864536"/>
+            <a:ext cx="10515600" cy="4351338"/>
+          </a:xfrm>
+        </p:spPr>
         <p:txBody>
           <a:bodyPr/>
           <a:lstStyle/>
@@ -10095,10 +10735,18 @@
           <a:p>
             <a:pPr algn="r" rtl="1"/>
             <a:r>
-              <a:rPr lang="he-IL" dirty="0"/>
+              <a:rPr lang="he-IL" i="1" dirty="0">
+                <a:solidFill>
+                  <a:schemeClr val="bg2"/>
+                </a:solidFill>
+              </a:rPr>
               <a:t>משחקים לשבירת קרח בהתחלה – לא רלוונטי לגרסה זו</a:t>
             </a:r>
-            <a:endParaRPr lang="en-US" dirty="0"/>
+            <a:endParaRPr lang="en-US" i="1" dirty="0">
+              <a:solidFill>
+                <a:schemeClr val="bg2"/>
+              </a:solidFill>
+            </a:endParaRPr>
           </a:p>
           <a:p>
             <a:pPr algn="r" rtl="1"/>
@@ -10111,27 +10759,8 @@
             <a:pPr algn="r" rtl="1"/>
             <a:r>
               <a:rPr lang="he-IL" dirty="0"/>
-              <a:t>אפשרות לצבור ניקוד(?לברר?)</a:t>
-            </a:r>
-          </a:p>
-          <a:p>
-            <a:pPr algn="r" rtl="1"/>
-            <a:r>
-              <a:rPr lang="he-IL" dirty="0"/>
               <a:t>לנסות להבין איך אנחנו הופכים את חווית הבודד באפליקצייה לנגישה וקלה יותר</a:t>
             </a:r>
-          </a:p>
-          <a:p>
-            <a:pPr algn="r" rtl="1"/>
-            <a:endParaRPr lang="he-IL" dirty="0"/>
-          </a:p>
-          <a:p>
-            <a:pPr algn="r" rtl="1"/>
-            <a:endParaRPr lang="he-IL" dirty="0"/>
-          </a:p>
-          <a:p>
-            <a:pPr algn="r" rtl="1"/>
-            <a:endParaRPr lang="en-US" dirty="0"/>
           </a:p>
         </p:txBody>
       </p:sp>
@@ -11037,7 +11666,7 @@
                   </a:outerShdw>
                 </a:effectLst>
               </a:rPr>
-              <a:t>מסך טעינה</a:t>
+              <a:t>מסך טעינה - כניסה</a:t>
             </a:r>
             <a:endParaRPr lang="en-US" b="1" u="sng" dirty="0">
               <a:effectLst>
@@ -11207,6 +11836,72 @@
           </a:prstGeom>
         </p:spPr>
       </p:pic>
+      <p:sp>
+        <p:nvSpPr>
+          <p:cNvPr id="6" name="TextBox 5">
+            <a:extLst>
+              <a:ext uri="{FF2B5EF4-FFF2-40B4-BE49-F238E27FC236}">
+                <a16:creationId xmlns:a16="http://schemas.microsoft.com/office/drawing/2014/main" id="{F3282872-60A0-4114-ADEC-E9268FD31E5A}"/>
+              </a:ext>
+            </a:extLst>
+          </p:cNvPr>
+          <p:cNvSpPr txBox="1"/>
+          <p:nvPr/>
+        </p:nvSpPr>
+        <p:spPr>
+          <a:xfrm>
+            <a:off x="559293" y="4068748"/>
+            <a:ext cx="4749552" cy="1200329"/>
+          </a:xfrm>
+          <a:prstGeom prst="rect">
+            <a:avLst/>
+          </a:prstGeom>
+          <a:noFill/>
+        </p:spPr>
+        <p:txBody>
+          <a:bodyPr wrap="square" rtlCol="0">
+            <a:spAutoFit/>
+          </a:bodyPr>
+          <a:lstStyle/>
+          <a:p>
+            <a:pPr algn="r"/>
+            <a:r>
+              <a:rPr lang="he-IL" dirty="0"/>
+              <a:t>דגשים:</a:t>
+            </a:r>
+          </a:p>
+          <a:p>
+            <a:pPr marL="285750" indent="-285750" algn="r" rtl="1">
+              <a:buFont typeface="Arial" panose="020B0604020202020204" pitchFamily="34" charset="0"/>
+              <a:buChar char="•"/>
+            </a:pPr>
+            <a:r>
+              <a:rPr lang="he-IL" dirty="0"/>
+              <a:t>בין 2 ל-5 שניות במקסימום</a:t>
+            </a:r>
+          </a:p>
+          <a:p>
+            <a:pPr marL="285750" indent="-285750" algn="r" rtl="1">
+              <a:buFont typeface="Arial" panose="020B0604020202020204" pitchFamily="34" charset="0"/>
+              <a:buChar char="•"/>
+            </a:pPr>
+            <a:r>
+              <a:rPr lang="he-IL" dirty="0"/>
+              <a:t>הלוגו מופיע על המסך על ההתחלה</a:t>
+            </a:r>
+          </a:p>
+          <a:p>
+            <a:pPr marL="285750" indent="-285750" algn="r" rtl="1">
+              <a:buFont typeface="Arial" panose="020B0604020202020204" pitchFamily="34" charset="0"/>
+              <a:buChar char="•"/>
+            </a:pPr>
+            <a:r>
+              <a:rPr lang="he-IL" dirty="0"/>
+              <a:t>הכתב מופיע כ0.5 – 1 שניות לאחר הלוגו</a:t>
+            </a:r>
+          </a:p>
+        </p:txBody>
+      </p:sp>
     </p:spTree>
     <p:extLst>
       <p:ext uri="{BB962C8B-B14F-4D97-AF65-F5344CB8AC3E}">
@@ -11583,7 +12278,7 @@
           <p:cNvPr id="2" name="Title 1">
             <a:extLst>
               <a:ext uri="{FF2B5EF4-FFF2-40B4-BE49-F238E27FC236}">
-                <a16:creationId xmlns:a16="http://schemas.microsoft.com/office/drawing/2014/main" id="{5BBA1555-7F39-4134-A5FC-0AD82548D93F}"/>
+                <a16:creationId xmlns:a16="http://schemas.microsoft.com/office/drawing/2014/main" id="{43551F67-0887-4CF3-A558-3259299FB54E}"/>
               </a:ext>
             </a:extLst>
           </p:cNvPr>
@@ -11594,30 +12289,101 @@
             <p:ph type="title"/>
           </p:nvPr>
         </p:nvSpPr>
-        <p:spPr/>
+        <p:spPr>
+          <a:xfrm>
+            <a:off x="838200" y="82389"/>
+            <a:ext cx="10515600" cy="1325563"/>
+          </a:xfrm>
+        </p:spPr>
         <p:txBody>
           <a:bodyPr/>
           <a:lstStyle/>
           <a:p>
-            <a:pPr algn="r" rtl="1"/>
-            <a:r>
-              <a:rPr lang="he-IL" dirty="0"/>
-              <a:t>תכונות האובייקט של המשתמש - </a:t>
-            </a:r>
-            <a:r>
-              <a:rPr lang="en-GB" dirty="0"/>
-              <a:t>User</a:t>
-            </a:r>
-            <a:endParaRPr lang="en-US" dirty="0"/>
-          </a:p>
-        </p:txBody>
-      </p:sp>
-      <p:sp>
-        <p:nvSpPr>
-          <p:cNvPr id="6" name="TextBox 5">
-            <a:extLst>
-              <a:ext uri="{FF2B5EF4-FFF2-40B4-BE49-F238E27FC236}">
-                <a16:creationId xmlns:a16="http://schemas.microsoft.com/office/drawing/2014/main" id="{20A84E70-2D58-4365-9C3A-07C9E004CBD9}"/>
+            <a:pPr algn="ctr" rtl="1"/>
+            <a:r>
+              <a:rPr lang="he-IL" b="1" u="sng" dirty="0">
+                <a:effectLst>
+                  <a:outerShdw blurRad="38100" dist="38100" dir="2700000" algn="tl">
+                    <a:srgbClr val="000000">
+                      <a:alpha val="43137"/>
+                    </a:srgbClr>
+                  </a:outerShdw>
+                </a:effectLst>
+              </a:rPr>
+              <a:t>מסך רישום</a:t>
+            </a:r>
+            <a:endParaRPr lang="en-US" b="1" u="sng" dirty="0">
+              <a:effectLst>
+                <a:outerShdw blurRad="38100" dist="38100" dir="2700000" algn="tl">
+                  <a:srgbClr val="000000">
+                    <a:alpha val="43137"/>
+                  </a:srgbClr>
+                </a:outerShdw>
+              </a:effectLst>
+            </a:endParaRPr>
+          </a:p>
+        </p:txBody>
+      </p:sp>
+      <p:sp>
+        <p:nvSpPr>
+          <p:cNvPr id="7" name="Rectangle 6">
+            <a:extLst>
+              <a:ext uri="{FF2B5EF4-FFF2-40B4-BE49-F238E27FC236}">
+                <a16:creationId xmlns:a16="http://schemas.microsoft.com/office/drawing/2014/main" id="{E2132CCE-A8BD-45C1-8261-86521EF9AD9E}"/>
+              </a:ext>
+            </a:extLst>
+          </p:cNvPr>
+          <p:cNvSpPr/>
+          <p:nvPr/>
+        </p:nvSpPr>
+        <p:spPr>
+          <a:xfrm>
+            <a:off x="5853568" y="1269507"/>
+            <a:ext cx="2790334" cy="4926928"/>
+          </a:xfrm>
+          <a:prstGeom prst="rect">
+            <a:avLst/>
+          </a:prstGeom>
+          <a:solidFill>
+            <a:schemeClr val="accent1"/>
+          </a:solidFill>
+          <a:ln w="28575">
+            <a:solidFill>
+              <a:schemeClr val="tx1"/>
+            </a:solidFill>
+          </a:ln>
+        </p:spPr>
+        <p:style>
+          <a:lnRef idx="2">
+            <a:schemeClr val="accent1">
+              <a:shade val="50000"/>
+            </a:schemeClr>
+          </a:lnRef>
+          <a:fillRef idx="1">
+            <a:schemeClr val="accent1"/>
+          </a:fillRef>
+          <a:effectRef idx="0">
+            <a:schemeClr val="accent1"/>
+          </a:effectRef>
+          <a:fontRef idx="minor">
+            <a:schemeClr val="lt1"/>
+          </a:fontRef>
+        </p:style>
+        <p:txBody>
+          <a:bodyPr rtlCol="0" anchor="ctr"/>
+          <a:lstStyle/>
+          <a:p>
+            <a:pPr algn="ctr"/>
+            <a:endParaRPr lang="en-US"/>
+          </a:p>
+        </p:txBody>
+      </p:sp>
+      <p:sp>
+        <p:nvSpPr>
+          <p:cNvPr id="11" name="TextBox 10">
+            <a:extLst>
+              <a:ext uri="{FF2B5EF4-FFF2-40B4-BE49-F238E27FC236}">
+                <a16:creationId xmlns:a16="http://schemas.microsoft.com/office/drawing/2014/main" id="{0AEA5B3E-55B4-4478-8DDF-223B6DCFE9EA}"/>
               </a:ext>
             </a:extLst>
           </p:cNvPr>
@@ -11626,8 +12392,8 @@
         </p:nvSpPr>
         <p:spPr>
           <a:xfrm>
-            <a:off x="2734322" y="1690688"/>
-            <a:ext cx="8343309" cy="2862322"/>
+            <a:off x="1561140" y="1387136"/>
+            <a:ext cx="3791589" cy="2862322"/>
           </a:xfrm>
           <a:prstGeom prst="rect">
             <a:avLst/>
@@ -11640,150 +12406,965 @@
           </a:bodyPr>
           <a:lstStyle/>
           <a:p>
+            <a:pPr algn="r" rtl="1"/>
+            <a:r>
+              <a:rPr lang="he-IL" dirty="0"/>
+              <a:t>פונקציונליות:</a:t>
+            </a:r>
+            <a:endParaRPr lang="en-GB" dirty="0"/>
+          </a:p>
+          <a:p>
+            <a:pPr algn="r" rtl="1"/>
+            <a:r>
+              <a:rPr lang="he-IL" dirty="0"/>
+              <a:t>- </a:t>
+            </a:r>
+            <a:endParaRPr lang="en-US" dirty="0"/>
+          </a:p>
+          <a:p>
+            <a:pPr algn="r" rtl="1"/>
+            <a:r>
+              <a:rPr lang="he-IL" dirty="0"/>
+              <a:t>- לבדוק שהשדות מולאו כראוי</a:t>
+            </a:r>
+          </a:p>
+          <a:p>
+            <a:pPr algn="r" rtl="1"/>
+            <a:r>
+              <a:rPr lang="he-IL" dirty="0"/>
+              <a:t> - מין : </a:t>
+            </a:r>
+            <a:br>
+              <a:rPr lang="en-US" dirty="0"/>
+            </a:br>
+            <a:r>
+              <a:rPr lang="he-IL" dirty="0"/>
+              <a:t>       זכר נקבה מעדיף לא לומר ואחר</a:t>
+            </a:r>
+          </a:p>
+          <a:p>
+            <a:pPr algn="r" rtl="1"/>
+            <a:r>
+              <a:rPr lang="he-IL" dirty="0"/>
+              <a:t> - דיאלוג לתמצית:</a:t>
+            </a:r>
+          </a:p>
+          <a:p>
+            <a:pPr algn="r" rtl="1"/>
+            <a:r>
+              <a:rPr lang="he-IL" dirty="0"/>
+              <a:t>       פתיחת דיאלוג שבתוכו המשתמש</a:t>
+            </a:r>
+            <a:br>
+              <a:rPr lang="en-US" dirty="0"/>
+            </a:br>
+            <a:r>
+              <a:rPr lang="he-IL" dirty="0"/>
+              <a:t>       יכתוב את התמצית על עצמו, וילחץ</a:t>
+            </a:r>
+            <a:br>
+              <a:rPr lang="en-US" dirty="0"/>
+            </a:br>
+            <a:r>
+              <a:rPr lang="he-IL" dirty="0"/>
+              <a:t>       אישור שיגרור שמירה והנחתו</a:t>
+            </a:r>
+            <a:br>
+              <a:rPr lang="en-US" dirty="0"/>
+            </a:br>
+            <a:r>
+              <a:rPr lang="he-IL" dirty="0"/>
+              <a:t>       מבחינתנו</a:t>
+            </a:r>
+          </a:p>
+        </p:txBody>
+      </p:sp>
+      <p:sp>
+        <p:nvSpPr>
+          <p:cNvPr id="3" name="Rectangle: Rounded Corners 2">
+            <a:extLst>
+              <a:ext uri="{FF2B5EF4-FFF2-40B4-BE49-F238E27FC236}">
+                <a16:creationId xmlns:a16="http://schemas.microsoft.com/office/drawing/2014/main" id="{F716C71B-26DB-4400-80E2-6FC3839E7B0F}"/>
+              </a:ext>
+            </a:extLst>
+          </p:cNvPr>
+          <p:cNvSpPr/>
+          <p:nvPr/>
+        </p:nvSpPr>
+        <p:spPr>
+          <a:xfrm>
+            <a:off x="5993697" y="1407953"/>
+            <a:ext cx="2520799" cy="4180540"/>
+          </a:xfrm>
+          <a:prstGeom prst="roundRect">
+            <a:avLst/>
+          </a:prstGeom>
+          <a:solidFill>
+            <a:srgbClr val="7030A0"/>
+          </a:solidFill>
+        </p:spPr>
+        <p:style>
+          <a:lnRef idx="0">
+            <a:schemeClr val="accent5"/>
+          </a:lnRef>
+          <a:fillRef idx="3">
+            <a:schemeClr val="accent5"/>
+          </a:fillRef>
+          <a:effectRef idx="3">
+            <a:schemeClr val="accent5"/>
+          </a:effectRef>
+          <a:fontRef idx="minor">
+            <a:schemeClr val="lt1"/>
+          </a:fontRef>
+        </p:style>
+        <p:txBody>
+          <a:bodyPr rtlCol="0" anchor="ctr"/>
+          <a:lstStyle/>
+          <a:p>
+            <a:pPr algn="ctr"/>
+            <a:endParaRPr lang="en-US" dirty="0"/>
+          </a:p>
+        </p:txBody>
+      </p:sp>
+      <p:sp>
+        <p:nvSpPr>
+          <p:cNvPr id="4" name="TextBox 3">
+            <a:extLst>
+              <a:ext uri="{FF2B5EF4-FFF2-40B4-BE49-F238E27FC236}">
+                <a16:creationId xmlns:a16="http://schemas.microsoft.com/office/drawing/2014/main" id="{4A528F99-0B00-4C6E-A234-21A3BBA472B9}"/>
+              </a:ext>
+            </a:extLst>
+          </p:cNvPr>
+          <p:cNvSpPr txBox="1"/>
+          <p:nvPr/>
+        </p:nvSpPr>
+        <p:spPr>
+          <a:xfrm>
+            <a:off x="6663828" y="4943782"/>
+            <a:ext cx="1242874" cy="369332"/>
+          </a:xfrm>
+          <a:prstGeom prst="rect">
+            <a:avLst/>
+          </a:prstGeom>
+          <a:noFill/>
+        </p:spPr>
+        <p:txBody>
+          <a:bodyPr wrap="square" rtlCol="0">
+            <a:spAutoFit/>
+          </a:bodyPr>
+          <a:lstStyle/>
+          <a:p>
+            <a:pPr algn="ctr"/>
+            <a:r>
+              <a:rPr lang="he-IL" dirty="0">
+                <a:solidFill>
+                  <a:schemeClr val="bg1"/>
+                </a:solidFill>
+              </a:rPr>
+              <a:t> . </a:t>
+            </a:r>
+            <a:r>
+              <a:rPr lang="he-IL" dirty="0"/>
+              <a:t>.</a:t>
+            </a:r>
+            <a:r>
+              <a:rPr lang="he-IL" dirty="0">
+                <a:solidFill>
+                  <a:schemeClr val="bg1"/>
+                </a:solidFill>
+              </a:rPr>
+              <a:t> .</a:t>
+            </a:r>
+            <a:endParaRPr lang="en-US" dirty="0">
+              <a:solidFill>
+                <a:schemeClr val="bg1"/>
+              </a:solidFill>
+            </a:endParaRPr>
+          </a:p>
+        </p:txBody>
+      </p:sp>
+      <p:sp>
+        <p:nvSpPr>
+          <p:cNvPr id="5" name="Rectangle 4">
+            <a:extLst>
+              <a:ext uri="{FF2B5EF4-FFF2-40B4-BE49-F238E27FC236}">
+                <a16:creationId xmlns:a16="http://schemas.microsoft.com/office/drawing/2014/main" id="{5A564A2C-F1AB-4C80-BBFE-BF7D40042EA7}"/>
+              </a:ext>
+            </a:extLst>
+          </p:cNvPr>
+          <p:cNvSpPr/>
+          <p:nvPr/>
+        </p:nvSpPr>
+        <p:spPr>
+          <a:xfrm>
+            <a:off x="6378722" y="3820451"/>
+            <a:ext cx="1740023" cy="435006"/>
+          </a:xfrm>
+          <a:prstGeom prst="rect">
+            <a:avLst/>
+          </a:prstGeom>
+          <a:solidFill>
+            <a:schemeClr val="bg1"/>
+          </a:solidFill>
+        </p:spPr>
+        <p:style>
+          <a:lnRef idx="2">
+            <a:schemeClr val="accent1">
+              <a:shade val="50000"/>
+            </a:schemeClr>
+          </a:lnRef>
+          <a:fillRef idx="1">
+            <a:schemeClr val="accent1"/>
+          </a:fillRef>
+          <a:effectRef idx="0">
+            <a:schemeClr val="accent1"/>
+          </a:effectRef>
+          <a:fontRef idx="minor">
+            <a:schemeClr val="lt1"/>
+          </a:fontRef>
+        </p:style>
+        <p:txBody>
+          <a:bodyPr rtlCol="0" anchor="ctr"/>
+          <a:lstStyle/>
+          <a:p>
+            <a:pPr algn="ctr"/>
+            <a:r>
+              <a:rPr lang="he-IL" dirty="0">
+                <a:solidFill>
+                  <a:schemeClr val="bg1">
+                    <a:lumMod val="65000"/>
+                  </a:schemeClr>
+                </a:solidFill>
+              </a:rPr>
+              <a:t>דיאלוג לתמצית</a:t>
+            </a:r>
+            <a:endParaRPr lang="en-US" dirty="0">
+              <a:solidFill>
+                <a:schemeClr val="bg1">
+                  <a:lumMod val="65000"/>
+                </a:schemeClr>
+              </a:solidFill>
+            </a:endParaRPr>
+          </a:p>
+        </p:txBody>
+      </p:sp>
+      <p:sp>
+        <p:nvSpPr>
+          <p:cNvPr id="13" name="Rectangle 12">
+            <a:extLst>
+              <a:ext uri="{FF2B5EF4-FFF2-40B4-BE49-F238E27FC236}">
+                <a16:creationId xmlns:a16="http://schemas.microsoft.com/office/drawing/2014/main" id="{B29D2809-D32A-4371-AEF0-8A4A034DDE46}"/>
+              </a:ext>
+            </a:extLst>
+          </p:cNvPr>
+          <p:cNvSpPr/>
+          <p:nvPr/>
+        </p:nvSpPr>
+        <p:spPr>
+          <a:xfrm>
+            <a:off x="6378723" y="2396699"/>
+            <a:ext cx="1740023" cy="435006"/>
+          </a:xfrm>
+          <a:prstGeom prst="rect">
+            <a:avLst/>
+          </a:prstGeom>
+          <a:solidFill>
+            <a:schemeClr val="bg1"/>
+          </a:solidFill>
+        </p:spPr>
+        <p:style>
+          <a:lnRef idx="2">
+            <a:schemeClr val="accent1">
+              <a:shade val="50000"/>
+            </a:schemeClr>
+          </a:lnRef>
+          <a:fillRef idx="1">
+            <a:schemeClr val="accent1"/>
+          </a:fillRef>
+          <a:effectRef idx="0">
+            <a:schemeClr val="accent1"/>
+          </a:effectRef>
+          <a:fontRef idx="minor">
+            <a:schemeClr val="lt1"/>
+          </a:fontRef>
+        </p:style>
+        <p:txBody>
+          <a:bodyPr rtlCol="0" anchor="ctr"/>
+          <a:lstStyle/>
+          <a:p>
+            <a:pPr algn="ctr"/>
+            <a:r>
+              <a:rPr lang="he-IL" dirty="0">
+                <a:solidFill>
+                  <a:schemeClr val="bg1">
+                    <a:lumMod val="65000"/>
+                  </a:schemeClr>
+                </a:solidFill>
+              </a:rPr>
+              <a:t>גיל</a:t>
+            </a:r>
+            <a:endParaRPr lang="en-US" dirty="0">
+              <a:solidFill>
+                <a:schemeClr val="bg1">
+                  <a:lumMod val="65000"/>
+                </a:schemeClr>
+              </a:solidFill>
+            </a:endParaRPr>
+          </a:p>
+        </p:txBody>
+      </p:sp>
+      <p:sp>
+        <p:nvSpPr>
+          <p:cNvPr id="14" name="Rectangle 13">
+            <a:extLst>
+              <a:ext uri="{FF2B5EF4-FFF2-40B4-BE49-F238E27FC236}">
+                <a16:creationId xmlns:a16="http://schemas.microsoft.com/office/drawing/2014/main" id="{ACCC4E67-64AC-4010-A908-D8C2F15A49D9}"/>
+              </a:ext>
+            </a:extLst>
+          </p:cNvPr>
+          <p:cNvSpPr/>
+          <p:nvPr/>
+        </p:nvSpPr>
+        <p:spPr>
+          <a:xfrm>
+            <a:off x="6415253" y="1684823"/>
+            <a:ext cx="1740023" cy="435006"/>
+          </a:xfrm>
+          <a:prstGeom prst="rect">
+            <a:avLst/>
+          </a:prstGeom>
+          <a:solidFill>
+            <a:schemeClr val="bg1"/>
+          </a:solidFill>
+        </p:spPr>
+        <p:style>
+          <a:lnRef idx="2">
+            <a:schemeClr val="accent1">
+              <a:shade val="50000"/>
+            </a:schemeClr>
+          </a:lnRef>
+          <a:fillRef idx="1">
+            <a:schemeClr val="accent1"/>
+          </a:fillRef>
+          <a:effectRef idx="0">
+            <a:schemeClr val="accent1"/>
+          </a:effectRef>
+          <a:fontRef idx="minor">
+            <a:schemeClr val="lt1"/>
+          </a:fontRef>
+        </p:style>
+        <p:txBody>
+          <a:bodyPr rtlCol="0" anchor="ctr"/>
+          <a:lstStyle/>
+          <a:p>
+            <a:pPr algn="ctr"/>
+            <a:r>
+              <a:rPr lang="he-IL" dirty="0">
+                <a:solidFill>
+                  <a:schemeClr val="bg1">
+                    <a:lumMod val="65000"/>
+                  </a:schemeClr>
+                </a:solidFill>
+              </a:rPr>
+              <a:t>שם / כינוי</a:t>
+            </a:r>
+            <a:endParaRPr lang="en-US" dirty="0">
+              <a:solidFill>
+                <a:schemeClr val="bg1">
+                  <a:lumMod val="65000"/>
+                </a:schemeClr>
+              </a:solidFill>
+            </a:endParaRPr>
+          </a:p>
+        </p:txBody>
+      </p:sp>
+      <p:sp>
+        <p:nvSpPr>
+          <p:cNvPr id="15" name="Rectangle 14">
+            <a:extLst>
+              <a:ext uri="{FF2B5EF4-FFF2-40B4-BE49-F238E27FC236}">
+                <a16:creationId xmlns:a16="http://schemas.microsoft.com/office/drawing/2014/main" id="{539658DA-B9B6-45DD-AD45-0F328D8D859E}"/>
+              </a:ext>
+            </a:extLst>
+          </p:cNvPr>
+          <p:cNvSpPr/>
+          <p:nvPr/>
+        </p:nvSpPr>
+        <p:spPr>
+          <a:xfrm>
+            <a:off x="6378722" y="3108575"/>
+            <a:ext cx="1740023" cy="435006"/>
+          </a:xfrm>
+          <a:prstGeom prst="rect">
+            <a:avLst/>
+          </a:prstGeom>
+          <a:solidFill>
+            <a:schemeClr val="bg1"/>
+          </a:solidFill>
+        </p:spPr>
+        <p:style>
+          <a:lnRef idx="2">
+            <a:schemeClr val="accent1">
+              <a:shade val="50000"/>
+            </a:schemeClr>
+          </a:lnRef>
+          <a:fillRef idx="1">
+            <a:schemeClr val="accent1"/>
+          </a:fillRef>
+          <a:effectRef idx="0">
+            <a:schemeClr val="accent1"/>
+          </a:effectRef>
+          <a:fontRef idx="minor">
+            <a:schemeClr val="lt1"/>
+          </a:fontRef>
+        </p:style>
+        <p:txBody>
+          <a:bodyPr rtlCol="0" anchor="ctr"/>
+          <a:lstStyle/>
+          <a:p>
+            <a:pPr algn="ctr"/>
+            <a:r>
+              <a:rPr lang="he-IL" dirty="0">
+                <a:solidFill>
+                  <a:schemeClr val="bg1">
+                    <a:lumMod val="65000"/>
+                  </a:schemeClr>
+                </a:solidFill>
+              </a:rPr>
+              <a:t>מין</a:t>
+            </a:r>
+            <a:endParaRPr lang="en-US" dirty="0">
+              <a:solidFill>
+                <a:schemeClr val="bg1">
+                  <a:lumMod val="65000"/>
+                </a:schemeClr>
+              </a:solidFill>
+            </a:endParaRPr>
+          </a:p>
+        </p:txBody>
+      </p:sp>
+      <p:sp>
+        <p:nvSpPr>
+          <p:cNvPr id="6" name="Arrow: Right 5">
+            <a:extLst>
+              <a:ext uri="{FF2B5EF4-FFF2-40B4-BE49-F238E27FC236}">
+                <a16:creationId xmlns:a16="http://schemas.microsoft.com/office/drawing/2014/main" id="{4666CA0A-DCFC-4B30-AFA4-2F6D291584C6}"/>
+              </a:ext>
+            </a:extLst>
+          </p:cNvPr>
+          <p:cNvSpPr/>
+          <p:nvPr/>
+        </p:nvSpPr>
+        <p:spPr>
+          <a:xfrm>
+            <a:off x="7884164" y="5069402"/>
+            <a:ext cx="479406" cy="291287"/>
+          </a:xfrm>
+          <a:prstGeom prst="rightArrow">
+            <a:avLst/>
+          </a:prstGeom>
+          <a:solidFill>
+            <a:schemeClr val="accent2">
+              <a:lumMod val="75000"/>
+            </a:schemeClr>
+          </a:solidFill>
+        </p:spPr>
+        <p:style>
+          <a:lnRef idx="2">
+            <a:schemeClr val="accent1">
+              <a:shade val="50000"/>
+            </a:schemeClr>
+          </a:lnRef>
+          <a:fillRef idx="1">
+            <a:schemeClr val="accent1"/>
+          </a:fillRef>
+          <a:effectRef idx="0">
+            <a:schemeClr val="accent1"/>
+          </a:effectRef>
+          <a:fontRef idx="minor">
+            <a:schemeClr val="lt1"/>
+          </a:fontRef>
+        </p:style>
+        <p:txBody>
+          <a:bodyPr rtlCol="0" anchor="ctr"/>
+          <a:lstStyle/>
+          <a:p>
+            <a:pPr algn="ctr"/>
+            <a:endParaRPr lang="en-US"/>
+          </a:p>
+        </p:txBody>
+      </p:sp>
+      <p:sp>
+        <p:nvSpPr>
+          <p:cNvPr id="16" name="Arrow: Right 15">
+            <a:extLst>
+              <a:ext uri="{FF2B5EF4-FFF2-40B4-BE49-F238E27FC236}">
+                <a16:creationId xmlns:a16="http://schemas.microsoft.com/office/drawing/2014/main" id="{C2A9F0EC-F2F4-4440-BE81-8100CE96AF6E}"/>
+              </a:ext>
+            </a:extLst>
+          </p:cNvPr>
+          <p:cNvSpPr/>
+          <p:nvPr/>
+        </p:nvSpPr>
+        <p:spPr>
+          <a:xfrm rot="10800000">
+            <a:off x="6109111" y="5072806"/>
+            <a:ext cx="504195" cy="304800"/>
+          </a:xfrm>
+          <a:prstGeom prst="rightArrow">
+            <a:avLst/>
+          </a:prstGeom>
+          <a:solidFill>
+            <a:schemeClr val="accent2">
+              <a:lumMod val="75000"/>
+            </a:schemeClr>
+          </a:solidFill>
+        </p:spPr>
+        <p:style>
+          <a:lnRef idx="2">
+            <a:schemeClr val="accent1">
+              <a:shade val="50000"/>
+            </a:schemeClr>
+          </a:lnRef>
+          <a:fillRef idx="1">
+            <a:schemeClr val="accent1"/>
+          </a:fillRef>
+          <a:effectRef idx="0">
+            <a:schemeClr val="accent1"/>
+          </a:effectRef>
+          <a:fontRef idx="minor">
+            <a:schemeClr val="lt1"/>
+          </a:fontRef>
+        </p:style>
+        <p:txBody>
+          <a:bodyPr rtlCol="0" anchor="ctr"/>
+          <a:lstStyle/>
+          <a:p>
+            <a:pPr algn="ctr"/>
+            <a:endParaRPr lang="en-US"/>
+          </a:p>
+        </p:txBody>
+      </p:sp>
+      <p:sp>
+        <p:nvSpPr>
+          <p:cNvPr id="17" name="Rectangle: Rounded Corners 16">
+            <a:extLst>
+              <a:ext uri="{FF2B5EF4-FFF2-40B4-BE49-F238E27FC236}">
+                <a16:creationId xmlns:a16="http://schemas.microsoft.com/office/drawing/2014/main" id="{94B18F83-BECF-4838-8C5B-269D3F7E64BF}"/>
+              </a:ext>
+            </a:extLst>
+          </p:cNvPr>
+          <p:cNvSpPr/>
+          <p:nvPr/>
+        </p:nvSpPr>
+        <p:spPr>
+          <a:xfrm>
+            <a:off x="9219041" y="1727437"/>
+            <a:ext cx="2520799" cy="2085807"/>
+          </a:xfrm>
+          <a:prstGeom prst="roundRect">
+            <a:avLst/>
+          </a:prstGeom>
+          <a:solidFill>
+            <a:srgbClr val="7030A0"/>
+          </a:solidFill>
+        </p:spPr>
+        <p:style>
+          <a:lnRef idx="0">
+            <a:schemeClr val="accent5"/>
+          </a:lnRef>
+          <a:fillRef idx="3">
+            <a:schemeClr val="accent5"/>
+          </a:fillRef>
+          <a:effectRef idx="3">
+            <a:schemeClr val="accent5"/>
+          </a:effectRef>
+          <a:fontRef idx="minor">
+            <a:schemeClr val="lt1"/>
+          </a:fontRef>
+        </p:style>
+        <p:txBody>
+          <a:bodyPr rtlCol="0" anchor="ctr"/>
+          <a:lstStyle/>
+          <a:p>
+            <a:pPr algn="ctr"/>
+            <a:r>
+              <a:rPr lang="he-IL" dirty="0"/>
+              <a:t>דיאלוג לתמצית</a:t>
+            </a:r>
+          </a:p>
+          <a:p>
+            <a:pPr algn="ctr"/>
+            <a:r>
+              <a:rPr lang="he-IL" dirty="0"/>
+              <a:t>נראות איך שאנו נבחר</a:t>
+            </a:r>
+            <a:endParaRPr lang="en-US" dirty="0"/>
+          </a:p>
+        </p:txBody>
+      </p:sp>
+      <p:cxnSp>
+        <p:nvCxnSpPr>
+          <p:cNvPr id="10" name="Connector: Elbow 9">
+            <a:extLst>
+              <a:ext uri="{FF2B5EF4-FFF2-40B4-BE49-F238E27FC236}">
+                <a16:creationId xmlns:a16="http://schemas.microsoft.com/office/drawing/2014/main" id="{521828D1-86F4-4826-AAE6-FEB4EB70BCB1}"/>
+              </a:ext>
+            </a:extLst>
+          </p:cNvPr>
+          <p:cNvCxnSpPr>
+            <a:stCxn id="5" idx="3"/>
+            <a:endCxn id="17" idx="3"/>
+          </p:cNvCxnSpPr>
+          <p:nvPr/>
+        </p:nvCxnSpPr>
+        <p:spPr>
+          <a:xfrm flipV="1">
+            <a:off x="8118745" y="2770341"/>
+            <a:ext cx="3621095" cy="1267613"/>
+          </a:xfrm>
+          <a:prstGeom prst="bentConnector3">
+            <a:avLst>
+              <a:gd name="adj1" fmla="val 106313"/>
+            </a:avLst>
+          </a:prstGeom>
+          <a:ln w="38100">
+            <a:solidFill>
+              <a:schemeClr val="tx1"/>
+            </a:solidFill>
+            <a:tailEnd type="triangle"/>
+          </a:ln>
+        </p:spPr>
+        <p:style>
+          <a:lnRef idx="1">
+            <a:schemeClr val="accent1"/>
+          </a:lnRef>
+          <a:fillRef idx="0">
+            <a:schemeClr val="accent1"/>
+          </a:fillRef>
+          <a:effectRef idx="0">
+            <a:schemeClr val="accent1"/>
+          </a:effectRef>
+          <a:fontRef idx="minor">
+            <a:schemeClr val="tx1"/>
+          </a:fontRef>
+        </p:style>
+      </p:cxnSp>
+      <p:sp>
+        <p:nvSpPr>
+          <p:cNvPr id="21" name="Rectangle: Rounded Corners 20">
+            <a:extLst>
+              <a:ext uri="{FF2B5EF4-FFF2-40B4-BE49-F238E27FC236}">
+                <a16:creationId xmlns:a16="http://schemas.microsoft.com/office/drawing/2014/main" id="{9847D507-68FC-4D20-A7C6-54F2FFFC5882}"/>
+              </a:ext>
+            </a:extLst>
+          </p:cNvPr>
+          <p:cNvSpPr/>
+          <p:nvPr/>
+        </p:nvSpPr>
+        <p:spPr>
+          <a:xfrm>
+            <a:off x="6300324" y="4391724"/>
+            <a:ext cx="1399061" cy="435006"/>
+          </a:xfrm>
+          <a:prstGeom prst="roundRect">
+            <a:avLst/>
+          </a:prstGeom>
+          <a:solidFill>
+            <a:schemeClr val="accent4">
+              <a:lumMod val="75000"/>
+            </a:schemeClr>
+          </a:solidFill>
+        </p:spPr>
+        <p:style>
+          <a:lnRef idx="0">
+            <a:schemeClr val="accent5"/>
+          </a:lnRef>
+          <a:fillRef idx="3">
+            <a:schemeClr val="accent5"/>
+          </a:fillRef>
+          <a:effectRef idx="3">
+            <a:schemeClr val="accent5"/>
+          </a:effectRef>
+          <a:fontRef idx="minor">
+            <a:schemeClr val="lt1"/>
+          </a:fontRef>
+        </p:style>
+        <p:txBody>
+          <a:bodyPr rtlCol="0" anchor="ctr"/>
+          <a:lstStyle/>
+          <a:p>
+            <a:pPr algn="ctr"/>
+            <a:r>
+              <a:rPr lang="he-IL" sz="1400" dirty="0"/>
+              <a:t>אני מאשר ומקבל תנאי משתמש</a:t>
+            </a:r>
+            <a:endParaRPr lang="en-US" sz="1400" dirty="0"/>
+          </a:p>
+        </p:txBody>
+      </p:sp>
+      <p:sp>
+        <p:nvSpPr>
+          <p:cNvPr id="23" name="TextBox 22">
+            <a:extLst>
+              <a:ext uri="{FF2B5EF4-FFF2-40B4-BE49-F238E27FC236}">
+                <a16:creationId xmlns:a16="http://schemas.microsoft.com/office/drawing/2014/main" id="{528A66B4-2357-448C-BCA8-4FA066B0F38C}"/>
+              </a:ext>
+            </a:extLst>
+          </p:cNvPr>
+          <p:cNvSpPr txBox="1"/>
+          <p:nvPr/>
+        </p:nvSpPr>
+        <p:spPr>
+          <a:xfrm>
+            <a:off x="7677312" y="4391723"/>
+            <a:ext cx="458780" cy="461665"/>
+          </a:xfrm>
+          <a:prstGeom prst="rect">
+            <a:avLst/>
+          </a:prstGeom>
+          <a:noFill/>
+        </p:spPr>
+        <p:txBody>
+          <a:bodyPr wrap="none" rtlCol="0">
+            <a:spAutoFit/>
+          </a:bodyPr>
+          <a:lstStyle/>
+          <a:p>
+            <a:r>
+              <a:rPr lang="en-US" sz="2400" dirty="0">
+                <a:solidFill>
+                  <a:schemeClr val="bg1"/>
+                </a:solidFill>
+                <a:sym typeface="Wingdings" panose="05000000000000000000" pitchFamily="2" charset="2"/>
+              </a:rPr>
+              <a:t></a:t>
+            </a:r>
+            <a:endParaRPr lang="en-US" sz="2400" dirty="0">
+              <a:solidFill>
+                <a:schemeClr val="bg1"/>
+              </a:solidFill>
+            </a:endParaRPr>
+          </a:p>
+        </p:txBody>
+      </p:sp>
+      <p:sp>
+        <p:nvSpPr>
+          <p:cNvPr id="25" name="Rectangle: Rounded Corners 24">
+            <a:extLst>
+              <a:ext uri="{FF2B5EF4-FFF2-40B4-BE49-F238E27FC236}">
+                <a16:creationId xmlns:a16="http://schemas.microsoft.com/office/drawing/2014/main" id="{D0133B36-AB80-4231-A7BF-37CBE41F31B6}"/>
+              </a:ext>
+            </a:extLst>
+          </p:cNvPr>
+          <p:cNvSpPr/>
+          <p:nvPr/>
+        </p:nvSpPr>
+        <p:spPr>
+          <a:xfrm>
+            <a:off x="9288496" y="4208865"/>
+            <a:ext cx="2127861" cy="1485116"/>
+          </a:xfrm>
+          <a:prstGeom prst="roundRect">
+            <a:avLst/>
+          </a:prstGeom>
+          <a:solidFill>
+            <a:schemeClr val="accent4">
+              <a:lumMod val="75000"/>
+            </a:schemeClr>
+          </a:solidFill>
+        </p:spPr>
+        <p:style>
+          <a:lnRef idx="0">
+            <a:schemeClr val="accent5"/>
+          </a:lnRef>
+          <a:fillRef idx="3">
+            <a:schemeClr val="accent5"/>
+          </a:fillRef>
+          <a:effectRef idx="3">
+            <a:schemeClr val="accent5"/>
+          </a:effectRef>
+          <a:fontRef idx="minor">
+            <a:schemeClr val="lt1"/>
+          </a:fontRef>
+        </p:style>
+        <p:txBody>
+          <a:bodyPr rtlCol="0" anchor="ctr"/>
+          <a:lstStyle/>
+          <a:p>
+            <a:pPr algn="ctr"/>
+            <a:r>
+              <a:rPr lang="he-IL" dirty="0"/>
+              <a:t>דיאלוג תנאי שימוש</a:t>
+            </a:r>
+            <a:endParaRPr lang="en-US" dirty="0"/>
+          </a:p>
+        </p:txBody>
+      </p:sp>
+      <p:sp>
+        <p:nvSpPr>
+          <p:cNvPr id="30" name="Rectangle: Rounded Corners 29">
+            <a:extLst>
+              <a:ext uri="{FF2B5EF4-FFF2-40B4-BE49-F238E27FC236}">
+                <a16:creationId xmlns:a16="http://schemas.microsoft.com/office/drawing/2014/main" id="{70DDD855-4FFB-4816-8306-4ED78056486C}"/>
+              </a:ext>
+            </a:extLst>
+          </p:cNvPr>
+          <p:cNvSpPr/>
+          <p:nvPr/>
+        </p:nvSpPr>
+        <p:spPr>
+          <a:xfrm>
+            <a:off x="6863244" y="5690816"/>
+            <a:ext cx="844040" cy="403273"/>
+          </a:xfrm>
+          <a:prstGeom prst="roundRect">
+            <a:avLst/>
+          </a:prstGeom>
+          <a:solidFill>
+            <a:schemeClr val="accent1">
+              <a:lumMod val="75000"/>
+            </a:schemeClr>
+          </a:solidFill>
+          <a:ln w="38100">
+            <a:solidFill>
+              <a:schemeClr val="tx1"/>
+            </a:solidFill>
+          </a:ln>
+        </p:spPr>
+        <p:style>
+          <a:lnRef idx="0">
+            <a:schemeClr val="accent5"/>
+          </a:lnRef>
+          <a:fillRef idx="3">
+            <a:schemeClr val="accent5"/>
+          </a:fillRef>
+          <a:effectRef idx="3">
+            <a:schemeClr val="accent5"/>
+          </a:effectRef>
+          <a:fontRef idx="minor">
+            <a:schemeClr val="lt1"/>
+          </a:fontRef>
+        </p:style>
+        <p:txBody>
+          <a:bodyPr rtlCol="0" anchor="ctr"/>
+          <a:lstStyle/>
+          <a:p>
+            <a:pPr algn="ctr"/>
+            <a:r>
+              <a:rPr lang="he-IL" dirty="0"/>
+              <a:t>הירשם</a:t>
+            </a:r>
+            <a:endParaRPr lang="en-US" dirty="0"/>
+          </a:p>
+        </p:txBody>
+      </p:sp>
+      <p:cxnSp>
+        <p:nvCxnSpPr>
+          <p:cNvPr id="28" name="Connector: Elbow 27">
+            <a:extLst>
+              <a:ext uri="{FF2B5EF4-FFF2-40B4-BE49-F238E27FC236}">
+                <a16:creationId xmlns:a16="http://schemas.microsoft.com/office/drawing/2014/main" id="{1F40475B-2659-4936-82A0-40C37EA0CAE3}"/>
+              </a:ext>
+            </a:extLst>
+          </p:cNvPr>
+          <p:cNvCxnSpPr>
+            <a:cxnSpLocks/>
+            <a:stCxn id="21" idx="2"/>
+            <a:endCxn id="25" idx="1"/>
+          </p:cNvCxnSpPr>
+          <p:nvPr/>
+        </p:nvCxnSpPr>
+        <p:spPr>
+          <a:xfrm rot="16200000" flipH="1">
+            <a:off x="8081829" y="3744755"/>
+            <a:ext cx="124693" cy="2288641"/>
+          </a:xfrm>
+          <a:prstGeom prst="bentConnector2">
+            <a:avLst/>
+          </a:prstGeom>
+          <a:ln w="38100">
+            <a:solidFill>
+              <a:schemeClr val="accent4">
+                <a:lumMod val="50000"/>
+              </a:schemeClr>
+            </a:solidFill>
+            <a:tailEnd type="triangle"/>
+          </a:ln>
+        </p:spPr>
+        <p:style>
+          <a:lnRef idx="1">
+            <a:schemeClr val="accent1"/>
+          </a:lnRef>
+          <a:fillRef idx="0">
+            <a:schemeClr val="accent1"/>
+          </a:fillRef>
+          <a:effectRef idx="0">
+            <a:schemeClr val="accent1"/>
+          </a:effectRef>
+          <a:fontRef idx="minor">
+            <a:schemeClr val="tx1"/>
+          </a:fontRef>
+        </p:style>
+      </p:cxnSp>
+      <p:sp>
+        <p:nvSpPr>
+          <p:cNvPr id="29" name="TextBox 28">
+            <a:extLst>
+              <a:ext uri="{FF2B5EF4-FFF2-40B4-BE49-F238E27FC236}">
+                <a16:creationId xmlns:a16="http://schemas.microsoft.com/office/drawing/2014/main" id="{5A214900-1ED9-4CD4-8EBE-0175C8B22230}"/>
+              </a:ext>
+            </a:extLst>
+          </p:cNvPr>
+          <p:cNvSpPr txBox="1"/>
+          <p:nvPr/>
+        </p:nvSpPr>
+        <p:spPr>
+          <a:xfrm>
+            <a:off x="1557897" y="4516208"/>
+            <a:ext cx="3791589" cy="1754326"/>
+          </a:xfrm>
+          <a:prstGeom prst="rect">
+            <a:avLst/>
+          </a:prstGeom>
+          <a:noFill/>
+        </p:spPr>
+        <p:txBody>
+          <a:bodyPr wrap="square" rtlCol="0">
+            <a:spAutoFit/>
+          </a:bodyPr>
+          <a:lstStyle/>
+          <a:p>
+            <a:pPr algn="r" rtl="1"/>
+            <a:r>
+              <a:rPr lang="he-IL" dirty="0"/>
+              <a:t>דגשים:</a:t>
+            </a:r>
+          </a:p>
+          <a:p>
             <a:pPr marL="285750" indent="-285750" algn="r" rtl="1">
-              <a:buFontTx/>
-              <a:buChar char="-"/>
+              <a:buFont typeface="Arial" panose="020B0604020202020204" pitchFamily="34" charset="0"/>
+              <a:buChar char="•"/>
             </a:pPr>
             <a:r>
               <a:rPr lang="he-IL" dirty="0"/>
-              <a:t>מחרוזת שתייצג את ה </a:t>
-            </a:r>
-            <a:r>
-              <a:rPr lang="en-US" dirty="0" err="1"/>
-              <a:t>UserID</a:t>
-            </a:r>
-            <a:endParaRPr lang="en-US" dirty="0"/>
+              <a:t>כפתור "הירשם" יהיה ניתן ללחיצה רק לאחר שמולאו כול שדות החובה בכלל </a:t>
+            </a:r>
+            <a:r>
+              <a:rPr lang="he-IL" dirty="0" err="1"/>
+              <a:t>האיזורים</a:t>
+            </a:r>
+            <a:endParaRPr lang="he-IL" dirty="0"/>
           </a:p>
           <a:p>
             <a:pPr marL="285750" indent="-285750" algn="r" rtl="1">
-              <a:buFontTx/>
-              <a:buChar char="-"/>
+              <a:buFont typeface="Arial" panose="020B0604020202020204" pitchFamily="34" charset="0"/>
+              <a:buChar char="•"/>
             </a:pPr>
             <a:r>
               <a:rPr lang="he-IL" dirty="0"/>
-              <a:t>שם מלא / כינוי</a:t>
-            </a:r>
-          </a:p>
-          <a:p>
-            <a:pPr marL="285750" indent="-285750" algn="r" rtl="1">
-              <a:buFontTx/>
-              <a:buChar char="-"/>
-            </a:pPr>
-            <a:r>
-              <a:rPr lang="he-IL" dirty="0"/>
-              <a:t>גיל</a:t>
-            </a:r>
-          </a:p>
-          <a:p>
-            <a:pPr marL="285750" indent="-285750" algn="r" rtl="1">
-              <a:buFontTx/>
-              <a:buChar char="-"/>
-            </a:pPr>
-            <a:r>
-              <a:rPr lang="he-IL" dirty="0"/>
-              <a:t>תמצית</a:t>
-            </a:r>
-          </a:p>
-          <a:p>
-            <a:pPr marL="285750" indent="-285750" algn="r" rtl="1">
-              <a:buFontTx/>
-              <a:buChar char="-"/>
-            </a:pPr>
-            <a:r>
-              <a:rPr lang="he-IL" dirty="0"/>
-              <a:t>תמונת פרופיל </a:t>
-            </a:r>
-            <a:r>
-              <a:rPr lang="he-IL" dirty="0" err="1"/>
-              <a:t>מהפייסבוק</a:t>
-            </a:r>
-            <a:endParaRPr lang="he-IL" dirty="0"/>
-          </a:p>
-          <a:p>
-            <a:pPr marL="285750" indent="-285750" algn="r" rtl="1">
-              <a:buFontTx/>
-              <a:buChar char="-"/>
-            </a:pPr>
-            <a:r>
-              <a:rPr lang="he-IL" dirty="0"/>
-              <a:t>מין</a:t>
-            </a:r>
-          </a:p>
-          <a:p>
-            <a:pPr marL="285750" indent="-285750" algn="r" rtl="1">
-              <a:buFontTx/>
-              <a:buChar char="-"/>
-            </a:pPr>
-            <a:r>
-              <a:rPr lang="he-IL" dirty="0"/>
-              <a:t>תאריך רישום בצורה הבאה: "</a:t>
-            </a:r>
-            <a:r>
-              <a:rPr lang="en-GB" dirty="0" err="1"/>
-              <a:t>yyyy</a:t>
-            </a:r>
-            <a:r>
-              <a:rPr lang="en-GB" dirty="0"/>
-              <a:t>-mm-dd </a:t>
-            </a:r>
-            <a:r>
-              <a:rPr lang="en-GB" dirty="0" err="1"/>
-              <a:t>hh:mm</a:t>
-            </a:r>
-            <a:r>
-              <a:rPr lang="he-IL" dirty="0"/>
-              <a:t>"</a:t>
-            </a:r>
-            <a:endParaRPr lang="en-GB" dirty="0"/>
-          </a:p>
-          <a:p>
-            <a:pPr marL="285750" indent="-285750" algn="r" rtl="1">
-              <a:buFontTx/>
-              <a:buChar char="-"/>
-            </a:pPr>
-            <a:r>
-              <a:rPr lang="en-GB" dirty="0"/>
-              <a:t>bool</a:t>
-            </a:r>
-            <a:r>
-              <a:rPr lang="he-IL" dirty="0"/>
-              <a:t> – שיהווה האם המשתמש חסום או לא, מזהים על פי ה</a:t>
-            </a:r>
-            <a:r>
-              <a:rPr lang="en-GB" dirty="0" err="1"/>
-              <a:t>UserID</a:t>
-            </a:r>
-            <a:r>
-              <a:rPr lang="en-US" dirty="0"/>
-              <a:t> </a:t>
-            </a:r>
-            <a:r>
-              <a:rPr lang="he-IL" dirty="0"/>
-              <a:t> </a:t>
-            </a:r>
-            <a:r>
-              <a:rPr lang="he-IL" dirty="0" err="1"/>
-              <a:t>מהפייסבוק</a:t>
-            </a:r>
-            <a:endParaRPr lang="en-US" dirty="0"/>
-          </a:p>
-          <a:p>
-            <a:pPr marL="285750" indent="-285750" algn="r" rtl="1">
-              <a:buFontTx/>
-              <a:buChar char="-"/>
-            </a:pPr>
-            <a:r>
-              <a:rPr lang="en-GB" dirty="0"/>
-              <a:t>bool</a:t>
-            </a:r>
-            <a:r>
-              <a:rPr lang="he-IL" dirty="0"/>
-              <a:t> - האם התראות מכובות או פועלות</a:t>
-            </a:r>
-            <a:endParaRPr lang="en-GB" dirty="0"/>
-          </a:p>
-          <a:p>
-            <a:pPr algn="r" rtl="1"/>
+              <a:t>יהיו מספר דפים פה או דף אחד עם אפשרות גלילה ( בחירת עיצוב )</a:t>
+            </a:r>
             <a:endParaRPr lang="en-GB" dirty="0"/>
           </a:p>
         </p:txBody>
@@ -11791,7 +13372,7 @@
     </p:spTree>
     <p:extLst>
       <p:ext uri="{BB962C8B-B14F-4D97-AF65-F5344CB8AC3E}">
-        <p14:creationId xmlns:p14="http://schemas.microsoft.com/office/powerpoint/2010/main" val="375735006"/>
+        <p14:creationId xmlns:p14="http://schemas.microsoft.com/office/powerpoint/2010/main" val="3725660507"/>
       </p:ext>
     </p:extLst>
   </p:cSld>
@@ -11823,7 +13404,7 @@
           <p:cNvPr id="2" name="Title 1">
             <a:extLst>
               <a:ext uri="{FF2B5EF4-FFF2-40B4-BE49-F238E27FC236}">
-                <a16:creationId xmlns:a16="http://schemas.microsoft.com/office/drawing/2014/main" id="{43551F67-0887-4CF3-A558-3259299FB54E}"/>
+                <a16:creationId xmlns:a16="http://schemas.microsoft.com/office/drawing/2014/main" id="{5BBA1555-7F39-4134-A5FC-0AD82548D93F}"/>
               </a:ext>
             </a:extLst>
           </p:cNvPr>
@@ -11834,1017 +13415,410 @@
             <p:ph type="title"/>
           </p:nvPr>
         </p:nvSpPr>
+        <p:spPr/>
+        <p:txBody>
+          <a:bodyPr/>
+          <a:lstStyle/>
+          <a:p>
+            <a:pPr algn="r" rtl="1"/>
+            <a:r>
+              <a:rPr lang="he-IL" dirty="0"/>
+              <a:t>תכונות האובייקט של המשתמש - </a:t>
+            </a:r>
+            <a:r>
+              <a:rPr lang="en-GB" dirty="0"/>
+              <a:t>User</a:t>
+            </a:r>
+            <a:endParaRPr lang="en-US" dirty="0"/>
+          </a:p>
+        </p:txBody>
+      </p:sp>
+      <p:sp>
+        <p:nvSpPr>
+          <p:cNvPr id="6" name="TextBox 5">
+            <a:extLst>
+              <a:ext uri="{FF2B5EF4-FFF2-40B4-BE49-F238E27FC236}">
+                <a16:creationId xmlns:a16="http://schemas.microsoft.com/office/drawing/2014/main" id="{20A84E70-2D58-4365-9C3A-07C9E004CBD9}"/>
+              </a:ext>
+            </a:extLst>
+          </p:cNvPr>
+          <p:cNvSpPr txBox="1"/>
+          <p:nvPr/>
+        </p:nvSpPr>
         <p:spPr>
           <a:xfrm>
-            <a:off x="838200" y="82389"/>
-            <a:ext cx="10515600" cy="1325563"/>
-          </a:xfrm>
-        </p:spPr>
-        <p:txBody>
-          <a:bodyPr/>
-          <a:lstStyle/>
-          <a:p>
-            <a:pPr algn="ctr" rtl="1"/>
-            <a:r>
-              <a:rPr lang="he-IL" b="1" u="sng" dirty="0">
-                <a:effectLst>
-                  <a:outerShdw blurRad="38100" dist="38100" dir="2700000" algn="tl">
-                    <a:srgbClr val="000000">
-                      <a:alpha val="43137"/>
-                    </a:srgbClr>
-                  </a:outerShdw>
-                </a:effectLst>
-              </a:rPr>
-              <a:t>מסך רישום</a:t>
-            </a:r>
-            <a:endParaRPr lang="en-US" b="1" u="sng" dirty="0">
-              <a:effectLst>
-                <a:outerShdw blurRad="38100" dist="38100" dir="2700000" algn="tl">
-                  <a:srgbClr val="000000">
-                    <a:alpha val="43137"/>
-                  </a:srgbClr>
-                </a:outerShdw>
-              </a:effectLst>
-            </a:endParaRPr>
-          </a:p>
-        </p:txBody>
-      </p:sp>
-      <p:sp>
-        <p:nvSpPr>
-          <p:cNvPr id="7" name="Rectangle 6">
-            <a:extLst>
-              <a:ext uri="{FF2B5EF4-FFF2-40B4-BE49-F238E27FC236}">
-                <a16:creationId xmlns:a16="http://schemas.microsoft.com/office/drawing/2014/main" id="{E2132CCE-A8BD-45C1-8261-86521EF9AD9E}"/>
-              </a:ext>
-            </a:extLst>
-          </p:cNvPr>
-          <p:cNvSpPr/>
-          <p:nvPr/>
-        </p:nvSpPr>
-        <p:spPr>
-          <a:xfrm>
-            <a:off x="5853568" y="1269507"/>
-            <a:ext cx="2790334" cy="4926928"/>
+            <a:off x="2734322" y="1690688"/>
+            <a:ext cx="8343309" cy="3139321"/>
           </a:xfrm>
           <a:prstGeom prst="rect">
             <a:avLst/>
           </a:prstGeom>
-          <a:solidFill>
-            <a:schemeClr val="accent1"/>
-          </a:solidFill>
-          <a:ln w="28575">
+          <a:noFill/>
+        </p:spPr>
+        <p:txBody>
+          <a:bodyPr wrap="square" rtlCol="0">
+            <a:spAutoFit/>
+          </a:bodyPr>
+          <a:lstStyle/>
+          <a:p>
+            <a:pPr marL="285750" indent="-285750" algn="r" rtl="1">
+              <a:buFontTx/>
+              <a:buChar char="-"/>
+            </a:pPr>
+            <a:r>
+              <a:rPr lang="he-IL" dirty="0"/>
+              <a:t>מחרוזת שתייצג את ה </a:t>
+            </a:r>
+            <a:r>
+              <a:rPr lang="en-US" dirty="0"/>
+              <a:t>UserID</a:t>
+            </a:r>
+            <a:r>
+              <a:rPr lang="he-IL" dirty="0"/>
+              <a:t> – היא תהיה בעצם ה</a:t>
+            </a:r>
+            <a:r>
+              <a:rPr lang="en-US" dirty="0"/>
+              <a:t>UserID</a:t>
+            </a:r>
+            <a:r>
+              <a:rPr lang="he-IL" dirty="0"/>
+              <a:t> שאנו מקבלים מפייסבוק </a:t>
+            </a:r>
+            <a:r>
+              <a:rPr lang="en-US" dirty="0">
+                <a:solidFill>
+                  <a:srgbClr val="FF0000"/>
+                </a:solidFill>
+                <a:sym typeface="Webdings" panose="05030102010509060703" pitchFamily="18" charset="2"/>
+              </a:rPr>
+              <a:t></a:t>
+            </a:r>
+            <a:endParaRPr lang="en-US" dirty="0"/>
+          </a:p>
+          <a:p>
+            <a:pPr marL="285750" indent="-285750" algn="r" rtl="1">
+              <a:buFontTx/>
+              <a:buChar char="-"/>
+            </a:pPr>
+            <a:r>
+              <a:rPr lang="he-IL" dirty="0"/>
+              <a:t>שם מלא </a:t>
+            </a:r>
+            <a:r>
+              <a:rPr lang="en-US" dirty="0">
+                <a:solidFill>
+                  <a:srgbClr val="FF0000"/>
+                </a:solidFill>
+                <a:sym typeface="Webdings" panose="05030102010509060703" pitchFamily="18" charset="2"/>
+              </a:rPr>
+              <a:t></a:t>
+            </a:r>
+            <a:endParaRPr lang="he-IL" dirty="0"/>
+          </a:p>
+          <a:p>
+            <a:pPr marL="285750" indent="-285750" algn="r" rtl="1">
+              <a:buFontTx/>
+              <a:buChar char="-"/>
+            </a:pPr>
+            <a:r>
+              <a:rPr lang="he-IL" dirty="0"/>
+              <a:t>כינוי </a:t>
+            </a:r>
+            <a:r>
+              <a:rPr lang="en-US" dirty="0">
+                <a:solidFill>
+                  <a:schemeClr val="accent1">
+                    <a:lumMod val="75000"/>
+                  </a:schemeClr>
+                </a:solidFill>
+                <a:sym typeface="Webdings" panose="05030102010509060703" pitchFamily="18" charset="2"/>
+              </a:rPr>
+              <a:t></a:t>
+            </a:r>
+            <a:endParaRPr lang="he-IL" dirty="0"/>
+          </a:p>
+          <a:p>
+            <a:pPr marL="285750" indent="-285750" algn="r" rtl="1">
+              <a:buFontTx/>
+              <a:buChar char="-"/>
+            </a:pPr>
+            <a:r>
+              <a:rPr lang="he-IL" dirty="0"/>
+              <a:t>גיל </a:t>
+            </a:r>
+            <a:r>
+              <a:rPr lang="en-US" dirty="0">
+                <a:solidFill>
+                  <a:srgbClr val="FF0000"/>
+                </a:solidFill>
+                <a:sym typeface="Webdings" panose="05030102010509060703" pitchFamily="18" charset="2"/>
+              </a:rPr>
+              <a:t></a:t>
+            </a:r>
+            <a:endParaRPr lang="he-IL" dirty="0"/>
+          </a:p>
+          <a:p>
+            <a:pPr marL="285750" indent="-285750" algn="r" rtl="1">
+              <a:buFontTx/>
+              <a:buChar char="-"/>
+            </a:pPr>
+            <a:r>
+              <a:rPr lang="he-IL" dirty="0"/>
+              <a:t>תמצית </a:t>
+            </a:r>
+            <a:r>
+              <a:rPr lang="en-US" dirty="0">
+                <a:solidFill>
+                  <a:srgbClr val="FF0000"/>
+                </a:solidFill>
+                <a:sym typeface="Webdings" panose="05030102010509060703" pitchFamily="18" charset="2"/>
+              </a:rPr>
+              <a:t></a:t>
+            </a:r>
+            <a:endParaRPr lang="he-IL" dirty="0"/>
+          </a:p>
+          <a:p>
+            <a:pPr marL="285750" indent="-285750" algn="r" rtl="1">
+              <a:buFontTx/>
+              <a:buChar char="-"/>
+            </a:pPr>
+            <a:r>
+              <a:rPr lang="he-IL" dirty="0"/>
+              <a:t>תמונת פרופיל מהפייסבוק </a:t>
+            </a:r>
+            <a:r>
+              <a:rPr lang="en-US" dirty="0">
+                <a:solidFill>
+                  <a:srgbClr val="FF0000"/>
+                </a:solidFill>
+                <a:sym typeface="Webdings" panose="05030102010509060703" pitchFamily="18" charset="2"/>
+              </a:rPr>
+              <a:t></a:t>
+            </a:r>
+            <a:endParaRPr lang="he-IL" dirty="0"/>
+          </a:p>
+          <a:p>
+            <a:pPr marL="285750" indent="-285750" algn="r" rtl="1">
+              <a:buFontTx/>
+              <a:buChar char="-"/>
+            </a:pPr>
+            <a:r>
+              <a:rPr lang="he-IL" dirty="0"/>
+              <a:t>מין </a:t>
+            </a:r>
+            <a:r>
+              <a:rPr lang="en-US" dirty="0">
+                <a:solidFill>
+                  <a:schemeClr val="accent1">
+                    <a:lumMod val="75000"/>
+                  </a:schemeClr>
+                </a:solidFill>
+                <a:sym typeface="Webdings" panose="05030102010509060703" pitchFamily="18" charset="2"/>
+              </a:rPr>
+              <a:t></a:t>
+            </a:r>
+            <a:endParaRPr lang="he-IL" dirty="0"/>
+          </a:p>
+          <a:p>
+            <a:pPr marL="285750" indent="-285750" algn="r" rtl="1">
+              <a:buFontTx/>
+              <a:buChar char="-"/>
+            </a:pPr>
+            <a:r>
+              <a:rPr lang="he-IL" dirty="0"/>
+              <a:t>תאריך רישום בצורה הבאה: "</a:t>
+            </a:r>
+            <a:r>
+              <a:rPr lang="en-GB" dirty="0"/>
+              <a:t>yyyy-mm-dd hh:mm</a:t>
+            </a:r>
+            <a:r>
+              <a:rPr lang="he-IL" dirty="0"/>
+              <a:t>" </a:t>
+            </a:r>
+            <a:r>
+              <a:rPr lang="en-US" dirty="0">
+                <a:solidFill>
+                  <a:srgbClr val="FF0000"/>
+                </a:solidFill>
+                <a:sym typeface="Webdings" panose="05030102010509060703" pitchFamily="18" charset="2"/>
+              </a:rPr>
+              <a:t></a:t>
+            </a:r>
+            <a:endParaRPr lang="en-GB" dirty="0"/>
+          </a:p>
+          <a:p>
+            <a:pPr marL="285750" indent="-285750" algn="r" rtl="1">
+              <a:buFontTx/>
+              <a:buChar char="-"/>
+            </a:pPr>
+            <a:r>
+              <a:rPr lang="en-GB" dirty="0"/>
+              <a:t>bool</a:t>
+            </a:r>
+            <a:r>
+              <a:rPr lang="he-IL" dirty="0"/>
+              <a:t> – שיהווה האם המשתמש חסום או לא, מזהים על פי ה</a:t>
+            </a:r>
+            <a:r>
+              <a:rPr lang="en-GB" dirty="0"/>
+              <a:t>UserID</a:t>
+            </a:r>
+            <a:r>
+              <a:rPr lang="en-US" dirty="0"/>
+              <a:t> </a:t>
+            </a:r>
+            <a:r>
+              <a:rPr lang="he-IL" dirty="0"/>
+              <a:t> מהפייסבוק </a:t>
+            </a:r>
+            <a:r>
+              <a:rPr lang="en-US" dirty="0">
+                <a:solidFill>
+                  <a:srgbClr val="FF0000"/>
+                </a:solidFill>
+                <a:sym typeface="Webdings" panose="05030102010509060703" pitchFamily="18" charset="2"/>
+              </a:rPr>
+              <a:t></a:t>
+            </a:r>
+            <a:endParaRPr lang="en-US" dirty="0"/>
+          </a:p>
+          <a:p>
+            <a:pPr marL="285750" indent="-285750" algn="r" rtl="1">
+              <a:buFontTx/>
+              <a:buChar char="-"/>
+            </a:pPr>
+            <a:r>
+              <a:rPr lang="en-GB" dirty="0"/>
+              <a:t>bool</a:t>
+            </a:r>
+            <a:r>
+              <a:rPr lang="he-IL" dirty="0"/>
+              <a:t> - האם התראות מכובות או פועלות </a:t>
+            </a:r>
+            <a:r>
+              <a:rPr lang="en-US" dirty="0">
+                <a:solidFill>
+                  <a:srgbClr val="FF0000"/>
+                </a:solidFill>
+                <a:sym typeface="Webdings" panose="05030102010509060703" pitchFamily="18" charset="2"/>
+              </a:rPr>
+              <a:t></a:t>
+            </a:r>
+            <a:endParaRPr lang="en-GB" dirty="0"/>
+          </a:p>
+          <a:p>
+            <a:pPr algn="r" rtl="1"/>
+            <a:endParaRPr lang="en-GB" dirty="0"/>
+          </a:p>
+        </p:txBody>
+      </p:sp>
+      <p:sp>
+        <p:nvSpPr>
+          <p:cNvPr id="3" name="TextBox 2">
+            <a:extLst>
+              <a:ext uri="{FF2B5EF4-FFF2-40B4-BE49-F238E27FC236}">
+                <a16:creationId xmlns:a16="http://schemas.microsoft.com/office/drawing/2014/main" id="{17B7BC76-6383-42C6-8650-1A3515DD67B1}"/>
+              </a:ext>
+            </a:extLst>
+          </p:cNvPr>
+          <p:cNvSpPr txBox="1"/>
+          <p:nvPr/>
+        </p:nvSpPr>
+        <p:spPr>
+          <a:xfrm>
+            <a:off x="1012054" y="1376039"/>
+            <a:ext cx="1562470" cy="646331"/>
+          </a:xfrm>
+          <a:prstGeom prst="rect">
+            <a:avLst/>
+          </a:prstGeom>
+          <a:noFill/>
+          <a:ln w="38100" cap="flat" cmpd="sng">
             <a:solidFill>
               <a:schemeClr val="tx1"/>
             </a:solidFill>
           </a:ln>
         </p:spPr>
-        <p:style>
-          <a:lnRef idx="2">
-            <a:schemeClr val="accent1">
-              <a:shade val="50000"/>
-            </a:schemeClr>
-          </a:lnRef>
-          <a:fillRef idx="1">
-            <a:schemeClr val="accent1"/>
-          </a:fillRef>
-          <a:effectRef idx="0">
-            <a:schemeClr val="accent1"/>
-          </a:effectRef>
-          <a:fontRef idx="minor">
-            <a:schemeClr val="lt1"/>
-          </a:fontRef>
-        </p:style>
-        <p:txBody>
-          <a:bodyPr rtlCol="0" anchor="ctr"/>
-          <a:lstStyle/>
-          <a:p>
-            <a:pPr algn="ctr"/>
-            <a:endParaRPr lang="en-US"/>
-          </a:p>
-        </p:txBody>
-      </p:sp>
-      <p:sp>
-        <p:nvSpPr>
-          <p:cNvPr id="11" name="TextBox 10">
-            <a:extLst>
-              <a:ext uri="{FF2B5EF4-FFF2-40B4-BE49-F238E27FC236}">
-                <a16:creationId xmlns:a16="http://schemas.microsoft.com/office/drawing/2014/main" id="{0AEA5B3E-55B4-4478-8DDF-223B6DCFE9EA}"/>
-              </a:ext>
-            </a:extLst>
-          </p:cNvPr>
-          <p:cNvSpPr txBox="1"/>
-          <p:nvPr/>
-        </p:nvSpPr>
-        <p:spPr>
-          <a:xfrm>
-            <a:off x="1561140" y="1387136"/>
-            <a:ext cx="3791589" cy="2862322"/>
-          </a:xfrm>
-          <a:prstGeom prst="rect">
-            <a:avLst/>
-          </a:prstGeom>
-          <a:noFill/>
-        </p:spPr>
         <p:txBody>
           <a:bodyPr wrap="square" rtlCol="0">
             <a:spAutoFit/>
           </a:bodyPr>
           <a:lstStyle/>
           <a:p>
-            <a:pPr algn="r" rtl="1"/>
-            <a:r>
-              <a:rPr lang="he-IL" dirty="0"/>
-              <a:t>פונקציונליות:</a:t>
-            </a:r>
-            <a:endParaRPr lang="en-GB" dirty="0"/>
-          </a:p>
-          <a:p>
-            <a:pPr algn="r" rtl="1"/>
-            <a:r>
-              <a:rPr lang="he-IL" dirty="0"/>
-              <a:t>- </a:t>
-            </a:r>
-            <a:endParaRPr lang="en-US" dirty="0"/>
-          </a:p>
-          <a:p>
-            <a:pPr algn="r" rtl="1"/>
-            <a:r>
-              <a:rPr lang="he-IL" dirty="0"/>
-              <a:t>- לבדוק שהשדות מולאו כראוי</a:t>
-            </a:r>
-          </a:p>
-          <a:p>
-            <a:pPr algn="r" rtl="1"/>
-            <a:r>
-              <a:rPr lang="he-IL" dirty="0"/>
-              <a:t> - מין : </a:t>
-            </a:r>
-            <a:br>
+            <a:pPr algn="l"/>
+            <a:r>
               <a:rPr lang="en-US" dirty="0"/>
-            </a:br>
-            <a:r>
-              <a:rPr lang="he-IL" dirty="0"/>
-              <a:t>       זכר נקבה מעדיף לא לומר ואחר</a:t>
-            </a:r>
-          </a:p>
-          <a:p>
-            <a:pPr algn="r" rtl="1"/>
-            <a:r>
-              <a:rPr lang="he-IL" dirty="0"/>
-              <a:t> - דיאלוג לתמצית:</a:t>
-            </a:r>
-          </a:p>
-          <a:p>
-            <a:pPr algn="r" rtl="1"/>
-            <a:r>
-              <a:rPr lang="he-IL" dirty="0"/>
-              <a:t>       פתיחת דיאלוג שבתוכו המשתמש</a:t>
-            </a:r>
-            <a:br>
-              <a:rPr lang="en-US" dirty="0"/>
-            </a:br>
-            <a:r>
-              <a:rPr lang="he-IL" dirty="0"/>
-              <a:t>       יכתוב את התמצית על עצמו, וילחץ</a:t>
-            </a:r>
-            <a:br>
-              <a:rPr lang="en-US" dirty="0"/>
-            </a:br>
-            <a:r>
-              <a:rPr lang="he-IL" dirty="0"/>
-              <a:t>       אישור שיגרור שמירה והנחתו</a:t>
-            </a:r>
-            <a:br>
-              <a:rPr lang="en-US" dirty="0"/>
-            </a:br>
-            <a:r>
-              <a:rPr lang="he-IL" dirty="0"/>
-              <a:t>       מבחינתנו</a:t>
-            </a:r>
-          </a:p>
-        </p:txBody>
-      </p:sp>
-      <p:sp>
-        <p:nvSpPr>
-          <p:cNvPr id="3" name="Rectangle: Rounded Corners 2">
-            <a:extLst>
-              <a:ext uri="{FF2B5EF4-FFF2-40B4-BE49-F238E27FC236}">
-                <a16:creationId xmlns:a16="http://schemas.microsoft.com/office/drawing/2014/main" id="{F716C71B-26DB-4400-80E2-6FC3839E7B0F}"/>
-              </a:ext>
-            </a:extLst>
-          </p:cNvPr>
-          <p:cNvSpPr/>
-          <p:nvPr/>
-        </p:nvSpPr>
-        <p:spPr>
-          <a:xfrm>
-            <a:off x="5993697" y="1407953"/>
-            <a:ext cx="2520799" cy="4245300"/>
-          </a:xfrm>
-          <a:prstGeom prst="roundRect">
-            <a:avLst/>
-          </a:prstGeom>
-          <a:solidFill>
-            <a:srgbClr val="7030A0"/>
-          </a:solidFill>
-        </p:spPr>
-        <p:style>
-          <a:lnRef idx="0">
-            <a:schemeClr val="accent5"/>
-          </a:lnRef>
-          <a:fillRef idx="3">
-            <a:schemeClr val="accent5"/>
-          </a:fillRef>
-          <a:effectRef idx="3">
-            <a:schemeClr val="accent5"/>
-          </a:effectRef>
-          <a:fontRef idx="minor">
-            <a:schemeClr val="lt1"/>
-          </a:fontRef>
-        </p:style>
-        <p:txBody>
-          <a:bodyPr rtlCol="0" anchor="ctr"/>
-          <a:lstStyle/>
-          <a:p>
-            <a:pPr algn="ctr"/>
-            <a:endParaRPr lang="en-US" dirty="0"/>
-          </a:p>
-        </p:txBody>
-      </p:sp>
-      <p:sp>
-        <p:nvSpPr>
-          <p:cNvPr id="4" name="TextBox 3">
-            <a:extLst>
-              <a:ext uri="{FF2B5EF4-FFF2-40B4-BE49-F238E27FC236}">
-                <a16:creationId xmlns:a16="http://schemas.microsoft.com/office/drawing/2014/main" id="{4A528F99-0B00-4C6E-A234-21A3BBA472B9}"/>
-              </a:ext>
-            </a:extLst>
-          </p:cNvPr>
-          <p:cNvSpPr txBox="1"/>
-          <p:nvPr/>
-        </p:nvSpPr>
-        <p:spPr>
-          <a:xfrm>
-            <a:off x="6663828" y="5645121"/>
-            <a:ext cx="1242874" cy="369332"/>
-          </a:xfrm>
-          <a:prstGeom prst="rect">
-            <a:avLst/>
-          </a:prstGeom>
-          <a:noFill/>
-        </p:spPr>
-        <p:txBody>
-          <a:bodyPr wrap="square" rtlCol="0">
-            <a:spAutoFit/>
-          </a:bodyPr>
-          <a:lstStyle/>
-          <a:p>
-            <a:pPr algn="ctr"/>
-            <a:r>
-              <a:rPr lang="he-IL" dirty="0">
+              <a:t>Must    </a:t>
+            </a:r>
+            <a:r>
+              <a:rPr lang="en-US" dirty="0">
+                <a:sym typeface="Wingdings" panose="05000000000000000000" pitchFamily="2" charset="2"/>
+              </a:rPr>
+              <a:t>  </a:t>
+            </a:r>
+            <a:r>
+              <a:rPr lang="en-US" dirty="0">
                 <a:solidFill>
-                  <a:schemeClr val="bg1"/>
+                  <a:srgbClr val="FF0000"/>
                 </a:solidFill>
+                <a:sym typeface="Webdings" panose="05030102010509060703" pitchFamily="18" charset="2"/>
               </a:rPr>
-              <a:t> . </a:t>
-            </a:r>
-            <a:r>
-              <a:rPr lang="he-IL" dirty="0"/>
-              <a:t>.</a:t>
-            </a:r>
-            <a:r>
-              <a:rPr lang="he-IL" dirty="0">
-                <a:solidFill>
-                  <a:schemeClr val="bg1"/>
-                </a:solidFill>
-              </a:rPr>
-              <a:t> .</a:t>
+              <a:t></a:t>
             </a:r>
             <a:endParaRPr lang="en-US" dirty="0">
               <a:solidFill>
-                <a:schemeClr val="bg1"/>
+                <a:srgbClr val="FF0000"/>
               </a:solidFill>
+              <a:sym typeface="Wingdings" panose="05000000000000000000" pitchFamily="2" charset="2"/>
             </a:endParaRPr>
           </a:p>
-        </p:txBody>
-      </p:sp>
-      <p:sp>
-        <p:nvSpPr>
-          <p:cNvPr id="5" name="Rectangle 4">
-            <a:extLst>
-              <a:ext uri="{FF2B5EF4-FFF2-40B4-BE49-F238E27FC236}">
-                <a16:creationId xmlns:a16="http://schemas.microsoft.com/office/drawing/2014/main" id="{5A564A2C-F1AB-4C80-BBFE-BF7D40042EA7}"/>
-              </a:ext>
-            </a:extLst>
-          </p:cNvPr>
-          <p:cNvSpPr/>
-          <p:nvPr/>
-        </p:nvSpPr>
-        <p:spPr>
-          <a:xfrm>
-            <a:off x="6378722" y="3820451"/>
-            <a:ext cx="1740023" cy="435006"/>
-          </a:xfrm>
-          <a:prstGeom prst="rect">
-            <a:avLst/>
-          </a:prstGeom>
-          <a:solidFill>
-            <a:schemeClr val="bg1"/>
-          </a:solidFill>
-        </p:spPr>
-        <p:style>
-          <a:lnRef idx="2">
-            <a:schemeClr val="accent1">
-              <a:shade val="50000"/>
-            </a:schemeClr>
-          </a:lnRef>
-          <a:fillRef idx="1">
-            <a:schemeClr val="accent1"/>
-          </a:fillRef>
-          <a:effectRef idx="0">
-            <a:schemeClr val="accent1"/>
-          </a:effectRef>
-          <a:fontRef idx="minor">
-            <a:schemeClr val="lt1"/>
-          </a:fontRef>
-        </p:style>
-        <p:txBody>
-          <a:bodyPr rtlCol="0" anchor="ctr"/>
-          <a:lstStyle/>
-          <a:p>
-            <a:pPr algn="ctr"/>
+          <a:p>
+            <a:pPr algn="l"/>
+            <a:r>
+              <a:rPr lang="en-US" dirty="0">
+                <a:sym typeface="Wingdings" panose="05000000000000000000" pitchFamily="2" charset="2"/>
+              </a:rPr>
+              <a:t>Option </a:t>
+            </a:r>
             <a:r>
               <a:rPr lang="he-IL" dirty="0">
+                <a:sym typeface="Wingdings" panose="05000000000000000000" pitchFamily="2" charset="2"/>
+              </a:rPr>
+              <a:t> </a:t>
+            </a:r>
+            <a:r>
+              <a:rPr lang="en-US" dirty="0">
+                <a:sym typeface="Wingdings" panose="05000000000000000000" pitchFamily="2" charset="2"/>
+              </a:rPr>
+              <a:t> </a:t>
+            </a:r>
+            <a:r>
+              <a:rPr lang="en-US" dirty="0">
                 <a:solidFill>
-                  <a:schemeClr val="bg1">
-                    <a:lumMod val="65000"/>
+                  <a:schemeClr val="accent1">
+                    <a:lumMod val="75000"/>
                   </a:schemeClr>
                 </a:solidFill>
+                <a:sym typeface="Webdings" panose="05030102010509060703" pitchFamily="18" charset="2"/>
               </a:rPr>
-              <a:t>דיאלוג לתמצית</a:t>
+              <a:t></a:t>
             </a:r>
             <a:endParaRPr lang="en-US" dirty="0">
               <a:solidFill>
-                <a:schemeClr val="bg1">
-                  <a:lumMod val="65000"/>
+                <a:schemeClr val="accent1">
+                  <a:lumMod val="75000"/>
                 </a:schemeClr>
               </a:solidFill>
             </a:endParaRPr>
           </a:p>
         </p:txBody>
       </p:sp>
-      <p:sp>
-        <p:nvSpPr>
-          <p:cNvPr id="13" name="Rectangle 12">
-            <a:extLst>
-              <a:ext uri="{FF2B5EF4-FFF2-40B4-BE49-F238E27FC236}">
-                <a16:creationId xmlns:a16="http://schemas.microsoft.com/office/drawing/2014/main" id="{B29D2809-D32A-4371-AEF0-8A4A034DDE46}"/>
-              </a:ext>
-            </a:extLst>
-          </p:cNvPr>
-          <p:cNvSpPr/>
-          <p:nvPr/>
-        </p:nvSpPr>
-        <p:spPr>
-          <a:xfrm>
-            <a:off x="6378723" y="2396699"/>
-            <a:ext cx="1740023" cy="435006"/>
-          </a:xfrm>
-          <a:prstGeom prst="rect">
-            <a:avLst/>
-          </a:prstGeom>
-          <a:solidFill>
-            <a:schemeClr val="bg1"/>
-          </a:solidFill>
-        </p:spPr>
-        <p:style>
-          <a:lnRef idx="2">
-            <a:schemeClr val="accent1">
-              <a:shade val="50000"/>
-            </a:schemeClr>
-          </a:lnRef>
-          <a:fillRef idx="1">
-            <a:schemeClr val="accent1"/>
-          </a:fillRef>
-          <a:effectRef idx="0">
-            <a:schemeClr val="accent1"/>
-          </a:effectRef>
-          <a:fontRef idx="minor">
-            <a:schemeClr val="lt1"/>
-          </a:fontRef>
-        </p:style>
-        <p:txBody>
-          <a:bodyPr rtlCol="0" anchor="ctr"/>
-          <a:lstStyle/>
-          <a:p>
-            <a:pPr algn="ctr"/>
-            <a:r>
-              <a:rPr lang="he-IL" dirty="0">
-                <a:solidFill>
-                  <a:schemeClr val="bg1">
-                    <a:lumMod val="65000"/>
-                  </a:schemeClr>
-                </a:solidFill>
-              </a:rPr>
-              <a:t>גיל</a:t>
-            </a:r>
-            <a:endParaRPr lang="en-US" dirty="0">
-              <a:solidFill>
-                <a:schemeClr val="bg1">
-                  <a:lumMod val="65000"/>
-                </a:schemeClr>
-              </a:solidFill>
-            </a:endParaRPr>
-          </a:p>
-        </p:txBody>
-      </p:sp>
-      <p:sp>
-        <p:nvSpPr>
-          <p:cNvPr id="14" name="Rectangle 13">
-            <a:extLst>
-              <a:ext uri="{FF2B5EF4-FFF2-40B4-BE49-F238E27FC236}">
-                <a16:creationId xmlns:a16="http://schemas.microsoft.com/office/drawing/2014/main" id="{ACCC4E67-64AC-4010-A908-D8C2F15A49D9}"/>
-              </a:ext>
-            </a:extLst>
-          </p:cNvPr>
-          <p:cNvSpPr/>
-          <p:nvPr/>
-        </p:nvSpPr>
-        <p:spPr>
-          <a:xfrm>
-            <a:off x="6415253" y="1684823"/>
-            <a:ext cx="1740023" cy="435006"/>
-          </a:xfrm>
-          <a:prstGeom prst="rect">
-            <a:avLst/>
-          </a:prstGeom>
-          <a:solidFill>
-            <a:schemeClr val="bg1"/>
-          </a:solidFill>
-        </p:spPr>
-        <p:style>
-          <a:lnRef idx="2">
-            <a:schemeClr val="accent1">
-              <a:shade val="50000"/>
-            </a:schemeClr>
-          </a:lnRef>
-          <a:fillRef idx="1">
-            <a:schemeClr val="accent1"/>
-          </a:fillRef>
-          <a:effectRef idx="0">
-            <a:schemeClr val="accent1"/>
-          </a:effectRef>
-          <a:fontRef idx="minor">
-            <a:schemeClr val="lt1"/>
-          </a:fontRef>
-        </p:style>
-        <p:txBody>
-          <a:bodyPr rtlCol="0" anchor="ctr"/>
-          <a:lstStyle/>
-          <a:p>
-            <a:pPr algn="ctr"/>
-            <a:r>
-              <a:rPr lang="he-IL" dirty="0">
-                <a:solidFill>
-                  <a:schemeClr val="bg1">
-                    <a:lumMod val="65000"/>
-                  </a:schemeClr>
-                </a:solidFill>
-              </a:rPr>
-              <a:t>שם / כינוי</a:t>
-            </a:r>
-            <a:endParaRPr lang="en-US" dirty="0">
-              <a:solidFill>
-                <a:schemeClr val="bg1">
-                  <a:lumMod val="65000"/>
-                </a:schemeClr>
-              </a:solidFill>
-            </a:endParaRPr>
-          </a:p>
-        </p:txBody>
-      </p:sp>
-      <p:sp>
-        <p:nvSpPr>
-          <p:cNvPr id="15" name="Rectangle 14">
-            <a:extLst>
-              <a:ext uri="{FF2B5EF4-FFF2-40B4-BE49-F238E27FC236}">
-                <a16:creationId xmlns:a16="http://schemas.microsoft.com/office/drawing/2014/main" id="{539658DA-B9B6-45DD-AD45-0F328D8D859E}"/>
-              </a:ext>
-            </a:extLst>
-          </p:cNvPr>
-          <p:cNvSpPr/>
-          <p:nvPr/>
-        </p:nvSpPr>
-        <p:spPr>
-          <a:xfrm>
-            <a:off x="6378722" y="3108575"/>
-            <a:ext cx="1740023" cy="435006"/>
-          </a:xfrm>
-          <a:prstGeom prst="rect">
-            <a:avLst/>
-          </a:prstGeom>
-          <a:solidFill>
-            <a:schemeClr val="bg1"/>
-          </a:solidFill>
-        </p:spPr>
-        <p:style>
-          <a:lnRef idx="2">
-            <a:schemeClr val="accent1">
-              <a:shade val="50000"/>
-            </a:schemeClr>
-          </a:lnRef>
-          <a:fillRef idx="1">
-            <a:schemeClr val="accent1"/>
-          </a:fillRef>
-          <a:effectRef idx="0">
-            <a:schemeClr val="accent1"/>
-          </a:effectRef>
-          <a:fontRef idx="minor">
-            <a:schemeClr val="lt1"/>
-          </a:fontRef>
-        </p:style>
-        <p:txBody>
-          <a:bodyPr rtlCol="0" anchor="ctr"/>
-          <a:lstStyle/>
-          <a:p>
-            <a:pPr algn="ctr"/>
-            <a:r>
-              <a:rPr lang="he-IL" dirty="0">
-                <a:solidFill>
-                  <a:schemeClr val="bg1">
-                    <a:lumMod val="65000"/>
-                  </a:schemeClr>
-                </a:solidFill>
-              </a:rPr>
-              <a:t>מין</a:t>
-            </a:r>
-            <a:endParaRPr lang="en-US" dirty="0">
-              <a:solidFill>
-                <a:schemeClr val="bg1">
-                  <a:lumMod val="65000"/>
-                </a:schemeClr>
-              </a:solidFill>
-            </a:endParaRPr>
-          </a:p>
-        </p:txBody>
-      </p:sp>
-      <p:sp>
-        <p:nvSpPr>
-          <p:cNvPr id="6" name="Arrow: Right 5">
-            <a:extLst>
-              <a:ext uri="{FF2B5EF4-FFF2-40B4-BE49-F238E27FC236}">
-                <a16:creationId xmlns:a16="http://schemas.microsoft.com/office/drawing/2014/main" id="{4666CA0A-DCFC-4B30-AFA4-2F6D291584C6}"/>
-              </a:ext>
-            </a:extLst>
-          </p:cNvPr>
-          <p:cNvSpPr/>
-          <p:nvPr/>
-        </p:nvSpPr>
-        <p:spPr>
-          <a:xfrm>
-            <a:off x="8017334" y="5770741"/>
-            <a:ext cx="479406" cy="291287"/>
-          </a:xfrm>
-          <a:prstGeom prst="rightArrow">
-            <a:avLst/>
-          </a:prstGeom>
-          <a:solidFill>
-            <a:srgbClr val="7030A0"/>
-          </a:solidFill>
-        </p:spPr>
-        <p:style>
-          <a:lnRef idx="2">
-            <a:schemeClr val="accent1">
-              <a:shade val="50000"/>
-            </a:schemeClr>
-          </a:lnRef>
-          <a:fillRef idx="1">
-            <a:schemeClr val="accent1"/>
-          </a:fillRef>
-          <a:effectRef idx="0">
-            <a:schemeClr val="accent1"/>
-          </a:effectRef>
-          <a:fontRef idx="minor">
-            <a:schemeClr val="lt1"/>
-          </a:fontRef>
-        </p:style>
-        <p:txBody>
-          <a:bodyPr rtlCol="0" anchor="ctr"/>
-          <a:lstStyle/>
-          <a:p>
-            <a:pPr algn="ctr"/>
-            <a:endParaRPr lang="en-US"/>
-          </a:p>
-        </p:txBody>
-      </p:sp>
-      <p:sp>
-        <p:nvSpPr>
-          <p:cNvPr id="16" name="Arrow: Right 15">
-            <a:extLst>
-              <a:ext uri="{FF2B5EF4-FFF2-40B4-BE49-F238E27FC236}">
-                <a16:creationId xmlns:a16="http://schemas.microsoft.com/office/drawing/2014/main" id="{C2A9F0EC-F2F4-4440-BE81-8100CE96AF6E}"/>
-              </a:ext>
-            </a:extLst>
-          </p:cNvPr>
-          <p:cNvSpPr/>
-          <p:nvPr/>
-        </p:nvSpPr>
-        <p:spPr>
-          <a:xfrm rot="10800000">
-            <a:off x="5975941" y="5774145"/>
-            <a:ext cx="504195" cy="304800"/>
-          </a:xfrm>
-          <a:prstGeom prst="rightArrow">
-            <a:avLst/>
-          </a:prstGeom>
-          <a:solidFill>
-            <a:srgbClr val="7030A0"/>
-          </a:solidFill>
-        </p:spPr>
-        <p:style>
-          <a:lnRef idx="2">
-            <a:schemeClr val="accent1">
-              <a:shade val="50000"/>
-            </a:schemeClr>
-          </a:lnRef>
-          <a:fillRef idx="1">
-            <a:schemeClr val="accent1"/>
-          </a:fillRef>
-          <a:effectRef idx="0">
-            <a:schemeClr val="accent1"/>
-          </a:effectRef>
-          <a:fontRef idx="minor">
-            <a:schemeClr val="lt1"/>
-          </a:fontRef>
-        </p:style>
-        <p:txBody>
-          <a:bodyPr rtlCol="0" anchor="ctr"/>
-          <a:lstStyle/>
-          <a:p>
-            <a:pPr algn="ctr"/>
-            <a:endParaRPr lang="en-US"/>
-          </a:p>
-        </p:txBody>
-      </p:sp>
-      <p:sp>
-        <p:nvSpPr>
-          <p:cNvPr id="17" name="Rectangle: Rounded Corners 16">
-            <a:extLst>
-              <a:ext uri="{FF2B5EF4-FFF2-40B4-BE49-F238E27FC236}">
-                <a16:creationId xmlns:a16="http://schemas.microsoft.com/office/drawing/2014/main" id="{94B18F83-BECF-4838-8C5B-269D3F7E64BF}"/>
-              </a:ext>
-            </a:extLst>
-          </p:cNvPr>
-          <p:cNvSpPr/>
-          <p:nvPr/>
-        </p:nvSpPr>
-        <p:spPr>
-          <a:xfrm>
-            <a:off x="9219041" y="1727437"/>
-            <a:ext cx="2520799" cy="2085807"/>
-          </a:xfrm>
-          <a:prstGeom prst="roundRect">
-            <a:avLst/>
-          </a:prstGeom>
-          <a:solidFill>
-            <a:srgbClr val="7030A0"/>
-          </a:solidFill>
-        </p:spPr>
-        <p:style>
-          <a:lnRef idx="0">
-            <a:schemeClr val="accent5"/>
-          </a:lnRef>
-          <a:fillRef idx="3">
-            <a:schemeClr val="accent5"/>
-          </a:fillRef>
-          <a:effectRef idx="3">
-            <a:schemeClr val="accent5"/>
-          </a:effectRef>
-          <a:fontRef idx="minor">
-            <a:schemeClr val="lt1"/>
-          </a:fontRef>
-        </p:style>
-        <p:txBody>
-          <a:bodyPr rtlCol="0" anchor="ctr"/>
-          <a:lstStyle/>
-          <a:p>
-            <a:pPr algn="ctr"/>
-            <a:r>
-              <a:rPr lang="he-IL" dirty="0"/>
-              <a:t>דיאלוג לתמצית</a:t>
-            </a:r>
-          </a:p>
-          <a:p>
-            <a:pPr algn="ctr"/>
-            <a:r>
-              <a:rPr lang="he-IL" dirty="0"/>
-              <a:t>נראות איך שאנו נבחר</a:t>
-            </a:r>
-            <a:endParaRPr lang="en-US" dirty="0"/>
-          </a:p>
-        </p:txBody>
-      </p:sp>
-      <p:cxnSp>
-        <p:nvCxnSpPr>
-          <p:cNvPr id="10" name="Connector: Elbow 9">
-            <a:extLst>
-              <a:ext uri="{FF2B5EF4-FFF2-40B4-BE49-F238E27FC236}">
-                <a16:creationId xmlns:a16="http://schemas.microsoft.com/office/drawing/2014/main" id="{521828D1-86F4-4826-AAE6-FEB4EB70BCB1}"/>
-              </a:ext>
-            </a:extLst>
-          </p:cNvPr>
-          <p:cNvCxnSpPr>
-            <a:stCxn id="5" idx="3"/>
-            <a:endCxn id="17" idx="3"/>
-          </p:cNvCxnSpPr>
-          <p:nvPr/>
-        </p:nvCxnSpPr>
-        <p:spPr>
-          <a:xfrm flipV="1">
-            <a:off x="8118745" y="2770341"/>
-            <a:ext cx="3621095" cy="1267613"/>
-          </a:xfrm>
-          <a:prstGeom prst="bentConnector3">
-            <a:avLst>
-              <a:gd name="adj1" fmla="val 106313"/>
-            </a:avLst>
-          </a:prstGeom>
-          <a:ln w="38100">
-            <a:solidFill>
-              <a:schemeClr val="tx1"/>
-            </a:solidFill>
-            <a:tailEnd type="triangle"/>
-          </a:ln>
-        </p:spPr>
-        <p:style>
-          <a:lnRef idx="1">
-            <a:schemeClr val="accent1"/>
-          </a:lnRef>
-          <a:fillRef idx="0">
-            <a:schemeClr val="accent1"/>
-          </a:fillRef>
-          <a:effectRef idx="0">
-            <a:schemeClr val="accent1"/>
-          </a:effectRef>
-          <a:fontRef idx="minor">
-            <a:schemeClr val="tx1"/>
-          </a:fontRef>
-        </p:style>
-      </p:cxnSp>
-      <p:sp>
-        <p:nvSpPr>
-          <p:cNvPr id="21" name="Rectangle: Rounded Corners 20">
-            <a:extLst>
-              <a:ext uri="{FF2B5EF4-FFF2-40B4-BE49-F238E27FC236}">
-                <a16:creationId xmlns:a16="http://schemas.microsoft.com/office/drawing/2014/main" id="{9847D507-68FC-4D20-A7C6-54F2FFFC5882}"/>
-              </a:ext>
-            </a:extLst>
-          </p:cNvPr>
-          <p:cNvSpPr/>
-          <p:nvPr/>
-        </p:nvSpPr>
-        <p:spPr>
-          <a:xfrm>
-            <a:off x="6300324" y="4666933"/>
-            <a:ext cx="1399061" cy="435006"/>
-          </a:xfrm>
-          <a:prstGeom prst="roundRect">
-            <a:avLst/>
-          </a:prstGeom>
-          <a:solidFill>
-            <a:schemeClr val="accent4">
-              <a:lumMod val="75000"/>
-            </a:schemeClr>
-          </a:solidFill>
-        </p:spPr>
-        <p:style>
-          <a:lnRef idx="0">
-            <a:schemeClr val="accent5"/>
-          </a:lnRef>
-          <a:fillRef idx="3">
-            <a:schemeClr val="accent5"/>
-          </a:fillRef>
-          <a:effectRef idx="3">
-            <a:schemeClr val="accent5"/>
-          </a:effectRef>
-          <a:fontRef idx="minor">
-            <a:schemeClr val="lt1"/>
-          </a:fontRef>
-        </p:style>
-        <p:txBody>
-          <a:bodyPr rtlCol="0" anchor="ctr"/>
-          <a:lstStyle/>
-          <a:p>
-            <a:pPr algn="ctr"/>
-            <a:r>
-              <a:rPr lang="he-IL" sz="1400" dirty="0"/>
-              <a:t>אני מאשר ומקבל תנאי משתמש</a:t>
-            </a:r>
-            <a:endParaRPr lang="en-US" sz="1400" dirty="0"/>
-          </a:p>
-        </p:txBody>
-      </p:sp>
-      <p:sp>
-        <p:nvSpPr>
-          <p:cNvPr id="23" name="TextBox 22">
-            <a:extLst>
-              <a:ext uri="{FF2B5EF4-FFF2-40B4-BE49-F238E27FC236}">
-                <a16:creationId xmlns:a16="http://schemas.microsoft.com/office/drawing/2014/main" id="{528A66B4-2357-448C-BCA8-4FA066B0F38C}"/>
-              </a:ext>
-            </a:extLst>
-          </p:cNvPr>
-          <p:cNvSpPr txBox="1"/>
-          <p:nvPr/>
-        </p:nvSpPr>
-        <p:spPr>
-          <a:xfrm>
-            <a:off x="7677312" y="4666932"/>
-            <a:ext cx="458780" cy="461665"/>
-          </a:xfrm>
-          <a:prstGeom prst="rect">
-            <a:avLst/>
-          </a:prstGeom>
-          <a:noFill/>
-        </p:spPr>
-        <p:txBody>
-          <a:bodyPr wrap="none" rtlCol="0">
-            <a:spAutoFit/>
-          </a:bodyPr>
-          <a:lstStyle/>
-          <a:p>
-            <a:r>
-              <a:rPr lang="en-US" sz="2400" dirty="0">
-                <a:sym typeface="Wingdings" panose="05000000000000000000" pitchFamily="2" charset="2"/>
-              </a:rPr>
-              <a:t></a:t>
-            </a:r>
-            <a:endParaRPr lang="en-US" sz="2400" dirty="0"/>
-          </a:p>
-        </p:txBody>
-      </p:sp>
-      <p:sp>
-        <p:nvSpPr>
-          <p:cNvPr id="25" name="Rectangle: Rounded Corners 24">
-            <a:extLst>
-              <a:ext uri="{FF2B5EF4-FFF2-40B4-BE49-F238E27FC236}">
-                <a16:creationId xmlns:a16="http://schemas.microsoft.com/office/drawing/2014/main" id="{D0133B36-AB80-4231-A7BF-37CBE41F31B6}"/>
-              </a:ext>
-            </a:extLst>
-          </p:cNvPr>
-          <p:cNvSpPr/>
-          <p:nvPr/>
-        </p:nvSpPr>
-        <p:spPr>
-          <a:xfrm>
-            <a:off x="9288496" y="4208865"/>
-            <a:ext cx="2127861" cy="1485116"/>
-          </a:xfrm>
-          <a:prstGeom prst="roundRect">
-            <a:avLst/>
-          </a:prstGeom>
-          <a:solidFill>
-            <a:schemeClr val="accent4">
-              <a:lumMod val="75000"/>
-            </a:schemeClr>
-          </a:solidFill>
-        </p:spPr>
-        <p:style>
-          <a:lnRef idx="0">
-            <a:schemeClr val="accent5"/>
-          </a:lnRef>
-          <a:fillRef idx="3">
-            <a:schemeClr val="accent5"/>
-          </a:fillRef>
-          <a:effectRef idx="3">
-            <a:schemeClr val="accent5"/>
-          </a:effectRef>
-          <a:fontRef idx="minor">
-            <a:schemeClr val="lt1"/>
-          </a:fontRef>
-        </p:style>
-        <p:txBody>
-          <a:bodyPr rtlCol="0" anchor="ctr"/>
-          <a:lstStyle/>
-          <a:p>
-            <a:pPr algn="ctr"/>
-            <a:r>
-              <a:rPr lang="he-IL" dirty="0"/>
-              <a:t>דיאלוג תנאי שימוש</a:t>
-            </a:r>
-            <a:endParaRPr lang="en-US" dirty="0"/>
-          </a:p>
-        </p:txBody>
-      </p:sp>
-      <p:sp>
-        <p:nvSpPr>
-          <p:cNvPr id="30" name="Rectangle: Rounded Corners 29">
-            <a:extLst>
-              <a:ext uri="{FF2B5EF4-FFF2-40B4-BE49-F238E27FC236}">
-                <a16:creationId xmlns:a16="http://schemas.microsoft.com/office/drawing/2014/main" id="{70DDD855-4FFB-4816-8306-4ED78056486C}"/>
-              </a:ext>
-            </a:extLst>
-          </p:cNvPr>
-          <p:cNvSpPr/>
-          <p:nvPr/>
-        </p:nvSpPr>
-        <p:spPr>
-          <a:xfrm>
-            <a:off x="6863244" y="5184792"/>
-            <a:ext cx="844040" cy="403273"/>
-          </a:xfrm>
-          <a:prstGeom prst="roundRect">
-            <a:avLst/>
-          </a:prstGeom>
-          <a:solidFill>
-            <a:schemeClr val="accent1"/>
-          </a:solidFill>
-          <a:ln w="38100">
-            <a:solidFill>
-              <a:schemeClr val="tx1"/>
-            </a:solidFill>
-          </a:ln>
-        </p:spPr>
-        <p:style>
-          <a:lnRef idx="0">
-            <a:schemeClr val="accent5"/>
-          </a:lnRef>
-          <a:fillRef idx="3">
-            <a:schemeClr val="accent5"/>
-          </a:fillRef>
-          <a:effectRef idx="3">
-            <a:schemeClr val="accent5"/>
-          </a:effectRef>
-          <a:fontRef idx="minor">
-            <a:schemeClr val="lt1"/>
-          </a:fontRef>
-        </p:style>
-        <p:txBody>
-          <a:bodyPr rtlCol="0" anchor="ctr"/>
-          <a:lstStyle/>
-          <a:p>
-            <a:pPr algn="ctr"/>
-            <a:r>
-              <a:rPr lang="he-IL" dirty="0"/>
-              <a:t>הירשם</a:t>
-            </a:r>
-            <a:endParaRPr lang="en-US" dirty="0"/>
-          </a:p>
-        </p:txBody>
-      </p:sp>
-      <p:cxnSp>
-        <p:nvCxnSpPr>
-          <p:cNvPr id="28" name="Connector: Elbow 27">
-            <a:extLst>
-              <a:ext uri="{FF2B5EF4-FFF2-40B4-BE49-F238E27FC236}">
-                <a16:creationId xmlns:a16="http://schemas.microsoft.com/office/drawing/2014/main" id="{1F40475B-2659-4936-82A0-40C37EA0CAE3}"/>
-              </a:ext>
-            </a:extLst>
-          </p:cNvPr>
-          <p:cNvCxnSpPr>
-            <a:stCxn id="21" idx="2"/>
-            <a:endCxn id="25" idx="3"/>
-          </p:cNvCxnSpPr>
-          <p:nvPr/>
-        </p:nvCxnSpPr>
-        <p:spPr>
-          <a:xfrm rot="5400000" flipH="1" flipV="1">
-            <a:off x="9132848" y="2818430"/>
-            <a:ext cx="150516" cy="4416502"/>
-          </a:xfrm>
-          <a:prstGeom prst="bentConnector4">
-            <a:avLst>
-              <a:gd name="adj1" fmla="val -545219"/>
-              <a:gd name="adj2" fmla="val 105176"/>
-            </a:avLst>
-          </a:prstGeom>
-          <a:ln w="38100">
-            <a:solidFill>
-              <a:schemeClr val="accent4">
-                <a:lumMod val="50000"/>
-              </a:schemeClr>
-            </a:solidFill>
-            <a:tailEnd type="triangle"/>
-          </a:ln>
-        </p:spPr>
-        <p:style>
-          <a:lnRef idx="1">
-            <a:schemeClr val="accent1"/>
-          </a:lnRef>
-          <a:fillRef idx="0">
-            <a:schemeClr val="accent1"/>
-          </a:fillRef>
-          <a:effectRef idx="0">
-            <a:schemeClr val="accent1"/>
-          </a:effectRef>
-          <a:fontRef idx="minor">
-            <a:schemeClr val="tx1"/>
-          </a:fontRef>
-        </p:style>
-      </p:cxnSp>
     </p:spTree>
     <p:extLst>
       <p:ext uri="{BB962C8B-B14F-4D97-AF65-F5344CB8AC3E}">
-        <p14:creationId xmlns:p14="http://schemas.microsoft.com/office/powerpoint/2010/main" val="3725660507"/>
+        <p14:creationId xmlns:p14="http://schemas.microsoft.com/office/powerpoint/2010/main" val="375735006"/>
       </p:ext>
     </p:extLst>
   </p:cSld>

--- a/YANA_SpecificationDocument_v3.pptx
+++ b/YANA_SpecificationDocument_v3.pptx
@@ -12,8 +12,8 @@
     <p:sldId id="261" r:id="rId6"/>
     <p:sldId id="262" r:id="rId7"/>
     <p:sldId id="263" r:id="rId8"/>
-    <p:sldId id="271" r:id="rId9"/>
-    <p:sldId id="265" r:id="rId10"/>
+    <p:sldId id="265" r:id="rId9"/>
+    <p:sldId id="271" r:id="rId10"/>
     <p:sldId id="267" r:id="rId11"/>
     <p:sldId id="266" r:id="rId12"/>
     <p:sldId id="268" r:id="rId13"/>
@@ -275,7 +275,7 @@
           <a:p>
             <a:fld id="{94B43D15-E77F-4644-B541-976CD44FBF9F}" type="datetimeFigureOut">
               <a:rPr lang="en-US" smtClean="0"/>
-              <a:t>2021-03-21</a:t>
+              <a:t>4/7/2021</a:t>
             </a:fld>
             <a:endParaRPr lang="en-US"/>
           </a:p>
@@ -473,7 +473,7 @@
           <a:p>
             <a:fld id="{94B43D15-E77F-4644-B541-976CD44FBF9F}" type="datetimeFigureOut">
               <a:rPr lang="en-US" smtClean="0"/>
-              <a:t>2021-03-21</a:t>
+              <a:t>4/7/2021</a:t>
             </a:fld>
             <a:endParaRPr lang="en-US"/>
           </a:p>
@@ -681,7 +681,7 @@
           <a:p>
             <a:fld id="{94B43D15-E77F-4644-B541-976CD44FBF9F}" type="datetimeFigureOut">
               <a:rPr lang="en-US" smtClean="0"/>
-              <a:t>2021-03-21</a:t>
+              <a:t>4/7/2021</a:t>
             </a:fld>
             <a:endParaRPr lang="en-US"/>
           </a:p>
@@ -879,7 +879,7 @@
           <a:p>
             <a:fld id="{94B43D15-E77F-4644-B541-976CD44FBF9F}" type="datetimeFigureOut">
               <a:rPr lang="en-US" smtClean="0"/>
-              <a:t>2021-03-21</a:t>
+              <a:t>4/7/2021</a:t>
             </a:fld>
             <a:endParaRPr lang="en-US"/>
           </a:p>
@@ -1154,7 +1154,7 @@
           <a:p>
             <a:fld id="{94B43D15-E77F-4644-B541-976CD44FBF9F}" type="datetimeFigureOut">
               <a:rPr lang="en-US" smtClean="0"/>
-              <a:t>2021-03-21</a:t>
+              <a:t>4/7/2021</a:t>
             </a:fld>
             <a:endParaRPr lang="en-US"/>
           </a:p>
@@ -1419,7 +1419,7 @@
           <a:p>
             <a:fld id="{94B43D15-E77F-4644-B541-976CD44FBF9F}" type="datetimeFigureOut">
               <a:rPr lang="en-US" smtClean="0"/>
-              <a:t>2021-03-21</a:t>
+              <a:t>4/7/2021</a:t>
             </a:fld>
             <a:endParaRPr lang="en-US"/>
           </a:p>
@@ -1831,7 +1831,7 @@
           <a:p>
             <a:fld id="{94B43D15-E77F-4644-B541-976CD44FBF9F}" type="datetimeFigureOut">
               <a:rPr lang="en-US" smtClean="0"/>
-              <a:t>2021-03-21</a:t>
+              <a:t>4/7/2021</a:t>
             </a:fld>
             <a:endParaRPr lang="en-US"/>
           </a:p>
@@ -1972,7 +1972,7 @@
           <a:p>
             <a:fld id="{94B43D15-E77F-4644-B541-976CD44FBF9F}" type="datetimeFigureOut">
               <a:rPr lang="en-US" smtClean="0"/>
-              <a:t>2021-03-21</a:t>
+              <a:t>4/7/2021</a:t>
             </a:fld>
             <a:endParaRPr lang="en-US"/>
           </a:p>
@@ -2085,7 +2085,7 @@
           <a:p>
             <a:fld id="{94B43D15-E77F-4644-B541-976CD44FBF9F}" type="datetimeFigureOut">
               <a:rPr lang="en-US" smtClean="0"/>
-              <a:t>2021-03-21</a:t>
+              <a:t>4/7/2021</a:t>
             </a:fld>
             <a:endParaRPr lang="en-US"/>
           </a:p>
@@ -2396,7 +2396,7 @@
           <a:p>
             <a:fld id="{94B43D15-E77F-4644-B541-976CD44FBF9F}" type="datetimeFigureOut">
               <a:rPr lang="en-US" smtClean="0"/>
-              <a:t>2021-03-21</a:t>
+              <a:t>4/7/2021</a:t>
             </a:fld>
             <a:endParaRPr lang="en-US"/>
           </a:p>
@@ -2684,7 +2684,7 @@
           <a:p>
             <a:fld id="{94B43D15-E77F-4644-B541-976CD44FBF9F}" type="datetimeFigureOut">
               <a:rPr lang="en-US" smtClean="0"/>
-              <a:t>2021-03-21</a:t>
+              <a:t>4/7/2021</a:t>
             </a:fld>
             <a:endParaRPr lang="en-US"/>
           </a:p>
@@ -2925,7 +2925,7 @@
           <a:p>
             <a:fld id="{94B43D15-E77F-4644-B541-976CD44FBF9F}" type="datetimeFigureOut">
               <a:rPr lang="en-US" smtClean="0"/>
-              <a:t>2021-03-21</a:t>
+              <a:t>4/7/2021</a:t>
             </a:fld>
             <a:endParaRPr lang="en-US"/>
           </a:p>
@@ -3796,8 +3796,8 @@
             </p:nvSpPr>
             <p:spPr>
               <a:xfrm>
-                <a:off x="5762636" y="2849732"/>
-                <a:ext cx="1055414" cy="646331"/>
+                <a:off x="5211567" y="2217287"/>
+                <a:ext cx="1893549" cy="2031325"/>
               </a:xfrm>
               <a:prstGeom prst="rect">
                 <a:avLst/>
@@ -3810,11 +3810,29 @@
               </a:bodyPr>
               <a:lstStyle/>
               <a:p>
+                <a:pPr algn="r" rtl="1"/>
                 <a:r>
                   <a:rPr lang="he-IL" dirty="0"/>
-                  <a:t> רשימת סינונים</a:t>
+                  <a:t> רשימת סינונים,</a:t>
                 </a:r>
-                <a:endParaRPr lang="en-US" dirty="0"/>
+              </a:p>
+              <a:p>
+                <a:pPr algn="r" rtl="1"/>
+                <a:r>
+                  <a:rPr lang="he-IL" dirty="0"/>
+                  <a:t>בתור התחלה עשו עם סינון לבחירת המפתח.</a:t>
+                </a:r>
+              </a:p>
+              <a:p>
+                <a:pPr algn="r" rtl="1"/>
+                <a:endParaRPr lang="he-IL" dirty="0"/>
+              </a:p>
+              <a:p>
+                <a:pPr algn="r" rtl="1"/>
+                <a:r>
+                  <a:rPr lang="he-IL" i="1" u="sng" dirty="0"/>
+                  <a:t>בהמשך נעבוד על הרשימה</a:t>
+                </a:r>
               </a:p>
             </p:txBody>
           </p:sp>
@@ -4993,8 +5011,8 @@
             </p:nvSpPr>
             <p:spPr>
               <a:xfrm>
-                <a:off x="5762636" y="2849732"/>
-                <a:ext cx="1055414" cy="1754326"/>
+                <a:off x="5335403" y="2472721"/>
+                <a:ext cx="1614243" cy="1200329"/>
               </a:xfrm>
               <a:prstGeom prst="rect">
                 <a:avLst/>
@@ -5460,7 +5478,7 @@
         <p:spPr>
           <a:xfrm>
             <a:off x="1428480" y="1416830"/>
-            <a:ext cx="4386393" cy="2308324"/>
+            <a:ext cx="4386393" cy="3139321"/>
           </a:xfrm>
           <a:prstGeom prst="rect">
             <a:avLst/>
@@ -5486,20 +5504,28 @@
               <a:buChar char="-"/>
             </a:pPr>
             <a:r>
-              <a:rPr lang="he-IL" dirty="0" err="1"/>
-              <a:t>דיפולט</a:t>
-            </a:r>
-            <a:r>
-              <a:rPr lang="he-IL" dirty="0"/>
-              <a:t> סינון תוצאות (ע"פ אינפוט </a:t>
-            </a:r>
-            <a:r>
-              <a:rPr lang="he-IL" dirty="0" err="1"/>
-              <a:t>יוזר</a:t>
-            </a:r>
-            <a:r>
-              <a:rPr lang="he-IL" dirty="0"/>
-              <a:t>)</a:t>
+              <a:rPr lang="he-IL" dirty="0"/>
+              <a:t>סינונים אוטומטיים</a:t>
+            </a:r>
+          </a:p>
+          <a:p>
+            <a:pPr marL="742950" lvl="1" indent="-285750" algn="r" rtl="1">
+              <a:buFontTx/>
+              <a:buChar char="-"/>
+            </a:pPr>
+            <a:r>
+              <a:rPr lang="he-IL" dirty="0"/>
+              <a:t>ברירת מחדל כלום לא מופעל</a:t>
+            </a:r>
+          </a:p>
+          <a:p>
+            <a:pPr marL="742950" lvl="1" indent="-285750" algn="r" rtl="1">
+              <a:buFontTx/>
+              <a:buChar char="-"/>
+            </a:pPr>
+            <a:r>
+              <a:rPr lang="he-IL" dirty="0"/>
+              <a:t>יש למשתמש אפשרות להפעיל מי מהם שרוצה</a:t>
             </a:r>
           </a:p>
           <a:p>
@@ -5539,9 +5565,29 @@
             </a:r>
             <a:r>
               <a:rPr lang="he-IL" dirty="0"/>
-              <a:t> – בדיקה – לא בטוח</a:t>
-            </a:r>
-            <a:endParaRPr lang="en-US" dirty="0"/>
+              <a:t> – </a:t>
+            </a:r>
+            <a:r>
+              <a:rPr lang="he-IL" b="1" i="1" dirty="0">
+                <a:effectLst>
+                  <a:outerShdw blurRad="38100" dist="38100" dir="2700000" algn="tl">
+                    <a:srgbClr val="000000">
+                      <a:alpha val="43137"/>
+                    </a:srgbClr>
+                  </a:outerShdw>
+                </a:effectLst>
+              </a:rPr>
+              <a:t>בדיקה – לא בטוח</a:t>
+            </a:r>
+            <a:endParaRPr lang="en-US" b="1" i="1" dirty="0">
+              <a:effectLst>
+                <a:outerShdw blurRad="38100" dist="38100" dir="2700000" algn="tl">
+                  <a:srgbClr val="000000">
+                    <a:alpha val="43137"/>
+                  </a:srgbClr>
+                </a:outerShdw>
+              </a:effectLst>
+            </a:endParaRPr>
           </a:p>
           <a:p>
             <a:pPr marL="285750" indent="-285750" algn="r" rtl="1">
@@ -6020,7 +6066,7 @@
         </p:nvSpPr>
         <p:spPr>
           <a:xfrm>
-            <a:off x="7087566" y="1189579"/>
+            <a:off x="6182042" y="1189579"/>
             <a:ext cx="2790334" cy="4926928"/>
           </a:xfrm>
           <a:prstGeom prst="rect">
@@ -6125,7 +6171,7 @@
         </p:nvSpPr>
         <p:spPr>
           <a:xfrm>
-            <a:off x="7087566" y="1189579"/>
+            <a:off x="6182042" y="1189579"/>
             <a:ext cx="2790334" cy="541538"/>
           </a:xfrm>
           <a:prstGeom prst="rect">
@@ -6181,7 +6227,7 @@
         </p:nvSpPr>
         <p:spPr>
           <a:xfrm>
-            <a:off x="8045766" y="1271243"/>
+            <a:off x="7140242" y="1271243"/>
             <a:ext cx="1358283" cy="369332"/>
           </a:xfrm>
           <a:prstGeom prst="rect">
@@ -6225,7 +6271,7 @@
         </p:nvSpPr>
         <p:spPr>
           <a:xfrm>
-            <a:off x="7087566" y="3502081"/>
+            <a:off x="6182042" y="3502081"/>
             <a:ext cx="2790334" cy="646331"/>
           </a:xfrm>
           <a:prstGeom prst="rect">
@@ -6278,7 +6324,7 @@
         </p:nvSpPr>
         <p:spPr>
           <a:xfrm>
-            <a:off x="7087566" y="1731117"/>
+            <a:off x="6182042" y="1731117"/>
             <a:ext cx="2790334" cy="1754326"/>
           </a:xfrm>
           <a:prstGeom prst="rect">
@@ -6339,7 +6385,7 @@
         </p:nvSpPr>
         <p:spPr>
           <a:xfrm>
-            <a:off x="7087566" y="4804727"/>
+            <a:off x="6182042" y="4804727"/>
             <a:ext cx="2790334" cy="646331"/>
           </a:xfrm>
           <a:prstGeom prst="rect">
@@ -6392,7 +6438,7 @@
         </p:nvSpPr>
         <p:spPr>
           <a:xfrm>
-            <a:off x="7087566" y="4146684"/>
+            <a:off x="6182042" y="4146684"/>
             <a:ext cx="2790334" cy="646331"/>
           </a:xfrm>
           <a:prstGeom prst="rect">
@@ -6662,7 +6708,7 @@
         <p:spPr>
           <a:xfrm flipH="1">
             <a:off x="4145584" y="3825247"/>
-            <a:ext cx="2941982" cy="428901"/>
+            <a:ext cx="2036458" cy="428901"/>
           </a:xfrm>
           <a:prstGeom prst="line">
             <a:avLst/>
@@ -6697,7 +6743,7 @@
         </p:nvSpPr>
         <p:spPr>
           <a:xfrm>
-            <a:off x="8066024" y="3107887"/>
+            <a:off x="7160500" y="3107887"/>
             <a:ext cx="906011" cy="283577"/>
           </a:xfrm>
           <a:prstGeom prst="rect">
@@ -6757,7 +6803,7 @@
         </p:nvSpPr>
         <p:spPr>
           <a:xfrm>
-            <a:off x="7087566" y="5559461"/>
+            <a:off x="6182042" y="5559461"/>
             <a:ext cx="2790334" cy="541538"/>
           </a:xfrm>
           <a:prstGeom prst="rect">
@@ -6830,7 +6876,7 @@
         </p:blipFill>
         <p:spPr>
           <a:xfrm>
-            <a:off x="9203435" y="5572449"/>
+            <a:off x="8297911" y="5572449"/>
             <a:ext cx="535297" cy="535297"/>
           </a:xfrm>
           <a:prstGeom prst="rect">
@@ -6869,7 +6915,7 @@
         </p:blipFill>
         <p:spPr>
           <a:xfrm>
-            <a:off x="8519030" y="5567707"/>
+            <a:off x="7613506" y="5567707"/>
             <a:ext cx="593574" cy="593574"/>
           </a:xfrm>
           <a:prstGeom prst="rect">
@@ -6908,7 +6954,7 @@
         </p:blipFill>
         <p:spPr>
           <a:xfrm>
-            <a:off x="7822730" y="5577819"/>
+            <a:off x="6917206" y="5577819"/>
             <a:ext cx="461462" cy="461462"/>
           </a:xfrm>
           <a:prstGeom prst="rect">
@@ -6947,7 +6993,7 @@
         </p:blipFill>
         <p:spPr>
           <a:xfrm>
-            <a:off x="7223482" y="5600190"/>
+            <a:off x="6317958" y="5600190"/>
             <a:ext cx="460080" cy="460080"/>
           </a:xfrm>
           <a:prstGeom prst="rect">
@@ -6955,6 +7001,152 @@
           </a:prstGeom>
         </p:spPr>
       </p:pic>
+      <p:grpSp>
+        <p:nvGrpSpPr>
+          <p:cNvPr id="34" name="Group 33">
+            <a:extLst>
+              <a:ext uri="{FF2B5EF4-FFF2-40B4-BE49-F238E27FC236}">
+                <a16:creationId xmlns:a16="http://schemas.microsoft.com/office/drawing/2014/main" id="{5425DB97-A28F-4B4A-A278-990136464D4B}"/>
+              </a:ext>
+            </a:extLst>
+          </p:cNvPr>
+          <p:cNvGrpSpPr/>
+          <p:nvPr/>
+        </p:nvGrpSpPr>
+        <p:grpSpPr>
+          <a:xfrm>
+            <a:off x="9663118" y="968005"/>
+            <a:ext cx="2325949" cy="1325563"/>
+            <a:chOff x="5031997" y="1842985"/>
+            <a:chExt cx="2325949" cy="3071693"/>
+          </a:xfrm>
+        </p:grpSpPr>
+        <p:sp>
+          <p:nvSpPr>
+            <p:cNvPr id="42" name="Rectangle: Rounded Corners 41">
+              <a:extLst>
+                <a:ext uri="{FF2B5EF4-FFF2-40B4-BE49-F238E27FC236}">
+                  <a16:creationId xmlns:a16="http://schemas.microsoft.com/office/drawing/2014/main" id="{62E544F4-11A5-44CE-B930-549EBF0A1128}"/>
+                </a:ext>
+              </a:extLst>
+            </p:cNvPr>
+            <p:cNvSpPr/>
+            <p:nvPr/>
+          </p:nvSpPr>
+          <p:spPr>
+            <a:xfrm>
+              <a:off x="5031997" y="1842985"/>
+              <a:ext cx="2325949" cy="3071693"/>
+            </a:xfrm>
+            <a:prstGeom prst="roundRect">
+              <a:avLst/>
+            </a:prstGeom>
+            <a:solidFill>
+              <a:schemeClr val="bg1"/>
+            </a:solidFill>
+          </p:spPr>
+          <p:style>
+            <a:lnRef idx="2">
+              <a:schemeClr val="accent1">
+                <a:shade val="50000"/>
+              </a:schemeClr>
+            </a:lnRef>
+            <a:fillRef idx="1">
+              <a:schemeClr val="accent1"/>
+            </a:fillRef>
+            <a:effectRef idx="0">
+              <a:schemeClr val="accent1"/>
+            </a:effectRef>
+            <a:fontRef idx="minor">
+              <a:schemeClr val="lt1"/>
+            </a:fontRef>
+          </p:style>
+          <p:txBody>
+            <a:bodyPr rtlCol="0" anchor="ctr"/>
+            <a:lstStyle/>
+            <a:p>
+              <a:pPr algn="ctr"/>
+              <a:endParaRPr lang="en-US"/>
+            </a:p>
+          </p:txBody>
+        </p:sp>
+        <p:sp>
+          <p:nvSpPr>
+            <p:cNvPr id="43" name="TextBox 42">
+              <a:extLst>
+                <a:ext uri="{FF2B5EF4-FFF2-40B4-BE49-F238E27FC236}">
+                  <a16:creationId xmlns:a16="http://schemas.microsoft.com/office/drawing/2014/main" id="{719AF1BF-7EF7-453C-8ABF-8FB443341C3B}"/>
+                </a:ext>
+              </a:extLst>
+            </p:cNvPr>
+            <p:cNvSpPr txBox="1"/>
+            <p:nvPr/>
+          </p:nvSpPr>
+          <p:spPr>
+            <a:xfrm>
+              <a:off x="5324542" y="2684207"/>
+              <a:ext cx="1740858" cy="1389248"/>
+            </a:xfrm>
+            <a:prstGeom prst="rect">
+              <a:avLst/>
+            </a:prstGeom>
+            <a:noFill/>
+          </p:spPr>
+          <p:txBody>
+            <a:bodyPr wrap="square" rtlCol="0">
+              <a:spAutoFit/>
+            </a:bodyPr>
+            <a:lstStyle/>
+            <a:p>
+              <a:pPr algn="ctr"/>
+              <a:r>
+                <a:rPr lang="he-IL" dirty="0"/>
+                <a:t>על פי רשימת סינונים שייבחרו בהמשך</a:t>
+              </a:r>
+              <a:endParaRPr lang="en-US" dirty="0"/>
+            </a:p>
+          </p:txBody>
+        </p:sp>
+      </p:grpSp>
+      <p:cxnSp>
+        <p:nvCxnSpPr>
+          <p:cNvPr id="5" name="Straight Connector 4">
+            <a:extLst>
+              <a:ext uri="{FF2B5EF4-FFF2-40B4-BE49-F238E27FC236}">
+                <a16:creationId xmlns:a16="http://schemas.microsoft.com/office/drawing/2014/main" id="{52C68725-A13A-4C84-AD3C-B7317FE32518}"/>
+              </a:ext>
+            </a:extLst>
+          </p:cNvPr>
+          <p:cNvCxnSpPr>
+            <a:cxnSpLocks/>
+            <a:endCxn id="42" idx="1"/>
+          </p:cNvCxnSpPr>
+          <p:nvPr/>
+        </p:nvCxnSpPr>
+        <p:spPr>
+          <a:xfrm flipV="1">
+            <a:off x="8972376" y="1630787"/>
+            <a:ext cx="690742" cy="977494"/>
+          </a:xfrm>
+          <a:prstGeom prst="line">
+            <a:avLst/>
+          </a:prstGeom>
+        </p:spPr>
+        <p:style>
+          <a:lnRef idx="1">
+            <a:schemeClr val="accent1"/>
+          </a:lnRef>
+          <a:fillRef idx="0">
+            <a:schemeClr val="accent1"/>
+          </a:fillRef>
+          <a:effectRef idx="0">
+            <a:schemeClr val="accent1"/>
+          </a:effectRef>
+          <a:fontRef idx="minor">
+            <a:schemeClr val="tx1"/>
+          </a:fontRef>
+        </p:style>
+      </p:cxnSp>
     </p:spTree>
     <p:extLst>
       <p:ext uri="{BB962C8B-B14F-4D97-AF65-F5344CB8AC3E}">
@@ -7033,7 +7225,7 @@
           <p:nvPr>
             <p:extLst>
               <p:ext uri="{D42A27DB-BD31-4B8C-83A1-F6EECF244321}">
-                <p14:modId xmlns:p14="http://schemas.microsoft.com/office/powerpoint/2010/main" val="1863920359"/>
+                <p14:modId xmlns:p14="http://schemas.microsoft.com/office/powerpoint/2010/main" val="2644585621"/>
               </p:ext>
             </p:extLst>
           </p:nvPr>
@@ -7143,7 +7335,23 @@
                     <a:bodyPr/>
                     <a:lstStyle/>
                     <a:p>
-                      <a:pPr algn="ctr" rtl="1"/>
+                      <a:pPr marL="0" marR="0" lvl="0" indent="0" algn="ctr" defTabSz="914400" rtl="1" eaLnBrk="1" fontAlgn="auto" latinLnBrk="0" hangingPunct="1">
+                        <a:lnSpc>
+                          <a:spcPct val="100000"/>
+                        </a:lnSpc>
+                        <a:spcBef>
+                          <a:spcPts val="0"/>
+                        </a:spcBef>
+                        <a:spcAft>
+                          <a:spcPts val="0"/>
+                        </a:spcAft>
+                        <a:buClrTx/>
+                        <a:buSzTx/>
+                        <a:buFontTx/>
+                        <a:buNone/>
+                        <a:tabLst/>
+                        <a:defRPr/>
+                      </a:pPr>
                       <a:r>
                         <a:rPr lang="he-IL" dirty="0"/>
                         <a:t>מיקום</a:t>
@@ -7157,9 +7365,23 @@
                           </a:solidFill>
                           <a:sym typeface="Wingdings" panose="05000000000000000000" pitchFamily="2" charset="2"/>
                         </a:rPr>
-                        <a:t></a:t>
+                        <a:t> </a:t>
                       </a:r>
-                      <a:endParaRPr lang="en-US" dirty="0"/>
+                      <a:r>
+                        <a:rPr lang="en-US" dirty="0">
+                          <a:solidFill>
+                            <a:srgbClr val="FF0000"/>
+                          </a:solidFill>
+                          <a:sym typeface="Webdings" panose="05030102010509060703" pitchFamily="18" charset="2"/>
+                        </a:rPr>
+                        <a:t></a:t>
+                      </a:r>
+                      <a:endParaRPr lang="en-US" dirty="0">
+                        <a:solidFill>
+                          <a:srgbClr val="FF0000"/>
+                        </a:solidFill>
+                        <a:sym typeface="Wingdings" panose="05000000000000000000" pitchFamily="2" charset="2"/>
+                      </a:endParaRPr>
                     </a:p>
                   </a:txBody>
                   <a:tcPr anchor="ctr"/>
@@ -7287,7 +7509,23 @@
                     <a:bodyPr/>
                     <a:lstStyle/>
                     <a:p>
-                      <a:pPr algn="ctr" rtl="1"/>
+                      <a:pPr marL="0" marR="0" lvl="0" indent="0" algn="ctr" defTabSz="914400" rtl="1" eaLnBrk="1" fontAlgn="auto" latinLnBrk="0" hangingPunct="1">
+                        <a:lnSpc>
+                          <a:spcPct val="100000"/>
+                        </a:lnSpc>
+                        <a:spcBef>
+                          <a:spcPts val="0"/>
+                        </a:spcBef>
+                        <a:spcAft>
+                          <a:spcPts val="0"/>
+                        </a:spcAft>
+                        <a:buClrTx/>
+                        <a:buSzTx/>
+                        <a:buFontTx/>
+                        <a:buNone/>
+                        <a:tabLst/>
+                        <a:defRPr/>
+                      </a:pPr>
                       <a:r>
                         <a:rPr lang="he-IL" dirty="0"/>
                         <a:t>זמן פתיחה</a:t>
@@ -7299,9 +7537,23 @@
                           </a:solidFill>
                           <a:sym typeface="Wingdings" panose="05000000000000000000" pitchFamily="2" charset="2"/>
                         </a:rPr>
-                        <a:t></a:t>
+                        <a:t> </a:t>
                       </a:r>
-                      <a:endParaRPr lang="en-US" dirty="0"/>
+                      <a:r>
+                        <a:rPr lang="en-US" dirty="0">
+                          <a:solidFill>
+                            <a:srgbClr val="FF0000"/>
+                          </a:solidFill>
+                          <a:sym typeface="Webdings" panose="05030102010509060703" pitchFamily="18" charset="2"/>
+                        </a:rPr>
+                        <a:t></a:t>
+                      </a:r>
+                      <a:endParaRPr lang="en-US" dirty="0">
+                        <a:solidFill>
+                          <a:srgbClr val="FF0000"/>
+                        </a:solidFill>
+                        <a:sym typeface="Wingdings" panose="05000000000000000000" pitchFamily="2" charset="2"/>
+                      </a:endParaRPr>
                     </a:p>
                   </a:txBody>
                   <a:tcPr/>
@@ -7329,7 +7581,23 @@
                     <a:bodyPr/>
                     <a:lstStyle/>
                     <a:p>
-                      <a:pPr algn="ctr" rtl="1"/>
+                      <a:pPr marL="0" marR="0" lvl="0" indent="0" algn="ctr" defTabSz="914400" rtl="1" eaLnBrk="1" fontAlgn="auto" latinLnBrk="0" hangingPunct="1">
+                        <a:lnSpc>
+                          <a:spcPct val="100000"/>
+                        </a:lnSpc>
+                        <a:spcBef>
+                          <a:spcPts val="0"/>
+                        </a:spcBef>
+                        <a:spcAft>
+                          <a:spcPts val="0"/>
+                        </a:spcAft>
+                        <a:buClrTx/>
+                        <a:buSzTx/>
+                        <a:buFontTx/>
+                        <a:buNone/>
+                        <a:tabLst/>
+                        <a:defRPr/>
+                      </a:pPr>
                       <a:r>
                         <a:rPr lang="he-IL" dirty="0"/>
                         <a:t>זמן סגירה</a:t>
@@ -7341,9 +7609,23 @@
                           </a:solidFill>
                           <a:sym typeface="Wingdings" panose="05000000000000000000" pitchFamily="2" charset="2"/>
                         </a:rPr>
-                        <a:t></a:t>
+                        <a:t> </a:t>
                       </a:r>
-                      <a:endParaRPr lang="en-US" dirty="0"/>
+                      <a:r>
+                        <a:rPr lang="en-US" dirty="0">
+                          <a:solidFill>
+                            <a:srgbClr val="FF0000"/>
+                          </a:solidFill>
+                          <a:sym typeface="Webdings" panose="05030102010509060703" pitchFamily="18" charset="2"/>
+                        </a:rPr>
+                        <a:t></a:t>
+                      </a:r>
+                      <a:endParaRPr lang="en-US" dirty="0">
+                        <a:solidFill>
+                          <a:srgbClr val="FF0000"/>
+                        </a:solidFill>
+                        <a:sym typeface="Wingdings" panose="05000000000000000000" pitchFamily="2" charset="2"/>
+                      </a:endParaRPr>
                     </a:p>
                   </a:txBody>
                   <a:tcPr/>
@@ -7374,7 +7656,23 @@
                     <a:bodyPr/>
                     <a:lstStyle/>
                     <a:p>
-                      <a:pPr algn="ctr" rtl="1"/>
+                      <a:pPr marL="0" marR="0" lvl="0" indent="0" algn="ctr" defTabSz="914400" rtl="1" eaLnBrk="1" fontAlgn="auto" latinLnBrk="0" hangingPunct="1">
+                        <a:lnSpc>
+                          <a:spcPct val="100000"/>
+                        </a:lnSpc>
+                        <a:spcBef>
+                          <a:spcPts val="0"/>
+                        </a:spcBef>
+                        <a:spcAft>
+                          <a:spcPts val="0"/>
+                        </a:spcAft>
+                        <a:buClrTx/>
+                        <a:buSzTx/>
+                        <a:buFontTx/>
+                        <a:buNone/>
+                        <a:tabLst/>
+                        <a:defRPr/>
+                      </a:pPr>
                       <a:r>
                         <a:rPr lang="he-IL" dirty="0"/>
                         <a:t>סוג מקום</a:t>
@@ -7388,9 +7686,23 @@
                           </a:solidFill>
                           <a:sym typeface="Wingdings" panose="05000000000000000000" pitchFamily="2" charset="2"/>
                         </a:rPr>
-                        <a:t></a:t>
+                        <a:t> </a:t>
                       </a:r>
-                      <a:endParaRPr lang="en-US" dirty="0"/>
+                      <a:r>
+                        <a:rPr lang="en-US" dirty="0">
+                          <a:solidFill>
+                            <a:srgbClr val="FF0000"/>
+                          </a:solidFill>
+                          <a:sym typeface="Webdings" panose="05030102010509060703" pitchFamily="18" charset="2"/>
+                        </a:rPr>
+                        <a:t></a:t>
+                      </a:r>
+                      <a:endParaRPr lang="en-US" dirty="0">
+                        <a:solidFill>
+                          <a:srgbClr val="FF0000"/>
+                        </a:solidFill>
+                        <a:sym typeface="Wingdings" panose="05000000000000000000" pitchFamily="2" charset="2"/>
+                      </a:endParaRPr>
                     </a:p>
                   </a:txBody>
                   <a:tcPr/>
@@ -7435,7 +7747,18 @@
                           </a:solidFill>
                           <a:sym typeface="Wingdings" panose="05000000000000000000" pitchFamily="2" charset="2"/>
                         </a:rPr>
-                        <a:t></a:t>
+                        <a:t> </a:t>
+                      </a:r>
+                      <a:r>
+                        <a:rPr lang="en-US" dirty="0">
+                          <a:solidFill>
+                            <a:schemeClr val="accent1">
+                              <a:lumMod val="75000"/>
+                            </a:schemeClr>
+                          </a:solidFill>
+                          <a:sym typeface="Webdings" panose="05030102010509060703" pitchFamily="18" charset="2"/>
+                        </a:rPr>
+                        <a:t></a:t>
                       </a:r>
                       <a:endParaRPr lang="en-US" dirty="0"/>
                     </a:p>
@@ -7484,7 +7807,23 @@
                     <a:bodyPr/>
                     <a:lstStyle/>
                     <a:p>
-                      <a:pPr algn="ctr" rtl="1"/>
+                      <a:pPr marL="0" marR="0" lvl="0" indent="0" algn="ctr" defTabSz="914400" rtl="1" eaLnBrk="1" fontAlgn="auto" latinLnBrk="0" hangingPunct="1">
+                        <a:lnSpc>
+                          <a:spcPct val="100000"/>
+                        </a:lnSpc>
+                        <a:spcBef>
+                          <a:spcPts val="0"/>
+                        </a:spcBef>
+                        <a:spcAft>
+                          <a:spcPts val="0"/>
+                        </a:spcAft>
+                        <a:buClrTx/>
+                        <a:buSzTx/>
+                        <a:buFontTx/>
+                        <a:buNone/>
+                        <a:tabLst/>
+                        <a:defRPr/>
+                      </a:pPr>
                       <a:r>
                         <a:rPr lang="he-IL" dirty="0"/>
                         <a:t>נמחק / לא נמחק</a:t>
@@ -7496,9 +7835,23 @@
                           </a:solidFill>
                           <a:sym typeface="Wingdings" panose="05000000000000000000" pitchFamily="2" charset="2"/>
                         </a:rPr>
-                        <a:t></a:t>
+                        <a:t> </a:t>
                       </a:r>
-                      <a:endParaRPr lang="en-US" dirty="0"/>
+                      <a:r>
+                        <a:rPr lang="en-US" dirty="0">
+                          <a:solidFill>
+                            <a:srgbClr val="FF0000"/>
+                          </a:solidFill>
+                          <a:sym typeface="Webdings" panose="05030102010509060703" pitchFamily="18" charset="2"/>
+                        </a:rPr>
+                        <a:t></a:t>
+                      </a:r>
+                      <a:endParaRPr lang="en-US" dirty="0">
+                        <a:solidFill>
+                          <a:srgbClr val="FF0000"/>
+                        </a:solidFill>
+                        <a:sym typeface="Wingdings" panose="05000000000000000000" pitchFamily="2" charset="2"/>
+                      </a:endParaRPr>
                     </a:p>
                   </a:txBody>
                   <a:tcPr/>
@@ -7676,6 +8029,107 @@
           </a:p>
         </p:txBody>
       </p:sp>
+      <p:sp>
+        <p:nvSpPr>
+          <p:cNvPr id="8" name="TextBox 7">
+            <a:extLst>
+              <a:ext uri="{FF2B5EF4-FFF2-40B4-BE49-F238E27FC236}">
+                <a16:creationId xmlns:a16="http://schemas.microsoft.com/office/drawing/2014/main" id="{BE10F7EA-3587-4C6D-B951-C1C3D6C2B5C5}"/>
+              </a:ext>
+            </a:extLst>
+          </p:cNvPr>
+          <p:cNvSpPr txBox="1"/>
+          <p:nvPr/>
+        </p:nvSpPr>
+        <p:spPr>
+          <a:xfrm>
+            <a:off x="3098306" y="648070"/>
+            <a:ext cx="1562470" cy="646331"/>
+          </a:xfrm>
+          <a:prstGeom prst="rect">
+            <a:avLst/>
+          </a:prstGeom>
+          <a:noFill/>
+          <a:ln w="38100" cap="flat" cmpd="sng">
+            <a:solidFill>
+              <a:schemeClr val="tx1"/>
+            </a:solidFill>
+          </a:ln>
+        </p:spPr>
+        <p:txBody>
+          <a:bodyPr wrap="square" rtlCol="0">
+            <a:spAutoFit/>
+          </a:bodyPr>
+          <a:lstStyle/>
+          <a:p>
+            <a:pPr algn="l"/>
+            <a:r>
+              <a:rPr lang="en-US" dirty="0"/>
+              <a:t>Must    </a:t>
+            </a:r>
+            <a:r>
+              <a:rPr lang="en-US" dirty="0">
+                <a:sym typeface="Wingdings" panose="05000000000000000000" pitchFamily="2" charset="2"/>
+              </a:rPr>
+              <a:t>  </a:t>
+            </a:r>
+            <a:r>
+              <a:rPr lang="en-US" dirty="0">
+                <a:solidFill>
+                  <a:srgbClr val="FF0000"/>
+                </a:solidFill>
+                <a:sym typeface="Webdings" panose="05030102010509060703" pitchFamily="18" charset="2"/>
+              </a:rPr>
+              <a:t></a:t>
+            </a:r>
+            <a:endParaRPr lang="en-US" dirty="0">
+              <a:solidFill>
+                <a:srgbClr val="FF0000"/>
+              </a:solidFill>
+              <a:sym typeface="Wingdings" panose="05000000000000000000" pitchFamily="2" charset="2"/>
+            </a:endParaRPr>
+          </a:p>
+          <a:p>
+            <a:pPr algn="l"/>
+            <a:r>
+              <a:rPr lang="en-US" dirty="0">
+                <a:sym typeface="Wingdings" panose="05000000000000000000" pitchFamily="2" charset="2"/>
+              </a:rPr>
+              <a:t>Option </a:t>
+            </a:r>
+            <a:r>
+              <a:rPr lang="he-IL" dirty="0">
+                <a:sym typeface="Wingdings" panose="05000000000000000000" pitchFamily="2" charset="2"/>
+              </a:rPr>
+              <a:t> </a:t>
+            </a:r>
+            <a:r>
+              <a:rPr lang="en-US" dirty="0">
+                <a:sym typeface="Wingdings" panose="05000000000000000000" pitchFamily="2" charset="2"/>
+              </a:rPr>
+              <a:t> </a:t>
+            </a:r>
+            <a:r>
+              <a:rPr lang="en-US" dirty="0">
+                <a:solidFill>
+                  <a:schemeClr val="accent1">
+                    <a:lumMod val="75000"/>
+                  </a:schemeClr>
+                </a:solidFill>
+                <a:sym typeface="Webdings" panose="05030102010509060703" pitchFamily="18" charset="2"/>
+              </a:rPr>
+              <a:t></a:t>
+            </a:r>
+            <a:endParaRPr lang="en-US" dirty="0">
+              <a:solidFill>
+                <a:schemeClr val="accent1">
+                  <a:lumMod val="75000"/>
+                </a:schemeClr>
+              </a:solidFill>
+            </a:endParaRPr>
+          </a:p>
+        </p:txBody>
+      </p:sp>
     </p:spTree>
     <p:extLst>
       <p:ext uri="{BB962C8B-B14F-4D97-AF65-F5344CB8AC3E}">
@@ -7743,7 +8197,7 @@
                   </a:outerShdw>
                 </a:effectLst>
               </a:rPr>
-              <a:t>חלון ראשי צאט</a:t>
+              <a:t>עמוד צ'אטים</a:t>
             </a:r>
             <a:endParaRPr lang="en-US" b="1" u="sng" dirty="0">
               <a:effectLst>
@@ -7933,8 +8387,20 @@
               <a:buChar char="-"/>
             </a:pPr>
             <a:r>
-              <a:rPr lang="he-IL" dirty="0"/>
-              <a:t>#רעיון  - הצאט פתוח רק למשך הזמן של הפגישה הפתוחה, לאחר מכן ננעל אוטומטית</a:t>
+              <a:rPr lang="he-IL" b="1" i="1" u="sng" dirty="0">
+                <a:effectLst>
+                  <a:outerShdw blurRad="38100" dist="38100" dir="2700000" algn="tl">
+                    <a:srgbClr val="000000">
+                      <a:alpha val="43137"/>
+                    </a:srgbClr>
+                  </a:outerShdw>
+                </a:effectLst>
+              </a:rPr>
+              <a:t>#</a:t>
+            </a:r>
+            <a:r>
+              <a:rPr lang="he-IL" i="1" dirty="0"/>
+              <a:t> רעיון  - הצאט פתוח רק למשך הזמן של הפגישה הפתוחה, לאחר מכן נסגר אוטומטית</a:t>
             </a:r>
           </a:p>
           <a:p>
@@ -8612,13 +9078,13 @@
             <p:nvPr/>
           </p:nvPicPr>
           <p:blipFill>
-            <a:blip r:embed="rId4">
+            <a:blip r:embed="rId12">
               <a:extLst>
                 <a:ext uri="{28A0092B-C50C-407E-A947-70E740481C1C}">
                   <a14:useLocalDpi xmlns:a14="http://schemas.microsoft.com/office/drawing/2010/main" val="0"/>
                 </a:ext>
                 <a:ext uri="{96DAC541-7B7A-43D3-8B79-37D633B846F1}">
-                  <asvg:svgBlip xmlns:asvg="http://schemas.microsoft.com/office/drawing/2016/SVG/main" r:embed="rId5"/>
+                  <asvg:svgBlip xmlns:asvg="http://schemas.microsoft.com/office/drawing/2016/SVG/main" r:embed="rId13"/>
                 </a:ext>
               </a:extLst>
             </a:blip>
@@ -8651,13 +9117,13 @@
             <p:nvPr/>
           </p:nvPicPr>
           <p:blipFill>
-            <a:blip r:embed="rId12">
+            <a:blip r:embed="rId14">
               <a:extLst>
                 <a:ext uri="{28A0092B-C50C-407E-A947-70E740481C1C}">
                   <a14:useLocalDpi xmlns:a14="http://schemas.microsoft.com/office/drawing/2010/main" val="0"/>
                 </a:ext>
                 <a:ext uri="{96DAC541-7B7A-43D3-8B79-37D633B846F1}">
-                  <asvg:svgBlip xmlns:asvg="http://schemas.microsoft.com/office/drawing/2016/SVG/main" r:embed="rId13"/>
+                  <asvg:svgBlip xmlns:asvg="http://schemas.microsoft.com/office/drawing/2016/SVG/main" r:embed="rId15"/>
                 </a:ext>
               </a:extLst>
             </a:blip>
@@ -8690,13 +9156,13 @@
             <p:nvPr/>
           </p:nvPicPr>
           <p:blipFill>
-            <a:blip r:embed="rId14">
+            <a:blip r:embed="rId16">
               <a:extLst>
                 <a:ext uri="{28A0092B-C50C-407E-A947-70E740481C1C}">
                   <a14:useLocalDpi xmlns:a14="http://schemas.microsoft.com/office/drawing/2010/main" val="0"/>
                 </a:ext>
                 <a:ext uri="{96DAC541-7B7A-43D3-8B79-37D633B846F1}">
-                  <asvg:svgBlip xmlns:asvg="http://schemas.microsoft.com/office/drawing/2016/SVG/main" r:embed="rId15"/>
+                  <asvg:svgBlip xmlns:asvg="http://schemas.microsoft.com/office/drawing/2016/SVG/main" r:embed="rId17"/>
                 </a:ext>
               </a:extLst>
             </a:blip>
@@ -8865,7 +9331,7 @@
         <p:spPr>
           <a:xfrm>
             <a:off x="1717129" y="1407952"/>
-            <a:ext cx="4275297" cy="2031325"/>
+            <a:ext cx="4275297" cy="2585323"/>
           </a:xfrm>
           <a:prstGeom prst="rect">
             <a:avLst/>
@@ -8938,6 +9404,24 @@
             <a:r>
               <a:rPr lang="he-IL" dirty="0"/>
               <a:t>לסגור צ'אט</a:t>
+            </a:r>
+          </a:p>
+          <a:p>
+            <a:pPr marL="285750" indent="-285750" algn="r" rtl="1">
+              <a:buFontTx/>
+              <a:buChar char="-"/>
+            </a:pPr>
+            <a:r>
+              <a:rPr lang="he-IL" dirty="0"/>
+              <a:t>שליחת הודעה תתבצע על ידי הקשת כפתור </a:t>
+            </a:r>
+            <a:r>
+              <a:rPr lang="en-US" dirty="0"/>
+              <a:t>send</a:t>
+            </a:r>
+            <a:r>
+              <a:rPr lang="he-IL" dirty="0"/>
+              <a:t> במקלדת המכשיר עצמה</a:t>
             </a:r>
           </a:p>
           <a:p>
@@ -9491,13 +9975,13 @@
             <p:nvPr/>
           </p:nvPicPr>
           <p:blipFill>
-            <a:blip r:embed="rId4">
+            <a:blip r:embed="rId12">
               <a:extLst>
                 <a:ext uri="{28A0092B-C50C-407E-A947-70E740481C1C}">
                   <a14:useLocalDpi xmlns:a14="http://schemas.microsoft.com/office/drawing/2010/main" val="0"/>
                 </a:ext>
                 <a:ext uri="{96DAC541-7B7A-43D3-8B79-37D633B846F1}">
-                  <asvg:svgBlip xmlns:asvg="http://schemas.microsoft.com/office/drawing/2016/SVG/main" r:embed="rId5"/>
+                  <asvg:svgBlip xmlns:asvg="http://schemas.microsoft.com/office/drawing/2016/SVG/main" r:embed="rId13"/>
                 </a:ext>
               </a:extLst>
             </a:blip>
@@ -9530,13 +10014,13 @@
             <p:nvPr/>
           </p:nvPicPr>
           <p:blipFill>
-            <a:blip r:embed="rId12">
+            <a:blip r:embed="rId14">
               <a:extLst>
                 <a:ext uri="{28A0092B-C50C-407E-A947-70E740481C1C}">
                   <a14:useLocalDpi xmlns:a14="http://schemas.microsoft.com/office/drawing/2010/main" val="0"/>
                 </a:ext>
                 <a:ext uri="{96DAC541-7B7A-43D3-8B79-37D633B846F1}">
-                  <asvg:svgBlip xmlns:asvg="http://schemas.microsoft.com/office/drawing/2016/SVG/main" r:embed="rId13"/>
+                  <asvg:svgBlip xmlns:asvg="http://schemas.microsoft.com/office/drawing/2016/SVG/main" r:embed="rId15"/>
                 </a:ext>
               </a:extLst>
             </a:blip>
@@ -9569,13 +10053,13 @@
             <p:nvPr/>
           </p:nvPicPr>
           <p:blipFill>
-            <a:blip r:embed="rId14">
+            <a:blip r:embed="rId16">
               <a:extLst>
                 <a:ext uri="{28A0092B-C50C-407E-A947-70E740481C1C}">
                   <a14:useLocalDpi xmlns:a14="http://schemas.microsoft.com/office/drawing/2010/main" val="0"/>
                 </a:ext>
                 <a:ext uri="{96DAC541-7B7A-43D3-8B79-37D633B846F1}">
-                  <asvg:svgBlip xmlns:asvg="http://schemas.microsoft.com/office/drawing/2016/SVG/main" r:embed="rId15"/>
+                  <asvg:svgBlip xmlns:asvg="http://schemas.microsoft.com/office/drawing/2016/SVG/main" r:embed="rId17"/>
                 </a:ext>
               </a:extLst>
             </a:blip>
@@ -9988,6 +10472,157 @@
               <a:rPr lang="en-US" dirty="0"/>
               <a:t>i</a:t>
             </a:r>
+          </a:p>
+        </p:txBody>
+      </p:sp>
+      <p:sp>
+        <p:nvSpPr>
+          <p:cNvPr id="6" name="TextBox 5">
+            <a:extLst>
+              <a:ext uri="{FF2B5EF4-FFF2-40B4-BE49-F238E27FC236}">
+                <a16:creationId xmlns:a16="http://schemas.microsoft.com/office/drawing/2014/main" id="{2EAC65E5-FCE2-4CA8-BAD5-540F8E75A0EF}"/>
+              </a:ext>
+            </a:extLst>
+          </p:cNvPr>
+          <p:cNvSpPr txBox="1"/>
+          <p:nvPr/>
+        </p:nvSpPr>
+        <p:spPr>
+          <a:xfrm>
+            <a:off x="552488" y="1942673"/>
+            <a:ext cx="1118586" cy="223477"/>
+          </a:xfrm>
+          <a:prstGeom prst="rect">
+            <a:avLst/>
+          </a:prstGeom>
+          <a:noFill/>
+          <a:ln w="12700">
+            <a:solidFill>
+              <a:schemeClr val="tx1"/>
+            </a:solidFill>
+          </a:ln>
+        </p:spPr>
+        <p:txBody>
+          <a:bodyPr wrap="square" rtlCol="0">
+            <a:spAutoFit/>
+          </a:bodyPr>
+          <a:lstStyle/>
+          <a:p>
+            <a:pPr algn="r" rtl="1"/>
+            <a:r>
+              <a:rPr lang="he-IL" sz="800" dirty="0"/>
+              <a:t>על שניהם ניתן להסתכל</a:t>
+            </a:r>
+            <a:endParaRPr lang="en-US" sz="800" dirty="0"/>
+          </a:p>
+        </p:txBody>
+      </p:sp>
+      <p:sp>
+        <p:nvSpPr>
+          <p:cNvPr id="9" name="Left Brace 8">
+            <a:extLst>
+              <a:ext uri="{FF2B5EF4-FFF2-40B4-BE49-F238E27FC236}">
+                <a16:creationId xmlns:a16="http://schemas.microsoft.com/office/drawing/2014/main" id="{C0F75E8E-67D8-4029-B070-57C41C62C133}"/>
+              </a:ext>
+            </a:extLst>
+          </p:cNvPr>
+          <p:cNvSpPr/>
+          <p:nvPr/>
+        </p:nvSpPr>
+        <p:spPr>
+          <a:xfrm>
+            <a:off x="1748898" y="1760600"/>
+            <a:ext cx="177556" cy="547594"/>
+          </a:xfrm>
+          <a:prstGeom prst="leftBrace">
+            <a:avLst/>
+          </a:prstGeom>
+          <a:ln w="12700">
+            <a:solidFill>
+              <a:schemeClr val="tx1"/>
+            </a:solidFill>
+          </a:ln>
+        </p:spPr>
+        <p:style>
+          <a:lnRef idx="1">
+            <a:schemeClr val="accent1"/>
+          </a:lnRef>
+          <a:fillRef idx="0">
+            <a:schemeClr val="accent1"/>
+          </a:fillRef>
+          <a:effectRef idx="0">
+            <a:schemeClr val="accent1"/>
+          </a:effectRef>
+          <a:fontRef idx="minor">
+            <a:schemeClr val="tx1"/>
+          </a:fontRef>
+        </p:style>
+        <p:txBody>
+          <a:bodyPr rtlCol="0" anchor="ctr"/>
+          <a:lstStyle/>
+          <a:p>
+            <a:pPr algn="ctr"/>
+            <a:endParaRPr lang="en-US"/>
+          </a:p>
+        </p:txBody>
+      </p:sp>
+      <p:sp>
+        <p:nvSpPr>
+          <p:cNvPr id="40" name="TextBox 39">
+            <a:extLst>
+              <a:ext uri="{FF2B5EF4-FFF2-40B4-BE49-F238E27FC236}">
+                <a16:creationId xmlns:a16="http://schemas.microsoft.com/office/drawing/2014/main" id="{4C51BA10-0736-4745-A787-C355150172DA}"/>
+              </a:ext>
+            </a:extLst>
+          </p:cNvPr>
+          <p:cNvSpPr txBox="1"/>
+          <p:nvPr/>
+        </p:nvSpPr>
+        <p:spPr>
+          <a:xfrm>
+            <a:off x="1733337" y="3865813"/>
+            <a:ext cx="4275297" cy="1754326"/>
+          </a:xfrm>
+          <a:prstGeom prst="rect">
+            <a:avLst/>
+          </a:prstGeom>
+          <a:noFill/>
+        </p:spPr>
+        <p:txBody>
+          <a:bodyPr wrap="square" rtlCol="0">
+            <a:spAutoFit/>
+          </a:bodyPr>
+          <a:lstStyle/>
+          <a:p>
+            <a:pPr algn="r" rtl="1"/>
+            <a:r>
+              <a:rPr lang="he-IL" dirty="0"/>
+              <a:t>דגשים:</a:t>
+            </a:r>
+          </a:p>
+          <a:p>
+            <a:pPr marL="285750" indent="-285750" algn="r" rtl="1">
+              <a:buFont typeface="Arial" panose="020B0604020202020204" pitchFamily="34" charset="0"/>
+              <a:buChar char="•"/>
+            </a:pPr>
+            <a:r>
+              <a:rPr lang="he-IL" dirty="0"/>
+              <a:t>בדיקת טקסט ההודעה, אסור שליחת מילים לא ראויות וכדומה</a:t>
+            </a:r>
+          </a:p>
+          <a:p>
+            <a:pPr marL="285750" indent="-285750" algn="r" rtl="1">
+              <a:buFont typeface="Arial" panose="020B0604020202020204" pitchFamily="34" charset="0"/>
+              <a:buChar char="•"/>
+            </a:pPr>
+            <a:r>
+              <a:rPr lang="he-IL" dirty="0"/>
+              <a:t>תהיה אפשרות שהאפליקציה תייצר הודעה לכאלה שלא יודעים הכיצד לשבור את הקרח</a:t>
+            </a:r>
+          </a:p>
+          <a:p>
+            <a:pPr algn="r" rtl="1"/>
+            <a:endParaRPr lang="he-IL" dirty="0"/>
           </a:p>
         </p:txBody>
       </p:sp>
@@ -10067,7 +10702,12 @@
             <p:ph idx="1"/>
           </p:nvPr>
         </p:nvSpPr>
-        <p:spPr/>
+        <p:spPr>
+          <a:xfrm>
+            <a:off x="838200" y="1864536"/>
+            <a:ext cx="10515600" cy="4351338"/>
+          </a:xfrm>
+        </p:spPr>
         <p:txBody>
           <a:bodyPr/>
           <a:lstStyle/>
@@ -10095,10 +10735,18 @@
           <a:p>
             <a:pPr algn="r" rtl="1"/>
             <a:r>
-              <a:rPr lang="he-IL" dirty="0"/>
+              <a:rPr lang="he-IL" i="1" dirty="0">
+                <a:solidFill>
+                  <a:schemeClr val="bg2"/>
+                </a:solidFill>
+              </a:rPr>
               <a:t>משחקים לשבירת קרח בהתחלה – לא רלוונטי לגרסה זו</a:t>
             </a:r>
-            <a:endParaRPr lang="en-US" dirty="0"/>
+            <a:endParaRPr lang="en-US" i="1" dirty="0">
+              <a:solidFill>
+                <a:schemeClr val="bg2"/>
+              </a:solidFill>
+            </a:endParaRPr>
           </a:p>
           <a:p>
             <a:pPr algn="r" rtl="1"/>
@@ -10111,27 +10759,8 @@
             <a:pPr algn="r" rtl="1"/>
             <a:r>
               <a:rPr lang="he-IL" dirty="0"/>
-              <a:t>אפשרות לצבור ניקוד(?לברר?)</a:t>
-            </a:r>
-          </a:p>
-          <a:p>
-            <a:pPr algn="r" rtl="1"/>
-            <a:r>
-              <a:rPr lang="he-IL" dirty="0"/>
               <a:t>לנסות להבין איך אנחנו הופכים את חווית הבודד באפליקצייה לנגישה וקלה יותר</a:t>
             </a:r>
-          </a:p>
-          <a:p>
-            <a:pPr algn="r" rtl="1"/>
-            <a:endParaRPr lang="he-IL" dirty="0"/>
-          </a:p>
-          <a:p>
-            <a:pPr algn="r" rtl="1"/>
-            <a:endParaRPr lang="he-IL" dirty="0"/>
-          </a:p>
-          <a:p>
-            <a:pPr algn="r" rtl="1"/>
-            <a:endParaRPr lang="en-US" dirty="0"/>
           </a:p>
         </p:txBody>
       </p:sp>
@@ -10529,13 +11158,48 @@
               <a:t>ורק לאחר שקיבל אישור נפתח להם צאט, ואופצייה לראות את הפרופיל של האחר (שניהם רואים אחד את השני)</a:t>
             </a:r>
           </a:p>
-          <a:p>
-            <a:pPr algn="r" rtl="1"/>
-            <a:endParaRPr lang="he-IL" dirty="0"/>
-          </a:p>
-          <a:p>
-            <a:pPr algn="r" rtl="1"/>
-            <a:endParaRPr lang="en-US" dirty="0"/>
+        </p:txBody>
+      </p:sp>
+      <p:sp>
+        <p:nvSpPr>
+          <p:cNvPr id="4" name="TextBox 3">
+            <a:extLst>
+              <a:ext uri="{FF2B5EF4-FFF2-40B4-BE49-F238E27FC236}">
+                <a16:creationId xmlns:a16="http://schemas.microsoft.com/office/drawing/2014/main" id="{B3515684-8883-44CB-A372-06A1F0601DBF}"/>
+              </a:ext>
+            </a:extLst>
+          </p:cNvPr>
+          <p:cNvSpPr txBox="1"/>
+          <p:nvPr/>
+        </p:nvSpPr>
+        <p:spPr>
+          <a:xfrm>
+            <a:off x="550416" y="6246654"/>
+            <a:ext cx="5211192" cy="246221"/>
+          </a:xfrm>
+          <a:prstGeom prst="rect">
+            <a:avLst/>
+          </a:prstGeom>
+          <a:noFill/>
+        </p:spPr>
+        <p:txBody>
+          <a:bodyPr wrap="square" rtlCol="0">
+            <a:spAutoFit/>
+          </a:bodyPr>
+          <a:lstStyle/>
+          <a:p>
+            <a:r>
+              <a:rPr lang="en-US" sz="1000" u="sng" dirty="0">
+                <a:effectLst>
+                  <a:outerShdw blurRad="38100" dist="38100" dir="2700000" algn="tl">
+                    <a:srgbClr val="000000">
+                      <a:alpha val="43137"/>
+                    </a:srgbClr>
+                  </a:outerShdw>
+                </a:effectLst>
+              </a:rPr>
+              <a:t>https://docs.google.com/document/d/14zJ3lcxc-Q07oCq3MzcKrEn8wIUCJ2KZ7nlunjlqUt8/edit</a:t>
+            </a:r>
           </a:p>
         </p:txBody>
       </p:sp>
@@ -11037,7 +11701,7 @@
                   </a:outerShdw>
                 </a:effectLst>
               </a:rPr>
-              <a:t>מסך טעינה</a:t>
+              <a:t>מסך טעינה - כניסה</a:t>
             </a:r>
             <a:endParaRPr lang="en-US" b="1" u="sng" dirty="0">
               <a:effectLst>
@@ -11207,6 +11871,72 @@
           </a:prstGeom>
         </p:spPr>
       </p:pic>
+      <p:sp>
+        <p:nvSpPr>
+          <p:cNvPr id="6" name="TextBox 5">
+            <a:extLst>
+              <a:ext uri="{FF2B5EF4-FFF2-40B4-BE49-F238E27FC236}">
+                <a16:creationId xmlns:a16="http://schemas.microsoft.com/office/drawing/2014/main" id="{F3282872-60A0-4114-ADEC-E9268FD31E5A}"/>
+              </a:ext>
+            </a:extLst>
+          </p:cNvPr>
+          <p:cNvSpPr txBox="1"/>
+          <p:nvPr/>
+        </p:nvSpPr>
+        <p:spPr>
+          <a:xfrm>
+            <a:off x="559293" y="4068748"/>
+            <a:ext cx="4749552" cy="1200329"/>
+          </a:xfrm>
+          <a:prstGeom prst="rect">
+            <a:avLst/>
+          </a:prstGeom>
+          <a:noFill/>
+        </p:spPr>
+        <p:txBody>
+          <a:bodyPr wrap="square" rtlCol="0">
+            <a:spAutoFit/>
+          </a:bodyPr>
+          <a:lstStyle/>
+          <a:p>
+            <a:pPr algn="r"/>
+            <a:r>
+              <a:rPr lang="he-IL" dirty="0"/>
+              <a:t>דגשים:</a:t>
+            </a:r>
+          </a:p>
+          <a:p>
+            <a:pPr marL="285750" indent="-285750" algn="r" rtl="1">
+              <a:buFont typeface="Arial" panose="020B0604020202020204" pitchFamily="34" charset="0"/>
+              <a:buChar char="•"/>
+            </a:pPr>
+            <a:r>
+              <a:rPr lang="he-IL" dirty="0"/>
+              <a:t>בין 2 ל-5 שניות במקסימום</a:t>
+            </a:r>
+          </a:p>
+          <a:p>
+            <a:pPr marL="285750" indent="-285750" algn="r" rtl="1">
+              <a:buFont typeface="Arial" panose="020B0604020202020204" pitchFamily="34" charset="0"/>
+              <a:buChar char="•"/>
+            </a:pPr>
+            <a:r>
+              <a:rPr lang="he-IL" dirty="0"/>
+              <a:t>הלוגו מופיע על המסך על ההתחלה</a:t>
+            </a:r>
+          </a:p>
+          <a:p>
+            <a:pPr marL="285750" indent="-285750" algn="r" rtl="1">
+              <a:buFont typeface="Arial" panose="020B0604020202020204" pitchFamily="34" charset="0"/>
+              <a:buChar char="•"/>
+            </a:pPr>
+            <a:r>
+              <a:rPr lang="he-IL" dirty="0"/>
+              <a:t>הכתב מופיע כ0.5 – 1 שניות לאחר הלוגו</a:t>
+            </a:r>
+          </a:p>
+        </p:txBody>
+      </p:sp>
     </p:spTree>
     <p:extLst>
       <p:ext uri="{BB962C8B-B14F-4D97-AF65-F5344CB8AC3E}">
@@ -11583,7 +12313,7 @@
           <p:cNvPr id="2" name="Title 1">
             <a:extLst>
               <a:ext uri="{FF2B5EF4-FFF2-40B4-BE49-F238E27FC236}">
-                <a16:creationId xmlns:a16="http://schemas.microsoft.com/office/drawing/2014/main" id="{5BBA1555-7F39-4134-A5FC-0AD82548D93F}"/>
+                <a16:creationId xmlns:a16="http://schemas.microsoft.com/office/drawing/2014/main" id="{43551F67-0887-4CF3-A558-3259299FB54E}"/>
               </a:ext>
             </a:extLst>
           </p:cNvPr>
@@ -11594,30 +12324,101 @@
             <p:ph type="title"/>
           </p:nvPr>
         </p:nvSpPr>
-        <p:spPr/>
+        <p:spPr>
+          <a:xfrm>
+            <a:off x="838200" y="82389"/>
+            <a:ext cx="10515600" cy="1325563"/>
+          </a:xfrm>
+        </p:spPr>
         <p:txBody>
           <a:bodyPr/>
           <a:lstStyle/>
           <a:p>
-            <a:pPr algn="r" rtl="1"/>
-            <a:r>
-              <a:rPr lang="he-IL" dirty="0"/>
-              <a:t>תכונות האובייקט של המשתמש - </a:t>
-            </a:r>
-            <a:r>
-              <a:rPr lang="en-GB" dirty="0"/>
-              <a:t>User</a:t>
-            </a:r>
-            <a:endParaRPr lang="en-US" dirty="0"/>
-          </a:p>
-        </p:txBody>
-      </p:sp>
-      <p:sp>
-        <p:nvSpPr>
-          <p:cNvPr id="6" name="TextBox 5">
-            <a:extLst>
-              <a:ext uri="{FF2B5EF4-FFF2-40B4-BE49-F238E27FC236}">
-                <a16:creationId xmlns:a16="http://schemas.microsoft.com/office/drawing/2014/main" id="{20A84E70-2D58-4365-9C3A-07C9E004CBD9}"/>
+            <a:pPr algn="ctr" rtl="1"/>
+            <a:r>
+              <a:rPr lang="he-IL" b="1" u="sng" dirty="0">
+                <a:effectLst>
+                  <a:outerShdw blurRad="38100" dist="38100" dir="2700000" algn="tl">
+                    <a:srgbClr val="000000">
+                      <a:alpha val="43137"/>
+                    </a:srgbClr>
+                  </a:outerShdw>
+                </a:effectLst>
+              </a:rPr>
+              <a:t>מסך רישום</a:t>
+            </a:r>
+            <a:endParaRPr lang="en-US" b="1" u="sng" dirty="0">
+              <a:effectLst>
+                <a:outerShdw blurRad="38100" dist="38100" dir="2700000" algn="tl">
+                  <a:srgbClr val="000000">
+                    <a:alpha val="43137"/>
+                  </a:srgbClr>
+                </a:outerShdw>
+              </a:effectLst>
+            </a:endParaRPr>
+          </a:p>
+        </p:txBody>
+      </p:sp>
+      <p:sp>
+        <p:nvSpPr>
+          <p:cNvPr id="7" name="Rectangle 6">
+            <a:extLst>
+              <a:ext uri="{FF2B5EF4-FFF2-40B4-BE49-F238E27FC236}">
+                <a16:creationId xmlns:a16="http://schemas.microsoft.com/office/drawing/2014/main" id="{E2132CCE-A8BD-45C1-8261-86521EF9AD9E}"/>
+              </a:ext>
+            </a:extLst>
+          </p:cNvPr>
+          <p:cNvSpPr/>
+          <p:nvPr/>
+        </p:nvSpPr>
+        <p:spPr>
+          <a:xfrm>
+            <a:off x="5853568" y="1269507"/>
+            <a:ext cx="2790334" cy="4926928"/>
+          </a:xfrm>
+          <a:prstGeom prst="rect">
+            <a:avLst/>
+          </a:prstGeom>
+          <a:solidFill>
+            <a:schemeClr val="accent1"/>
+          </a:solidFill>
+          <a:ln w="28575">
+            <a:solidFill>
+              <a:schemeClr val="tx1"/>
+            </a:solidFill>
+          </a:ln>
+        </p:spPr>
+        <p:style>
+          <a:lnRef idx="2">
+            <a:schemeClr val="accent1">
+              <a:shade val="50000"/>
+            </a:schemeClr>
+          </a:lnRef>
+          <a:fillRef idx="1">
+            <a:schemeClr val="accent1"/>
+          </a:fillRef>
+          <a:effectRef idx="0">
+            <a:schemeClr val="accent1"/>
+          </a:effectRef>
+          <a:fontRef idx="minor">
+            <a:schemeClr val="lt1"/>
+          </a:fontRef>
+        </p:style>
+        <p:txBody>
+          <a:bodyPr rtlCol="0" anchor="ctr"/>
+          <a:lstStyle/>
+          <a:p>
+            <a:pPr algn="ctr"/>
+            <a:endParaRPr lang="en-US"/>
+          </a:p>
+        </p:txBody>
+      </p:sp>
+      <p:sp>
+        <p:nvSpPr>
+          <p:cNvPr id="11" name="TextBox 10">
+            <a:extLst>
+              <a:ext uri="{FF2B5EF4-FFF2-40B4-BE49-F238E27FC236}">
+                <a16:creationId xmlns:a16="http://schemas.microsoft.com/office/drawing/2014/main" id="{0AEA5B3E-55B4-4478-8DDF-223B6DCFE9EA}"/>
               </a:ext>
             </a:extLst>
           </p:cNvPr>
@@ -11626,8 +12427,8 @@
         </p:nvSpPr>
         <p:spPr>
           <a:xfrm>
-            <a:off x="2734322" y="1690688"/>
-            <a:ext cx="8343309" cy="2862322"/>
+            <a:off x="1561140" y="1387136"/>
+            <a:ext cx="3791589" cy="2862322"/>
           </a:xfrm>
           <a:prstGeom prst="rect">
             <a:avLst/>
@@ -11640,150 +12441,965 @@
           </a:bodyPr>
           <a:lstStyle/>
           <a:p>
+            <a:pPr algn="r" rtl="1"/>
+            <a:r>
+              <a:rPr lang="he-IL" dirty="0"/>
+              <a:t>פונקציונליות:</a:t>
+            </a:r>
+            <a:endParaRPr lang="en-GB" dirty="0"/>
+          </a:p>
+          <a:p>
+            <a:pPr algn="r" rtl="1"/>
+            <a:r>
+              <a:rPr lang="he-IL" dirty="0"/>
+              <a:t>- </a:t>
+            </a:r>
+            <a:endParaRPr lang="en-US" dirty="0"/>
+          </a:p>
+          <a:p>
+            <a:pPr algn="r" rtl="1"/>
+            <a:r>
+              <a:rPr lang="he-IL" dirty="0"/>
+              <a:t>- לבדוק שהשדות מולאו כראוי</a:t>
+            </a:r>
+          </a:p>
+          <a:p>
+            <a:pPr algn="r" rtl="1"/>
+            <a:r>
+              <a:rPr lang="he-IL" dirty="0"/>
+              <a:t> - מין : </a:t>
+            </a:r>
+            <a:br>
+              <a:rPr lang="en-US" dirty="0"/>
+            </a:br>
+            <a:r>
+              <a:rPr lang="he-IL" dirty="0"/>
+              <a:t>       זכר נקבה מעדיף לא לומר ואחר</a:t>
+            </a:r>
+          </a:p>
+          <a:p>
+            <a:pPr algn="r" rtl="1"/>
+            <a:r>
+              <a:rPr lang="he-IL" dirty="0"/>
+              <a:t> - דיאלוג לתמצית:</a:t>
+            </a:r>
+          </a:p>
+          <a:p>
+            <a:pPr algn="r" rtl="1"/>
+            <a:r>
+              <a:rPr lang="he-IL" dirty="0"/>
+              <a:t>       פתיחת דיאלוג שבתוכו המשתמש</a:t>
+            </a:r>
+            <a:br>
+              <a:rPr lang="en-US" dirty="0"/>
+            </a:br>
+            <a:r>
+              <a:rPr lang="he-IL" dirty="0"/>
+              <a:t>       יכתוב את התמצית על עצמו, וילחץ</a:t>
+            </a:r>
+            <a:br>
+              <a:rPr lang="en-US" dirty="0"/>
+            </a:br>
+            <a:r>
+              <a:rPr lang="he-IL" dirty="0"/>
+              <a:t>       אישור שיגרור שמירה והנחתו</a:t>
+            </a:r>
+            <a:br>
+              <a:rPr lang="en-US" dirty="0"/>
+            </a:br>
+            <a:r>
+              <a:rPr lang="he-IL" dirty="0"/>
+              <a:t>       מבחינתנו</a:t>
+            </a:r>
+          </a:p>
+        </p:txBody>
+      </p:sp>
+      <p:sp>
+        <p:nvSpPr>
+          <p:cNvPr id="3" name="Rectangle: Rounded Corners 2">
+            <a:extLst>
+              <a:ext uri="{FF2B5EF4-FFF2-40B4-BE49-F238E27FC236}">
+                <a16:creationId xmlns:a16="http://schemas.microsoft.com/office/drawing/2014/main" id="{F716C71B-26DB-4400-80E2-6FC3839E7B0F}"/>
+              </a:ext>
+            </a:extLst>
+          </p:cNvPr>
+          <p:cNvSpPr/>
+          <p:nvPr/>
+        </p:nvSpPr>
+        <p:spPr>
+          <a:xfrm>
+            <a:off x="5993697" y="1407953"/>
+            <a:ext cx="2520799" cy="4180540"/>
+          </a:xfrm>
+          <a:prstGeom prst="roundRect">
+            <a:avLst/>
+          </a:prstGeom>
+          <a:solidFill>
+            <a:srgbClr val="7030A0"/>
+          </a:solidFill>
+        </p:spPr>
+        <p:style>
+          <a:lnRef idx="0">
+            <a:schemeClr val="accent5"/>
+          </a:lnRef>
+          <a:fillRef idx="3">
+            <a:schemeClr val="accent5"/>
+          </a:fillRef>
+          <a:effectRef idx="3">
+            <a:schemeClr val="accent5"/>
+          </a:effectRef>
+          <a:fontRef idx="minor">
+            <a:schemeClr val="lt1"/>
+          </a:fontRef>
+        </p:style>
+        <p:txBody>
+          <a:bodyPr rtlCol="0" anchor="ctr"/>
+          <a:lstStyle/>
+          <a:p>
+            <a:pPr algn="ctr"/>
+            <a:endParaRPr lang="en-US" dirty="0"/>
+          </a:p>
+        </p:txBody>
+      </p:sp>
+      <p:sp>
+        <p:nvSpPr>
+          <p:cNvPr id="4" name="TextBox 3">
+            <a:extLst>
+              <a:ext uri="{FF2B5EF4-FFF2-40B4-BE49-F238E27FC236}">
+                <a16:creationId xmlns:a16="http://schemas.microsoft.com/office/drawing/2014/main" id="{4A528F99-0B00-4C6E-A234-21A3BBA472B9}"/>
+              </a:ext>
+            </a:extLst>
+          </p:cNvPr>
+          <p:cNvSpPr txBox="1"/>
+          <p:nvPr/>
+        </p:nvSpPr>
+        <p:spPr>
+          <a:xfrm>
+            <a:off x="6663828" y="4943782"/>
+            <a:ext cx="1242874" cy="369332"/>
+          </a:xfrm>
+          <a:prstGeom prst="rect">
+            <a:avLst/>
+          </a:prstGeom>
+          <a:noFill/>
+        </p:spPr>
+        <p:txBody>
+          <a:bodyPr wrap="square" rtlCol="0">
+            <a:spAutoFit/>
+          </a:bodyPr>
+          <a:lstStyle/>
+          <a:p>
+            <a:pPr algn="ctr"/>
+            <a:r>
+              <a:rPr lang="he-IL" dirty="0">
+                <a:solidFill>
+                  <a:schemeClr val="bg1"/>
+                </a:solidFill>
+              </a:rPr>
+              <a:t> . </a:t>
+            </a:r>
+            <a:r>
+              <a:rPr lang="he-IL" dirty="0"/>
+              <a:t>.</a:t>
+            </a:r>
+            <a:r>
+              <a:rPr lang="he-IL" dirty="0">
+                <a:solidFill>
+                  <a:schemeClr val="bg1"/>
+                </a:solidFill>
+              </a:rPr>
+              <a:t> .</a:t>
+            </a:r>
+            <a:endParaRPr lang="en-US" dirty="0">
+              <a:solidFill>
+                <a:schemeClr val="bg1"/>
+              </a:solidFill>
+            </a:endParaRPr>
+          </a:p>
+        </p:txBody>
+      </p:sp>
+      <p:sp>
+        <p:nvSpPr>
+          <p:cNvPr id="5" name="Rectangle 4">
+            <a:extLst>
+              <a:ext uri="{FF2B5EF4-FFF2-40B4-BE49-F238E27FC236}">
+                <a16:creationId xmlns:a16="http://schemas.microsoft.com/office/drawing/2014/main" id="{5A564A2C-F1AB-4C80-BBFE-BF7D40042EA7}"/>
+              </a:ext>
+            </a:extLst>
+          </p:cNvPr>
+          <p:cNvSpPr/>
+          <p:nvPr/>
+        </p:nvSpPr>
+        <p:spPr>
+          <a:xfrm>
+            <a:off x="6378722" y="3820451"/>
+            <a:ext cx="1740023" cy="435006"/>
+          </a:xfrm>
+          <a:prstGeom prst="rect">
+            <a:avLst/>
+          </a:prstGeom>
+          <a:solidFill>
+            <a:schemeClr val="bg1"/>
+          </a:solidFill>
+        </p:spPr>
+        <p:style>
+          <a:lnRef idx="2">
+            <a:schemeClr val="accent1">
+              <a:shade val="50000"/>
+            </a:schemeClr>
+          </a:lnRef>
+          <a:fillRef idx="1">
+            <a:schemeClr val="accent1"/>
+          </a:fillRef>
+          <a:effectRef idx="0">
+            <a:schemeClr val="accent1"/>
+          </a:effectRef>
+          <a:fontRef idx="minor">
+            <a:schemeClr val="lt1"/>
+          </a:fontRef>
+        </p:style>
+        <p:txBody>
+          <a:bodyPr rtlCol="0" anchor="ctr"/>
+          <a:lstStyle/>
+          <a:p>
+            <a:pPr algn="ctr"/>
+            <a:r>
+              <a:rPr lang="he-IL" dirty="0">
+                <a:solidFill>
+                  <a:schemeClr val="bg1">
+                    <a:lumMod val="65000"/>
+                  </a:schemeClr>
+                </a:solidFill>
+              </a:rPr>
+              <a:t>דיאלוג לתמצית</a:t>
+            </a:r>
+            <a:endParaRPr lang="en-US" dirty="0">
+              <a:solidFill>
+                <a:schemeClr val="bg1">
+                  <a:lumMod val="65000"/>
+                </a:schemeClr>
+              </a:solidFill>
+            </a:endParaRPr>
+          </a:p>
+        </p:txBody>
+      </p:sp>
+      <p:sp>
+        <p:nvSpPr>
+          <p:cNvPr id="13" name="Rectangle 12">
+            <a:extLst>
+              <a:ext uri="{FF2B5EF4-FFF2-40B4-BE49-F238E27FC236}">
+                <a16:creationId xmlns:a16="http://schemas.microsoft.com/office/drawing/2014/main" id="{B29D2809-D32A-4371-AEF0-8A4A034DDE46}"/>
+              </a:ext>
+            </a:extLst>
+          </p:cNvPr>
+          <p:cNvSpPr/>
+          <p:nvPr/>
+        </p:nvSpPr>
+        <p:spPr>
+          <a:xfrm>
+            <a:off x="6378723" y="2396699"/>
+            <a:ext cx="1740023" cy="435006"/>
+          </a:xfrm>
+          <a:prstGeom prst="rect">
+            <a:avLst/>
+          </a:prstGeom>
+          <a:solidFill>
+            <a:schemeClr val="bg1"/>
+          </a:solidFill>
+        </p:spPr>
+        <p:style>
+          <a:lnRef idx="2">
+            <a:schemeClr val="accent1">
+              <a:shade val="50000"/>
+            </a:schemeClr>
+          </a:lnRef>
+          <a:fillRef idx="1">
+            <a:schemeClr val="accent1"/>
+          </a:fillRef>
+          <a:effectRef idx="0">
+            <a:schemeClr val="accent1"/>
+          </a:effectRef>
+          <a:fontRef idx="minor">
+            <a:schemeClr val="lt1"/>
+          </a:fontRef>
+        </p:style>
+        <p:txBody>
+          <a:bodyPr rtlCol="0" anchor="ctr"/>
+          <a:lstStyle/>
+          <a:p>
+            <a:pPr algn="ctr"/>
+            <a:r>
+              <a:rPr lang="he-IL" dirty="0">
+                <a:solidFill>
+                  <a:schemeClr val="bg1">
+                    <a:lumMod val="65000"/>
+                  </a:schemeClr>
+                </a:solidFill>
+              </a:rPr>
+              <a:t>גיל</a:t>
+            </a:r>
+            <a:endParaRPr lang="en-US" dirty="0">
+              <a:solidFill>
+                <a:schemeClr val="bg1">
+                  <a:lumMod val="65000"/>
+                </a:schemeClr>
+              </a:solidFill>
+            </a:endParaRPr>
+          </a:p>
+        </p:txBody>
+      </p:sp>
+      <p:sp>
+        <p:nvSpPr>
+          <p:cNvPr id="14" name="Rectangle 13">
+            <a:extLst>
+              <a:ext uri="{FF2B5EF4-FFF2-40B4-BE49-F238E27FC236}">
+                <a16:creationId xmlns:a16="http://schemas.microsoft.com/office/drawing/2014/main" id="{ACCC4E67-64AC-4010-A908-D8C2F15A49D9}"/>
+              </a:ext>
+            </a:extLst>
+          </p:cNvPr>
+          <p:cNvSpPr/>
+          <p:nvPr/>
+        </p:nvSpPr>
+        <p:spPr>
+          <a:xfrm>
+            <a:off x="6415253" y="1684823"/>
+            <a:ext cx="1740023" cy="435006"/>
+          </a:xfrm>
+          <a:prstGeom prst="rect">
+            <a:avLst/>
+          </a:prstGeom>
+          <a:solidFill>
+            <a:schemeClr val="bg1"/>
+          </a:solidFill>
+        </p:spPr>
+        <p:style>
+          <a:lnRef idx="2">
+            <a:schemeClr val="accent1">
+              <a:shade val="50000"/>
+            </a:schemeClr>
+          </a:lnRef>
+          <a:fillRef idx="1">
+            <a:schemeClr val="accent1"/>
+          </a:fillRef>
+          <a:effectRef idx="0">
+            <a:schemeClr val="accent1"/>
+          </a:effectRef>
+          <a:fontRef idx="minor">
+            <a:schemeClr val="lt1"/>
+          </a:fontRef>
+        </p:style>
+        <p:txBody>
+          <a:bodyPr rtlCol="0" anchor="ctr"/>
+          <a:lstStyle/>
+          <a:p>
+            <a:pPr algn="ctr"/>
+            <a:r>
+              <a:rPr lang="he-IL" dirty="0">
+                <a:solidFill>
+                  <a:schemeClr val="bg1">
+                    <a:lumMod val="65000"/>
+                  </a:schemeClr>
+                </a:solidFill>
+              </a:rPr>
+              <a:t>שם / כינוי</a:t>
+            </a:r>
+            <a:endParaRPr lang="en-US" dirty="0">
+              <a:solidFill>
+                <a:schemeClr val="bg1">
+                  <a:lumMod val="65000"/>
+                </a:schemeClr>
+              </a:solidFill>
+            </a:endParaRPr>
+          </a:p>
+        </p:txBody>
+      </p:sp>
+      <p:sp>
+        <p:nvSpPr>
+          <p:cNvPr id="15" name="Rectangle 14">
+            <a:extLst>
+              <a:ext uri="{FF2B5EF4-FFF2-40B4-BE49-F238E27FC236}">
+                <a16:creationId xmlns:a16="http://schemas.microsoft.com/office/drawing/2014/main" id="{539658DA-B9B6-45DD-AD45-0F328D8D859E}"/>
+              </a:ext>
+            </a:extLst>
+          </p:cNvPr>
+          <p:cNvSpPr/>
+          <p:nvPr/>
+        </p:nvSpPr>
+        <p:spPr>
+          <a:xfrm>
+            <a:off x="6378722" y="3108575"/>
+            <a:ext cx="1740023" cy="435006"/>
+          </a:xfrm>
+          <a:prstGeom prst="rect">
+            <a:avLst/>
+          </a:prstGeom>
+          <a:solidFill>
+            <a:schemeClr val="bg1"/>
+          </a:solidFill>
+        </p:spPr>
+        <p:style>
+          <a:lnRef idx="2">
+            <a:schemeClr val="accent1">
+              <a:shade val="50000"/>
+            </a:schemeClr>
+          </a:lnRef>
+          <a:fillRef idx="1">
+            <a:schemeClr val="accent1"/>
+          </a:fillRef>
+          <a:effectRef idx="0">
+            <a:schemeClr val="accent1"/>
+          </a:effectRef>
+          <a:fontRef idx="minor">
+            <a:schemeClr val="lt1"/>
+          </a:fontRef>
+        </p:style>
+        <p:txBody>
+          <a:bodyPr rtlCol="0" anchor="ctr"/>
+          <a:lstStyle/>
+          <a:p>
+            <a:pPr algn="ctr"/>
+            <a:r>
+              <a:rPr lang="he-IL" dirty="0">
+                <a:solidFill>
+                  <a:schemeClr val="bg1">
+                    <a:lumMod val="65000"/>
+                  </a:schemeClr>
+                </a:solidFill>
+              </a:rPr>
+              <a:t>מין</a:t>
+            </a:r>
+            <a:endParaRPr lang="en-US" dirty="0">
+              <a:solidFill>
+                <a:schemeClr val="bg1">
+                  <a:lumMod val="65000"/>
+                </a:schemeClr>
+              </a:solidFill>
+            </a:endParaRPr>
+          </a:p>
+        </p:txBody>
+      </p:sp>
+      <p:sp>
+        <p:nvSpPr>
+          <p:cNvPr id="6" name="Arrow: Right 5">
+            <a:extLst>
+              <a:ext uri="{FF2B5EF4-FFF2-40B4-BE49-F238E27FC236}">
+                <a16:creationId xmlns:a16="http://schemas.microsoft.com/office/drawing/2014/main" id="{4666CA0A-DCFC-4B30-AFA4-2F6D291584C6}"/>
+              </a:ext>
+            </a:extLst>
+          </p:cNvPr>
+          <p:cNvSpPr/>
+          <p:nvPr/>
+        </p:nvSpPr>
+        <p:spPr>
+          <a:xfrm>
+            <a:off x="7884164" y="5069402"/>
+            <a:ext cx="479406" cy="291287"/>
+          </a:xfrm>
+          <a:prstGeom prst="rightArrow">
+            <a:avLst/>
+          </a:prstGeom>
+          <a:solidFill>
+            <a:schemeClr val="accent2">
+              <a:lumMod val="75000"/>
+            </a:schemeClr>
+          </a:solidFill>
+        </p:spPr>
+        <p:style>
+          <a:lnRef idx="2">
+            <a:schemeClr val="accent1">
+              <a:shade val="50000"/>
+            </a:schemeClr>
+          </a:lnRef>
+          <a:fillRef idx="1">
+            <a:schemeClr val="accent1"/>
+          </a:fillRef>
+          <a:effectRef idx="0">
+            <a:schemeClr val="accent1"/>
+          </a:effectRef>
+          <a:fontRef idx="minor">
+            <a:schemeClr val="lt1"/>
+          </a:fontRef>
+        </p:style>
+        <p:txBody>
+          <a:bodyPr rtlCol="0" anchor="ctr"/>
+          <a:lstStyle/>
+          <a:p>
+            <a:pPr algn="ctr"/>
+            <a:endParaRPr lang="en-US"/>
+          </a:p>
+        </p:txBody>
+      </p:sp>
+      <p:sp>
+        <p:nvSpPr>
+          <p:cNvPr id="16" name="Arrow: Right 15">
+            <a:extLst>
+              <a:ext uri="{FF2B5EF4-FFF2-40B4-BE49-F238E27FC236}">
+                <a16:creationId xmlns:a16="http://schemas.microsoft.com/office/drawing/2014/main" id="{C2A9F0EC-F2F4-4440-BE81-8100CE96AF6E}"/>
+              </a:ext>
+            </a:extLst>
+          </p:cNvPr>
+          <p:cNvSpPr/>
+          <p:nvPr/>
+        </p:nvSpPr>
+        <p:spPr>
+          <a:xfrm rot="10800000">
+            <a:off x="6109111" y="5072806"/>
+            <a:ext cx="504195" cy="304800"/>
+          </a:xfrm>
+          <a:prstGeom prst="rightArrow">
+            <a:avLst/>
+          </a:prstGeom>
+          <a:solidFill>
+            <a:schemeClr val="accent2">
+              <a:lumMod val="75000"/>
+            </a:schemeClr>
+          </a:solidFill>
+        </p:spPr>
+        <p:style>
+          <a:lnRef idx="2">
+            <a:schemeClr val="accent1">
+              <a:shade val="50000"/>
+            </a:schemeClr>
+          </a:lnRef>
+          <a:fillRef idx="1">
+            <a:schemeClr val="accent1"/>
+          </a:fillRef>
+          <a:effectRef idx="0">
+            <a:schemeClr val="accent1"/>
+          </a:effectRef>
+          <a:fontRef idx="minor">
+            <a:schemeClr val="lt1"/>
+          </a:fontRef>
+        </p:style>
+        <p:txBody>
+          <a:bodyPr rtlCol="0" anchor="ctr"/>
+          <a:lstStyle/>
+          <a:p>
+            <a:pPr algn="ctr"/>
+            <a:endParaRPr lang="en-US"/>
+          </a:p>
+        </p:txBody>
+      </p:sp>
+      <p:sp>
+        <p:nvSpPr>
+          <p:cNvPr id="17" name="Rectangle: Rounded Corners 16">
+            <a:extLst>
+              <a:ext uri="{FF2B5EF4-FFF2-40B4-BE49-F238E27FC236}">
+                <a16:creationId xmlns:a16="http://schemas.microsoft.com/office/drawing/2014/main" id="{94B18F83-BECF-4838-8C5B-269D3F7E64BF}"/>
+              </a:ext>
+            </a:extLst>
+          </p:cNvPr>
+          <p:cNvSpPr/>
+          <p:nvPr/>
+        </p:nvSpPr>
+        <p:spPr>
+          <a:xfrm>
+            <a:off x="9219041" y="1727437"/>
+            <a:ext cx="2520799" cy="2085807"/>
+          </a:xfrm>
+          <a:prstGeom prst="roundRect">
+            <a:avLst/>
+          </a:prstGeom>
+          <a:solidFill>
+            <a:srgbClr val="7030A0"/>
+          </a:solidFill>
+        </p:spPr>
+        <p:style>
+          <a:lnRef idx="0">
+            <a:schemeClr val="accent5"/>
+          </a:lnRef>
+          <a:fillRef idx="3">
+            <a:schemeClr val="accent5"/>
+          </a:fillRef>
+          <a:effectRef idx="3">
+            <a:schemeClr val="accent5"/>
+          </a:effectRef>
+          <a:fontRef idx="minor">
+            <a:schemeClr val="lt1"/>
+          </a:fontRef>
+        </p:style>
+        <p:txBody>
+          <a:bodyPr rtlCol="0" anchor="ctr"/>
+          <a:lstStyle/>
+          <a:p>
+            <a:pPr algn="ctr"/>
+            <a:r>
+              <a:rPr lang="he-IL" dirty="0"/>
+              <a:t>דיאלוג לתמצית</a:t>
+            </a:r>
+          </a:p>
+          <a:p>
+            <a:pPr algn="ctr"/>
+            <a:r>
+              <a:rPr lang="he-IL" dirty="0"/>
+              <a:t>נראות איך שאנו נבחר</a:t>
+            </a:r>
+            <a:endParaRPr lang="en-US" dirty="0"/>
+          </a:p>
+        </p:txBody>
+      </p:sp>
+      <p:cxnSp>
+        <p:nvCxnSpPr>
+          <p:cNvPr id="10" name="Connector: Elbow 9">
+            <a:extLst>
+              <a:ext uri="{FF2B5EF4-FFF2-40B4-BE49-F238E27FC236}">
+                <a16:creationId xmlns:a16="http://schemas.microsoft.com/office/drawing/2014/main" id="{521828D1-86F4-4826-AAE6-FEB4EB70BCB1}"/>
+              </a:ext>
+            </a:extLst>
+          </p:cNvPr>
+          <p:cNvCxnSpPr>
+            <a:stCxn id="5" idx="3"/>
+            <a:endCxn id="17" idx="3"/>
+          </p:cNvCxnSpPr>
+          <p:nvPr/>
+        </p:nvCxnSpPr>
+        <p:spPr>
+          <a:xfrm flipV="1">
+            <a:off x="8118745" y="2770341"/>
+            <a:ext cx="3621095" cy="1267613"/>
+          </a:xfrm>
+          <a:prstGeom prst="bentConnector3">
+            <a:avLst>
+              <a:gd name="adj1" fmla="val 106313"/>
+            </a:avLst>
+          </a:prstGeom>
+          <a:ln w="38100">
+            <a:solidFill>
+              <a:schemeClr val="tx1"/>
+            </a:solidFill>
+            <a:tailEnd type="triangle"/>
+          </a:ln>
+        </p:spPr>
+        <p:style>
+          <a:lnRef idx="1">
+            <a:schemeClr val="accent1"/>
+          </a:lnRef>
+          <a:fillRef idx="0">
+            <a:schemeClr val="accent1"/>
+          </a:fillRef>
+          <a:effectRef idx="0">
+            <a:schemeClr val="accent1"/>
+          </a:effectRef>
+          <a:fontRef idx="minor">
+            <a:schemeClr val="tx1"/>
+          </a:fontRef>
+        </p:style>
+      </p:cxnSp>
+      <p:sp>
+        <p:nvSpPr>
+          <p:cNvPr id="21" name="Rectangle: Rounded Corners 20">
+            <a:extLst>
+              <a:ext uri="{FF2B5EF4-FFF2-40B4-BE49-F238E27FC236}">
+                <a16:creationId xmlns:a16="http://schemas.microsoft.com/office/drawing/2014/main" id="{9847D507-68FC-4D20-A7C6-54F2FFFC5882}"/>
+              </a:ext>
+            </a:extLst>
+          </p:cNvPr>
+          <p:cNvSpPr/>
+          <p:nvPr/>
+        </p:nvSpPr>
+        <p:spPr>
+          <a:xfrm>
+            <a:off x="6300324" y="4391724"/>
+            <a:ext cx="1399061" cy="435006"/>
+          </a:xfrm>
+          <a:prstGeom prst="roundRect">
+            <a:avLst/>
+          </a:prstGeom>
+          <a:solidFill>
+            <a:schemeClr val="accent4">
+              <a:lumMod val="75000"/>
+            </a:schemeClr>
+          </a:solidFill>
+        </p:spPr>
+        <p:style>
+          <a:lnRef idx="0">
+            <a:schemeClr val="accent5"/>
+          </a:lnRef>
+          <a:fillRef idx="3">
+            <a:schemeClr val="accent5"/>
+          </a:fillRef>
+          <a:effectRef idx="3">
+            <a:schemeClr val="accent5"/>
+          </a:effectRef>
+          <a:fontRef idx="minor">
+            <a:schemeClr val="lt1"/>
+          </a:fontRef>
+        </p:style>
+        <p:txBody>
+          <a:bodyPr rtlCol="0" anchor="ctr"/>
+          <a:lstStyle/>
+          <a:p>
+            <a:pPr algn="ctr"/>
+            <a:r>
+              <a:rPr lang="he-IL" sz="1400" dirty="0"/>
+              <a:t>אני מאשר ומקבל תנאי משתמש</a:t>
+            </a:r>
+            <a:endParaRPr lang="en-US" sz="1400" dirty="0"/>
+          </a:p>
+        </p:txBody>
+      </p:sp>
+      <p:sp>
+        <p:nvSpPr>
+          <p:cNvPr id="23" name="TextBox 22">
+            <a:extLst>
+              <a:ext uri="{FF2B5EF4-FFF2-40B4-BE49-F238E27FC236}">
+                <a16:creationId xmlns:a16="http://schemas.microsoft.com/office/drawing/2014/main" id="{528A66B4-2357-448C-BCA8-4FA066B0F38C}"/>
+              </a:ext>
+            </a:extLst>
+          </p:cNvPr>
+          <p:cNvSpPr txBox="1"/>
+          <p:nvPr/>
+        </p:nvSpPr>
+        <p:spPr>
+          <a:xfrm>
+            <a:off x="7677312" y="4391723"/>
+            <a:ext cx="458780" cy="461665"/>
+          </a:xfrm>
+          <a:prstGeom prst="rect">
+            <a:avLst/>
+          </a:prstGeom>
+          <a:noFill/>
+        </p:spPr>
+        <p:txBody>
+          <a:bodyPr wrap="none" rtlCol="0">
+            <a:spAutoFit/>
+          </a:bodyPr>
+          <a:lstStyle/>
+          <a:p>
+            <a:r>
+              <a:rPr lang="en-US" sz="2400" dirty="0">
+                <a:solidFill>
+                  <a:schemeClr val="bg1"/>
+                </a:solidFill>
+                <a:sym typeface="Wingdings" panose="05000000000000000000" pitchFamily="2" charset="2"/>
+              </a:rPr>
+              <a:t></a:t>
+            </a:r>
+            <a:endParaRPr lang="en-US" sz="2400" dirty="0">
+              <a:solidFill>
+                <a:schemeClr val="bg1"/>
+              </a:solidFill>
+            </a:endParaRPr>
+          </a:p>
+        </p:txBody>
+      </p:sp>
+      <p:sp>
+        <p:nvSpPr>
+          <p:cNvPr id="25" name="Rectangle: Rounded Corners 24">
+            <a:extLst>
+              <a:ext uri="{FF2B5EF4-FFF2-40B4-BE49-F238E27FC236}">
+                <a16:creationId xmlns:a16="http://schemas.microsoft.com/office/drawing/2014/main" id="{D0133B36-AB80-4231-A7BF-37CBE41F31B6}"/>
+              </a:ext>
+            </a:extLst>
+          </p:cNvPr>
+          <p:cNvSpPr/>
+          <p:nvPr/>
+        </p:nvSpPr>
+        <p:spPr>
+          <a:xfrm>
+            <a:off x="9288496" y="4208865"/>
+            <a:ext cx="2127861" cy="1485116"/>
+          </a:xfrm>
+          <a:prstGeom prst="roundRect">
+            <a:avLst/>
+          </a:prstGeom>
+          <a:solidFill>
+            <a:schemeClr val="accent4">
+              <a:lumMod val="75000"/>
+            </a:schemeClr>
+          </a:solidFill>
+        </p:spPr>
+        <p:style>
+          <a:lnRef idx="0">
+            <a:schemeClr val="accent5"/>
+          </a:lnRef>
+          <a:fillRef idx="3">
+            <a:schemeClr val="accent5"/>
+          </a:fillRef>
+          <a:effectRef idx="3">
+            <a:schemeClr val="accent5"/>
+          </a:effectRef>
+          <a:fontRef idx="minor">
+            <a:schemeClr val="lt1"/>
+          </a:fontRef>
+        </p:style>
+        <p:txBody>
+          <a:bodyPr rtlCol="0" anchor="ctr"/>
+          <a:lstStyle/>
+          <a:p>
+            <a:pPr algn="ctr"/>
+            <a:r>
+              <a:rPr lang="he-IL" dirty="0"/>
+              <a:t>דיאלוג תנאי שימוש</a:t>
+            </a:r>
+            <a:endParaRPr lang="en-US" dirty="0"/>
+          </a:p>
+        </p:txBody>
+      </p:sp>
+      <p:sp>
+        <p:nvSpPr>
+          <p:cNvPr id="30" name="Rectangle: Rounded Corners 29">
+            <a:extLst>
+              <a:ext uri="{FF2B5EF4-FFF2-40B4-BE49-F238E27FC236}">
+                <a16:creationId xmlns:a16="http://schemas.microsoft.com/office/drawing/2014/main" id="{70DDD855-4FFB-4816-8306-4ED78056486C}"/>
+              </a:ext>
+            </a:extLst>
+          </p:cNvPr>
+          <p:cNvSpPr/>
+          <p:nvPr/>
+        </p:nvSpPr>
+        <p:spPr>
+          <a:xfrm>
+            <a:off x="6863244" y="5690816"/>
+            <a:ext cx="844040" cy="403273"/>
+          </a:xfrm>
+          <a:prstGeom prst="roundRect">
+            <a:avLst/>
+          </a:prstGeom>
+          <a:solidFill>
+            <a:schemeClr val="accent1">
+              <a:lumMod val="75000"/>
+            </a:schemeClr>
+          </a:solidFill>
+          <a:ln w="38100">
+            <a:solidFill>
+              <a:schemeClr val="tx1"/>
+            </a:solidFill>
+          </a:ln>
+        </p:spPr>
+        <p:style>
+          <a:lnRef idx="0">
+            <a:schemeClr val="accent5"/>
+          </a:lnRef>
+          <a:fillRef idx="3">
+            <a:schemeClr val="accent5"/>
+          </a:fillRef>
+          <a:effectRef idx="3">
+            <a:schemeClr val="accent5"/>
+          </a:effectRef>
+          <a:fontRef idx="minor">
+            <a:schemeClr val="lt1"/>
+          </a:fontRef>
+        </p:style>
+        <p:txBody>
+          <a:bodyPr rtlCol="0" anchor="ctr"/>
+          <a:lstStyle/>
+          <a:p>
+            <a:pPr algn="ctr"/>
+            <a:r>
+              <a:rPr lang="he-IL" dirty="0"/>
+              <a:t>הירשם</a:t>
+            </a:r>
+            <a:endParaRPr lang="en-US" dirty="0"/>
+          </a:p>
+        </p:txBody>
+      </p:sp>
+      <p:cxnSp>
+        <p:nvCxnSpPr>
+          <p:cNvPr id="28" name="Connector: Elbow 27">
+            <a:extLst>
+              <a:ext uri="{FF2B5EF4-FFF2-40B4-BE49-F238E27FC236}">
+                <a16:creationId xmlns:a16="http://schemas.microsoft.com/office/drawing/2014/main" id="{1F40475B-2659-4936-82A0-40C37EA0CAE3}"/>
+              </a:ext>
+            </a:extLst>
+          </p:cNvPr>
+          <p:cNvCxnSpPr>
+            <a:cxnSpLocks/>
+            <a:stCxn id="21" idx="2"/>
+            <a:endCxn id="25" idx="1"/>
+          </p:cNvCxnSpPr>
+          <p:nvPr/>
+        </p:nvCxnSpPr>
+        <p:spPr>
+          <a:xfrm rot="16200000" flipH="1">
+            <a:off x="8081829" y="3744755"/>
+            <a:ext cx="124693" cy="2288641"/>
+          </a:xfrm>
+          <a:prstGeom prst="bentConnector2">
+            <a:avLst/>
+          </a:prstGeom>
+          <a:ln w="38100">
+            <a:solidFill>
+              <a:schemeClr val="accent4">
+                <a:lumMod val="50000"/>
+              </a:schemeClr>
+            </a:solidFill>
+            <a:tailEnd type="triangle"/>
+          </a:ln>
+        </p:spPr>
+        <p:style>
+          <a:lnRef idx="1">
+            <a:schemeClr val="accent1"/>
+          </a:lnRef>
+          <a:fillRef idx="0">
+            <a:schemeClr val="accent1"/>
+          </a:fillRef>
+          <a:effectRef idx="0">
+            <a:schemeClr val="accent1"/>
+          </a:effectRef>
+          <a:fontRef idx="minor">
+            <a:schemeClr val="tx1"/>
+          </a:fontRef>
+        </p:style>
+      </p:cxnSp>
+      <p:sp>
+        <p:nvSpPr>
+          <p:cNvPr id="29" name="TextBox 28">
+            <a:extLst>
+              <a:ext uri="{FF2B5EF4-FFF2-40B4-BE49-F238E27FC236}">
+                <a16:creationId xmlns:a16="http://schemas.microsoft.com/office/drawing/2014/main" id="{5A214900-1ED9-4CD4-8EBE-0175C8B22230}"/>
+              </a:ext>
+            </a:extLst>
+          </p:cNvPr>
+          <p:cNvSpPr txBox="1"/>
+          <p:nvPr/>
+        </p:nvSpPr>
+        <p:spPr>
+          <a:xfrm>
+            <a:off x="1557897" y="4516208"/>
+            <a:ext cx="3791589" cy="1754326"/>
+          </a:xfrm>
+          <a:prstGeom prst="rect">
+            <a:avLst/>
+          </a:prstGeom>
+          <a:noFill/>
+        </p:spPr>
+        <p:txBody>
+          <a:bodyPr wrap="square" rtlCol="0">
+            <a:spAutoFit/>
+          </a:bodyPr>
+          <a:lstStyle/>
+          <a:p>
+            <a:pPr algn="r" rtl="1"/>
+            <a:r>
+              <a:rPr lang="he-IL" dirty="0"/>
+              <a:t>דגשים:</a:t>
+            </a:r>
+          </a:p>
+          <a:p>
             <a:pPr marL="285750" indent="-285750" algn="r" rtl="1">
-              <a:buFontTx/>
-              <a:buChar char="-"/>
+              <a:buFont typeface="Arial" panose="020B0604020202020204" pitchFamily="34" charset="0"/>
+              <a:buChar char="•"/>
             </a:pPr>
             <a:r>
               <a:rPr lang="he-IL" dirty="0"/>
-              <a:t>מחרוזת שתייצג את ה </a:t>
-            </a:r>
-            <a:r>
-              <a:rPr lang="en-US" dirty="0" err="1"/>
-              <a:t>UserID</a:t>
-            </a:r>
-            <a:endParaRPr lang="en-US" dirty="0"/>
+              <a:t>כפתור "הירשם" יהיה ניתן ללחיצה רק לאחר שמולאו כול שדות החובה בכלל </a:t>
+            </a:r>
+            <a:r>
+              <a:rPr lang="he-IL" dirty="0" err="1"/>
+              <a:t>האיזורים</a:t>
+            </a:r>
+            <a:endParaRPr lang="he-IL" dirty="0"/>
           </a:p>
           <a:p>
             <a:pPr marL="285750" indent="-285750" algn="r" rtl="1">
-              <a:buFontTx/>
-              <a:buChar char="-"/>
+              <a:buFont typeface="Arial" panose="020B0604020202020204" pitchFamily="34" charset="0"/>
+              <a:buChar char="•"/>
             </a:pPr>
             <a:r>
               <a:rPr lang="he-IL" dirty="0"/>
-              <a:t>שם מלא / כינוי</a:t>
-            </a:r>
-          </a:p>
-          <a:p>
-            <a:pPr marL="285750" indent="-285750" algn="r" rtl="1">
-              <a:buFontTx/>
-              <a:buChar char="-"/>
-            </a:pPr>
-            <a:r>
-              <a:rPr lang="he-IL" dirty="0"/>
-              <a:t>גיל</a:t>
-            </a:r>
-          </a:p>
-          <a:p>
-            <a:pPr marL="285750" indent="-285750" algn="r" rtl="1">
-              <a:buFontTx/>
-              <a:buChar char="-"/>
-            </a:pPr>
-            <a:r>
-              <a:rPr lang="he-IL" dirty="0"/>
-              <a:t>תמצית</a:t>
-            </a:r>
-          </a:p>
-          <a:p>
-            <a:pPr marL="285750" indent="-285750" algn="r" rtl="1">
-              <a:buFontTx/>
-              <a:buChar char="-"/>
-            </a:pPr>
-            <a:r>
-              <a:rPr lang="he-IL" dirty="0"/>
-              <a:t>תמונת פרופיל </a:t>
-            </a:r>
-            <a:r>
-              <a:rPr lang="he-IL" dirty="0" err="1"/>
-              <a:t>מהפייסבוק</a:t>
-            </a:r>
-            <a:endParaRPr lang="he-IL" dirty="0"/>
-          </a:p>
-          <a:p>
-            <a:pPr marL="285750" indent="-285750" algn="r" rtl="1">
-              <a:buFontTx/>
-              <a:buChar char="-"/>
-            </a:pPr>
-            <a:r>
-              <a:rPr lang="he-IL" dirty="0"/>
-              <a:t>מין</a:t>
-            </a:r>
-          </a:p>
-          <a:p>
-            <a:pPr marL="285750" indent="-285750" algn="r" rtl="1">
-              <a:buFontTx/>
-              <a:buChar char="-"/>
-            </a:pPr>
-            <a:r>
-              <a:rPr lang="he-IL" dirty="0"/>
-              <a:t>תאריך רישום בצורה הבאה: "</a:t>
-            </a:r>
-            <a:r>
-              <a:rPr lang="en-GB" dirty="0" err="1"/>
-              <a:t>yyyy</a:t>
-            </a:r>
-            <a:r>
-              <a:rPr lang="en-GB" dirty="0"/>
-              <a:t>-mm-dd </a:t>
-            </a:r>
-            <a:r>
-              <a:rPr lang="en-GB" dirty="0" err="1"/>
-              <a:t>hh:mm</a:t>
-            </a:r>
-            <a:r>
-              <a:rPr lang="he-IL" dirty="0"/>
-              <a:t>"</a:t>
-            </a:r>
-            <a:endParaRPr lang="en-GB" dirty="0"/>
-          </a:p>
-          <a:p>
-            <a:pPr marL="285750" indent="-285750" algn="r" rtl="1">
-              <a:buFontTx/>
-              <a:buChar char="-"/>
-            </a:pPr>
-            <a:r>
-              <a:rPr lang="en-GB" dirty="0"/>
-              <a:t>bool</a:t>
-            </a:r>
-            <a:r>
-              <a:rPr lang="he-IL" dirty="0"/>
-              <a:t> – שיהווה האם המשתמש חסום או לא, מזהים על פי ה</a:t>
-            </a:r>
-            <a:r>
-              <a:rPr lang="en-GB" dirty="0" err="1"/>
-              <a:t>UserID</a:t>
-            </a:r>
-            <a:r>
-              <a:rPr lang="en-US" dirty="0"/>
-              <a:t> </a:t>
-            </a:r>
-            <a:r>
-              <a:rPr lang="he-IL" dirty="0"/>
-              <a:t> </a:t>
-            </a:r>
-            <a:r>
-              <a:rPr lang="he-IL" dirty="0" err="1"/>
-              <a:t>מהפייסבוק</a:t>
-            </a:r>
-            <a:endParaRPr lang="en-US" dirty="0"/>
-          </a:p>
-          <a:p>
-            <a:pPr marL="285750" indent="-285750" algn="r" rtl="1">
-              <a:buFontTx/>
-              <a:buChar char="-"/>
-            </a:pPr>
-            <a:r>
-              <a:rPr lang="en-GB" dirty="0"/>
-              <a:t>bool</a:t>
-            </a:r>
-            <a:r>
-              <a:rPr lang="he-IL" dirty="0"/>
-              <a:t> - האם התראות מכובות או פועלות</a:t>
-            </a:r>
-            <a:endParaRPr lang="en-GB" dirty="0"/>
-          </a:p>
-          <a:p>
-            <a:pPr algn="r" rtl="1"/>
+              <a:t>יהיו מספר דפים פה או דף אחד עם אפשרות גלילה ( בחירת עיצוב )</a:t>
+            </a:r>
             <a:endParaRPr lang="en-GB" dirty="0"/>
           </a:p>
         </p:txBody>
@@ -11791,7 +13407,7 @@
     </p:spTree>
     <p:extLst>
       <p:ext uri="{BB962C8B-B14F-4D97-AF65-F5344CB8AC3E}">
-        <p14:creationId xmlns:p14="http://schemas.microsoft.com/office/powerpoint/2010/main" val="375735006"/>
+        <p14:creationId xmlns:p14="http://schemas.microsoft.com/office/powerpoint/2010/main" val="3725660507"/>
       </p:ext>
     </p:extLst>
   </p:cSld>
@@ -11823,7 +13439,7 @@
           <p:cNvPr id="2" name="Title 1">
             <a:extLst>
               <a:ext uri="{FF2B5EF4-FFF2-40B4-BE49-F238E27FC236}">
-                <a16:creationId xmlns:a16="http://schemas.microsoft.com/office/drawing/2014/main" id="{43551F67-0887-4CF3-A558-3259299FB54E}"/>
+                <a16:creationId xmlns:a16="http://schemas.microsoft.com/office/drawing/2014/main" id="{5BBA1555-7F39-4134-A5FC-0AD82548D93F}"/>
               </a:ext>
             </a:extLst>
           </p:cNvPr>
@@ -11834,1017 +13450,410 @@
             <p:ph type="title"/>
           </p:nvPr>
         </p:nvSpPr>
+        <p:spPr/>
+        <p:txBody>
+          <a:bodyPr/>
+          <a:lstStyle/>
+          <a:p>
+            <a:pPr algn="r" rtl="1"/>
+            <a:r>
+              <a:rPr lang="he-IL" dirty="0"/>
+              <a:t>תכונות האובייקט של המשתמש - </a:t>
+            </a:r>
+            <a:r>
+              <a:rPr lang="en-GB" dirty="0"/>
+              <a:t>User</a:t>
+            </a:r>
+            <a:endParaRPr lang="en-US" dirty="0"/>
+          </a:p>
+        </p:txBody>
+      </p:sp>
+      <p:sp>
+        <p:nvSpPr>
+          <p:cNvPr id="6" name="TextBox 5">
+            <a:extLst>
+              <a:ext uri="{FF2B5EF4-FFF2-40B4-BE49-F238E27FC236}">
+                <a16:creationId xmlns:a16="http://schemas.microsoft.com/office/drawing/2014/main" id="{20A84E70-2D58-4365-9C3A-07C9E004CBD9}"/>
+              </a:ext>
+            </a:extLst>
+          </p:cNvPr>
+          <p:cNvSpPr txBox="1"/>
+          <p:nvPr/>
+        </p:nvSpPr>
         <p:spPr>
           <a:xfrm>
-            <a:off x="838200" y="82389"/>
-            <a:ext cx="10515600" cy="1325563"/>
-          </a:xfrm>
-        </p:spPr>
-        <p:txBody>
-          <a:bodyPr/>
-          <a:lstStyle/>
-          <a:p>
-            <a:pPr algn="ctr" rtl="1"/>
-            <a:r>
-              <a:rPr lang="he-IL" b="1" u="sng" dirty="0">
-                <a:effectLst>
-                  <a:outerShdw blurRad="38100" dist="38100" dir="2700000" algn="tl">
-                    <a:srgbClr val="000000">
-                      <a:alpha val="43137"/>
-                    </a:srgbClr>
-                  </a:outerShdw>
-                </a:effectLst>
-              </a:rPr>
-              <a:t>מסך רישום</a:t>
-            </a:r>
-            <a:endParaRPr lang="en-US" b="1" u="sng" dirty="0">
-              <a:effectLst>
-                <a:outerShdw blurRad="38100" dist="38100" dir="2700000" algn="tl">
-                  <a:srgbClr val="000000">
-                    <a:alpha val="43137"/>
-                  </a:srgbClr>
-                </a:outerShdw>
-              </a:effectLst>
-            </a:endParaRPr>
-          </a:p>
-        </p:txBody>
-      </p:sp>
-      <p:sp>
-        <p:nvSpPr>
-          <p:cNvPr id="7" name="Rectangle 6">
-            <a:extLst>
-              <a:ext uri="{FF2B5EF4-FFF2-40B4-BE49-F238E27FC236}">
-                <a16:creationId xmlns:a16="http://schemas.microsoft.com/office/drawing/2014/main" id="{E2132CCE-A8BD-45C1-8261-86521EF9AD9E}"/>
-              </a:ext>
-            </a:extLst>
-          </p:cNvPr>
-          <p:cNvSpPr/>
-          <p:nvPr/>
-        </p:nvSpPr>
-        <p:spPr>
-          <a:xfrm>
-            <a:off x="5853568" y="1269507"/>
-            <a:ext cx="2790334" cy="4926928"/>
+            <a:off x="2734322" y="1690688"/>
+            <a:ext cx="8343309" cy="3139321"/>
           </a:xfrm>
           <a:prstGeom prst="rect">
             <a:avLst/>
           </a:prstGeom>
-          <a:solidFill>
-            <a:schemeClr val="accent1"/>
-          </a:solidFill>
-          <a:ln w="28575">
+          <a:noFill/>
+        </p:spPr>
+        <p:txBody>
+          <a:bodyPr wrap="square" rtlCol="0">
+            <a:spAutoFit/>
+          </a:bodyPr>
+          <a:lstStyle/>
+          <a:p>
+            <a:pPr marL="285750" indent="-285750" algn="r" rtl="1">
+              <a:buFontTx/>
+              <a:buChar char="-"/>
+            </a:pPr>
+            <a:r>
+              <a:rPr lang="he-IL" dirty="0"/>
+              <a:t>מחרוזת שתייצג את ה </a:t>
+            </a:r>
+            <a:r>
+              <a:rPr lang="en-US" dirty="0"/>
+              <a:t>UserID</a:t>
+            </a:r>
+            <a:r>
+              <a:rPr lang="he-IL" dirty="0"/>
+              <a:t> – היא תהיה בעצם ה</a:t>
+            </a:r>
+            <a:r>
+              <a:rPr lang="en-US" dirty="0"/>
+              <a:t>UserID</a:t>
+            </a:r>
+            <a:r>
+              <a:rPr lang="he-IL" dirty="0"/>
+              <a:t> שאנו מקבלים מפייסבוק </a:t>
+            </a:r>
+            <a:r>
+              <a:rPr lang="en-US" dirty="0">
+                <a:solidFill>
+                  <a:srgbClr val="FF0000"/>
+                </a:solidFill>
+                <a:sym typeface="Webdings" panose="05030102010509060703" pitchFamily="18" charset="2"/>
+              </a:rPr>
+              <a:t></a:t>
+            </a:r>
+            <a:endParaRPr lang="en-US" dirty="0"/>
+          </a:p>
+          <a:p>
+            <a:pPr marL="285750" indent="-285750" algn="r" rtl="1">
+              <a:buFontTx/>
+              <a:buChar char="-"/>
+            </a:pPr>
+            <a:r>
+              <a:rPr lang="he-IL" dirty="0"/>
+              <a:t>שם מלא </a:t>
+            </a:r>
+            <a:r>
+              <a:rPr lang="en-US" dirty="0">
+                <a:solidFill>
+                  <a:srgbClr val="FF0000"/>
+                </a:solidFill>
+                <a:sym typeface="Webdings" panose="05030102010509060703" pitchFamily="18" charset="2"/>
+              </a:rPr>
+              <a:t></a:t>
+            </a:r>
+            <a:endParaRPr lang="he-IL" dirty="0"/>
+          </a:p>
+          <a:p>
+            <a:pPr marL="285750" indent="-285750" algn="r" rtl="1">
+              <a:buFontTx/>
+              <a:buChar char="-"/>
+            </a:pPr>
+            <a:r>
+              <a:rPr lang="he-IL" dirty="0"/>
+              <a:t>כינוי </a:t>
+            </a:r>
+            <a:r>
+              <a:rPr lang="en-US" dirty="0">
+                <a:solidFill>
+                  <a:schemeClr val="accent1">
+                    <a:lumMod val="75000"/>
+                  </a:schemeClr>
+                </a:solidFill>
+                <a:sym typeface="Webdings" panose="05030102010509060703" pitchFamily="18" charset="2"/>
+              </a:rPr>
+              <a:t></a:t>
+            </a:r>
+            <a:endParaRPr lang="he-IL" dirty="0"/>
+          </a:p>
+          <a:p>
+            <a:pPr marL="285750" indent="-285750" algn="r" rtl="1">
+              <a:buFontTx/>
+              <a:buChar char="-"/>
+            </a:pPr>
+            <a:r>
+              <a:rPr lang="he-IL" dirty="0"/>
+              <a:t>גיל </a:t>
+            </a:r>
+            <a:r>
+              <a:rPr lang="en-US" dirty="0">
+                <a:solidFill>
+                  <a:srgbClr val="FF0000"/>
+                </a:solidFill>
+                <a:sym typeface="Webdings" panose="05030102010509060703" pitchFamily="18" charset="2"/>
+              </a:rPr>
+              <a:t></a:t>
+            </a:r>
+            <a:endParaRPr lang="he-IL" dirty="0"/>
+          </a:p>
+          <a:p>
+            <a:pPr marL="285750" indent="-285750" algn="r" rtl="1">
+              <a:buFontTx/>
+              <a:buChar char="-"/>
+            </a:pPr>
+            <a:r>
+              <a:rPr lang="he-IL" dirty="0"/>
+              <a:t>תמצית </a:t>
+            </a:r>
+            <a:r>
+              <a:rPr lang="en-US" dirty="0">
+                <a:solidFill>
+                  <a:srgbClr val="FF0000"/>
+                </a:solidFill>
+                <a:sym typeface="Webdings" panose="05030102010509060703" pitchFamily="18" charset="2"/>
+              </a:rPr>
+              <a:t></a:t>
+            </a:r>
+            <a:endParaRPr lang="he-IL" dirty="0"/>
+          </a:p>
+          <a:p>
+            <a:pPr marL="285750" indent="-285750" algn="r" rtl="1">
+              <a:buFontTx/>
+              <a:buChar char="-"/>
+            </a:pPr>
+            <a:r>
+              <a:rPr lang="he-IL" dirty="0"/>
+              <a:t>תמונת פרופיל מהפייסבוק </a:t>
+            </a:r>
+            <a:r>
+              <a:rPr lang="en-US" dirty="0">
+                <a:solidFill>
+                  <a:srgbClr val="FF0000"/>
+                </a:solidFill>
+                <a:sym typeface="Webdings" panose="05030102010509060703" pitchFamily="18" charset="2"/>
+              </a:rPr>
+              <a:t></a:t>
+            </a:r>
+            <a:endParaRPr lang="he-IL" dirty="0"/>
+          </a:p>
+          <a:p>
+            <a:pPr marL="285750" indent="-285750" algn="r" rtl="1">
+              <a:buFontTx/>
+              <a:buChar char="-"/>
+            </a:pPr>
+            <a:r>
+              <a:rPr lang="he-IL" dirty="0"/>
+              <a:t>מין </a:t>
+            </a:r>
+            <a:r>
+              <a:rPr lang="en-US" dirty="0">
+                <a:solidFill>
+                  <a:schemeClr val="accent1">
+                    <a:lumMod val="75000"/>
+                  </a:schemeClr>
+                </a:solidFill>
+                <a:sym typeface="Webdings" panose="05030102010509060703" pitchFamily="18" charset="2"/>
+              </a:rPr>
+              <a:t></a:t>
+            </a:r>
+            <a:endParaRPr lang="he-IL" dirty="0"/>
+          </a:p>
+          <a:p>
+            <a:pPr marL="285750" indent="-285750" algn="r" rtl="1">
+              <a:buFontTx/>
+              <a:buChar char="-"/>
+            </a:pPr>
+            <a:r>
+              <a:rPr lang="he-IL" dirty="0"/>
+              <a:t>תאריך רישום בצורה הבאה: "</a:t>
+            </a:r>
+            <a:r>
+              <a:rPr lang="en-GB" dirty="0"/>
+              <a:t>yyyy-mm-dd hh:mm</a:t>
+            </a:r>
+            <a:r>
+              <a:rPr lang="he-IL" dirty="0"/>
+              <a:t>" </a:t>
+            </a:r>
+            <a:r>
+              <a:rPr lang="en-US" dirty="0">
+                <a:solidFill>
+                  <a:srgbClr val="FF0000"/>
+                </a:solidFill>
+                <a:sym typeface="Webdings" panose="05030102010509060703" pitchFamily="18" charset="2"/>
+              </a:rPr>
+              <a:t></a:t>
+            </a:r>
+            <a:endParaRPr lang="en-GB" dirty="0"/>
+          </a:p>
+          <a:p>
+            <a:pPr marL="285750" indent="-285750" algn="r" rtl="1">
+              <a:buFontTx/>
+              <a:buChar char="-"/>
+            </a:pPr>
+            <a:r>
+              <a:rPr lang="en-GB" dirty="0"/>
+              <a:t>bool</a:t>
+            </a:r>
+            <a:r>
+              <a:rPr lang="he-IL" dirty="0"/>
+              <a:t> – שיהווה האם המשתמש חסום או לא, מזהים על פי ה</a:t>
+            </a:r>
+            <a:r>
+              <a:rPr lang="en-GB" dirty="0"/>
+              <a:t>UserID</a:t>
+            </a:r>
+            <a:r>
+              <a:rPr lang="en-US" dirty="0"/>
+              <a:t> </a:t>
+            </a:r>
+            <a:r>
+              <a:rPr lang="he-IL" dirty="0"/>
+              <a:t> מהפייסבוק </a:t>
+            </a:r>
+            <a:r>
+              <a:rPr lang="en-US" dirty="0">
+                <a:solidFill>
+                  <a:srgbClr val="FF0000"/>
+                </a:solidFill>
+                <a:sym typeface="Webdings" panose="05030102010509060703" pitchFamily="18" charset="2"/>
+              </a:rPr>
+              <a:t></a:t>
+            </a:r>
+            <a:endParaRPr lang="en-US" dirty="0"/>
+          </a:p>
+          <a:p>
+            <a:pPr marL="285750" indent="-285750" algn="r" rtl="1">
+              <a:buFontTx/>
+              <a:buChar char="-"/>
+            </a:pPr>
+            <a:r>
+              <a:rPr lang="en-GB" dirty="0"/>
+              <a:t>bool</a:t>
+            </a:r>
+            <a:r>
+              <a:rPr lang="he-IL" dirty="0"/>
+              <a:t> - האם התראות מכובות או פועלות </a:t>
+            </a:r>
+            <a:r>
+              <a:rPr lang="en-US" dirty="0">
+                <a:solidFill>
+                  <a:srgbClr val="FF0000"/>
+                </a:solidFill>
+                <a:sym typeface="Webdings" panose="05030102010509060703" pitchFamily="18" charset="2"/>
+              </a:rPr>
+              <a:t></a:t>
+            </a:r>
+            <a:endParaRPr lang="en-GB" dirty="0"/>
+          </a:p>
+          <a:p>
+            <a:pPr algn="r" rtl="1"/>
+            <a:endParaRPr lang="en-GB" dirty="0"/>
+          </a:p>
+        </p:txBody>
+      </p:sp>
+      <p:sp>
+        <p:nvSpPr>
+          <p:cNvPr id="3" name="TextBox 2">
+            <a:extLst>
+              <a:ext uri="{FF2B5EF4-FFF2-40B4-BE49-F238E27FC236}">
+                <a16:creationId xmlns:a16="http://schemas.microsoft.com/office/drawing/2014/main" id="{17B7BC76-6383-42C6-8650-1A3515DD67B1}"/>
+              </a:ext>
+            </a:extLst>
+          </p:cNvPr>
+          <p:cNvSpPr txBox="1"/>
+          <p:nvPr/>
+        </p:nvSpPr>
+        <p:spPr>
+          <a:xfrm>
+            <a:off x="1012054" y="1376039"/>
+            <a:ext cx="1562470" cy="646331"/>
+          </a:xfrm>
+          <a:prstGeom prst="rect">
+            <a:avLst/>
+          </a:prstGeom>
+          <a:noFill/>
+          <a:ln w="38100" cap="flat" cmpd="sng">
             <a:solidFill>
               <a:schemeClr val="tx1"/>
             </a:solidFill>
           </a:ln>
         </p:spPr>
-        <p:style>
-          <a:lnRef idx="2">
-            <a:schemeClr val="accent1">
-              <a:shade val="50000"/>
-            </a:schemeClr>
-          </a:lnRef>
-          <a:fillRef idx="1">
-            <a:schemeClr val="accent1"/>
-          </a:fillRef>
-          <a:effectRef idx="0">
-            <a:schemeClr val="accent1"/>
-          </a:effectRef>
-          <a:fontRef idx="minor">
-            <a:schemeClr val="lt1"/>
-          </a:fontRef>
-        </p:style>
-        <p:txBody>
-          <a:bodyPr rtlCol="0" anchor="ctr"/>
-          <a:lstStyle/>
-          <a:p>
-            <a:pPr algn="ctr"/>
-            <a:endParaRPr lang="en-US"/>
-          </a:p>
-        </p:txBody>
-      </p:sp>
-      <p:sp>
-        <p:nvSpPr>
-          <p:cNvPr id="11" name="TextBox 10">
-            <a:extLst>
-              <a:ext uri="{FF2B5EF4-FFF2-40B4-BE49-F238E27FC236}">
-                <a16:creationId xmlns:a16="http://schemas.microsoft.com/office/drawing/2014/main" id="{0AEA5B3E-55B4-4478-8DDF-223B6DCFE9EA}"/>
-              </a:ext>
-            </a:extLst>
-          </p:cNvPr>
-          <p:cNvSpPr txBox="1"/>
-          <p:nvPr/>
-        </p:nvSpPr>
-        <p:spPr>
-          <a:xfrm>
-            <a:off x="1561140" y="1387136"/>
-            <a:ext cx="3791589" cy="2862322"/>
-          </a:xfrm>
-          <a:prstGeom prst="rect">
-            <a:avLst/>
-          </a:prstGeom>
-          <a:noFill/>
-        </p:spPr>
         <p:txBody>
           <a:bodyPr wrap="square" rtlCol="0">
             <a:spAutoFit/>
           </a:bodyPr>
           <a:lstStyle/>
           <a:p>
-            <a:pPr algn="r" rtl="1"/>
-            <a:r>
-              <a:rPr lang="he-IL" dirty="0"/>
-              <a:t>פונקציונליות:</a:t>
-            </a:r>
-            <a:endParaRPr lang="en-GB" dirty="0"/>
-          </a:p>
-          <a:p>
-            <a:pPr algn="r" rtl="1"/>
-            <a:r>
-              <a:rPr lang="he-IL" dirty="0"/>
-              <a:t>- </a:t>
-            </a:r>
-            <a:endParaRPr lang="en-US" dirty="0"/>
-          </a:p>
-          <a:p>
-            <a:pPr algn="r" rtl="1"/>
-            <a:r>
-              <a:rPr lang="he-IL" dirty="0"/>
-              <a:t>- לבדוק שהשדות מולאו כראוי</a:t>
-            </a:r>
-          </a:p>
-          <a:p>
-            <a:pPr algn="r" rtl="1"/>
-            <a:r>
-              <a:rPr lang="he-IL" dirty="0"/>
-              <a:t> - מין : </a:t>
-            </a:r>
-            <a:br>
+            <a:pPr algn="l"/>
+            <a:r>
               <a:rPr lang="en-US" dirty="0"/>
-            </a:br>
-            <a:r>
-              <a:rPr lang="he-IL" dirty="0"/>
-              <a:t>       זכר נקבה מעדיף לא לומר ואחר</a:t>
-            </a:r>
-          </a:p>
-          <a:p>
-            <a:pPr algn="r" rtl="1"/>
-            <a:r>
-              <a:rPr lang="he-IL" dirty="0"/>
-              <a:t> - דיאלוג לתמצית:</a:t>
-            </a:r>
-          </a:p>
-          <a:p>
-            <a:pPr algn="r" rtl="1"/>
-            <a:r>
-              <a:rPr lang="he-IL" dirty="0"/>
-              <a:t>       פתיחת דיאלוג שבתוכו המשתמש</a:t>
-            </a:r>
-            <a:br>
-              <a:rPr lang="en-US" dirty="0"/>
-            </a:br>
-            <a:r>
-              <a:rPr lang="he-IL" dirty="0"/>
-              <a:t>       יכתוב את התמצית על עצמו, וילחץ</a:t>
-            </a:r>
-            <a:br>
-              <a:rPr lang="en-US" dirty="0"/>
-            </a:br>
-            <a:r>
-              <a:rPr lang="he-IL" dirty="0"/>
-              <a:t>       אישור שיגרור שמירה והנחתו</a:t>
-            </a:r>
-            <a:br>
-              <a:rPr lang="en-US" dirty="0"/>
-            </a:br>
-            <a:r>
-              <a:rPr lang="he-IL" dirty="0"/>
-              <a:t>       מבחינתנו</a:t>
-            </a:r>
-          </a:p>
-        </p:txBody>
-      </p:sp>
-      <p:sp>
-        <p:nvSpPr>
-          <p:cNvPr id="3" name="Rectangle: Rounded Corners 2">
-            <a:extLst>
-              <a:ext uri="{FF2B5EF4-FFF2-40B4-BE49-F238E27FC236}">
-                <a16:creationId xmlns:a16="http://schemas.microsoft.com/office/drawing/2014/main" id="{F716C71B-26DB-4400-80E2-6FC3839E7B0F}"/>
-              </a:ext>
-            </a:extLst>
-          </p:cNvPr>
-          <p:cNvSpPr/>
-          <p:nvPr/>
-        </p:nvSpPr>
-        <p:spPr>
-          <a:xfrm>
-            <a:off x="5993697" y="1407953"/>
-            <a:ext cx="2520799" cy="4245300"/>
-          </a:xfrm>
-          <a:prstGeom prst="roundRect">
-            <a:avLst/>
-          </a:prstGeom>
-          <a:solidFill>
-            <a:srgbClr val="7030A0"/>
-          </a:solidFill>
-        </p:spPr>
-        <p:style>
-          <a:lnRef idx="0">
-            <a:schemeClr val="accent5"/>
-          </a:lnRef>
-          <a:fillRef idx="3">
-            <a:schemeClr val="accent5"/>
-          </a:fillRef>
-          <a:effectRef idx="3">
-            <a:schemeClr val="accent5"/>
-          </a:effectRef>
-          <a:fontRef idx="minor">
-            <a:schemeClr val="lt1"/>
-          </a:fontRef>
-        </p:style>
-        <p:txBody>
-          <a:bodyPr rtlCol="0" anchor="ctr"/>
-          <a:lstStyle/>
-          <a:p>
-            <a:pPr algn="ctr"/>
-            <a:endParaRPr lang="en-US" dirty="0"/>
-          </a:p>
-        </p:txBody>
-      </p:sp>
-      <p:sp>
-        <p:nvSpPr>
-          <p:cNvPr id="4" name="TextBox 3">
-            <a:extLst>
-              <a:ext uri="{FF2B5EF4-FFF2-40B4-BE49-F238E27FC236}">
-                <a16:creationId xmlns:a16="http://schemas.microsoft.com/office/drawing/2014/main" id="{4A528F99-0B00-4C6E-A234-21A3BBA472B9}"/>
-              </a:ext>
-            </a:extLst>
-          </p:cNvPr>
-          <p:cNvSpPr txBox="1"/>
-          <p:nvPr/>
-        </p:nvSpPr>
-        <p:spPr>
-          <a:xfrm>
-            <a:off x="6663828" y="5645121"/>
-            <a:ext cx="1242874" cy="369332"/>
-          </a:xfrm>
-          <a:prstGeom prst="rect">
-            <a:avLst/>
-          </a:prstGeom>
-          <a:noFill/>
-        </p:spPr>
-        <p:txBody>
-          <a:bodyPr wrap="square" rtlCol="0">
-            <a:spAutoFit/>
-          </a:bodyPr>
-          <a:lstStyle/>
-          <a:p>
-            <a:pPr algn="ctr"/>
-            <a:r>
-              <a:rPr lang="he-IL" dirty="0">
+              <a:t>Must    </a:t>
+            </a:r>
+            <a:r>
+              <a:rPr lang="en-US" dirty="0">
+                <a:sym typeface="Wingdings" panose="05000000000000000000" pitchFamily="2" charset="2"/>
+              </a:rPr>
+              <a:t>  </a:t>
+            </a:r>
+            <a:r>
+              <a:rPr lang="en-US" dirty="0">
                 <a:solidFill>
-                  <a:schemeClr val="bg1"/>
+                  <a:srgbClr val="FF0000"/>
                 </a:solidFill>
+                <a:sym typeface="Webdings" panose="05030102010509060703" pitchFamily="18" charset="2"/>
               </a:rPr>
-              <a:t> . </a:t>
-            </a:r>
-            <a:r>
-              <a:rPr lang="he-IL" dirty="0"/>
-              <a:t>.</a:t>
-            </a:r>
-            <a:r>
-              <a:rPr lang="he-IL" dirty="0">
-                <a:solidFill>
-                  <a:schemeClr val="bg1"/>
-                </a:solidFill>
-              </a:rPr>
-              <a:t> .</a:t>
+              <a:t></a:t>
             </a:r>
             <a:endParaRPr lang="en-US" dirty="0">
               <a:solidFill>
-                <a:schemeClr val="bg1"/>
+                <a:srgbClr val="FF0000"/>
               </a:solidFill>
+              <a:sym typeface="Wingdings" panose="05000000000000000000" pitchFamily="2" charset="2"/>
             </a:endParaRPr>
           </a:p>
-        </p:txBody>
-      </p:sp>
-      <p:sp>
-        <p:nvSpPr>
-          <p:cNvPr id="5" name="Rectangle 4">
-            <a:extLst>
-              <a:ext uri="{FF2B5EF4-FFF2-40B4-BE49-F238E27FC236}">
-                <a16:creationId xmlns:a16="http://schemas.microsoft.com/office/drawing/2014/main" id="{5A564A2C-F1AB-4C80-BBFE-BF7D40042EA7}"/>
-              </a:ext>
-            </a:extLst>
-          </p:cNvPr>
-          <p:cNvSpPr/>
-          <p:nvPr/>
-        </p:nvSpPr>
-        <p:spPr>
-          <a:xfrm>
-            <a:off x="6378722" y="3820451"/>
-            <a:ext cx="1740023" cy="435006"/>
-          </a:xfrm>
-          <a:prstGeom prst="rect">
-            <a:avLst/>
-          </a:prstGeom>
-          <a:solidFill>
-            <a:schemeClr val="bg1"/>
-          </a:solidFill>
-        </p:spPr>
-        <p:style>
-          <a:lnRef idx="2">
-            <a:schemeClr val="accent1">
-              <a:shade val="50000"/>
-            </a:schemeClr>
-          </a:lnRef>
-          <a:fillRef idx="1">
-            <a:schemeClr val="accent1"/>
-          </a:fillRef>
-          <a:effectRef idx="0">
-            <a:schemeClr val="accent1"/>
-          </a:effectRef>
-          <a:fontRef idx="minor">
-            <a:schemeClr val="lt1"/>
-          </a:fontRef>
-        </p:style>
-        <p:txBody>
-          <a:bodyPr rtlCol="0" anchor="ctr"/>
-          <a:lstStyle/>
-          <a:p>
-            <a:pPr algn="ctr"/>
+          <a:p>
+            <a:pPr algn="l"/>
+            <a:r>
+              <a:rPr lang="en-US" dirty="0">
+                <a:sym typeface="Wingdings" panose="05000000000000000000" pitchFamily="2" charset="2"/>
+              </a:rPr>
+              <a:t>Option </a:t>
+            </a:r>
             <a:r>
               <a:rPr lang="he-IL" dirty="0">
+                <a:sym typeface="Wingdings" panose="05000000000000000000" pitchFamily="2" charset="2"/>
+              </a:rPr>
+              <a:t> </a:t>
+            </a:r>
+            <a:r>
+              <a:rPr lang="en-US" dirty="0">
+                <a:sym typeface="Wingdings" panose="05000000000000000000" pitchFamily="2" charset="2"/>
+              </a:rPr>
+              <a:t> </a:t>
+            </a:r>
+            <a:r>
+              <a:rPr lang="en-US" dirty="0">
                 <a:solidFill>
-                  <a:schemeClr val="bg1">
-                    <a:lumMod val="65000"/>
+                  <a:schemeClr val="accent1">
+                    <a:lumMod val="75000"/>
                   </a:schemeClr>
                 </a:solidFill>
+                <a:sym typeface="Webdings" panose="05030102010509060703" pitchFamily="18" charset="2"/>
               </a:rPr>
-              <a:t>דיאלוג לתמצית</a:t>
+              <a:t></a:t>
             </a:r>
             <a:endParaRPr lang="en-US" dirty="0">
               <a:solidFill>
-                <a:schemeClr val="bg1">
-                  <a:lumMod val="65000"/>
+                <a:schemeClr val="accent1">
+                  <a:lumMod val="75000"/>
                 </a:schemeClr>
               </a:solidFill>
             </a:endParaRPr>
           </a:p>
         </p:txBody>
       </p:sp>
-      <p:sp>
-        <p:nvSpPr>
-          <p:cNvPr id="13" name="Rectangle 12">
-            <a:extLst>
-              <a:ext uri="{FF2B5EF4-FFF2-40B4-BE49-F238E27FC236}">
-                <a16:creationId xmlns:a16="http://schemas.microsoft.com/office/drawing/2014/main" id="{B29D2809-D32A-4371-AEF0-8A4A034DDE46}"/>
-              </a:ext>
-            </a:extLst>
-          </p:cNvPr>
-          <p:cNvSpPr/>
-          <p:nvPr/>
-        </p:nvSpPr>
-        <p:spPr>
-          <a:xfrm>
-            <a:off x="6378723" y="2396699"/>
-            <a:ext cx="1740023" cy="435006"/>
-          </a:xfrm>
-          <a:prstGeom prst="rect">
-            <a:avLst/>
-          </a:prstGeom>
-          <a:solidFill>
-            <a:schemeClr val="bg1"/>
-          </a:solidFill>
-        </p:spPr>
-        <p:style>
-          <a:lnRef idx="2">
-            <a:schemeClr val="accent1">
-              <a:shade val="50000"/>
-            </a:schemeClr>
-          </a:lnRef>
-          <a:fillRef idx="1">
-            <a:schemeClr val="accent1"/>
-          </a:fillRef>
-          <a:effectRef idx="0">
-            <a:schemeClr val="accent1"/>
-          </a:effectRef>
-          <a:fontRef idx="minor">
-            <a:schemeClr val="lt1"/>
-          </a:fontRef>
-        </p:style>
-        <p:txBody>
-          <a:bodyPr rtlCol="0" anchor="ctr"/>
-          <a:lstStyle/>
-          <a:p>
-            <a:pPr algn="ctr"/>
-            <a:r>
-              <a:rPr lang="he-IL" dirty="0">
-                <a:solidFill>
-                  <a:schemeClr val="bg1">
-                    <a:lumMod val="65000"/>
-                  </a:schemeClr>
-                </a:solidFill>
-              </a:rPr>
-              <a:t>גיל</a:t>
-            </a:r>
-            <a:endParaRPr lang="en-US" dirty="0">
-              <a:solidFill>
-                <a:schemeClr val="bg1">
-                  <a:lumMod val="65000"/>
-                </a:schemeClr>
-              </a:solidFill>
-            </a:endParaRPr>
-          </a:p>
-        </p:txBody>
-      </p:sp>
-      <p:sp>
-        <p:nvSpPr>
-          <p:cNvPr id="14" name="Rectangle 13">
-            <a:extLst>
-              <a:ext uri="{FF2B5EF4-FFF2-40B4-BE49-F238E27FC236}">
-                <a16:creationId xmlns:a16="http://schemas.microsoft.com/office/drawing/2014/main" id="{ACCC4E67-64AC-4010-A908-D8C2F15A49D9}"/>
-              </a:ext>
-            </a:extLst>
-          </p:cNvPr>
-          <p:cNvSpPr/>
-          <p:nvPr/>
-        </p:nvSpPr>
-        <p:spPr>
-          <a:xfrm>
-            <a:off x="6415253" y="1684823"/>
-            <a:ext cx="1740023" cy="435006"/>
-          </a:xfrm>
-          <a:prstGeom prst="rect">
-            <a:avLst/>
-          </a:prstGeom>
-          <a:solidFill>
-            <a:schemeClr val="bg1"/>
-          </a:solidFill>
-        </p:spPr>
-        <p:style>
-          <a:lnRef idx="2">
-            <a:schemeClr val="accent1">
-              <a:shade val="50000"/>
-            </a:schemeClr>
-          </a:lnRef>
-          <a:fillRef idx="1">
-            <a:schemeClr val="accent1"/>
-          </a:fillRef>
-          <a:effectRef idx="0">
-            <a:schemeClr val="accent1"/>
-          </a:effectRef>
-          <a:fontRef idx="minor">
-            <a:schemeClr val="lt1"/>
-          </a:fontRef>
-        </p:style>
-        <p:txBody>
-          <a:bodyPr rtlCol="0" anchor="ctr"/>
-          <a:lstStyle/>
-          <a:p>
-            <a:pPr algn="ctr"/>
-            <a:r>
-              <a:rPr lang="he-IL" dirty="0">
-                <a:solidFill>
-                  <a:schemeClr val="bg1">
-                    <a:lumMod val="65000"/>
-                  </a:schemeClr>
-                </a:solidFill>
-              </a:rPr>
-              <a:t>שם / כינוי</a:t>
-            </a:r>
-            <a:endParaRPr lang="en-US" dirty="0">
-              <a:solidFill>
-                <a:schemeClr val="bg1">
-                  <a:lumMod val="65000"/>
-                </a:schemeClr>
-              </a:solidFill>
-            </a:endParaRPr>
-          </a:p>
-        </p:txBody>
-      </p:sp>
-      <p:sp>
-        <p:nvSpPr>
-          <p:cNvPr id="15" name="Rectangle 14">
-            <a:extLst>
-              <a:ext uri="{FF2B5EF4-FFF2-40B4-BE49-F238E27FC236}">
-                <a16:creationId xmlns:a16="http://schemas.microsoft.com/office/drawing/2014/main" id="{539658DA-B9B6-45DD-AD45-0F328D8D859E}"/>
-              </a:ext>
-            </a:extLst>
-          </p:cNvPr>
-          <p:cNvSpPr/>
-          <p:nvPr/>
-        </p:nvSpPr>
-        <p:spPr>
-          <a:xfrm>
-            <a:off x="6378722" y="3108575"/>
-            <a:ext cx="1740023" cy="435006"/>
-          </a:xfrm>
-          <a:prstGeom prst="rect">
-            <a:avLst/>
-          </a:prstGeom>
-          <a:solidFill>
-            <a:schemeClr val="bg1"/>
-          </a:solidFill>
-        </p:spPr>
-        <p:style>
-          <a:lnRef idx="2">
-            <a:schemeClr val="accent1">
-              <a:shade val="50000"/>
-            </a:schemeClr>
-          </a:lnRef>
-          <a:fillRef idx="1">
-            <a:schemeClr val="accent1"/>
-          </a:fillRef>
-          <a:effectRef idx="0">
-            <a:schemeClr val="accent1"/>
-          </a:effectRef>
-          <a:fontRef idx="minor">
-            <a:schemeClr val="lt1"/>
-          </a:fontRef>
-        </p:style>
-        <p:txBody>
-          <a:bodyPr rtlCol="0" anchor="ctr"/>
-          <a:lstStyle/>
-          <a:p>
-            <a:pPr algn="ctr"/>
-            <a:r>
-              <a:rPr lang="he-IL" dirty="0">
-                <a:solidFill>
-                  <a:schemeClr val="bg1">
-                    <a:lumMod val="65000"/>
-                  </a:schemeClr>
-                </a:solidFill>
-              </a:rPr>
-              <a:t>מין</a:t>
-            </a:r>
-            <a:endParaRPr lang="en-US" dirty="0">
-              <a:solidFill>
-                <a:schemeClr val="bg1">
-                  <a:lumMod val="65000"/>
-                </a:schemeClr>
-              </a:solidFill>
-            </a:endParaRPr>
-          </a:p>
-        </p:txBody>
-      </p:sp>
-      <p:sp>
-        <p:nvSpPr>
-          <p:cNvPr id="6" name="Arrow: Right 5">
-            <a:extLst>
-              <a:ext uri="{FF2B5EF4-FFF2-40B4-BE49-F238E27FC236}">
-                <a16:creationId xmlns:a16="http://schemas.microsoft.com/office/drawing/2014/main" id="{4666CA0A-DCFC-4B30-AFA4-2F6D291584C6}"/>
-              </a:ext>
-            </a:extLst>
-          </p:cNvPr>
-          <p:cNvSpPr/>
-          <p:nvPr/>
-        </p:nvSpPr>
-        <p:spPr>
-          <a:xfrm>
-            <a:off x="8017334" y="5770741"/>
-            <a:ext cx="479406" cy="291287"/>
-          </a:xfrm>
-          <a:prstGeom prst="rightArrow">
-            <a:avLst/>
-          </a:prstGeom>
-          <a:solidFill>
-            <a:srgbClr val="7030A0"/>
-          </a:solidFill>
-        </p:spPr>
-        <p:style>
-          <a:lnRef idx="2">
-            <a:schemeClr val="accent1">
-              <a:shade val="50000"/>
-            </a:schemeClr>
-          </a:lnRef>
-          <a:fillRef idx="1">
-            <a:schemeClr val="accent1"/>
-          </a:fillRef>
-          <a:effectRef idx="0">
-            <a:schemeClr val="accent1"/>
-          </a:effectRef>
-          <a:fontRef idx="minor">
-            <a:schemeClr val="lt1"/>
-          </a:fontRef>
-        </p:style>
-        <p:txBody>
-          <a:bodyPr rtlCol="0" anchor="ctr"/>
-          <a:lstStyle/>
-          <a:p>
-            <a:pPr algn="ctr"/>
-            <a:endParaRPr lang="en-US"/>
-          </a:p>
-        </p:txBody>
-      </p:sp>
-      <p:sp>
-        <p:nvSpPr>
-          <p:cNvPr id="16" name="Arrow: Right 15">
-            <a:extLst>
-              <a:ext uri="{FF2B5EF4-FFF2-40B4-BE49-F238E27FC236}">
-                <a16:creationId xmlns:a16="http://schemas.microsoft.com/office/drawing/2014/main" id="{C2A9F0EC-F2F4-4440-BE81-8100CE96AF6E}"/>
-              </a:ext>
-            </a:extLst>
-          </p:cNvPr>
-          <p:cNvSpPr/>
-          <p:nvPr/>
-        </p:nvSpPr>
-        <p:spPr>
-          <a:xfrm rot="10800000">
-            <a:off x="5975941" y="5774145"/>
-            <a:ext cx="504195" cy="304800"/>
-          </a:xfrm>
-          <a:prstGeom prst="rightArrow">
-            <a:avLst/>
-          </a:prstGeom>
-          <a:solidFill>
-            <a:srgbClr val="7030A0"/>
-          </a:solidFill>
-        </p:spPr>
-        <p:style>
-          <a:lnRef idx="2">
-            <a:schemeClr val="accent1">
-              <a:shade val="50000"/>
-            </a:schemeClr>
-          </a:lnRef>
-          <a:fillRef idx="1">
-            <a:schemeClr val="accent1"/>
-          </a:fillRef>
-          <a:effectRef idx="0">
-            <a:schemeClr val="accent1"/>
-          </a:effectRef>
-          <a:fontRef idx="minor">
-            <a:schemeClr val="lt1"/>
-          </a:fontRef>
-        </p:style>
-        <p:txBody>
-          <a:bodyPr rtlCol="0" anchor="ctr"/>
-          <a:lstStyle/>
-          <a:p>
-            <a:pPr algn="ctr"/>
-            <a:endParaRPr lang="en-US"/>
-          </a:p>
-        </p:txBody>
-      </p:sp>
-      <p:sp>
-        <p:nvSpPr>
-          <p:cNvPr id="17" name="Rectangle: Rounded Corners 16">
-            <a:extLst>
-              <a:ext uri="{FF2B5EF4-FFF2-40B4-BE49-F238E27FC236}">
-                <a16:creationId xmlns:a16="http://schemas.microsoft.com/office/drawing/2014/main" id="{94B18F83-BECF-4838-8C5B-269D3F7E64BF}"/>
-              </a:ext>
-            </a:extLst>
-          </p:cNvPr>
-          <p:cNvSpPr/>
-          <p:nvPr/>
-        </p:nvSpPr>
-        <p:spPr>
-          <a:xfrm>
-            <a:off x="9219041" y="1727437"/>
-            <a:ext cx="2520799" cy="2085807"/>
-          </a:xfrm>
-          <a:prstGeom prst="roundRect">
-            <a:avLst/>
-          </a:prstGeom>
-          <a:solidFill>
-            <a:srgbClr val="7030A0"/>
-          </a:solidFill>
-        </p:spPr>
-        <p:style>
-          <a:lnRef idx="0">
-            <a:schemeClr val="accent5"/>
-          </a:lnRef>
-          <a:fillRef idx="3">
-            <a:schemeClr val="accent5"/>
-          </a:fillRef>
-          <a:effectRef idx="3">
-            <a:schemeClr val="accent5"/>
-          </a:effectRef>
-          <a:fontRef idx="minor">
-            <a:schemeClr val="lt1"/>
-          </a:fontRef>
-        </p:style>
-        <p:txBody>
-          <a:bodyPr rtlCol="0" anchor="ctr"/>
-          <a:lstStyle/>
-          <a:p>
-            <a:pPr algn="ctr"/>
-            <a:r>
-              <a:rPr lang="he-IL" dirty="0"/>
-              <a:t>דיאלוג לתמצית</a:t>
-            </a:r>
-          </a:p>
-          <a:p>
-            <a:pPr algn="ctr"/>
-            <a:r>
-              <a:rPr lang="he-IL" dirty="0"/>
-              <a:t>נראות איך שאנו נבחר</a:t>
-            </a:r>
-            <a:endParaRPr lang="en-US" dirty="0"/>
-          </a:p>
-        </p:txBody>
-      </p:sp>
-      <p:cxnSp>
-        <p:nvCxnSpPr>
-          <p:cNvPr id="10" name="Connector: Elbow 9">
-            <a:extLst>
-              <a:ext uri="{FF2B5EF4-FFF2-40B4-BE49-F238E27FC236}">
-                <a16:creationId xmlns:a16="http://schemas.microsoft.com/office/drawing/2014/main" id="{521828D1-86F4-4826-AAE6-FEB4EB70BCB1}"/>
-              </a:ext>
-            </a:extLst>
-          </p:cNvPr>
-          <p:cNvCxnSpPr>
-            <a:stCxn id="5" idx="3"/>
-            <a:endCxn id="17" idx="3"/>
-          </p:cNvCxnSpPr>
-          <p:nvPr/>
-        </p:nvCxnSpPr>
-        <p:spPr>
-          <a:xfrm flipV="1">
-            <a:off x="8118745" y="2770341"/>
-            <a:ext cx="3621095" cy="1267613"/>
-          </a:xfrm>
-          <a:prstGeom prst="bentConnector3">
-            <a:avLst>
-              <a:gd name="adj1" fmla="val 106313"/>
-            </a:avLst>
-          </a:prstGeom>
-          <a:ln w="38100">
-            <a:solidFill>
-              <a:schemeClr val="tx1"/>
-            </a:solidFill>
-            <a:tailEnd type="triangle"/>
-          </a:ln>
-        </p:spPr>
-        <p:style>
-          <a:lnRef idx="1">
-            <a:schemeClr val="accent1"/>
-          </a:lnRef>
-          <a:fillRef idx="0">
-            <a:schemeClr val="accent1"/>
-          </a:fillRef>
-          <a:effectRef idx="0">
-            <a:schemeClr val="accent1"/>
-          </a:effectRef>
-          <a:fontRef idx="minor">
-            <a:schemeClr val="tx1"/>
-          </a:fontRef>
-        </p:style>
-      </p:cxnSp>
-      <p:sp>
-        <p:nvSpPr>
-          <p:cNvPr id="21" name="Rectangle: Rounded Corners 20">
-            <a:extLst>
-              <a:ext uri="{FF2B5EF4-FFF2-40B4-BE49-F238E27FC236}">
-                <a16:creationId xmlns:a16="http://schemas.microsoft.com/office/drawing/2014/main" id="{9847D507-68FC-4D20-A7C6-54F2FFFC5882}"/>
-              </a:ext>
-            </a:extLst>
-          </p:cNvPr>
-          <p:cNvSpPr/>
-          <p:nvPr/>
-        </p:nvSpPr>
-        <p:spPr>
-          <a:xfrm>
-            <a:off x="6300324" y="4666933"/>
-            <a:ext cx="1399061" cy="435006"/>
-          </a:xfrm>
-          <a:prstGeom prst="roundRect">
-            <a:avLst/>
-          </a:prstGeom>
-          <a:solidFill>
-            <a:schemeClr val="accent4">
-              <a:lumMod val="75000"/>
-            </a:schemeClr>
-          </a:solidFill>
-        </p:spPr>
-        <p:style>
-          <a:lnRef idx="0">
-            <a:schemeClr val="accent5"/>
-          </a:lnRef>
-          <a:fillRef idx="3">
-            <a:schemeClr val="accent5"/>
-          </a:fillRef>
-          <a:effectRef idx="3">
-            <a:schemeClr val="accent5"/>
-          </a:effectRef>
-          <a:fontRef idx="minor">
-            <a:schemeClr val="lt1"/>
-          </a:fontRef>
-        </p:style>
-        <p:txBody>
-          <a:bodyPr rtlCol="0" anchor="ctr"/>
-          <a:lstStyle/>
-          <a:p>
-            <a:pPr algn="ctr"/>
-            <a:r>
-              <a:rPr lang="he-IL" sz="1400" dirty="0"/>
-              <a:t>אני מאשר ומקבל תנאי משתמש</a:t>
-            </a:r>
-            <a:endParaRPr lang="en-US" sz="1400" dirty="0"/>
-          </a:p>
-        </p:txBody>
-      </p:sp>
-      <p:sp>
-        <p:nvSpPr>
-          <p:cNvPr id="23" name="TextBox 22">
-            <a:extLst>
-              <a:ext uri="{FF2B5EF4-FFF2-40B4-BE49-F238E27FC236}">
-                <a16:creationId xmlns:a16="http://schemas.microsoft.com/office/drawing/2014/main" id="{528A66B4-2357-448C-BCA8-4FA066B0F38C}"/>
-              </a:ext>
-            </a:extLst>
-          </p:cNvPr>
-          <p:cNvSpPr txBox="1"/>
-          <p:nvPr/>
-        </p:nvSpPr>
-        <p:spPr>
-          <a:xfrm>
-            <a:off x="7677312" y="4666932"/>
-            <a:ext cx="458780" cy="461665"/>
-          </a:xfrm>
-          <a:prstGeom prst="rect">
-            <a:avLst/>
-          </a:prstGeom>
-          <a:noFill/>
-        </p:spPr>
-        <p:txBody>
-          <a:bodyPr wrap="none" rtlCol="0">
-            <a:spAutoFit/>
-          </a:bodyPr>
-          <a:lstStyle/>
-          <a:p>
-            <a:r>
-              <a:rPr lang="en-US" sz="2400" dirty="0">
-                <a:sym typeface="Wingdings" panose="05000000000000000000" pitchFamily="2" charset="2"/>
-              </a:rPr>
-              <a:t></a:t>
-            </a:r>
-            <a:endParaRPr lang="en-US" sz="2400" dirty="0"/>
-          </a:p>
-        </p:txBody>
-      </p:sp>
-      <p:sp>
-        <p:nvSpPr>
-          <p:cNvPr id="25" name="Rectangle: Rounded Corners 24">
-            <a:extLst>
-              <a:ext uri="{FF2B5EF4-FFF2-40B4-BE49-F238E27FC236}">
-                <a16:creationId xmlns:a16="http://schemas.microsoft.com/office/drawing/2014/main" id="{D0133B36-AB80-4231-A7BF-37CBE41F31B6}"/>
-              </a:ext>
-            </a:extLst>
-          </p:cNvPr>
-          <p:cNvSpPr/>
-          <p:nvPr/>
-        </p:nvSpPr>
-        <p:spPr>
-          <a:xfrm>
-            <a:off x="9288496" y="4208865"/>
-            <a:ext cx="2127861" cy="1485116"/>
-          </a:xfrm>
-          <a:prstGeom prst="roundRect">
-            <a:avLst/>
-          </a:prstGeom>
-          <a:solidFill>
-            <a:schemeClr val="accent4">
-              <a:lumMod val="75000"/>
-            </a:schemeClr>
-          </a:solidFill>
-        </p:spPr>
-        <p:style>
-          <a:lnRef idx="0">
-            <a:schemeClr val="accent5"/>
-          </a:lnRef>
-          <a:fillRef idx="3">
-            <a:schemeClr val="accent5"/>
-          </a:fillRef>
-          <a:effectRef idx="3">
-            <a:schemeClr val="accent5"/>
-          </a:effectRef>
-          <a:fontRef idx="minor">
-            <a:schemeClr val="lt1"/>
-          </a:fontRef>
-        </p:style>
-        <p:txBody>
-          <a:bodyPr rtlCol="0" anchor="ctr"/>
-          <a:lstStyle/>
-          <a:p>
-            <a:pPr algn="ctr"/>
-            <a:r>
-              <a:rPr lang="he-IL" dirty="0"/>
-              <a:t>דיאלוג תנאי שימוש</a:t>
-            </a:r>
-            <a:endParaRPr lang="en-US" dirty="0"/>
-          </a:p>
-        </p:txBody>
-      </p:sp>
-      <p:sp>
-        <p:nvSpPr>
-          <p:cNvPr id="30" name="Rectangle: Rounded Corners 29">
-            <a:extLst>
-              <a:ext uri="{FF2B5EF4-FFF2-40B4-BE49-F238E27FC236}">
-                <a16:creationId xmlns:a16="http://schemas.microsoft.com/office/drawing/2014/main" id="{70DDD855-4FFB-4816-8306-4ED78056486C}"/>
-              </a:ext>
-            </a:extLst>
-          </p:cNvPr>
-          <p:cNvSpPr/>
-          <p:nvPr/>
-        </p:nvSpPr>
-        <p:spPr>
-          <a:xfrm>
-            <a:off x="6863244" y="5184792"/>
-            <a:ext cx="844040" cy="403273"/>
-          </a:xfrm>
-          <a:prstGeom prst="roundRect">
-            <a:avLst/>
-          </a:prstGeom>
-          <a:solidFill>
-            <a:schemeClr val="accent1"/>
-          </a:solidFill>
-          <a:ln w="38100">
-            <a:solidFill>
-              <a:schemeClr val="tx1"/>
-            </a:solidFill>
-          </a:ln>
-        </p:spPr>
-        <p:style>
-          <a:lnRef idx="0">
-            <a:schemeClr val="accent5"/>
-          </a:lnRef>
-          <a:fillRef idx="3">
-            <a:schemeClr val="accent5"/>
-          </a:fillRef>
-          <a:effectRef idx="3">
-            <a:schemeClr val="accent5"/>
-          </a:effectRef>
-          <a:fontRef idx="minor">
-            <a:schemeClr val="lt1"/>
-          </a:fontRef>
-        </p:style>
-        <p:txBody>
-          <a:bodyPr rtlCol="0" anchor="ctr"/>
-          <a:lstStyle/>
-          <a:p>
-            <a:pPr algn="ctr"/>
-            <a:r>
-              <a:rPr lang="he-IL" dirty="0"/>
-              <a:t>הירשם</a:t>
-            </a:r>
-            <a:endParaRPr lang="en-US" dirty="0"/>
-          </a:p>
-        </p:txBody>
-      </p:sp>
-      <p:cxnSp>
-        <p:nvCxnSpPr>
-          <p:cNvPr id="28" name="Connector: Elbow 27">
-            <a:extLst>
-              <a:ext uri="{FF2B5EF4-FFF2-40B4-BE49-F238E27FC236}">
-                <a16:creationId xmlns:a16="http://schemas.microsoft.com/office/drawing/2014/main" id="{1F40475B-2659-4936-82A0-40C37EA0CAE3}"/>
-              </a:ext>
-            </a:extLst>
-          </p:cNvPr>
-          <p:cNvCxnSpPr>
-            <a:stCxn id="21" idx="2"/>
-            <a:endCxn id="25" idx="3"/>
-          </p:cNvCxnSpPr>
-          <p:nvPr/>
-        </p:nvCxnSpPr>
-        <p:spPr>
-          <a:xfrm rot="5400000" flipH="1" flipV="1">
-            <a:off x="9132848" y="2818430"/>
-            <a:ext cx="150516" cy="4416502"/>
-          </a:xfrm>
-          <a:prstGeom prst="bentConnector4">
-            <a:avLst>
-              <a:gd name="adj1" fmla="val -545219"/>
-              <a:gd name="adj2" fmla="val 105176"/>
-            </a:avLst>
-          </a:prstGeom>
-          <a:ln w="38100">
-            <a:solidFill>
-              <a:schemeClr val="accent4">
-                <a:lumMod val="50000"/>
-              </a:schemeClr>
-            </a:solidFill>
-            <a:tailEnd type="triangle"/>
-          </a:ln>
-        </p:spPr>
-        <p:style>
-          <a:lnRef idx="1">
-            <a:schemeClr val="accent1"/>
-          </a:lnRef>
-          <a:fillRef idx="0">
-            <a:schemeClr val="accent1"/>
-          </a:fillRef>
-          <a:effectRef idx="0">
-            <a:schemeClr val="accent1"/>
-          </a:effectRef>
-          <a:fontRef idx="minor">
-            <a:schemeClr val="tx1"/>
-          </a:fontRef>
-        </p:style>
-      </p:cxnSp>
     </p:spTree>
     <p:extLst>
       <p:ext uri="{BB962C8B-B14F-4D97-AF65-F5344CB8AC3E}">
-        <p14:creationId xmlns:p14="http://schemas.microsoft.com/office/powerpoint/2010/main" val="3725660507"/>
+        <p14:creationId xmlns:p14="http://schemas.microsoft.com/office/powerpoint/2010/main" val="375735006"/>
       </p:ext>
     </p:extLst>
   </p:cSld>

--- a/YANA_SpecificationDocument_v3.pptx
+++ b/YANA_SpecificationDocument_v3.pptx
@@ -276,7 +276,7 @@
           <a:p>
             <a:fld id="{94B43D15-E77F-4644-B541-976CD44FBF9F}" type="datetimeFigureOut">
               <a:rPr lang="en-US" smtClean="0"/>
-              <a:t>4/8/2021</a:t>
+              <a:t>4/12/2021</a:t>
             </a:fld>
             <a:endParaRPr lang="en-US"/>
           </a:p>
@@ -474,7 +474,7 @@
           <a:p>
             <a:fld id="{94B43D15-E77F-4644-B541-976CD44FBF9F}" type="datetimeFigureOut">
               <a:rPr lang="en-US" smtClean="0"/>
-              <a:t>4/8/2021</a:t>
+              <a:t>4/12/2021</a:t>
             </a:fld>
             <a:endParaRPr lang="en-US"/>
           </a:p>
@@ -682,7 +682,7 @@
           <a:p>
             <a:fld id="{94B43D15-E77F-4644-B541-976CD44FBF9F}" type="datetimeFigureOut">
               <a:rPr lang="en-US" smtClean="0"/>
-              <a:t>4/8/2021</a:t>
+              <a:t>4/12/2021</a:t>
             </a:fld>
             <a:endParaRPr lang="en-US"/>
           </a:p>
@@ -880,7 +880,7 @@
           <a:p>
             <a:fld id="{94B43D15-E77F-4644-B541-976CD44FBF9F}" type="datetimeFigureOut">
               <a:rPr lang="en-US" smtClean="0"/>
-              <a:t>4/8/2021</a:t>
+              <a:t>4/12/2021</a:t>
             </a:fld>
             <a:endParaRPr lang="en-US"/>
           </a:p>
@@ -1155,7 +1155,7 @@
           <a:p>
             <a:fld id="{94B43D15-E77F-4644-B541-976CD44FBF9F}" type="datetimeFigureOut">
               <a:rPr lang="en-US" smtClean="0"/>
-              <a:t>4/8/2021</a:t>
+              <a:t>4/12/2021</a:t>
             </a:fld>
             <a:endParaRPr lang="en-US"/>
           </a:p>
@@ -1420,7 +1420,7 @@
           <a:p>
             <a:fld id="{94B43D15-E77F-4644-B541-976CD44FBF9F}" type="datetimeFigureOut">
               <a:rPr lang="en-US" smtClean="0"/>
-              <a:t>4/8/2021</a:t>
+              <a:t>4/12/2021</a:t>
             </a:fld>
             <a:endParaRPr lang="en-US"/>
           </a:p>
@@ -1832,7 +1832,7 @@
           <a:p>
             <a:fld id="{94B43D15-E77F-4644-B541-976CD44FBF9F}" type="datetimeFigureOut">
               <a:rPr lang="en-US" smtClean="0"/>
-              <a:t>4/8/2021</a:t>
+              <a:t>4/12/2021</a:t>
             </a:fld>
             <a:endParaRPr lang="en-US"/>
           </a:p>
@@ -1973,7 +1973,7 @@
           <a:p>
             <a:fld id="{94B43D15-E77F-4644-B541-976CD44FBF9F}" type="datetimeFigureOut">
               <a:rPr lang="en-US" smtClean="0"/>
-              <a:t>4/8/2021</a:t>
+              <a:t>4/12/2021</a:t>
             </a:fld>
             <a:endParaRPr lang="en-US"/>
           </a:p>
@@ -2086,7 +2086,7 @@
           <a:p>
             <a:fld id="{94B43D15-E77F-4644-B541-976CD44FBF9F}" type="datetimeFigureOut">
               <a:rPr lang="en-US" smtClean="0"/>
-              <a:t>4/8/2021</a:t>
+              <a:t>4/12/2021</a:t>
             </a:fld>
             <a:endParaRPr lang="en-US"/>
           </a:p>
@@ -2397,7 +2397,7 @@
           <a:p>
             <a:fld id="{94B43D15-E77F-4644-B541-976CD44FBF9F}" type="datetimeFigureOut">
               <a:rPr lang="en-US" smtClean="0"/>
-              <a:t>4/8/2021</a:t>
+              <a:t>4/12/2021</a:t>
             </a:fld>
             <a:endParaRPr lang="en-US"/>
           </a:p>
@@ -2685,7 +2685,7 @@
           <a:p>
             <a:fld id="{94B43D15-E77F-4644-B541-976CD44FBF9F}" type="datetimeFigureOut">
               <a:rPr lang="en-US" smtClean="0"/>
-              <a:t>4/8/2021</a:t>
+              <a:t>4/12/2021</a:t>
             </a:fld>
             <a:endParaRPr lang="en-US"/>
           </a:p>
@@ -2926,7 +2926,7 @@
           <a:p>
             <a:fld id="{94B43D15-E77F-4644-B541-976CD44FBF9F}" type="datetimeFigureOut">
               <a:rPr lang="en-US" smtClean="0"/>
-              <a:t>4/8/2021</a:t>
+              <a:t>4/12/2021</a:t>
             </a:fld>
             <a:endParaRPr lang="en-US"/>
           </a:p>
@@ -10777,7 +10777,7 @@
         <p:spPr>
           <a:xfrm>
             <a:off x="838201" y="1407952"/>
-            <a:ext cx="5775664" cy="646331"/>
+            <a:ext cx="5775664" cy="923330"/>
           </a:xfrm>
           <a:prstGeom prst="rect">
             <a:avLst/>
@@ -10798,11 +10798,26 @@
             <a:endParaRPr lang="en-US" dirty="0"/>
           </a:p>
           <a:p>
-            <a:pPr algn="r" rtl="1"/>
-            <a:r>
-              <a:rPr lang="he-IL" dirty="0"/>
-              <a:t>-</a:t>
-            </a:r>
+            <a:pPr marL="285750" indent="-285750" algn="r" rtl="1">
+              <a:buFontTx/>
+              <a:buChar char="-"/>
+            </a:pPr>
+            <a:r>
+              <a:rPr lang="he-IL" dirty="0"/>
+              <a:t>משתמש יוכל לצפות במודעות</a:t>
+            </a:r>
+            <a:endParaRPr lang="en-US" dirty="0"/>
+          </a:p>
+          <a:p>
+            <a:pPr marL="285750" indent="-285750" algn="r" rtl="1">
+              <a:buFontTx/>
+              <a:buChar char="-"/>
+            </a:pPr>
+            <a:r>
+              <a:rPr lang="he-IL" dirty="0"/>
+              <a:t>במידה ויצורף לינק – ייפתח בחלון חדש</a:t>
+            </a:r>
+            <a:endParaRPr lang="en-GB" dirty="0"/>
           </a:p>
         </p:txBody>
       </p:sp>

--- a/YANA_SpecificationDocument_v3.pptx
+++ b/YANA_SpecificationDocument_v3.pptx
@@ -23,6 +23,7 @@
     <p:sldId id="274" r:id="rId17"/>
     <p:sldId id="259" r:id="rId18"/>
     <p:sldId id="273" r:id="rId19"/>
+    <p:sldId id="275" r:id="rId20"/>
   </p:sldIdLst>
   <p:sldSz cx="12192000" cy="6858000"/>
   <p:notesSz cx="6858000" cy="9144000"/>
@@ -276,7 +277,7 @@
           <a:p>
             <a:fld id="{94B43D15-E77F-4644-B541-976CD44FBF9F}" type="datetimeFigureOut">
               <a:rPr lang="en-US" smtClean="0"/>
-              <a:t>4/12/2021</a:t>
+              <a:t>4/16/2021</a:t>
             </a:fld>
             <a:endParaRPr lang="en-US"/>
           </a:p>
@@ -474,7 +475,7 @@
           <a:p>
             <a:fld id="{94B43D15-E77F-4644-B541-976CD44FBF9F}" type="datetimeFigureOut">
               <a:rPr lang="en-US" smtClean="0"/>
-              <a:t>4/12/2021</a:t>
+              <a:t>4/16/2021</a:t>
             </a:fld>
             <a:endParaRPr lang="en-US"/>
           </a:p>
@@ -682,7 +683,7 @@
           <a:p>
             <a:fld id="{94B43D15-E77F-4644-B541-976CD44FBF9F}" type="datetimeFigureOut">
               <a:rPr lang="en-US" smtClean="0"/>
-              <a:t>4/12/2021</a:t>
+              <a:t>4/16/2021</a:t>
             </a:fld>
             <a:endParaRPr lang="en-US"/>
           </a:p>
@@ -880,7 +881,7 @@
           <a:p>
             <a:fld id="{94B43D15-E77F-4644-B541-976CD44FBF9F}" type="datetimeFigureOut">
               <a:rPr lang="en-US" smtClean="0"/>
-              <a:t>4/12/2021</a:t>
+              <a:t>4/16/2021</a:t>
             </a:fld>
             <a:endParaRPr lang="en-US"/>
           </a:p>
@@ -1155,7 +1156,7 @@
           <a:p>
             <a:fld id="{94B43D15-E77F-4644-B541-976CD44FBF9F}" type="datetimeFigureOut">
               <a:rPr lang="en-US" smtClean="0"/>
-              <a:t>4/12/2021</a:t>
+              <a:t>4/16/2021</a:t>
             </a:fld>
             <a:endParaRPr lang="en-US"/>
           </a:p>
@@ -1420,7 +1421,7 @@
           <a:p>
             <a:fld id="{94B43D15-E77F-4644-B541-976CD44FBF9F}" type="datetimeFigureOut">
               <a:rPr lang="en-US" smtClean="0"/>
-              <a:t>4/12/2021</a:t>
+              <a:t>4/16/2021</a:t>
             </a:fld>
             <a:endParaRPr lang="en-US"/>
           </a:p>
@@ -1832,7 +1833,7 @@
           <a:p>
             <a:fld id="{94B43D15-E77F-4644-B541-976CD44FBF9F}" type="datetimeFigureOut">
               <a:rPr lang="en-US" smtClean="0"/>
-              <a:t>4/12/2021</a:t>
+              <a:t>4/16/2021</a:t>
             </a:fld>
             <a:endParaRPr lang="en-US"/>
           </a:p>
@@ -1973,7 +1974,7 @@
           <a:p>
             <a:fld id="{94B43D15-E77F-4644-B541-976CD44FBF9F}" type="datetimeFigureOut">
               <a:rPr lang="en-US" smtClean="0"/>
-              <a:t>4/12/2021</a:t>
+              <a:t>4/16/2021</a:t>
             </a:fld>
             <a:endParaRPr lang="en-US"/>
           </a:p>
@@ -2086,7 +2087,7 @@
           <a:p>
             <a:fld id="{94B43D15-E77F-4644-B541-976CD44FBF9F}" type="datetimeFigureOut">
               <a:rPr lang="en-US" smtClean="0"/>
-              <a:t>4/12/2021</a:t>
+              <a:t>4/16/2021</a:t>
             </a:fld>
             <a:endParaRPr lang="en-US"/>
           </a:p>
@@ -2397,7 +2398,7 @@
           <a:p>
             <a:fld id="{94B43D15-E77F-4644-B541-976CD44FBF9F}" type="datetimeFigureOut">
               <a:rPr lang="en-US" smtClean="0"/>
-              <a:t>4/12/2021</a:t>
+              <a:t>4/16/2021</a:t>
             </a:fld>
             <a:endParaRPr lang="en-US"/>
           </a:p>
@@ -2685,7 +2686,7 @@
           <a:p>
             <a:fld id="{94B43D15-E77F-4644-B541-976CD44FBF9F}" type="datetimeFigureOut">
               <a:rPr lang="en-US" smtClean="0"/>
-              <a:t>4/12/2021</a:t>
+              <a:t>4/16/2021</a:t>
             </a:fld>
             <a:endParaRPr lang="en-US"/>
           </a:p>
@@ -2926,7 +2927,7 @@
           <a:p>
             <a:fld id="{94B43D15-E77F-4644-B541-976CD44FBF9F}" type="datetimeFigureOut">
               <a:rPr lang="en-US" smtClean="0"/>
-              <a:t>4/12/2021</a:t>
+              <a:t>4/16/2021</a:t>
             </a:fld>
             <a:endParaRPr lang="en-US"/>
           </a:p>
@@ -11962,6 +11963,832 @@
 </p:sld>
 </file>
 
+<file path=ppt/slides/slide19.xml><?xml version="1.0" encoding="utf-8"?>
+<p:sld xmlns:a="http://schemas.openxmlformats.org/drawingml/2006/main" xmlns:r="http://schemas.openxmlformats.org/officeDocument/2006/relationships" xmlns:p="http://schemas.openxmlformats.org/presentationml/2006/main">
+  <p:cSld>
+    <p:spTree>
+      <p:nvGrpSpPr>
+        <p:cNvPr id="1" name=""/>
+        <p:cNvGrpSpPr/>
+        <p:nvPr/>
+      </p:nvGrpSpPr>
+      <p:grpSpPr>
+        <a:xfrm>
+          <a:off x="0" y="0"/>
+          <a:ext cx="0" cy="0"/>
+          <a:chOff x="0" y="0"/>
+          <a:chExt cx="0" cy="0"/>
+        </a:xfrm>
+      </p:grpSpPr>
+      <p:sp>
+        <p:nvSpPr>
+          <p:cNvPr id="2" name="Title 1">
+            <a:extLst>
+              <a:ext uri="{FF2B5EF4-FFF2-40B4-BE49-F238E27FC236}">
+                <a16:creationId xmlns:a16="http://schemas.microsoft.com/office/drawing/2014/main" id="{F66FDA7B-271C-41AE-AC17-881C73426E79}"/>
+              </a:ext>
+            </a:extLst>
+          </p:cNvPr>
+          <p:cNvSpPr>
+            <a:spLocks noGrp="1"/>
+          </p:cNvSpPr>
+          <p:nvPr>
+            <p:ph type="title"/>
+          </p:nvPr>
+        </p:nvSpPr>
+        <p:spPr/>
+        <p:txBody>
+          <a:bodyPr>
+            <a:normAutofit/>
+          </a:bodyPr>
+          <a:lstStyle/>
+          <a:p>
+            <a:r>
+              <a:rPr lang="en-US" sz="5400" b="1" u="sng" dirty="0">
+                <a:effectLst>
+                  <a:outerShdw blurRad="38100" dist="38100" dir="2700000" algn="tl">
+                    <a:srgbClr val="000000">
+                      <a:alpha val="43137"/>
+                    </a:srgbClr>
+                  </a:outerShdw>
+                </a:effectLst>
+              </a:rPr>
+              <a:t>Architecture </a:t>
+            </a:r>
+          </a:p>
+        </p:txBody>
+      </p:sp>
+      <p:sp>
+        <p:nvSpPr>
+          <p:cNvPr id="4" name="Cube 3">
+            <a:extLst>
+              <a:ext uri="{FF2B5EF4-FFF2-40B4-BE49-F238E27FC236}">
+                <a16:creationId xmlns:a16="http://schemas.microsoft.com/office/drawing/2014/main" id="{B56AB0F1-D72C-4009-8209-89DD65993DA6}"/>
+              </a:ext>
+            </a:extLst>
+          </p:cNvPr>
+          <p:cNvSpPr/>
+          <p:nvPr/>
+        </p:nvSpPr>
+        <p:spPr>
+          <a:xfrm>
+            <a:off x="1097280" y="1589103"/>
+            <a:ext cx="2840707" cy="4098465"/>
+          </a:xfrm>
+          <a:prstGeom prst="cube">
+            <a:avLst>
+              <a:gd name="adj" fmla="val 13007"/>
+            </a:avLst>
+          </a:prstGeom>
+          <a:solidFill>
+            <a:schemeClr val="bg1">
+              <a:lumMod val="95000"/>
+              <a:alpha val="33000"/>
+            </a:schemeClr>
+          </a:solidFill>
+        </p:spPr>
+        <p:style>
+          <a:lnRef idx="2">
+            <a:schemeClr val="accent1">
+              <a:shade val="50000"/>
+            </a:schemeClr>
+          </a:lnRef>
+          <a:fillRef idx="1">
+            <a:schemeClr val="accent1"/>
+          </a:fillRef>
+          <a:effectRef idx="0">
+            <a:schemeClr val="accent1"/>
+          </a:effectRef>
+          <a:fontRef idx="minor">
+            <a:schemeClr val="lt1"/>
+          </a:fontRef>
+        </p:style>
+        <p:txBody>
+          <a:bodyPr rtlCol="0" anchor="ctr"/>
+          <a:lstStyle/>
+          <a:p>
+            <a:pPr algn="ctr"/>
+            <a:endParaRPr lang="en-US" dirty="0"/>
+          </a:p>
+        </p:txBody>
+      </p:sp>
+      <p:sp>
+        <p:nvSpPr>
+          <p:cNvPr id="6" name="Cylinder 5">
+            <a:extLst>
+              <a:ext uri="{FF2B5EF4-FFF2-40B4-BE49-F238E27FC236}">
+                <a16:creationId xmlns:a16="http://schemas.microsoft.com/office/drawing/2014/main" id="{B77B9033-6CF9-4FCB-846F-216BF781E91E}"/>
+              </a:ext>
+            </a:extLst>
+          </p:cNvPr>
+          <p:cNvSpPr/>
+          <p:nvPr/>
+        </p:nvSpPr>
+        <p:spPr>
+          <a:xfrm>
+            <a:off x="9108488" y="1589101"/>
+            <a:ext cx="2521259" cy="4098466"/>
+          </a:xfrm>
+          <a:prstGeom prst="can">
+            <a:avLst>
+              <a:gd name="adj" fmla="val 27817"/>
+            </a:avLst>
+          </a:prstGeom>
+          <a:solidFill>
+            <a:schemeClr val="bg1">
+              <a:lumMod val="95000"/>
+              <a:alpha val="33000"/>
+            </a:schemeClr>
+          </a:solidFill>
+        </p:spPr>
+        <p:style>
+          <a:lnRef idx="2">
+            <a:schemeClr val="accent1">
+              <a:shade val="50000"/>
+            </a:schemeClr>
+          </a:lnRef>
+          <a:fillRef idx="1">
+            <a:schemeClr val="accent1"/>
+          </a:fillRef>
+          <a:effectRef idx="0">
+            <a:schemeClr val="accent1"/>
+          </a:effectRef>
+          <a:fontRef idx="minor">
+            <a:schemeClr val="lt1"/>
+          </a:fontRef>
+        </p:style>
+        <p:txBody>
+          <a:bodyPr rtlCol="0" anchor="ctr"/>
+          <a:lstStyle/>
+          <a:p>
+            <a:pPr algn="ctr"/>
+            <a:endParaRPr lang="en-US"/>
+          </a:p>
+        </p:txBody>
+      </p:sp>
+      <p:sp>
+        <p:nvSpPr>
+          <p:cNvPr id="7" name="TextBox 6">
+            <a:extLst>
+              <a:ext uri="{FF2B5EF4-FFF2-40B4-BE49-F238E27FC236}">
+                <a16:creationId xmlns:a16="http://schemas.microsoft.com/office/drawing/2014/main" id="{80AAD6F3-440A-4D6A-9732-189A5434DFB6}"/>
+              </a:ext>
+            </a:extLst>
+          </p:cNvPr>
+          <p:cNvSpPr txBox="1"/>
+          <p:nvPr/>
+        </p:nvSpPr>
+        <p:spPr>
+          <a:xfrm>
+            <a:off x="1652725" y="1530502"/>
+            <a:ext cx="2566387" cy="461665"/>
+          </a:xfrm>
+          <a:prstGeom prst="rect">
+            <a:avLst/>
+          </a:prstGeom>
+          <a:noFill/>
+        </p:spPr>
+        <p:txBody>
+          <a:bodyPr wrap="square" rtlCol="0">
+            <a:spAutoFit/>
+          </a:bodyPr>
+          <a:lstStyle/>
+          <a:p>
+            <a:r>
+              <a:rPr lang="en-US" sz="2400" dirty="0">
+                <a:effectLst>
+                  <a:outerShdw blurRad="38100" dist="38100" dir="2700000" algn="tl">
+                    <a:srgbClr val="000000">
+                      <a:alpha val="43137"/>
+                    </a:srgbClr>
+                  </a:outerShdw>
+                </a:effectLst>
+              </a:rPr>
+              <a:t>Application</a:t>
+            </a:r>
+          </a:p>
+        </p:txBody>
+      </p:sp>
+      <p:sp>
+        <p:nvSpPr>
+          <p:cNvPr id="9" name="TextBox 8">
+            <a:extLst>
+              <a:ext uri="{FF2B5EF4-FFF2-40B4-BE49-F238E27FC236}">
+                <a16:creationId xmlns:a16="http://schemas.microsoft.com/office/drawing/2014/main" id="{0C14FE82-DD31-486B-BD01-4082E1479EC7}"/>
+              </a:ext>
+            </a:extLst>
+          </p:cNvPr>
+          <p:cNvSpPr txBox="1"/>
+          <p:nvPr/>
+        </p:nvSpPr>
+        <p:spPr>
+          <a:xfrm>
+            <a:off x="9479130" y="1748367"/>
+            <a:ext cx="1779974" cy="461665"/>
+          </a:xfrm>
+          <a:prstGeom prst="rect">
+            <a:avLst/>
+          </a:prstGeom>
+          <a:noFill/>
+        </p:spPr>
+        <p:txBody>
+          <a:bodyPr wrap="square" rtlCol="0">
+            <a:spAutoFit/>
+          </a:bodyPr>
+          <a:lstStyle/>
+          <a:p>
+            <a:r>
+              <a:rPr lang="en-US" sz="2400" dirty="0">
+                <a:effectLst>
+                  <a:outerShdw blurRad="38100" dist="38100" dir="2700000" algn="tl">
+                    <a:srgbClr val="000000">
+                      <a:alpha val="43137"/>
+                    </a:srgbClr>
+                  </a:outerShdw>
+                </a:effectLst>
+              </a:rPr>
+              <a:t>DB Firebase</a:t>
+            </a:r>
+          </a:p>
+        </p:txBody>
+      </p:sp>
+      <p:sp>
+        <p:nvSpPr>
+          <p:cNvPr id="10" name="Cube 9">
+            <a:extLst>
+              <a:ext uri="{FF2B5EF4-FFF2-40B4-BE49-F238E27FC236}">
+                <a16:creationId xmlns:a16="http://schemas.microsoft.com/office/drawing/2014/main" id="{8DD0A90A-7043-4E3E-8E19-0B9AFE23B85F}"/>
+              </a:ext>
+            </a:extLst>
+          </p:cNvPr>
+          <p:cNvSpPr/>
+          <p:nvPr/>
+        </p:nvSpPr>
+        <p:spPr>
+          <a:xfrm>
+            <a:off x="4949485" y="1589101"/>
+            <a:ext cx="3206964" cy="4098465"/>
+          </a:xfrm>
+          <a:prstGeom prst="cube">
+            <a:avLst>
+              <a:gd name="adj" fmla="val 12279"/>
+            </a:avLst>
+          </a:prstGeom>
+          <a:solidFill>
+            <a:schemeClr val="bg1">
+              <a:lumMod val="95000"/>
+              <a:alpha val="33000"/>
+            </a:schemeClr>
+          </a:solidFill>
+        </p:spPr>
+        <p:style>
+          <a:lnRef idx="2">
+            <a:schemeClr val="accent1">
+              <a:shade val="50000"/>
+            </a:schemeClr>
+          </a:lnRef>
+          <a:fillRef idx="1">
+            <a:schemeClr val="accent1"/>
+          </a:fillRef>
+          <a:effectRef idx="0">
+            <a:schemeClr val="accent1"/>
+          </a:effectRef>
+          <a:fontRef idx="minor">
+            <a:schemeClr val="lt1"/>
+          </a:fontRef>
+        </p:style>
+        <p:txBody>
+          <a:bodyPr rtlCol="0" anchor="ctr"/>
+          <a:lstStyle/>
+          <a:p>
+            <a:pPr algn="ctr"/>
+            <a:endParaRPr lang="en-US" dirty="0"/>
+          </a:p>
+        </p:txBody>
+      </p:sp>
+      <p:sp>
+        <p:nvSpPr>
+          <p:cNvPr id="11" name="TextBox 10">
+            <a:extLst>
+              <a:ext uri="{FF2B5EF4-FFF2-40B4-BE49-F238E27FC236}">
+                <a16:creationId xmlns:a16="http://schemas.microsoft.com/office/drawing/2014/main" id="{01A500CB-422F-45CE-A8FC-4073E8CE158C}"/>
+              </a:ext>
+            </a:extLst>
+          </p:cNvPr>
+          <p:cNvSpPr txBox="1"/>
+          <p:nvPr/>
+        </p:nvSpPr>
+        <p:spPr>
+          <a:xfrm>
+            <a:off x="5944709" y="1534071"/>
+            <a:ext cx="1438182" cy="461665"/>
+          </a:xfrm>
+          <a:prstGeom prst="rect">
+            <a:avLst/>
+          </a:prstGeom>
+          <a:noFill/>
+        </p:spPr>
+        <p:txBody>
+          <a:bodyPr wrap="square" rtlCol="0">
+            <a:spAutoFit/>
+          </a:bodyPr>
+          <a:lstStyle/>
+          <a:p>
+            <a:r>
+              <a:rPr lang="en-US" sz="2400" dirty="0">
+                <a:effectLst>
+                  <a:outerShdw blurRad="38100" dist="38100" dir="2700000" algn="tl">
+                    <a:srgbClr val="000000">
+                      <a:alpha val="43137"/>
+                    </a:srgbClr>
+                  </a:outerShdw>
+                </a:effectLst>
+              </a:rPr>
+              <a:t>Firebase</a:t>
+            </a:r>
+          </a:p>
+        </p:txBody>
+      </p:sp>
+      <p:sp>
+        <p:nvSpPr>
+          <p:cNvPr id="12" name="TextBox 11">
+            <a:extLst>
+              <a:ext uri="{FF2B5EF4-FFF2-40B4-BE49-F238E27FC236}">
+                <a16:creationId xmlns:a16="http://schemas.microsoft.com/office/drawing/2014/main" id="{11A97292-5E1A-49A3-8433-9AE375DF12D1}"/>
+              </a:ext>
+            </a:extLst>
+          </p:cNvPr>
+          <p:cNvSpPr txBox="1"/>
+          <p:nvPr/>
+        </p:nvSpPr>
+        <p:spPr>
+          <a:xfrm>
+            <a:off x="1097280" y="2152353"/>
+            <a:ext cx="2840707" cy="1477328"/>
+          </a:xfrm>
+          <a:prstGeom prst="rect">
+            <a:avLst/>
+          </a:prstGeom>
+          <a:noFill/>
+        </p:spPr>
+        <p:txBody>
+          <a:bodyPr wrap="square" rtlCol="0">
+            <a:spAutoFit/>
+          </a:bodyPr>
+          <a:lstStyle/>
+          <a:p>
+            <a:pPr marL="285750" indent="-285750">
+              <a:buFont typeface="Arial" panose="020B0604020202020204" pitchFamily="34" charset="0"/>
+              <a:buChar char="•"/>
+            </a:pPr>
+            <a:r>
+              <a:rPr lang="en-US" dirty="0"/>
+              <a:t>User Registration</a:t>
+            </a:r>
+          </a:p>
+          <a:p>
+            <a:pPr marL="285750" indent="-285750">
+              <a:buFont typeface="Arial" panose="020B0604020202020204" pitchFamily="34" charset="0"/>
+              <a:buChar char="•"/>
+            </a:pPr>
+            <a:r>
+              <a:rPr lang="en-US" dirty="0"/>
+              <a:t>User Login</a:t>
+            </a:r>
+          </a:p>
+          <a:p>
+            <a:pPr marL="285750" indent="-285750">
+              <a:buFont typeface="Arial" panose="020B0604020202020204" pitchFamily="34" charset="0"/>
+              <a:buChar char="•"/>
+            </a:pPr>
+            <a:r>
+              <a:rPr lang="en-US" dirty="0"/>
+              <a:t>Event Management</a:t>
+            </a:r>
+          </a:p>
+          <a:p>
+            <a:pPr marL="285750" indent="-285750">
+              <a:buFont typeface="Arial" panose="020B0604020202020204" pitchFamily="34" charset="0"/>
+              <a:buChar char="•"/>
+            </a:pPr>
+            <a:r>
+              <a:rPr lang="en-US" dirty="0"/>
+              <a:t>Chat Management</a:t>
+            </a:r>
+          </a:p>
+          <a:p>
+            <a:pPr marL="285750" indent="-285750">
+              <a:buFont typeface="Arial" panose="020B0604020202020204" pitchFamily="34" charset="0"/>
+              <a:buChar char="•"/>
+            </a:pPr>
+            <a:r>
+              <a:rPr lang="en-US" dirty="0"/>
+              <a:t>Bulletin Management</a:t>
+            </a:r>
+          </a:p>
+        </p:txBody>
+      </p:sp>
+      <p:sp>
+        <p:nvSpPr>
+          <p:cNvPr id="13" name="TextBox 12">
+            <a:extLst>
+              <a:ext uri="{FF2B5EF4-FFF2-40B4-BE49-F238E27FC236}">
+                <a16:creationId xmlns:a16="http://schemas.microsoft.com/office/drawing/2014/main" id="{5554859F-9460-485B-9439-79E8A48A4BAC}"/>
+              </a:ext>
+            </a:extLst>
+          </p:cNvPr>
+          <p:cNvSpPr txBox="1"/>
+          <p:nvPr/>
+        </p:nvSpPr>
+        <p:spPr>
+          <a:xfrm>
+            <a:off x="4949485" y="2152353"/>
+            <a:ext cx="3124667" cy="1754326"/>
+          </a:xfrm>
+          <a:prstGeom prst="rect">
+            <a:avLst/>
+          </a:prstGeom>
+          <a:noFill/>
+        </p:spPr>
+        <p:txBody>
+          <a:bodyPr wrap="square" rtlCol="0">
+            <a:spAutoFit/>
+          </a:bodyPr>
+          <a:lstStyle/>
+          <a:p>
+            <a:pPr marL="285750" indent="-285750">
+              <a:buFont typeface="Arial" panose="020B0604020202020204" pitchFamily="34" charset="0"/>
+              <a:buChar char="•"/>
+            </a:pPr>
+            <a:r>
+              <a:rPr lang="en-US" dirty="0"/>
+              <a:t>Database Management</a:t>
+            </a:r>
+          </a:p>
+          <a:p>
+            <a:pPr marL="285750" indent="-285750">
+              <a:buFont typeface="Arial" panose="020B0604020202020204" pitchFamily="34" charset="0"/>
+              <a:buChar char="•"/>
+            </a:pPr>
+            <a:r>
+              <a:rPr lang="en-US" dirty="0"/>
+              <a:t>User Management</a:t>
+            </a:r>
+          </a:p>
+          <a:p>
+            <a:pPr marL="742950" lvl="1" indent="-285750">
+              <a:buFont typeface="Arial" panose="020B0604020202020204" pitchFamily="34" charset="0"/>
+              <a:buChar char="•"/>
+            </a:pPr>
+            <a:r>
+              <a:rPr lang="en-US" dirty="0"/>
+              <a:t>Regular</a:t>
+            </a:r>
+          </a:p>
+          <a:p>
+            <a:pPr marL="742950" lvl="1" indent="-285750">
+              <a:buFont typeface="Arial" panose="020B0604020202020204" pitchFamily="34" charset="0"/>
+              <a:buChar char="•"/>
+            </a:pPr>
+            <a:r>
+              <a:rPr lang="en-US" dirty="0"/>
+              <a:t>Admin</a:t>
+            </a:r>
+          </a:p>
+          <a:p>
+            <a:pPr marL="285750" indent="-285750">
+              <a:buFont typeface="Arial" panose="020B0604020202020204" pitchFamily="34" charset="0"/>
+              <a:buChar char="•"/>
+            </a:pPr>
+            <a:r>
+              <a:rPr lang="en-US" dirty="0"/>
+              <a:t>Places Management</a:t>
+            </a:r>
+          </a:p>
+          <a:p>
+            <a:pPr marL="285750" indent="-285750">
+              <a:buFont typeface="Arial" panose="020B0604020202020204" pitchFamily="34" charset="0"/>
+              <a:buChar char="•"/>
+            </a:pPr>
+            <a:r>
+              <a:rPr lang="en-US" dirty="0"/>
+              <a:t>Notification Management</a:t>
+            </a:r>
+          </a:p>
+        </p:txBody>
+      </p:sp>
+      <p:sp>
+        <p:nvSpPr>
+          <p:cNvPr id="14" name="TextBox 13">
+            <a:extLst>
+              <a:ext uri="{FF2B5EF4-FFF2-40B4-BE49-F238E27FC236}">
+                <a16:creationId xmlns:a16="http://schemas.microsoft.com/office/drawing/2014/main" id="{87E4D401-FDA1-4C09-863B-91A6BA4A15EA}"/>
+              </a:ext>
+            </a:extLst>
+          </p:cNvPr>
+          <p:cNvSpPr txBox="1"/>
+          <p:nvPr/>
+        </p:nvSpPr>
+        <p:spPr>
+          <a:xfrm>
+            <a:off x="9145514" y="2345753"/>
+            <a:ext cx="2468703" cy="1477328"/>
+          </a:xfrm>
+          <a:prstGeom prst="rect">
+            <a:avLst/>
+          </a:prstGeom>
+          <a:noFill/>
+        </p:spPr>
+        <p:txBody>
+          <a:bodyPr wrap="square" rtlCol="0">
+            <a:spAutoFit/>
+          </a:bodyPr>
+          <a:lstStyle/>
+          <a:p>
+            <a:pPr marL="285750" indent="-285750">
+              <a:buFont typeface="Arial" panose="020B0604020202020204" pitchFamily="34" charset="0"/>
+              <a:buChar char="•"/>
+            </a:pPr>
+            <a:r>
+              <a:rPr lang="en-US" dirty="0"/>
+              <a:t>Stores </a:t>
+            </a:r>
+          </a:p>
+          <a:p>
+            <a:pPr marL="742950" lvl="1" indent="-285750">
+              <a:buFont typeface="Arial" panose="020B0604020202020204" pitchFamily="34" charset="0"/>
+              <a:buChar char="•"/>
+            </a:pPr>
+            <a:r>
+              <a:rPr lang="en-US" dirty="0"/>
+              <a:t>Users</a:t>
+            </a:r>
+          </a:p>
+          <a:p>
+            <a:pPr marL="742950" lvl="1" indent="-285750">
+              <a:buFont typeface="Arial" panose="020B0604020202020204" pitchFamily="34" charset="0"/>
+              <a:buChar char="•"/>
+            </a:pPr>
+            <a:r>
+              <a:rPr lang="en-US" dirty="0"/>
+              <a:t>Posts</a:t>
+            </a:r>
+          </a:p>
+          <a:p>
+            <a:pPr marL="742950" lvl="1" indent="-285750">
+              <a:buFont typeface="Arial" panose="020B0604020202020204" pitchFamily="34" charset="0"/>
+              <a:buChar char="•"/>
+            </a:pPr>
+            <a:r>
+              <a:rPr lang="en-US" dirty="0"/>
+              <a:t>Events</a:t>
+            </a:r>
+          </a:p>
+          <a:p>
+            <a:pPr marL="742950" lvl="1" indent="-285750">
+              <a:buFont typeface="Arial" panose="020B0604020202020204" pitchFamily="34" charset="0"/>
+              <a:buChar char="•"/>
+            </a:pPr>
+            <a:r>
+              <a:rPr lang="en-US" dirty="0"/>
+              <a:t>Places</a:t>
+            </a:r>
+          </a:p>
+        </p:txBody>
+      </p:sp>
+      <p:cxnSp>
+        <p:nvCxnSpPr>
+          <p:cNvPr id="20" name="Straight Arrow Connector 19">
+            <a:extLst>
+              <a:ext uri="{FF2B5EF4-FFF2-40B4-BE49-F238E27FC236}">
+                <a16:creationId xmlns:a16="http://schemas.microsoft.com/office/drawing/2014/main" id="{7F08F37E-767F-4123-81D0-A6E126211984}"/>
+              </a:ext>
+            </a:extLst>
+          </p:cNvPr>
+          <p:cNvCxnSpPr>
+            <a:cxnSpLocks/>
+            <a:stCxn id="4" idx="4"/>
+            <a:endCxn id="10" idx="2"/>
+          </p:cNvCxnSpPr>
+          <p:nvPr/>
+        </p:nvCxnSpPr>
+        <p:spPr>
+          <a:xfrm>
+            <a:off x="3568496" y="3823081"/>
+            <a:ext cx="1380989" cy="12144"/>
+          </a:xfrm>
+          <a:prstGeom prst="straightConnector1">
+            <a:avLst/>
+          </a:prstGeom>
+          <a:ln w="38100">
+            <a:solidFill>
+              <a:schemeClr val="tx1"/>
+            </a:solidFill>
+            <a:tailEnd type="triangle"/>
+          </a:ln>
+        </p:spPr>
+        <p:style>
+          <a:lnRef idx="1">
+            <a:schemeClr val="accent1"/>
+          </a:lnRef>
+          <a:fillRef idx="0">
+            <a:schemeClr val="accent1"/>
+          </a:fillRef>
+          <a:effectRef idx="0">
+            <a:schemeClr val="accent1"/>
+          </a:effectRef>
+          <a:fontRef idx="minor">
+            <a:schemeClr val="tx1"/>
+          </a:fontRef>
+        </p:style>
+      </p:cxnSp>
+      <p:sp>
+        <p:nvSpPr>
+          <p:cNvPr id="25" name="TextBox 24">
+            <a:extLst>
+              <a:ext uri="{FF2B5EF4-FFF2-40B4-BE49-F238E27FC236}">
+                <a16:creationId xmlns:a16="http://schemas.microsoft.com/office/drawing/2014/main" id="{F56F38DA-08BD-439F-B2DF-0C40BA79B6D2}"/>
+              </a:ext>
+            </a:extLst>
+          </p:cNvPr>
+          <p:cNvSpPr txBox="1"/>
+          <p:nvPr/>
+        </p:nvSpPr>
+        <p:spPr>
+          <a:xfrm>
+            <a:off x="4090253" y="3425950"/>
+            <a:ext cx="494046" cy="369332"/>
+          </a:xfrm>
+          <a:prstGeom prst="rect">
+            <a:avLst/>
+          </a:prstGeom>
+          <a:noFill/>
+        </p:spPr>
+        <p:txBody>
+          <a:bodyPr wrap="none" rtlCol="0">
+            <a:spAutoFit/>
+          </a:bodyPr>
+          <a:lstStyle/>
+          <a:p>
+            <a:r>
+              <a:rPr lang="en-US" dirty="0"/>
+              <a:t>API</a:t>
+            </a:r>
+          </a:p>
+        </p:txBody>
+      </p:sp>
+      <p:cxnSp>
+        <p:nvCxnSpPr>
+          <p:cNvPr id="27" name="Straight Arrow Connector 26">
+            <a:extLst>
+              <a:ext uri="{FF2B5EF4-FFF2-40B4-BE49-F238E27FC236}">
+                <a16:creationId xmlns:a16="http://schemas.microsoft.com/office/drawing/2014/main" id="{0CEBF581-C5F5-4E11-B9A5-512A01A47D3F}"/>
+              </a:ext>
+            </a:extLst>
+          </p:cNvPr>
+          <p:cNvCxnSpPr>
+            <a:cxnSpLocks/>
+            <a:stCxn id="10" idx="4"/>
+            <a:endCxn id="6" idx="2"/>
+          </p:cNvCxnSpPr>
+          <p:nvPr/>
+        </p:nvCxnSpPr>
+        <p:spPr>
+          <a:xfrm flipV="1">
+            <a:off x="7762666" y="3638334"/>
+            <a:ext cx="1345822" cy="196891"/>
+          </a:xfrm>
+          <a:prstGeom prst="straightConnector1">
+            <a:avLst/>
+          </a:prstGeom>
+          <a:ln w="38100">
+            <a:solidFill>
+              <a:schemeClr val="tx1"/>
+            </a:solidFill>
+            <a:tailEnd type="triangle"/>
+          </a:ln>
+        </p:spPr>
+        <p:style>
+          <a:lnRef idx="1">
+            <a:schemeClr val="accent1"/>
+          </a:lnRef>
+          <a:fillRef idx="0">
+            <a:schemeClr val="accent1"/>
+          </a:fillRef>
+          <a:effectRef idx="0">
+            <a:schemeClr val="accent1"/>
+          </a:effectRef>
+          <a:fontRef idx="minor">
+            <a:schemeClr val="tx1"/>
+          </a:fontRef>
+        </p:style>
+      </p:cxnSp>
+      <p:sp>
+        <p:nvSpPr>
+          <p:cNvPr id="28" name="TextBox 27">
+            <a:extLst>
+              <a:ext uri="{FF2B5EF4-FFF2-40B4-BE49-F238E27FC236}">
+                <a16:creationId xmlns:a16="http://schemas.microsoft.com/office/drawing/2014/main" id="{96D679BB-695A-4301-8816-A662797C4A93}"/>
+              </a:ext>
+            </a:extLst>
+          </p:cNvPr>
+          <p:cNvSpPr txBox="1"/>
+          <p:nvPr/>
+        </p:nvSpPr>
+        <p:spPr>
+          <a:xfrm>
+            <a:off x="8156449" y="3227462"/>
+            <a:ext cx="973536" cy="923330"/>
+          </a:xfrm>
+          <a:prstGeom prst="rect">
+            <a:avLst/>
+          </a:prstGeom>
+          <a:noFill/>
+        </p:spPr>
+        <p:txBody>
+          <a:bodyPr wrap="none" rtlCol="0">
+            <a:spAutoFit/>
+          </a:bodyPr>
+          <a:lstStyle/>
+          <a:p>
+            <a:r>
+              <a:rPr lang="en-US" dirty="0"/>
+              <a:t>Firebase</a:t>
+            </a:r>
+          </a:p>
+          <a:p>
+            <a:endParaRPr lang="en-US" dirty="0"/>
+          </a:p>
+          <a:p>
+            <a:r>
+              <a:rPr lang="en-US" dirty="0"/>
+              <a:t>internal</a:t>
+            </a:r>
+          </a:p>
+        </p:txBody>
+      </p:sp>
+      <p:sp>
+        <p:nvSpPr>
+          <p:cNvPr id="30" name="TextBox 29">
+            <a:extLst>
+              <a:ext uri="{FF2B5EF4-FFF2-40B4-BE49-F238E27FC236}">
+                <a16:creationId xmlns:a16="http://schemas.microsoft.com/office/drawing/2014/main" id="{A25AE6A2-16A8-4D56-8D48-41D8F26A5474}"/>
+              </a:ext>
+            </a:extLst>
+          </p:cNvPr>
+          <p:cNvSpPr txBox="1"/>
+          <p:nvPr/>
+        </p:nvSpPr>
+        <p:spPr>
+          <a:xfrm>
+            <a:off x="1097280" y="4945731"/>
+            <a:ext cx="2066544" cy="646331"/>
+          </a:xfrm>
+          <a:prstGeom prst="rect">
+            <a:avLst/>
+          </a:prstGeom>
+          <a:noFill/>
+        </p:spPr>
+        <p:txBody>
+          <a:bodyPr wrap="square" rtlCol="0">
+            <a:spAutoFit/>
+          </a:bodyPr>
+          <a:lstStyle/>
+          <a:p>
+            <a:pPr marL="285750" indent="-285750">
+              <a:buFont typeface="Wingdings" panose="05000000000000000000" pitchFamily="2" charset="2"/>
+              <a:buChar char="v"/>
+            </a:pPr>
+            <a:r>
+              <a:rPr lang="en-US" dirty="0"/>
+              <a:t>iOS</a:t>
+            </a:r>
+          </a:p>
+          <a:p>
+            <a:pPr marL="285750" indent="-285750">
+              <a:buFont typeface="Wingdings" panose="05000000000000000000" pitchFamily="2" charset="2"/>
+              <a:buChar char="v"/>
+            </a:pPr>
+            <a:r>
+              <a:rPr lang="en-US" dirty="0"/>
+              <a:t>Android</a:t>
+            </a:r>
+          </a:p>
+        </p:txBody>
+      </p:sp>
+    </p:spTree>
+    <p:extLst>
+      <p:ext uri="{BB962C8B-B14F-4D97-AF65-F5344CB8AC3E}">
+        <p14:creationId xmlns:p14="http://schemas.microsoft.com/office/powerpoint/2010/main" val="260076347"/>
+      </p:ext>
+    </p:extLst>
+  </p:cSld>
+  <p:clrMapOvr>
+    <a:masterClrMapping/>
+  </p:clrMapOvr>
+</p:sld>
+</file>
+
 <file path=ppt/slides/slide2.xml><?xml version="1.0" encoding="utf-8"?>
 <p:sld xmlns:a="http://schemas.openxmlformats.org/drawingml/2006/main" xmlns:r="http://schemas.openxmlformats.org/officeDocument/2006/relationships" xmlns:p="http://schemas.openxmlformats.org/presentationml/2006/main">
   <p:cSld>

--- a/YANA_SpecificationDocument_v3.pptx
+++ b/YANA_SpecificationDocument_v3.pptx
@@ -19,11 +19,12 @@
     <p:sldId id="268" r:id="rId13"/>
     <p:sldId id="272" r:id="rId14"/>
     <p:sldId id="269" r:id="rId15"/>
-    <p:sldId id="270" r:id="rId16"/>
-    <p:sldId id="274" r:id="rId17"/>
-    <p:sldId id="259" r:id="rId18"/>
-    <p:sldId id="273" r:id="rId19"/>
-    <p:sldId id="275" r:id="rId20"/>
+    <p:sldId id="276" r:id="rId16"/>
+    <p:sldId id="270" r:id="rId17"/>
+    <p:sldId id="274" r:id="rId18"/>
+    <p:sldId id="259" r:id="rId19"/>
+    <p:sldId id="273" r:id="rId20"/>
+    <p:sldId id="275" r:id="rId21"/>
   </p:sldIdLst>
   <p:sldSz cx="12192000" cy="6858000"/>
   <p:notesSz cx="6858000" cy="9144000"/>
@@ -277,7 +278,7 @@
           <a:p>
             <a:fld id="{94B43D15-E77F-4644-B541-976CD44FBF9F}" type="datetimeFigureOut">
               <a:rPr lang="en-US" smtClean="0"/>
-              <a:t>4/16/2021</a:t>
+              <a:t>4/21/2021</a:t>
             </a:fld>
             <a:endParaRPr lang="en-US"/>
           </a:p>
@@ -475,7 +476,7 @@
           <a:p>
             <a:fld id="{94B43D15-E77F-4644-B541-976CD44FBF9F}" type="datetimeFigureOut">
               <a:rPr lang="en-US" smtClean="0"/>
-              <a:t>4/16/2021</a:t>
+              <a:t>4/21/2021</a:t>
             </a:fld>
             <a:endParaRPr lang="en-US"/>
           </a:p>
@@ -683,7 +684,7 @@
           <a:p>
             <a:fld id="{94B43D15-E77F-4644-B541-976CD44FBF9F}" type="datetimeFigureOut">
               <a:rPr lang="en-US" smtClean="0"/>
-              <a:t>4/16/2021</a:t>
+              <a:t>4/21/2021</a:t>
             </a:fld>
             <a:endParaRPr lang="en-US"/>
           </a:p>
@@ -881,7 +882,7 @@
           <a:p>
             <a:fld id="{94B43D15-E77F-4644-B541-976CD44FBF9F}" type="datetimeFigureOut">
               <a:rPr lang="en-US" smtClean="0"/>
-              <a:t>4/16/2021</a:t>
+              <a:t>4/21/2021</a:t>
             </a:fld>
             <a:endParaRPr lang="en-US"/>
           </a:p>
@@ -1156,7 +1157,7 @@
           <a:p>
             <a:fld id="{94B43D15-E77F-4644-B541-976CD44FBF9F}" type="datetimeFigureOut">
               <a:rPr lang="en-US" smtClean="0"/>
-              <a:t>4/16/2021</a:t>
+              <a:t>4/21/2021</a:t>
             </a:fld>
             <a:endParaRPr lang="en-US"/>
           </a:p>
@@ -1421,7 +1422,7 @@
           <a:p>
             <a:fld id="{94B43D15-E77F-4644-B541-976CD44FBF9F}" type="datetimeFigureOut">
               <a:rPr lang="en-US" smtClean="0"/>
-              <a:t>4/16/2021</a:t>
+              <a:t>4/21/2021</a:t>
             </a:fld>
             <a:endParaRPr lang="en-US"/>
           </a:p>
@@ -1833,7 +1834,7 @@
           <a:p>
             <a:fld id="{94B43D15-E77F-4644-B541-976CD44FBF9F}" type="datetimeFigureOut">
               <a:rPr lang="en-US" smtClean="0"/>
-              <a:t>4/16/2021</a:t>
+              <a:t>4/21/2021</a:t>
             </a:fld>
             <a:endParaRPr lang="en-US"/>
           </a:p>
@@ -1974,7 +1975,7 @@
           <a:p>
             <a:fld id="{94B43D15-E77F-4644-B541-976CD44FBF9F}" type="datetimeFigureOut">
               <a:rPr lang="en-US" smtClean="0"/>
-              <a:t>4/16/2021</a:t>
+              <a:t>4/21/2021</a:t>
             </a:fld>
             <a:endParaRPr lang="en-US"/>
           </a:p>
@@ -2087,7 +2088,7 @@
           <a:p>
             <a:fld id="{94B43D15-E77F-4644-B541-976CD44FBF9F}" type="datetimeFigureOut">
               <a:rPr lang="en-US" smtClean="0"/>
-              <a:t>4/16/2021</a:t>
+              <a:t>4/21/2021</a:t>
             </a:fld>
             <a:endParaRPr lang="en-US"/>
           </a:p>
@@ -2398,7 +2399,7 @@
           <a:p>
             <a:fld id="{94B43D15-E77F-4644-B541-976CD44FBF9F}" type="datetimeFigureOut">
               <a:rPr lang="en-US" smtClean="0"/>
-              <a:t>4/16/2021</a:t>
+              <a:t>4/21/2021</a:t>
             </a:fld>
             <a:endParaRPr lang="en-US"/>
           </a:p>
@@ -2686,7 +2687,7 @@
           <a:p>
             <a:fld id="{94B43D15-E77F-4644-B541-976CD44FBF9F}" type="datetimeFigureOut">
               <a:rPr lang="en-US" smtClean="0"/>
-              <a:t>4/16/2021</a:t>
+              <a:t>4/21/2021</a:t>
             </a:fld>
             <a:endParaRPr lang="en-US"/>
           </a:p>
@@ -2927,7 +2928,7 @@
           <a:p>
             <a:fld id="{94B43D15-E77F-4644-B541-976CD44FBF9F}" type="datetimeFigureOut">
               <a:rPr lang="en-US" smtClean="0"/>
-              <a:t>4/16/2021</a:t>
+              <a:t>4/21/2021</a:t>
             </a:fld>
             <a:endParaRPr lang="en-US"/>
           </a:p>
@@ -8199,7 +8200,34 @@
                   </a:outerShdw>
                 </a:effectLst>
               </a:rPr>
-              <a:t>עמוד צ'אטים</a:t>
+              <a:t>עמוד </a:t>
+            </a:r>
+            <a:r>
+              <a:rPr lang="he-IL" b="1" u="sng" dirty="0">
+                <a:solidFill>
+                  <a:srgbClr val="FF0000"/>
+                </a:solidFill>
+                <a:effectLst>
+                  <a:outerShdw blurRad="38100" dist="38100" dir="2700000" algn="tl">
+                    <a:srgbClr val="000000">
+                      <a:alpha val="43137"/>
+                    </a:srgbClr>
+                  </a:outerShdw>
+                </a:effectLst>
+              </a:rPr>
+              <a:t>צ'אטים</a:t>
+            </a:r>
+            <a:r>
+              <a:rPr lang="he-IL" b="1" u="sng" dirty="0">
+                <a:effectLst>
+                  <a:outerShdw blurRad="38100" dist="38100" dir="2700000" algn="tl">
+                    <a:srgbClr val="000000">
+                      <a:alpha val="43137"/>
+                    </a:srgbClr>
+                  </a:outerShdw>
+                </a:effectLst>
+              </a:rPr>
+              <a:t> / מיקומים</a:t>
             </a:r>
             <a:endParaRPr lang="en-US" b="1" u="sng" dirty="0">
               <a:effectLst>
@@ -8484,8 +8512,8 @@
         </p:nvSpPr>
         <p:spPr>
           <a:xfrm>
-            <a:off x="9111086" y="1351171"/>
-            <a:ext cx="1358283" cy="369332"/>
+            <a:off x="8288802" y="1351171"/>
+            <a:ext cx="2435423" cy="369332"/>
           </a:xfrm>
           <a:prstGeom prst="rect">
             <a:avLst/>
@@ -8498,13 +8526,21 @@
           </a:bodyPr>
           <a:lstStyle/>
           <a:p>
+            <a:r>
+              <a:rPr lang="he-IL" dirty="0">
+                <a:solidFill>
+                  <a:srgbClr val="FF0000"/>
+                </a:solidFill>
+              </a:rPr>
+              <a:t>צ'אטים</a:t>
+            </a:r>
             <a:r>
               <a:rPr lang="he-IL" dirty="0">
                 <a:solidFill>
                   <a:schemeClr val="bg1"/>
                 </a:solidFill>
               </a:rPr>
-              <a:t>צאטים</a:t>
+              <a:t>              מיקומים</a:t>
             </a:r>
             <a:endParaRPr lang="en-US" dirty="0">
               <a:solidFill>
@@ -9250,6 +9286,966 @@
                   </a:outerShdw>
                 </a:effectLst>
               </a:rPr>
+              <a:t>עמוד צ'אטים / </a:t>
+            </a:r>
+            <a:r>
+              <a:rPr lang="he-IL" b="1" u="sng" dirty="0">
+                <a:solidFill>
+                  <a:srgbClr val="FF0000"/>
+                </a:solidFill>
+                <a:effectLst>
+                  <a:outerShdw blurRad="38100" dist="38100" dir="2700000" algn="tl">
+                    <a:srgbClr val="000000">
+                      <a:alpha val="43137"/>
+                    </a:srgbClr>
+                  </a:outerShdw>
+                </a:effectLst>
+              </a:rPr>
+              <a:t>מיקומים</a:t>
+            </a:r>
+            <a:endParaRPr lang="en-US" b="1" u="sng" dirty="0">
+              <a:solidFill>
+                <a:srgbClr val="FF0000"/>
+              </a:solidFill>
+              <a:effectLst>
+                <a:outerShdw blurRad="38100" dist="38100" dir="2700000" algn="tl">
+                  <a:srgbClr val="000000">
+                    <a:alpha val="43137"/>
+                  </a:srgbClr>
+                </a:outerShdw>
+              </a:effectLst>
+            </a:endParaRPr>
+          </a:p>
+        </p:txBody>
+      </p:sp>
+      <p:sp>
+        <p:nvSpPr>
+          <p:cNvPr id="7" name="Rectangle 6">
+            <a:extLst>
+              <a:ext uri="{FF2B5EF4-FFF2-40B4-BE49-F238E27FC236}">
+                <a16:creationId xmlns:a16="http://schemas.microsoft.com/office/drawing/2014/main" id="{E2132CCE-A8BD-45C1-8261-86521EF9AD9E}"/>
+              </a:ext>
+            </a:extLst>
+          </p:cNvPr>
+          <p:cNvSpPr/>
+          <p:nvPr/>
+        </p:nvSpPr>
+        <p:spPr>
+          <a:xfrm>
+            <a:off x="8152886" y="1269507"/>
+            <a:ext cx="2790334" cy="4926928"/>
+          </a:xfrm>
+          <a:prstGeom prst="rect">
+            <a:avLst/>
+          </a:prstGeom>
+          <a:solidFill>
+            <a:schemeClr val="bg1"/>
+          </a:solidFill>
+          <a:ln w="28575">
+            <a:solidFill>
+              <a:schemeClr val="tx1"/>
+            </a:solidFill>
+          </a:ln>
+        </p:spPr>
+        <p:style>
+          <a:lnRef idx="2">
+            <a:schemeClr val="accent1">
+              <a:shade val="50000"/>
+            </a:schemeClr>
+          </a:lnRef>
+          <a:fillRef idx="1">
+            <a:schemeClr val="accent1"/>
+          </a:fillRef>
+          <a:effectRef idx="0">
+            <a:schemeClr val="accent1"/>
+          </a:effectRef>
+          <a:fontRef idx="minor">
+            <a:schemeClr val="lt1"/>
+          </a:fontRef>
+        </p:style>
+        <p:txBody>
+          <a:bodyPr rtlCol="0" anchor="ctr"/>
+          <a:lstStyle/>
+          <a:p>
+            <a:pPr algn="ctr"/>
+            <a:endParaRPr lang="en-US"/>
+          </a:p>
+        </p:txBody>
+      </p:sp>
+      <p:sp>
+        <p:nvSpPr>
+          <p:cNvPr id="11" name="TextBox 10">
+            <a:extLst>
+              <a:ext uri="{FF2B5EF4-FFF2-40B4-BE49-F238E27FC236}">
+                <a16:creationId xmlns:a16="http://schemas.microsoft.com/office/drawing/2014/main" id="{0AEA5B3E-55B4-4478-8DDF-223B6DCFE9EA}"/>
+              </a:ext>
+            </a:extLst>
+          </p:cNvPr>
+          <p:cNvSpPr txBox="1"/>
+          <p:nvPr/>
+        </p:nvSpPr>
+        <p:spPr>
+          <a:xfrm>
+            <a:off x="838201" y="1407952"/>
+            <a:ext cx="5775664" cy="1754326"/>
+          </a:xfrm>
+          <a:prstGeom prst="rect">
+            <a:avLst/>
+          </a:prstGeom>
+          <a:noFill/>
+        </p:spPr>
+        <p:txBody>
+          <a:bodyPr wrap="square" rtlCol="0">
+            <a:spAutoFit/>
+          </a:bodyPr>
+          <a:lstStyle/>
+          <a:p>
+            <a:pPr algn="r" rtl="1"/>
+            <a:r>
+              <a:rPr lang="he-IL" dirty="0"/>
+              <a:t>פונקציונליות:</a:t>
+            </a:r>
+            <a:endParaRPr lang="en-US" dirty="0"/>
+          </a:p>
+          <a:p>
+            <a:pPr marL="285750" indent="-285750" algn="r" rtl="1">
+              <a:buFontTx/>
+              <a:buChar char="-"/>
+            </a:pPr>
+            <a:r>
+              <a:rPr lang="he-IL" dirty="0"/>
+              <a:t>יהיה רשימה של מיקומים של המשתמש</a:t>
+            </a:r>
+          </a:p>
+          <a:p>
+            <a:pPr marL="285750" indent="-285750" algn="r" rtl="1">
+              <a:buFontTx/>
+              <a:buChar char="-"/>
+            </a:pPr>
+            <a:r>
+              <a:rPr lang="he-IL" dirty="0"/>
+              <a:t>יהיה ניתן לערוך כול אחד מהמיקומים בלחיצת כפתור שייפתח דיאלוג עריכה שלו</a:t>
+            </a:r>
+          </a:p>
+          <a:p>
+            <a:pPr marL="285750" indent="-285750" algn="r" rtl="1">
+              <a:buFontTx/>
+              <a:buChar char="-"/>
+            </a:pPr>
+            <a:r>
+              <a:rPr lang="he-IL" dirty="0" err="1"/>
+              <a:t>תיהיה</a:t>
+            </a:r>
+            <a:r>
+              <a:rPr lang="he-IL" dirty="0"/>
+              <a:t> אפשרות לפתיחה מיקום מחדש במידה והוא ישנה את השעות לשעות שמתאימות</a:t>
+            </a:r>
+          </a:p>
+        </p:txBody>
+      </p:sp>
+      <p:sp>
+        <p:nvSpPr>
+          <p:cNvPr id="8" name="Rectangle 7">
+            <a:extLst>
+              <a:ext uri="{FF2B5EF4-FFF2-40B4-BE49-F238E27FC236}">
+                <a16:creationId xmlns:a16="http://schemas.microsoft.com/office/drawing/2014/main" id="{454E92BE-2AB1-40A7-A734-6F7C532B8206}"/>
+              </a:ext>
+            </a:extLst>
+          </p:cNvPr>
+          <p:cNvSpPr/>
+          <p:nvPr/>
+        </p:nvSpPr>
+        <p:spPr>
+          <a:xfrm>
+            <a:off x="8152886" y="1269507"/>
+            <a:ext cx="2790334" cy="541538"/>
+          </a:xfrm>
+          <a:prstGeom prst="rect">
+            <a:avLst/>
+          </a:prstGeom>
+          <a:solidFill>
+            <a:srgbClr val="7030A0"/>
+          </a:solidFill>
+          <a:ln>
+            <a:solidFill>
+              <a:schemeClr val="bg2">
+                <a:lumMod val="10000"/>
+              </a:schemeClr>
+            </a:solidFill>
+          </a:ln>
+        </p:spPr>
+        <p:style>
+          <a:lnRef idx="2">
+            <a:schemeClr val="accent1">
+              <a:shade val="50000"/>
+            </a:schemeClr>
+          </a:lnRef>
+          <a:fillRef idx="1">
+            <a:schemeClr val="accent1"/>
+          </a:fillRef>
+          <a:effectRef idx="0">
+            <a:schemeClr val="accent1"/>
+          </a:effectRef>
+          <a:fontRef idx="minor">
+            <a:schemeClr val="lt1"/>
+          </a:fontRef>
+        </p:style>
+        <p:txBody>
+          <a:bodyPr rtlCol="0" anchor="ctr"/>
+          <a:lstStyle/>
+          <a:p>
+            <a:pPr algn="ctr"/>
+            <a:endParaRPr lang="en-US"/>
+          </a:p>
+        </p:txBody>
+      </p:sp>
+      <p:sp>
+        <p:nvSpPr>
+          <p:cNvPr id="18" name="TextBox 17">
+            <a:extLst>
+              <a:ext uri="{FF2B5EF4-FFF2-40B4-BE49-F238E27FC236}">
+                <a16:creationId xmlns:a16="http://schemas.microsoft.com/office/drawing/2014/main" id="{DF6D384D-3CA2-4CFC-A27C-F77F6CA7611A}"/>
+              </a:ext>
+            </a:extLst>
+          </p:cNvPr>
+          <p:cNvSpPr txBox="1"/>
+          <p:nvPr/>
+        </p:nvSpPr>
+        <p:spPr>
+          <a:xfrm>
+            <a:off x="8288802" y="1351171"/>
+            <a:ext cx="2435423" cy="369332"/>
+          </a:xfrm>
+          <a:prstGeom prst="rect">
+            <a:avLst/>
+          </a:prstGeom>
+          <a:noFill/>
+        </p:spPr>
+        <p:txBody>
+          <a:bodyPr wrap="square" rtlCol="0">
+            <a:spAutoFit/>
+          </a:bodyPr>
+          <a:lstStyle/>
+          <a:p>
+            <a:r>
+              <a:rPr lang="he-IL" dirty="0">
+                <a:solidFill>
+                  <a:schemeClr val="bg1"/>
+                </a:solidFill>
+              </a:rPr>
+              <a:t>צ'אטים              </a:t>
+            </a:r>
+            <a:r>
+              <a:rPr lang="he-IL" dirty="0">
+                <a:solidFill>
+                  <a:srgbClr val="FF0000"/>
+                </a:solidFill>
+              </a:rPr>
+              <a:t>מיקומים</a:t>
+            </a:r>
+            <a:endParaRPr lang="en-US" dirty="0">
+              <a:solidFill>
+                <a:srgbClr val="FF0000"/>
+              </a:solidFill>
+            </a:endParaRPr>
+          </a:p>
+        </p:txBody>
+      </p:sp>
+      <p:sp>
+        <p:nvSpPr>
+          <p:cNvPr id="19" name="TextBox 18">
+            <a:extLst>
+              <a:ext uri="{FF2B5EF4-FFF2-40B4-BE49-F238E27FC236}">
+                <a16:creationId xmlns:a16="http://schemas.microsoft.com/office/drawing/2014/main" id="{58654FDC-4964-4588-9AEE-4B23817401D9}"/>
+              </a:ext>
+            </a:extLst>
+          </p:cNvPr>
+          <p:cNvSpPr txBox="1"/>
+          <p:nvPr/>
+        </p:nvSpPr>
+        <p:spPr>
+          <a:xfrm>
+            <a:off x="8162549" y="1829403"/>
+            <a:ext cx="2790334" cy="1200329"/>
+          </a:xfrm>
+          <a:prstGeom prst="rect">
+            <a:avLst/>
+          </a:prstGeom>
+        </p:spPr>
+        <p:style>
+          <a:lnRef idx="2">
+            <a:schemeClr val="dk1"/>
+          </a:lnRef>
+          <a:fillRef idx="1">
+            <a:schemeClr val="lt1"/>
+          </a:fillRef>
+          <a:effectRef idx="0">
+            <a:schemeClr val="dk1"/>
+          </a:effectRef>
+          <a:fontRef idx="minor">
+            <a:schemeClr val="dk1"/>
+          </a:fontRef>
+        </p:style>
+        <p:txBody>
+          <a:bodyPr wrap="square" rtlCol="0">
+            <a:spAutoFit/>
+          </a:bodyPr>
+          <a:lstStyle/>
+          <a:p>
+            <a:pPr algn="r"/>
+            <a:r>
+              <a:rPr lang="he-IL" dirty="0"/>
+              <a:t>מיקום 1</a:t>
+            </a:r>
+          </a:p>
+          <a:p>
+            <a:pPr algn="r"/>
+            <a:endParaRPr lang="he-IL" dirty="0"/>
+          </a:p>
+          <a:p>
+            <a:pPr algn="r"/>
+            <a:endParaRPr lang="he-IL" dirty="0"/>
+          </a:p>
+          <a:p>
+            <a:pPr algn="r"/>
+            <a:endParaRPr lang="en-US" dirty="0"/>
+          </a:p>
+        </p:txBody>
+      </p:sp>
+      <p:sp>
+        <p:nvSpPr>
+          <p:cNvPr id="17" name="Rectangle 16">
+            <a:extLst>
+              <a:ext uri="{FF2B5EF4-FFF2-40B4-BE49-F238E27FC236}">
+                <a16:creationId xmlns:a16="http://schemas.microsoft.com/office/drawing/2014/main" id="{E0337A9A-7D85-43C7-ACB7-1CFF44E563D6}"/>
+              </a:ext>
+            </a:extLst>
+          </p:cNvPr>
+          <p:cNvSpPr/>
+          <p:nvPr/>
+        </p:nvSpPr>
+        <p:spPr>
+          <a:xfrm>
+            <a:off x="8152886" y="5676279"/>
+            <a:ext cx="2790334" cy="541538"/>
+          </a:xfrm>
+          <a:prstGeom prst="rect">
+            <a:avLst/>
+          </a:prstGeom>
+          <a:solidFill>
+            <a:schemeClr val="bg1"/>
+          </a:solidFill>
+          <a:ln>
+            <a:solidFill>
+              <a:schemeClr val="bg2">
+                <a:lumMod val="10000"/>
+              </a:schemeClr>
+            </a:solidFill>
+          </a:ln>
+        </p:spPr>
+        <p:style>
+          <a:lnRef idx="2">
+            <a:schemeClr val="accent1">
+              <a:shade val="50000"/>
+            </a:schemeClr>
+          </a:lnRef>
+          <a:fillRef idx="1">
+            <a:schemeClr val="accent1"/>
+          </a:fillRef>
+          <a:effectRef idx="0">
+            <a:schemeClr val="accent1"/>
+          </a:effectRef>
+          <a:fontRef idx="minor">
+            <a:schemeClr val="lt1"/>
+          </a:fontRef>
+        </p:style>
+        <p:txBody>
+          <a:bodyPr rtlCol="0" anchor="ctr"/>
+          <a:lstStyle/>
+          <a:p>
+            <a:pPr algn="ctr"/>
+            <a:endParaRPr lang="en-US"/>
+          </a:p>
+        </p:txBody>
+      </p:sp>
+      <p:pic>
+        <p:nvPicPr>
+          <p:cNvPr id="20" name="Graphic 19" descr="Single gear">
+            <a:extLst>
+              <a:ext uri="{FF2B5EF4-FFF2-40B4-BE49-F238E27FC236}">
+                <a16:creationId xmlns:a16="http://schemas.microsoft.com/office/drawing/2014/main" id="{F82BE0E5-C44C-453E-9F36-59F9478F3977}"/>
+              </a:ext>
+            </a:extLst>
+          </p:cNvPr>
+          <p:cNvPicPr>
+            <a:picLocks noChangeAspect="1"/>
+          </p:cNvPicPr>
+          <p:nvPr/>
+        </p:nvPicPr>
+        <p:blipFill>
+          <a:blip r:embed="rId2">
+            <a:extLst>
+              <a:ext uri="{28A0092B-C50C-407E-A947-70E740481C1C}">
+                <a14:useLocalDpi xmlns:a14="http://schemas.microsoft.com/office/drawing/2010/main" val="0"/>
+              </a:ext>
+              <a:ext uri="{96DAC541-7B7A-43D3-8B79-37D633B846F1}">
+                <asvg:svgBlip xmlns:asvg="http://schemas.microsoft.com/office/drawing/2016/SVG/main" r:embed="rId3"/>
+              </a:ext>
+            </a:extLst>
+          </a:blip>
+          <a:stretch>
+            <a:fillRect/>
+          </a:stretch>
+        </p:blipFill>
+        <p:spPr>
+          <a:xfrm>
+            <a:off x="10268755" y="5689267"/>
+            <a:ext cx="535297" cy="535297"/>
+          </a:xfrm>
+          <a:prstGeom prst="rect">
+            <a:avLst/>
+          </a:prstGeom>
+        </p:spPr>
+      </p:pic>
+      <p:pic>
+        <p:nvPicPr>
+          <p:cNvPr id="21" name="Graphic 20" descr="Chat">
+            <a:extLst>
+              <a:ext uri="{FF2B5EF4-FFF2-40B4-BE49-F238E27FC236}">
+                <a16:creationId xmlns:a16="http://schemas.microsoft.com/office/drawing/2014/main" id="{C0833A47-5AF0-4BB3-9197-8E45D14BA513}"/>
+              </a:ext>
+            </a:extLst>
+          </p:cNvPr>
+          <p:cNvPicPr>
+            <a:picLocks noChangeAspect="1"/>
+          </p:cNvPicPr>
+          <p:nvPr/>
+        </p:nvPicPr>
+        <p:blipFill>
+          <a:blip r:embed="rId4">
+            <a:extLst>
+              <a:ext uri="{28A0092B-C50C-407E-A947-70E740481C1C}">
+                <a14:useLocalDpi xmlns:a14="http://schemas.microsoft.com/office/drawing/2010/main" val="0"/>
+              </a:ext>
+              <a:ext uri="{96DAC541-7B7A-43D3-8B79-37D633B846F1}">
+                <asvg:svgBlip xmlns:asvg="http://schemas.microsoft.com/office/drawing/2016/SVG/main" r:embed="rId5"/>
+              </a:ext>
+            </a:extLst>
+          </a:blip>
+          <a:stretch>
+            <a:fillRect/>
+          </a:stretch>
+        </p:blipFill>
+        <p:spPr>
+          <a:xfrm>
+            <a:off x="9584350" y="5684525"/>
+            <a:ext cx="593574" cy="593574"/>
+          </a:xfrm>
+          <a:prstGeom prst="rect">
+            <a:avLst/>
+          </a:prstGeom>
+        </p:spPr>
+      </p:pic>
+      <p:pic>
+        <p:nvPicPr>
+          <p:cNvPr id="22" name="Graphic 21" descr="Map with pin">
+            <a:extLst>
+              <a:ext uri="{FF2B5EF4-FFF2-40B4-BE49-F238E27FC236}">
+                <a16:creationId xmlns:a16="http://schemas.microsoft.com/office/drawing/2014/main" id="{BB466821-5BBA-4A44-80B9-EFC19F1D4CA3}"/>
+              </a:ext>
+            </a:extLst>
+          </p:cNvPr>
+          <p:cNvPicPr>
+            <a:picLocks noChangeAspect="1"/>
+          </p:cNvPicPr>
+          <p:nvPr/>
+        </p:nvPicPr>
+        <p:blipFill>
+          <a:blip r:embed="rId6">
+            <a:extLst>
+              <a:ext uri="{28A0092B-C50C-407E-A947-70E740481C1C}">
+                <a14:useLocalDpi xmlns:a14="http://schemas.microsoft.com/office/drawing/2010/main" val="0"/>
+              </a:ext>
+              <a:ext uri="{96DAC541-7B7A-43D3-8B79-37D633B846F1}">
+                <asvg:svgBlip xmlns:asvg="http://schemas.microsoft.com/office/drawing/2016/SVG/main" r:embed="rId7"/>
+              </a:ext>
+            </a:extLst>
+          </a:blip>
+          <a:stretch>
+            <a:fillRect/>
+          </a:stretch>
+        </p:blipFill>
+        <p:spPr>
+          <a:xfrm>
+            <a:off x="8888050" y="5694637"/>
+            <a:ext cx="461462" cy="461462"/>
+          </a:xfrm>
+          <a:prstGeom prst="rect">
+            <a:avLst/>
+          </a:prstGeom>
+        </p:spPr>
+      </p:pic>
+      <p:pic>
+        <p:nvPicPr>
+          <p:cNvPr id="23" name="Graphic 22" descr="Binoculars">
+            <a:extLst>
+              <a:ext uri="{FF2B5EF4-FFF2-40B4-BE49-F238E27FC236}">
+                <a16:creationId xmlns:a16="http://schemas.microsoft.com/office/drawing/2014/main" id="{9EF3282F-246D-423A-876C-E0AF5DC5B1D5}"/>
+              </a:ext>
+            </a:extLst>
+          </p:cNvPr>
+          <p:cNvPicPr>
+            <a:picLocks noChangeAspect="1"/>
+          </p:cNvPicPr>
+          <p:nvPr/>
+        </p:nvPicPr>
+        <p:blipFill>
+          <a:blip r:embed="rId8">
+            <a:extLst>
+              <a:ext uri="{28A0092B-C50C-407E-A947-70E740481C1C}">
+                <a14:useLocalDpi xmlns:a14="http://schemas.microsoft.com/office/drawing/2010/main" val="0"/>
+              </a:ext>
+              <a:ext uri="{96DAC541-7B7A-43D3-8B79-37D633B846F1}">
+                <asvg:svgBlip xmlns:asvg="http://schemas.microsoft.com/office/drawing/2016/SVG/main" r:embed="rId9"/>
+              </a:ext>
+            </a:extLst>
+          </a:blip>
+          <a:stretch>
+            <a:fillRect/>
+          </a:stretch>
+        </p:blipFill>
+        <p:spPr>
+          <a:xfrm>
+            <a:off x="8288802" y="5717008"/>
+            <a:ext cx="460080" cy="460080"/>
+          </a:xfrm>
+          <a:prstGeom prst="rect">
+            <a:avLst/>
+          </a:prstGeom>
+        </p:spPr>
+      </p:pic>
+      <p:grpSp>
+        <p:nvGrpSpPr>
+          <p:cNvPr id="34" name="Group 33">
+            <a:extLst>
+              <a:ext uri="{FF2B5EF4-FFF2-40B4-BE49-F238E27FC236}">
+                <a16:creationId xmlns:a16="http://schemas.microsoft.com/office/drawing/2014/main" id="{4C2C36F3-DAEB-4554-B24E-D80BCB1E19B1}"/>
+              </a:ext>
+            </a:extLst>
+          </p:cNvPr>
+          <p:cNvGrpSpPr/>
+          <p:nvPr/>
+        </p:nvGrpSpPr>
+        <p:grpSpPr>
+          <a:xfrm>
+            <a:off x="8152886" y="5676279"/>
+            <a:ext cx="2790334" cy="601820"/>
+            <a:chOff x="8152886" y="5676279"/>
+            <a:chExt cx="2790334" cy="601820"/>
+          </a:xfrm>
+        </p:grpSpPr>
+        <p:sp>
+          <p:nvSpPr>
+            <p:cNvPr id="35" name="Rectangle 34">
+              <a:extLst>
+                <a:ext uri="{FF2B5EF4-FFF2-40B4-BE49-F238E27FC236}">
+                  <a16:creationId xmlns:a16="http://schemas.microsoft.com/office/drawing/2014/main" id="{C0192AFD-1543-4D64-82EC-8F3D912BDD99}"/>
+                </a:ext>
+              </a:extLst>
+            </p:cNvPr>
+            <p:cNvSpPr/>
+            <p:nvPr/>
+          </p:nvSpPr>
+          <p:spPr>
+            <a:xfrm>
+              <a:off x="8152886" y="5676279"/>
+              <a:ext cx="2790334" cy="541538"/>
+            </a:xfrm>
+            <a:prstGeom prst="rect">
+              <a:avLst/>
+            </a:prstGeom>
+            <a:solidFill>
+              <a:srgbClr val="7030A0"/>
+            </a:solidFill>
+            <a:ln>
+              <a:solidFill>
+                <a:schemeClr val="bg2">
+                  <a:lumMod val="10000"/>
+                </a:schemeClr>
+              </a:solidFill>
+            </a:ln>
+          </p:spPr>
+          <p:style>
+            <a:lnRef idx="2">
+              <a:schemeClr val="accent1">
+                <a:shade val="50000"/>
+              </a:schemeClr>
+            </a:lnRef>
+            <a:fillRef idx="1">
+              <a:schemeClr val="accent1"/>
+            </a:fillRef>
+            <a:effectRef idx="0">
+              <a:schemeClr val="accent1"/>
+            </a:effectRef>
+            <a:fontRef idx="minor">
+              <a:schemeClr val="lt1"/>
+            </a:fontRef>
+          </p:style>
+          <p:txBody>
+            <a:bodyPr rtlCol="0" anchor="ctr"/>
+            <a:lstStyle/>
+            <a:p>
+              <a:pPr algn="ctr"/>
+              <a:endParaRPr lang="en-US"/>
+            </a:p>
+          </p:txBody>
+        </p:sp>
+        <p:pic>
+          <p:nvPicPr>
+            <p:cNvPr id="36" name="Graphic 35" descr="Single gear">
+              <a:extLst>
+                <a:ext uri="{FF2B5EF4-FFF2-40B4-BE49-F238E27FC236}">
+                  <a16:creationId xmlns:a16="http://schemas.microsoft.com/office/drawing/2014/main" id="{A627B4CA-AA16-443D-A907-91261037FD3F}"/>
+                </a:ext>
+              </a:extLst>
+            </p:cNvPr>
+            <p:cNvPicPr>
+              <a:picLocks noChangeAspect="1"/>
+            </p:cNvPicPr>
+            <p:nvPr/>
+          </p:nvPicPr>
+          <p:blipFill>
+            <a:blip r:embed="rId10">
+              <a:extLst>
+                <a:ext uri="{28A0092B-C50C-407E-A947-70E740481C1C}">
+                  <a14:useLocalDpi xmlns:a14="http://schemas.microsoft.com/office/drawing/2010/main" val="0"/>
+                </a:ext>
+                <a:ext uri="{96DAC541-7B7A-43D3-8B79-37D633B846F1}">
+                  <asvg:svgBlip xmlns:asvg="http://schemas.microsoft.com/office/drawing/2016/SVG/main" r:embed="rId11"/>
+                </a:ext>
+              </a:extLst>
+            </a:blip>
+            <a:stretch>
+              <a:fillRect/>
+            </a:stretch>
+          </p:blipFill>
+          <p:spPr>
+            <a:xfrm>
+              <a:off x="10268755" y="5689267"/>
+              <a:ext cx="535297" cy="535297"/>
+            </a:xfrm>
+            <a:prstGeom prst="rect">
+              <a:avLst/>
+            </a:prstGeom>
+          </p:spPr>
+        </p:pic>
+        <p:pic>
+          <p:nvPicPr>
+            <p:cNvPr id="37" name="Graphic 36" descr="Chat">
+              <a:extLst>
+                <a:ext uri="{FF2B5EF4-FFF2-40B4-BE49-F238E27FC236}">
+                  <a16:creationId xmlns:a16="http://schemas.microsoft.com/office/drawing/2014/main" id="{67BDE0A3-C1D5-4676-93F2-81874E73CE52}"/>
+                </a:ext>
+              </a:extLst>
+            </p:cNvPr>
+            <p:cNvPicPr>
+              <a:picLocks noChangeAspect="1"/>
+            </p:cNvPicPr>
+            <p:nvPr/>
+          </p:nvPicPr>
+          <p:blipFill>
+            <a:blip r:embed="rId12">
+              <a:extLst>
+                <a:ext uri="{28A0092B-C50C-407E-A947-70E740481C1C}">
+                  <a14:useLocalDpi xmlns:a14="http://schemas.microsoft.com/office/drawing/2010/main" val="0"/>
+                </a:ext>
+                <a:ext uri="{96DAC541-7B7A-43D3-8B79-37D633B846F1}">
+                  <asvg:svgBlip xmlns:asvg="http://schemas.microsoft.com/office/drawing/2016/SVG/main" r:embed="rId13"/>
+                </a:ext>
+              </a:extLst>
+            </a:blip>
+            <a:stretch>
+              <a:fillRect/>
+            </a:stretch>
+          </p:blipFill>
+          <p:spPr>
+            <a:xfrm>
+              <a:off x="9584350" y="5684525"/>
+              <a:ext cx="593574" cy="593574"/>
+            </a:xfrm>
+            <a:prstGeom prst="rect">
+              <a:avLst/>
+            </a:prstGeom>
+          </p:spPr>
+        </p:pic>
+        <p:pic>
+          <p:nvPicPr>
+            <p:cNvPr id="38" name="Graphic 37" descr="Map with pin">
+              <a:extLst>
+                <a:ext uri="{FF2B5EF4-FFF2-40B4-BE49-F238E27FC236}">
+                  <a16:creationId xmlns:a16="http://schemas.microsoft.com/office/drawing/2014/main" id="{18A5DD90-5954-4BA0-B553-73266A107DF9}"/>
+                </a:ext>
+              </a:extLst>
+            </p:cNvPr>
+            <p:cNvPicPr>
+              <a:picLocks noChangeAspect="1"/>
+            </p:cNvPicPr>
+            <p:nvPr/>
+          </p:nvPicPr>
+          <p:blipFill>
+            <a:blip r:embed="rId14">
+              <a:extLst>
+                <a:ext uri="{28A0092B-C50C-407E-A947-70E740481C1C}">
+                  <a14:useLocalDpi xmlns:a14="http://schemas.microsoft.com/office/drawing/2010/main" val="0"/>
+                </a:ext>
+                <a:ext uri="{96DAC541-7B7A-43D3-8B79-37D633B846F1}">
+                  <asvg:svgBlip xmlns:asvg="http://schemas.microsoft.com/office/drawing/2016/SVG/main" r:embed="rId15"/>
+                </a:ext>
+              </a:extLst>
+            </a:blip>
+            <a:stretch>
+              <a:fillRect/>
+            </a:stretch>
+          </p:blipFill>
+          <p:spPr>
+            <a:xfrm>
+              <a:off x="8888050" y="5694637"/>
+              <a:ext cx="461462" cy="461462"/>
+            </a:xfrm>
+            <a:prstGeom prst="rect">
+              <a:avLst/>
+            </a:prstGeom>
+          </p:spPr>
+        </p:pic>
+        <p:pic>
+          <p:nvPicPr>
+            <p:cNvPr id="39" name="Graphic 38" descr="Binoculars">
+              <a:extLst>
+                <a:ext uri="{FF2B5EF4-FFF2-40B4-BE49-F238E27FC236}">
+                  <a16:creationId xmlns:a16="http://schemas.microsoft.com/office/drawing/2014/main" id="{0B9FF4B9-977E-4723-83DF-996D83659352}"/>
+                </a:ext>
+              </a:extLst>
+            </p:cNvPr>
+            <p:cNvPicPr>
+              <a:picLocks noChangeAspect="1"/>
+            </p:cNvPicPr>
+            <p:nvPr/>
+          </p:nvPicPr>
+          <p:blipFill>
+            <a:blip r:embed="rId16">
+              <a:extLst>
+                <a:ext uri="{28A0092B-C50C-407E-A947-70E740481C1C}">
+                  <a14:useLocalDpi xmlns:a14="http://schemas.microsoft.com/office/drawing/2010/main" val="0"/>
+                </a:ext>
+                <a:ext uri="{96DAC541-7B7A-43D3-8B79-37D633B846F1}">
+                  <asvg:svgBlip xmlns:asvg="http://schemas.microsoft.com/office/drawing/2016/SVG/main" r:embed="rId17"/>
+                </a:ext>
+              </a:extLst>
+            </a:blip>
+            <a:stretch>
+              <a:fillRect/>
+            </a:stretch>
+          </p:blipFill>
+          <p:spPr>
+            <a:xfrm>
+              <a:off x="8288802" y="5717008"/>
+              <a:ext cx="460080" cy="460080"/>
+            </a:xfrm>
+            <a:prstGeom prst="rect">
+              <a:avLst/>
+            </a:prstGeom>
+          </p:spPr>
+        </p:pic>
+      </p:grpSp>
+      <p:sp>
+        <p:nvSpPr>
+          <p:cNvPr id="27" name="TextBox 26">
+            <a:extLst>
+              <a:ext uri="{FF2B5EF4-FFF2-40B4-BE49-F238E27FC236}">
+                <a16:creationId xmlns:a16="http://schemas.microsoft.com/office/drawing/2014/main" id="{AAE5F43B-960E-4654-82A4-5917D822E087}"/>
+              </a:ext>
+            </a:extLst>
+          </p:cNvPr>
+          <p:cNvSpPr txBox="1"/>
+          <p:nvPr/>
+        </p:nvSpPr>
+        <p:spPr>
+          <a:xfrm>
+            <a:off x="8164023" y="3038239"/>
+            <a:ext cx="2790334" cy="1200329"/>
+          </a:xfrm>
+          <a:prstGeom prst="rect">
+            <a:avLst/>
+          </a:prstGeom>
+        </p:spPr>
+        <p:style>
+          <a:lnRef idx="2">
+            <a:schemeClr val="dk1"/>
+          </a:lnRef>
+          <a:fillRef idx="1">
+            <a:schemeClr val="lt1"/>
+          </a:fillRef>
+          <a:effectRef idx="0">
+            <a:schemeClr val="dk1"/>
+          </a:effectRef>
+          <a:fontRef idx="minor">
+            <a:schemeClr val="dk1"/>
+          </a:fontRef>
+        </p:style>
+        <p:txBody>
+          <a:bodyPr wrap="square" rtlCol="0">
+            <a:spAutoFit/>
+          </a:bodyPr>
+          <a:lstStyle/>
+          <a:p>
+            <a:pPr algn="r"/>
+            <a:r>
+              <a:rPr lang="he-IL" dirty="0"/>
+              <a:t>מיקום 2</a:t>
+            </a:r>
+          </a:p>
+          <a:p>
+            <a:pPr algn="r"/>
+            <a:endParaRPr lang="he-IL" dirty="0"/>
+          </a:p>
+          <a:p>
+            <a:pPr algn="r"/>
+            <a:endParaRPr lang="he-IL" dirty="0"/>
+          </a:p>
+          <a:p>
+            <a:pPr algn="r"/>
+            <a:endParaRPr lang="en-US" dirty="0"/>
+          </a:p>
+        </p:txBody>
+      </p:sp>
+      <p:sp>
+        <p:nvSpPr>
+          <p:cNvPr id="28" name="TextBox 27">
+            <a:extLst>
+              <a:ext uri="{FF2B5EF4-FFF2-40B4-BE49-F238E27FC236}">
+                <a16:creationId xmlns:a16="http://schemas.microsoft.com/office/drawing/2014/main" id="{E2834D9E-41EF-4AB5-834E-4D7396A4E145}"/>
+              </a:ext>
+            </a:extLst>
+          </p:cNvPr>
+          <p:cNvSpPr txBox="1"/>
+          <p:nvPr/>
+        </p:nvSpPr>
+        <p:spPr>
+          <a:xfrm>
+            <a:off x="8171427" y="4243785"/>
+            <a:ext cx="2790334" cy="1200329"/>
+          </a:xfrm>
+          <a:prstGeom prst="rect">
+            <a:avLst/>
+          </a:prstGeom>
+        </p:spPr>
+        <p:style>
+          <a:lnRef idx="2">
+            <a:schemeClr val="dk1"/>
+          </a:lnRef>
+          <a:fillRef idx="1">
+            <a:schemeClr val="lt1"/>
+          </a:fillRef>
+          <a:effectRef idx="0">
+            <a:schemeClr val="dk1"/>
+          </a:effectRef>
+          <a:fontRef idx="minor">
+            <a:schemeClr val="dk1"/>
+          </a:fontRef>
+        </p:style>
+        <p:txBody>
+          <a:bodyPr wrap="square" rtlCol="0">
+            <a:spAutoFit/>
+          </a:bodyPr>
+          <a:lstStyle/>
+          <a:p>
+            <a:pPr algn="r"/>
+            <a:r>
+              <a:rPr lang="he-IL" dirty="0"/>
+              <a:t>מיקום 3</a:t>
+            </a:r>
+          </a:p>
+          <a:p>
+            <a:pPr algn="r"/>
+            <a:endParaRPr lang="he-IL" dirty="0"/>
+          </a:p>
+          <a:p>
+            <a:pPr algn="r"/>
+            <a:endParaRPr lang="he-IL" dirty="0"/>
+          </a:p>
+          <a:p>
+            <a:pPr algn="r"/>
+            <a:endParaRPr lang="en-US" dirty="0"/>
+          </a:p>
+        </p:txBody>
+      </p:sp>
+    </p:spTree>
+    <p:extLst>
+      <p:ext uri="{BB962C8B-B14F-4D97-AF65-F5344CB8AC3E}">
+        <p14:creationId xmlns:p14="http://schemas.microsoft.com/office/powerpoint/2010/main" val="2660704943"/>
+      </p:ext>
+    </p:extLst>
+  </p:cSld>
+  <p:clrMapOvr>
+    <a:masterClrMapping/>
+  </p:clrMapOvr>
+</p:sld>
+</file>
+
+<file path=ppt/slides/slide16.xml><?xml version="1.0" encoding="utf-8"?>
+<p:sld xmlns:a="http://schemas.openxmlformats.org/drawingml/2006/main" xmlns:r="http://schemas.openxmlformats.org/officeDocument/2006/relationships" xmlns:p="http://schemas.openxmlformats.org/presentationml/2006/main">
+  <p:cSld>
+    <p:spTree>
+      <p:nvGrpSpPr>
+        <p:cNvPr id="1" name=""/>
+        <p:cNvGrpSpPr/>
+        <p:nvPr/>
+      </p:nvGrpSpPr>
+      <p:grpSpPr>
+        <a:xfrm>
+          <a:off x="0" y="0"/>
+          <a:ext cx="0" cy="0"/>
+          <a:chOff x="0" y="0"/>
+          <a:chExt cx="0" cy="0"/>
+        </a:xfrm>
+      </p:grpSpPr>
+      <p:sp>
+        <p:nvSpPr>
+          <p:cNvPr id="2" name="Title 1">
+            <a:extLst>
+              <a:ext uri="{FF2B5EF4-FFF2-40B4-BE49-F238E27FC236}">
+                <a16:creationId xmlns:a16="http://schemas.microsoft.com/office/drawing/2014/main" id="{43551F67-0887-4CF3-A558-3259299FB54E}"/>
+              </a:ext>
+            </a:extLst>
+          </p:cNvPr>
+          <p:cNvSpPr>
+            <a:spLocks noGrp="1"/>
+          </p:cNvSpPr>
+          <p:nvPr>
+            <p:ph type="title"/>
+          </p:nvPr>
+        </p:nvSpPr>
+        <p:spPr>
+          <a:xfrm>
+            <a:off x="838200" y="82389"/>
+            <a:ext cx="10515600" cy="1325563"/>
+          </a:xfrm>
+        </p:spPr>
+        <p:txBody>
+          <a:bodyPr/>
+          <a:lstStyle/>
+          <a:p>
+            <a:pPr algn="ctr" rtl="1"/>
+            <a:r>
+              <a:rPr lang="he-IL" b="1" u="sng" dirty="0">
+                <a:effectLst>
+                  <a:outerShdw blurRad="38100" dist="38100" dir="2700000" algn="tl">
+                    <a:srgbClr val="000000">
+                      <a:alpha val="43137"/>
+                    </a:srgbClr>
+                  </a:outerShdw>
+                </a:effectLst>
+              </a:rPr>
               <a:t>חלון צאט</a:t>
             </a:r>
             <a:endParaRPr lang="en-US" b="1" u="sng" dirty="0">
@@ -10641,7 +11637,7 @@
 </p:sld>
 </file>
 
-<file path=ppt/slides/slide16.xml><?xml version="1.0" encoding="utf-8"?>
+<file path=ppt/slides/slide17.xml><?xml version="1.0" encoding="utf-8"?>
 <p:sld xmlns:a="http://schemas.openxmlformats.org/drawingml/2006/main" xmlns:r="http://schemas.openxmlformats.org/officeDocument/2006/relationships" xmlns:p="http://schemas.openxmlformats.org/presentationml/2006/main">
   <p:cSld>
     <p:spTree>
@@ -11715,144 +12711,6 @@
 </p:sld>
 </file>
 
-<file path=ppt/slides/slide17.xml><?xml version="1.0" encoding="utf-8"?>
-<p:sld xmlns:a="http://schemas.openxmlformats.org/drawingml/2006/main" xmlns:r="http://schemas.openxmlformats.org/officeDocument/2006/relationships" xmlns:p="http://schemas.openxmlformats.org/presentationml/2006/main">
-  <p:cSld>
-    <p:spTree>
-      <p:nvGrpSpPr>
-        <p:cNvPr id="1" name=""/>
-        <p:cNvGrpSpPr/>
-        <p:nvPr/>
-      </p:nvGrpSpPr>
-      <p:grpSpPr>
-        <a:xfrm>
-          <a:off x="0" y="0"/>
-          <a:ext cx="0" cy="0"/>
-          <a:chOff x="0" y="0"/>
-          <a:chExt cx="0" cy="0"/>
-        </a:xfrm>
-      </p:grpSpPr>
-      <p:sp>
-        <p:nvSpPr>
-          <p:cNvPr id="2" name="Title 1">
-            <a:extLst>
-              <a:ext uri="{FF2B5EF4-FFF2-40B4-BE49-F238E27FC236}">
-                <a16:creationId xmlns:a16="http://schemas.microsoft.com/office/drawing/2014/main" id="{43551F67-0887-4CF3-A558-3259299FB54E}"/>
-              </a:ext>
-            </a:extLst>
-          </p:cNvPr>
-          <p:cNvSpPr>
-            <a:spLocks noGrp="1"/>
-          </p:cNvSpPr>
-          <p:nvPr>
-            <p:ph type="title"/>
-          </p:nvPr>
-        </p:nvSpPr>
-        <p:spPr/>
-        <p:txBody>
-          <a:bodyPr/>
-          <a:lstStyle/>
-          <a:p>
-            <a:pPr algn="r" rtl="1"/>
-            <a:r>
-              <a:rPr lang="he-IL" dirty="0"/>
-              <a:t>פונקציונליות שצריך להוסיף?</a:t>
-            </a:r>
-            <a:endParaRPr lang="en-US" dirty="0"/>
-          </a:p>
-        </p:txBody>
-      </p:sp>
-      <p:sp>
-        <p:nvSpPr>
-          <p:cNvPr id="3" name="Content Placeholder 2">
-            <a:extLst>
-              <a:ext uri="{FF2B5EF4-FFF2-40B4-BE49-F238E27FC236}">
-                <a16:creationId xmlns:a16="http://schemas.microsoft.com/office/drawing/2014/main" id="{53AD5156-9180-4705-8654-1B2085E2F1BF}"/>
-              </a:ext>
-            </a:extLst>
-          </p:cNvPr>
-          <p:cNvSpPr>
-            <a:spLocks noGrp="1"/>
-          </p:cNvSpPr>
-          <p:nvPr>
-            <p:ph idx="1"/>
-          </p:nvPr>
-        </p:nvSpPr>
-        <p:spPr>
-          <a:xfrm>
-            <a:off x="838200" y="1864536"/>
-            <a:ext cx="10515600" cy="4351338"/>
-          </a:xfrm>
-        </p:spPr>
-        <p:txBody>
-          <a:bodyPr/>
-          <a:lstStyle/>
-          <a:p>
-            <a:pPr algn="r" rtl="1"/>
-            <a:r>
-              <a:rPr lang="he-IL" dirty="0"/>
-              <a:t>אפשרות לדווח על מישהו</a:t>
-            </a:r>
-          </a:p>
-          <a:p>
-            <a:pPr lvl="1" algn="r" rtl="1"/>
-            <a:r>
-              <a:rPr lang="he-IL" dirty="0"/>
-              <a:t>או על היוזר התנהגות לא הולמת</a:t>
-            </a:r>
-          </a:p>
-          <a:p>
-            <a:pPr lvl="1" algn="r" rtl="1"/>
-            <a:r>
-              <a:rPr lang="he-IL" dirty="0"/>
-              <a:t>או לדווח לגוף מקצוע (ערן וכו)</a:t>
-            </a:r>
-          </a:p>
-          <a:p>
-            <a:pPr algn="r" rtl="1"/>
-            <a:r>
-              <a:rPr lang="he-IL" i="1" dirty="0">
-                <a:solidFill>
-                  <a:schemeClr val="bg2"/>
-                </a:solidFill>
-              </a:rPr>
-              <a:t>משחקים לשבירת קרח בהתחלה – לא רלוונטי לגרסה זו</a:t>
-            </a:r>
-            <a:endParaRPr lang="en-US" i="1" dirty="0">
-              <a:solidFill>
-                <a:schemeClr val="bg2"/>
-              </a:solidFill>
-            </a:endParaRPr>
-          </a:p>
-          <a:p>
-            <a:pPr algn="r" rtl="1"/>
-            <a:r>
-              <a:rPr lang="he-IL" dirty="0"/>
-              <a:t>סריקה של הודעות הצאט – וזיהוי דברים אסורים, כמו מילים גסות או מספרי טלפון או קללות</a:t>
-            </a:r>
-          </a:p>
-          <a:p>
-            <a:pPr algn="r" rtl="1"/>
-            <a:r>
-              <a:rPr lang="he-IL" dirty="0"/>
-              <a:t>לנסות להבין איך אנחנו הופכים את חווית הבודד באפליקצייה לנגישה וקלה יותר</a:t>
-            </a:r>
-          </a:p>
-        </p:txBody>
-      </p:sp>
-    </p:spTree>
-    <p:extLst>
-      <p:ext uri="{BB962C8B-B14F-4D97-AF65-F5344CB8AC3E}">
-        <p14:creationId xmlns:p14="http://schemas.microsoft.com/office/powerpoint/2010/main" val="2744950955"/>
-      </p:ext>
-    </p:extLst>
-  </p:cSld>
-  <p:clrMapOvr>
-    <a:masterClrMapping/>
-  </p:clrMapOvr>
-</p:sld>
-</file>
-
 <file path=ppt/slides/slide18.xml><?xml version="1.0" encoding="utf-8"?>
 <p:sld xmlns:a="http://schemas.openxmlformats.org/drawingml/2006/main" xmlns:r="http://schemas.openxmlformats.org/officeDocument/2006/relationships" xmlns:p="http://schemas.openxmlformats.org/presentationml/2006/main">
   <p:cSld>
@@ -11875,7 +12733,7 @@
           <p:cNvPr id="2" name="Title 1">
             <a:extLst>
               <a:ext uri="{FF2B5EF4-FFF2-40B4-BE49-F238E27FC236}">
-                <a16:creationId xmlns:a16="http://schemas.microsoft.com/office/drawing/2014/main" id="{F66FDA7B-271C-41AE-AC17-881C73426E79}"/>
+                <a16:creationId xmlns:a16="http://schemas.microsoft.com/office/drawing/2014/main" id="{43551F67-0887-4CF3-A558-3259299FB54E}"/>
               </a:ext>
             </a:extLst>
           </p:cNvPr>
@@ -11891,10 +12749,10 @@
           <a:bodyPr/>
           <a:lstStyle/>
           <a:p>
-            <a:pPr algn="r"/>
-            <a:r>
-              <a:rPr lang="he-IL" dirty="0"/>
-              <a:t>דגשים</a:t>
+            <a:pPr algn="r" rtl="1"/>
+            <a:r>
+              <a:rPr lang="he-IL" dirty="0"/>
+              <a:t>פונקציונליות שצריך להוסיף?</a:t>
             </a:r>
             <a:endParaRPr lang="en-US" dirty="0"/>
           </a:p>
@@ -11905,7 +12763,7 @@
           <p:cNvPr id="3" name="Content Placeholder 2">
             <a:extLst>
               <a:ext uri="{FF2B5EF4-FFF2-40B4-BE49-F238E27FC236}">
-                <a16:creationId xmlns:a16="http://schemas.microsoft.com/office/drawing/2014/main" id="{40719872-A57B-4BAD-9F39-91915EF8C6DC}"/>
+                <a16:creationId xmlns:a16="http://schemas.microsoft.com/office/drawing/2014/main" id="{53AD5156-9180-4705-8654-1B2085E2F1BF}"/>
               </a:ext>
             </a:extLst>
           </p:cNvPr>
@@ -11916,7 +12774,12 @@
             <p:ph idx="1"/>
           </p:nvPr>
         </p:nvSpPr>
-        <p:spPr/>
+        <p:spPr>
+          <a:xfrm>
+            <a:off x="838200" y="1864536"/>
+            <a:ext cx="10515600" cy="4351338"/>
+          </a:xfrm>
+        </p:spPr>
         <p:txBody>
           <a:bodyPr/>
           <a:lstStyle/>
@@ -11924,28 +12787,51 @@
             <a:pPr algn="r" rtl="1"/>
             <a:r>
               <a:rPr lang="he-IL" dirty="0"/>
-              <a:t>עיצוב ברמה גבוהה</a:t>
+              <a:t>אפשרות לדווח על מישהו</a:t>
+            </a:r>
+          </a:p>
+          <a:p>
+            <a:pPr lvl="1" algn="r" rtl="1"/>
+            <a:r>
+              <a:rPr lang="he-IL" dirty="0"/>
+              <a:t>או על היוזר התנהגות לא הולמת</a:t>
+            </a:r>
+          </a:p>
+          <a:p>
+            <a:pPr lvl="1" algn="r" rtl="1"/>
+            <a:r>
+              <a:rPr lang="he-IL" dirty="0"/>
+              <a:t>או לדווח לגוף מקצוע (ערן וכו)</a:t>
             </a:r>
           </a:p>
           <a:p>
             <a:pPr algn="r" rtl="1"/>
             <a:r>
-              <a:rPr lang="he-IL" dirty="0"/>
-              <a:t>מהירות</a:t>
-            </a:r>
+              <a:rPr lang="he-IL" i="1" dirty="0">
+                <a:solidFill>
+                  <a:schemeClr val="bg2"/>
+                </a:solidFill>
+              </a:rPr>
+              <a:t>משחקים לשבירת קרח בהתחלה – לא רלוונטי לגרסה זו</a:t>
+            </a:r>
+            <a:endParaRPr lang="en-US" i="1" dirty="0">
+              <a:solidFill>
+                <a:schemeClr val="bg2"/>
+              </a:solidFill>
+            </a:endParaRPr>
           </a:p>
           <a:p>
             <a:pPr algn="r" rtl="1"/>
             <a:r>
               <a:rPr lang="he-IL" dirty="0"/>
-              <a:t>לנסות שהאפליקצייה לא תישכח</a:t>
+              <a:t>סריקה של הודעות הצאט – וזיהוי דברים אסורים, כמו מילים גסות או מספרי טלפון או קללות</a:t>
             </a:r>
           </a:p>
           <a:p>
             <a:pPr algn="r" rtl="1"/>
             <a:r>
               <a:rPr lang="he-IL" dirty="0"/>
-              <a:t>מכוון טסטים</a:t>
+              <a:t>לנסות להבין איך אנחנו הופכים את חווית הבודד באפליקצייה לנגישה וקלה יותר</a:t>
             </a:r>
           </a:p>
         </p:txBody>
@@ -11953,7 +12839,7 @@
     </p:spTree>
     <p:extLst>
       <p:ext uri="{BB962C8B-B14F-4D97-AF65-F5344CB8AC3E}">
-        <p14:creationId xmlns:p14="http://schemas.microsoft.com/office/powerpoint/2010/main" val="3893419485"/>
+        <p14:creationId xmlns:p14="http://schemas.microsoft.com/office/powerpoint/2010/main" val="2744950955"/>
       </p:ext>
     </p:extLst>
   </p:cSld>
@@ -11998,780 +12884,64 @@
         </p:nvSpPr>
         <p:spPr/>
         <p:txBody>
-          <a:bodyPr>
-            <a:normAutofit/>
-          </a:bodyPr>
-          <a:lstStyle/>
-          <a:p>
-            <a:r>
-              <a:rPr lang="en-US" sz="5400" b="1" u="sng" dirty="0">
-                <a:effectLst>
-                  <a:outerShdw blurRad="38100" dist="38100" dir="2700000" algn="tl">
-                    <a:srgbClr val="000000">
-                      <a:alpha val="43137"/>
-                    </a:srgbClr>
-                  </a:outerShdw>
-                </a:effectLst>
-              </a:rPr>
-              <a:t>Architecture </a:t>
-            </a:r>
-          </a:p>
-        </p:txBody>
-      </p:sp>
-      <p:sp>
-        <p:nvSpPr>
-          <p:cNvPr id="4" name="Cube 3">
-            <a:extLst>
-              <a:ext uri="{FF2B5EF4-FFF2-40B4-BE49-F238E27FC236}">
-                <a16:creationId xmlns:a16="http://schemas.microsoft.com/office/drawing/2014/main" id="{B56AB0F1-D72C-4009-8209-89DD65993DA6}"/>
-              </a:ext>
-            </a:extLst>
-          </p:cNvPr>
-          <p:cNvSpPr/>
-          <p:nvPr/>
-        </p:nvSpPr>
-        <p:spPr>
-          <a:xfrm>
-            <a:off x="1097280" y="1589103"/>
-            <a:ext cx="2840707" cy="4098465"/>
-          </a:xfrm>
-          <a:prstGeom prst="cube">
-            <a:avLst>
-              <a:gd name="adj" fmla="val 13007"/>
-            </a:avLst>
-          </a:prstGeom>
-          <a:solidFill>
-            <a:schemeClr val="bg1">
-              <a:lumMod val="95000"/>
-              <a:alpha val="33000"/>
-            </a:schemeClr>
-          </a:solidFill>
-        </p:spPr>
-        <p:style>
-          <a:lnRef idx="2">
-            <a:schemeClr val="accent1">
-              <a:shade val="50000"/>
-            </a:schemeClr>
-          </a:lnRef>
-          <a:fillRef idx="1">
-            <a:schemeClr val="accent1"/>
-          </a:fillRef>
-          <a:effectRef idx="0">
-            <a:schemeClr val="accent1"/>
-          </a:effectRef>
-          <a:fontRef idx="minor">
-            <a:schemeClr val="lt1"/>
-          </a:fontRef>
-        </p:style>
-        <p:txBody>
-          <a:bodyPr rtlCol="0" anchor="ctr"/>
-          <a:lstStyle/>
-          <a:p>
-            <a:pPr algn="ctr"/>
+          <a:bodyPr/>
+          <a:lstStyle/>
+          <a:p>
+            <a:pPr algn="r"/>
+            <a:r>
+              <a:rPr lang="he-IL" dirty="0"/>
+              <a:t>דגשים</a:t>
+            </a:r>
             <a:endParaRPr lang="en-US" dirty="0"/>
           </a:p>
         </p:txBody>
       </p:sp>
       <p:sp>
         <p:nvSpPr>
-          <p:cNvPr id="6" name="Cylinder 5">
-            <a:extLst>
-              <a:ext uri="{FF2B5EF4-FFF2-40B4-BE49-F238E27FC236}">
-                <a16:creationId xmlns:a16="http://schemas.microsoft.com/office/drawing/2014/main" id="{B77B9033-6CF9-4FCB-846F-216BF781E91E}"/>
-              </a:ext>
-            </a:extLst>
-          </p:cNvPr>
-          <p:cNvSpPr/>
-          <p:nvPr/>
-        </p:nvSpPr>
-        <p:spPr>
-          <a:xfrm>
-            <a:off x="9108488" y="1589101"/>
-            <a:ext cx="2521259" cy="4098466"/>
-          </a:xfrm>
-          <a:prstGeom prst="can">
-            <a:avLst>
-              <a:gd name="adj" fmla="val 27817"/>
-            </a:avLst>
-          </a:prstGeom>
-          <a:solidFill>
-            <a:schemeClr val="bg1">
-              <a:lumMod val="95000"/>
-              <a:alpha val="33000"/>
-            </a:schemeClr>
-          </a:solidFill>
-        </p:spPr>
-        <p:style>
-          <a:lnRef idx="2">
-            <a:schemeClr val="accent1">
-              <a:shade val="50000"/>
-            </a:schemeClr>
-          </a:lnRef>
-          <a:fillRef idx="1">
-            <a:schemeClr val="accent1"/>
-          </a:fillRef>
-          <a:effectRef idx="0">
-            <a:schemeClr val="accent1"/>
-          </a:effectRef>
-          <a:fontRef idx="minor">
-            <a:schemeClr val="lt1"/>
-          </a:fontRef>
-        </p:style>
-        <p:txBody>
-          <a:bodyPr rtlCol="0" anchor="ctr"/>
-          <a:lstStyle/>
-          <a:p>
-            <a:pPr algn="ctr"/>
-            <a:endParaRPr lang="en-US"/>
-          </a:p>
-        </p:txBody>
-      </p:sp>
-      <p:sp>
-        <p:nvSpPr>
-          <p:cNvPr id="7" name="TextBox 6">
-            <a:extLst>
-              <a:ext uri="{FF2B5EF4-FFF2-40B4-BE49-F238E27FC236}">
-                <a16:creationId xmlns:a16="http://schemas.microsoft.com/office/drawing/2014/main" id="{80AAD6F3-440A-4D6A-9732-189A5434DFB6}"/>
-              </a:ext>
-            </a:extLst>
-          </p:cNvPr>
-          <p:cNvSpPr txBox="1"/>
-          <p:nvPr/>
-        </p:nvSpPr>
-        <p:spPr>
-          <a:xfrm>
-            <a:off x="1652725" y="1530502"/>
-            <a:ext cx="2566387" cy="461665"/>
-          </a:xfrm>
-          <a:prstGeom prst="rect">
-            <a:avLst/>
-          </a:prstGeom>
-          <a:noFill/>
-        </p:spPr>
-        <p:txBody>
-          <a:bodyPr wrap="square" rtlCol="0">
-            <a:spAutoFit/>
-          </a:bodyPr>
-          <a:lstStyle/>
-          <a:p>
-            <a:r>
-              <a:rPr lang="en-US" sz="2400" dirty="0">
-                <a:effectLst>
-                  <a:outerShdw blurRad="38100" dist="38100" dir="2700000" algn="tl">
-                    <a:srgbClr val="000000">
-                      <a:alpha val="43137"/>
-                    </a:srgbClr>
-                  </a:outerShdw>
-                </a:effectLst>
-              </a:rPr>
-              <a:t>Application</a:t>
-            </a:r>
-          </a:p>
-        </p:txBody>
-      </p:sp>
-      <p:sp>
-        <p:nvSpPr>
-          <p:cNvPr id="9" name="TextBox 8">
-            <a:extLst>
-              <a:ext uri="{FF2B5EF4-FFF2-40B4-BE49-F238E27FC236}">
-                <a16:creationId xmlns:a16="http://schemas.microsoft.com/office/drawing/2014/main" id="{0C14FE82-DD31-486B-BD01-4082E1479EC7}"/>
-              </a:ext>
-            </a:extLst>
-          </p:cNvPr>
-          <p:cNvSpPr txBox="1"/>
-          <p:nvPr/>
-        </p:nvSpPr>
-        <p:spPr>
-          <a:xfrm>
-            <a:off x="9479130" y="1748367"/>
-            <a:ext cx="1779974" cy="461665"/>
-          </a:xfrm>
-          <a:prstGeom prst="rect">
-            <a:avLst/>
-          </a:prstGeom>
-          <a:noFill/>
-        </p:spPr>
-        <p:txBody>
-          <a:bodyPr wrap="square" rtlCol="0">
-            <a:spAutoFit/>
-          </a:bodyPr>
-          <a:lstStyle/>
-          <a:p>
-            <a:r>
-              <a:rPr lang="en-US" sz="2400" dirty="0">
-                <a:effectLst>
-                  <a:outerShdw blurRad="38100" dist="38100" dir="2700000" algn="tl">
-                    <a:srgbClr val="000000">
-                      <a:alpha val="43137"/>
-                    </a:srgbClr>
-                  </a:outerShdw>
-                </a:effectLst>
-              </a:rPr>
-              <a:t>DB Firebase</a:t>
-            </a:r>
-          </a:p>
-        </p:txBody>
-      </p:sp>
-      <p:sp>
-        <p:nvSpPr>
-          <p:cNvPr id="10" name="Cube 9">
-            <a:extLst>
-              <a:ext uri="{FF2B5EF4-FFF2-40B4-BE49-F238E27FC236}">
-                <a16:creationId xmlns:a16="http://schemas.microsoft.com/office/drawing/2014/main" id="{8DD0A90A-7043-4E3E-8E19-0B9AFE23B85F}"/>
-              </a:ext>
-            </a:extLst>
-          </p:cNvPr>
-          <p:cNvSpPr/>
-          <p:nvPr/>
-        </p:nvSpPr>
-        <p:spPr>
-          <a:xfrm>
-            <a:off x="4949485" y="1589101"/>
-            <a:ext cx="3206964" cy="4098465"/>
-          </a:xfrm>
-          <a:prstGeom prst="cube">
-            <a:avLst>
-              <a:gd name="adj" fmla="val 12279"/>
-            </a:avLst>
-          </a:prstGeom>
-          <a:solidFill>
-            <a:schemeClr val="bg1">
-              <a:lumMod val="95000"/>
-              <a:alpha val="33000"/>
-            </a:schemeClr>
-          </a:solidFill>
-        </p:spPr>
-        <p:style>
-          <a:lnRef idx="2">
-            <a:schemeClr val="accent1">
-              <a:shade val="50000"/>
-            </a:schemeClr>
-          </a:lnRef>
-          <a:fillRef idx="1">
-            <a:schemeClr val="accent1"/>
-          </a:fillRef>
-          <a:effectRef idx="0">
-            <a:schemeClr val="accent1"/>
-          </a:effectRef>
-          <a:fontRef idx="minor">
-            <a:schemeClr val="lt1"/>
-          </a:fontRef>
-        </p:style>
-        <p:txBody>
-          <a:bodyPr rtlCol="0" anchor="ctr"/>
-          <a:lstStyle/>
-          <a:p>
-            <a:pPr algn="ctr"/>
-            <a:endParaRPr lang="en-US" dirty="0"/>
-          </a:p>
-        </p:txBody>
-      </p:sp>
-      <p:sp>
-        <p:nvSpPr>
-          <p:cNvPr id="11" name="TextBox 10">
-            <a:extLst>
-              <a:ext uri="{FF2B5EF4-FFF2-40B4-BE49-F238E27FC236}">
-                <a16:creationId xmlns:a16="http://schemas.microsoft.com/office/drawing/2014/main" id="{01A500CB-422F-45CE-A8FC-4073E8CE158C}"/>
-              </a:ext>
-            </a:extLst>
-          </p:cNvPr>
-          <p:cNvSpPr txBox="1"/>
-          <p:nvPr/>
-        </p:nvSpPr>
-        <p:spPr>
-          <a:xfrm>
-            <a:off x="5944709" y="1534071"/>
-            <a:ext cx="1438182" cy="461665"/>
-          </a:xfrm>
-          <a:prstGeom prst="rect">
-            <a:avLst/>
-          </a:prstGeom>
-          <a:noFill/>
-        </p:spPr>
-        <p:txBody>
-          <a:bodyPr wrap="square" rtlCol="0">
-            <a:spAutoFit/>
-          </a:bodyPr>
-          <a:lstStyle/>
-          <a:p>
-            <a:r>
-              <a:rPr lang="en-US" sz="2400" dirty="0">
-                <a:effectLst>
-                  <a:outerShdw blurRad="38100" dist="38100" dir="2700000" algn="tl">
-                    <a:srgbClr val="000000">
-                      <a:alpha val="43137"/>
-                    </a:srgbClr>
-                  </a:outerShdw>
-                </a:effectLst>
-              </a:rPr>
-              <a:t>Firebase</a:t>
-            </a:r>
-          </a:p>
-        </p:txBody>
-      </p:sp>
-      <p:sp>
-        <p:nvSpPr>
-          <p:cNvPr id="12" name="TextBox 11">
-            <a:extLst>
-              <a:ext uri="{FF2B5EF4-FFF2-40B4-BE49-F238E27FC236}">
-                <a16:creationId xmlns:a16="http://schemas.microsoft.com/office/drawing/2014/main" id="{11A97292-5E1A-49A3-8433-9AE375DF12D1}"/>
-              </a:ext>
-            </a:extLst>
-          </p:cNvPr>
-          <p:cNvSpPr txBox="1"/>
-          <p:nvPr/>
-        </p:nvSpPr>
-        <p:spPr>
-          <a:xfrm>
-            <a:off x="1097280" y="2152353"/>
-            <a:ext cx="2840707" cy="1477328"/>
-          </a:xfrm>
-          <a:prstGeom prst="rect">
-            <a:avLst/>
-          </a:prstGeom>
-          <a:noFill/>
-        </p:spPr>
-        <p:txBody>
-          <a:bodyPr wrap="square" rtlCol="0">
-            <a:spAutoFit/>
-          </a:bodyPr>
-          <a:lstStyle/>
-          <a:p>
-            <a:pPr marL="285750" indent="-285750">
-              <a:buFont typeface="Arial" panose="020B0604020202020204" pitchFamily="34" charset="0"/>
-              <a:buChar char="•"/>
-            </a:pPr>
-            <a:r>
-              <a:rPr lang="en-US" dirty="0"/>
-              <a:t>User Registration</a:t>
-            </a:r>
-          </a:p>
-          <a:p>
-            <a:pPr marL="285750" indent="-285750">
-              <a:buFont typeface="Arial" panose="020B0604020202020204" pitchFamily="34" charset="0"/>
-              <a:buChar char="•"/>
-            </a:pPr>
-            <a:r>
-              <a:rPr lang="en-US" dirty="0"/>
-              <a:t>User Login</a:t>
-            </a:r>
-          </a:p>
-          <a:p>
-            <a:pPr marL="285750" indent="-285750">
-              <a:buFont typeface="Arial" panose="020B0604020202020204" pitchFamily="34" charset="0"/>
-              <a:buChar char="•"/>
-            </a:pPr>
-            <a:r>
-              <a:rPr lang="en-US" dirty="0"/>
-              <a:t>Event Management</a:t>
-            </a:r>
-          </a:p>
-          <a:p>
-            <a:pPr marL="285750" indent="-285750">
-              <a:buFont typeface="Arial" panose="020B0604020202020204" pitchFamily="34" charset="0"/>
-              <a:buChar char="•"/>
-            </a:pPr>
-            <a:r>
-              <a:rPr lang="en-US" dirty="0"/>
-              <a:t>Chat Management</a:t>
-            </a:r>
-          </a:p>
-          <a:p>
-            <a:pPr marL="285750" indent="-285750">
-              <a:buFont typeface="Arial" panose="020B0604020202020204" pitchFamily="34" charset="0"/>
-              <a:buChar char="•"/>
-            </a:pPr>
-            <a:r>
-              <a:rPr lang="en-US" dirty="0"/>
-              <a:t>Bulletin Management</a:t>
-            </a:r>
-          </a:p>
-        </p:txBody>
-      </p:sp>
-      <p:sp>
-        <p:nvSpPr>
-          <p:cNvPr id="13" name="TextBox 12">
-            <a:extLst>
-              <a:ext uri="{FF2B5EF4-FFF2-40B4-BE49-F238E27FC236}">
-                <a16:creationId xmlns:a16="http://schemas.microsoft.com/office/drawing/2014/main" id="{5554859F-9460-485B-9439-79E8A48A4BAC}"/>
-              </a:ext>
-            </a:extLst>
-          </p:cNvPr>
-          <p:cNvSpPr txBox="1"/>
-          <p:nvPr/>
-        </p:nvSpPr>
-        <p:spPr>
-          <a:xfrm>
-            <a:off x="4949485" y="2152353"/>
-            <a:ext cx="3124667" cy="1754326"/>
-          </a:xfrm>
-          <a:prstGeom prst="rect">
-            <a:avLst/>
-          </a:prstGeom>
-          <a:noFill/>
-        </p:spPr>
-        <p:txBody>
-          <a:bodyPr wrap="square" rtlCol="0">
-            <a:spAutoFit/>
-          </a:bodyPr>
-          <a:lstStyle/>
-          <a:p>
-            <a:pPr marL="285750" indent="-285750">
-              <a:buFont typeface="Arial" panose="020B0604020202020204" pitchFamily="34" charset="0"/>
-              <a:buChar char="•"/>
-            </a:pPr>
-            <a:r>
-              <a:rPr lang="en-US" dirty="0"/>
-              <a:t>Database Management</a:t>
-            </a:r>
-          </a:p>
-          <a:p>
-            <a:pPr marL="285750" indent="-285750">
-              <a:buFont typeface="Arial" panose="020B0604020202020204" pitchFamily="34" charset="0"/>
-              <a:buChar char="•"/>
-            </a:pPr>
-            <a:r>
-              <a:rPr lang="en-US" dirty="0"/>
-              <a:t>User Management</a:t>
-            </a:r>
-          </a:p>
-          <a:p>
-            <a:pPr marL="742950" lvl="1" indent="-285750">
-              <a:buFont typeface="Arial" panose="020B0604020202020204" pitchFamily="34" charset="0"/>
-              <a:buChar char="•"/>
-            </a:pPr>
-            <a:r>
-              <a:rPr lang="en-US" dirty="0"/>
-              <a:t>Regular</a:t>
-            </a:r>
-          </a:p>
-          <a:p>
-            <a:pPr marL="742950" lvl="1" indent="-285750">
-              <a:buFont typeface="Arial" panose="020B0604020202020204" pitchFamily="34" charset="0"/>
-              <a:buChar char="•"/>
-            </a:pPr>
-            <a:r>
-              <a:rPr lang="en-US" dirty="0"/>
-              <a:t>Admin</a:t>
-            </a:r>
-          </a:p>
-          <a:p>
-            <a:pPr marL="285750" indent="-285750">
-              <a:buFont typeface="Arial" panose="020B0604020202020204" pitchFamily="34" charset="0"/>
-              <a:buChar char="•"/>
-            </a:pPr>
-            <a:r>
-              <a:rPr lang="en-US" dirty="0"/>
-              <a:t>Places Management</a:t>
-            </a:r>
-          </a:p>
-          <a:p>
-            <a:pPr marL="285750" indent="-285750">
-              <a:buFont typeface="Arial" panose="020B0604020202020204" pitchFamily="34" charset="0"/>
-              <a:buChar char="•"/>
-            </a:pPr>
-            <a:r>
-              <a:rPr lang="en-US" dirty="0"/>
-              <a:t>Notification Management</a:t>
-            </a:r>
-          </a:p>
-        </p:txBody>
-      </p:sp>
-      <p:sp>
-        <p:nvSpPr>
-          <p:cNvPr id="14" name="TextBox 13">
-            <a:extLst>
-              <a:ext uri="{FF2B5EF4-FFF2-40B4-BE49-F238E27FC236}">
-                <a16:creationId xmlns:a16="http://schemas.microsoft.com/office/drawing/2014/main" id="{87E4D401-FDA1-4C09-863B-91A6BA4A15EA}"/>
-              </a:ext>
-            </a:extLst>
-          </p:cNvPr>
-          <p:cNvSpPr txBox="1"/>
-          <p:nvPr/>
-        </p:nvSpPr>
-        <p:spPr>
-          <a:xfrm>
-            <a:off x="9145514" y="2345753"/>
-            <a:ext cx="2468703" cy="1477328"/>
-          </a:xfrm>
-          <a:prstGeom prst="rect">
-            <a:avLst/>
-          </a:prstGeom>
-          <a:noFill/>
-        </p:spPr>
-        <p:txBody>
-          <a:bodyPr wrap="square" rtlCol="0">
-            <a:spAutoFit/>
-          </a:bodyPr>
-          <a:lstStyle/>
-          <a:p>
-            <a:pPr marL="285750" indent="-285750">
-              <a:buFont typeface="Arial" panose="020B0604020202020204" pitchFamily="34" charset="0"/>
-              <a:buChar char="•"/>
-            </a:pPr>
-            <a:r>
-              <a:rPr lang="en-US" dirty="0"/>
-              <a:t>Stores </a:t>
-            </a:r>
-          </a:p>
-          <a:p>
-            <a:pPr marL="742950" lvl="1" indent="-285750">
-              <a:buFont typeface="Arial" panose="020B0604020202020204" pitchFamily="34" charset="0"/>
-              <a:buChar char="•"/>
-            </a:pPr>
-            <a:r>
-              <a:rPr lang="en-US" dirty="0"/>
-              <a:t>Users</a:t>
-            </a:r>
-          </a:p>
-          <a:p>
-            <a:pPr marL="742950" lvl="1" indent="-285750">
-              <a:buFont typeface="Arial" panose="020B0604020202020204" pitchFamily="34" charset="0"/>
-              <a:buChar char="•"/>
-            </a:pPr>
-            <a:r>
-              <a:rPr lang="en-US" dirty="0"/>
-              <a:t>Posts</a:t>
-            </a:r>
-          </a:p>
-          <a:p>
-            <a:pPr marL="742950" lvl="1" indent="-285750">
-              <a:buFont typeface="Arial" panose="020B0604020202020204" pitchFamily="34" charset="0"/>
-              <a:buChar char="•"/>
-            </a:pPr>
-            <a:r>
-              <a:rPr lang="en-US" dirty="0"/>
-              <a:t>Events</a:t>
-            </a:r>
-          </a:p>
-          <a:p>
-            <a:pPr marL="742950" lvl="1" indent="-285750">
-              <a:buFont typeface="Arial" panose="020B0604020202020204" pitchFamily="34" charset="0"/>
-              <a:buChar char="•"/>
-            </a:pPr>
-            <a:r>
-              <a:rPr lang="en-US" dirty="0"/>
-              <a:t>Places</a:t>
-            </a:r>
-          </a:p>
-        </p:txBody>
-      </p:sp>
-      <p:cxnSp>
-        <p:nvCxnSpPr>
-          <p:cNvPr id="20" name="Straight Arrow Connector 19">
-            <a:extLst>
-              <a:ext uri="{FF2B5EF4-FFF2-40B4-BE49-F238E27FC236}">
-                <a16:creationId xmlns:a16="http://schemas.microsoft.com/office/drawing/2014/main" id="{7F08F37E-767F-4123-81D0-A6E126211984}"/>
-              </a:ext>
-            </a:extLst>
-          </p:cNvPr>
-          <p:cNvCxnSpPr>
-            <a:cxnSpLocks/>
-            <a:stCxn id="4" idx="4"/>
-            <a:endCxn id="10" idx="2"/>
-          </p:cNvCxnSpPr>
-          <p:nvPr/>
-        </p:nvCxnSpPr>
-        <p:spPr>
-          <a:xfrm>
-            <a:off x="3568496" y="3823081"/>
-            <a:ext cx="1380989" cy="12144"/>
-          </a:xfrm>
-          <a:prstGeom prst="straightConnector1">
-            <a:avLst/>
-          </a:prstGeom>
-          <a:ln w="38100">
-            <a:solidFill>
-              <a:schemeClr val="tx1"/>
-            </a:solidFill>
-            <a:tailEnd type="triangle"/>
-          </a:ln>
-        </p:spPr>
-        <p:style>
-          <a:lnRef idx="1">
-            <a:schemeClr val="accent1"/>
-          </a:lnRef>
-          <a:fillRef idx="0">
-            <a:schemeClr val="accent1"/>
-          </a:fillRef>
-          <a:effectRef idx="0">
-            <a:schemeClr val="accent1"/>
-          </a:effectRef>
-          <a:fontRef idx="minor">
-            <a:schemeClr val="tx1"/>
-          </a:fontRef>
-        </p:style>
-      </p:cxnSp>
-      <p:sp>
-        <p:nvSpPr>
-          <p:cNvPr id="25" name="TextBox 24">
-            <a:extLst>
-              <a:ext uri="{FF2B5EF4-FFF2-40B4-BE49-F238E27FC236}">
-                <a16:creationId xmlns:a16="http://schemas.microsoft.com/office/drawing/2014/main" id="{F56F38DA-08BD-439F-B2DF-0C40BA79B6D2}"/>
-              </a:ext>
-            </a:extLst>
-          </p:cNvPr>
-          <p:cNvSpPr txBox="1"/>
-          <p:nvPr/>
-        </p:nvSpPr>
-        <p:spPr>
-          <a:xfrm>
-            <a:off x="4090253" y="3425950"/>
-            <a:ext cx="494046" cy="369332"/>
-          </a:xfrm>
-          <a:prstGeom prst="rect">
-            <a:avLst/>
-          </a:prstGeom>
-          <a:noFill/>
-        </p:spPr>
-        <p:txBody>
-          <a:bodyPr wrap="none" rtlCol="0">
-            <a:spAutoFit/>
-          </a:bodyPr>
-          <a:lstStyle/>
-          <a:p>
-            <a:r>
-              <a:rPr lang="en-US" dirty="0"/>
-              <a:t>API</a:t>
-            </a:r>
-          </a:p>
-        </p:txBody>
-      </p:sp>
-      <p:cxnSp>
-        <p:nvCxnSpPr>
-          <p:cNvPr id="27" name="Straight Arrow Connector 26">
-            <a:extLst>
-              <a:ext uri="{FF2B5EF4-FFF2-40B4-BE49-F238E27FC236}">
-                <a16:creationId xmlns:a16="http://schemas.microsoft.com/office/drawing/2014/main" id="{0CEBF581-C5F5-4E11-B9A5-512A01A47D3F}"/>
-              </a:ext>
-            </a:extLst>
-          </p:cNvPr>
-          <p:cNvCxnSpPr>
-            <a:cxnSpLocks/>
-            <a:stCxn id="10" idx="4"/>
-            <a:endCxn id="6" idx="2"/>
-          </p:cNvCxnSpPr>
-          <p:nvPr/>
-        </p:nvCxnSpPr>
-        <p:spPr>
-          <a:xfrm flipV="1">
-            <a:off x="7762666" y="3638334"/>
-            <a:ext cx="1345822" cy="196891"/>
-          </a:xfrm>
-          <a:prstGeom prst="straightConnector1">
-            <a:avLst/>
-          </a:prstGeom>
-          <a:ln w="38100">
-            <a:solidFill>
-              <a:schemeClr val="tx1"/>
-            </a:solidFill>
-            <a:tailEnd type="triangle"/>
-          </a:ln>
-        </p:spPr>
-        <p:style>
-          <a:lnRef idx="1">
-            <a:schemeClr val="accent1"/>
-          </a:lnRef>
-          <a:fillRef idx="0">
-            <a:schemeClr val="accent1"/>
-          </a:fillRef>
-          <a:effectRef idx="0">
-            <a:schemeClr val="accent1"/>
-          </a:effectRef>
-          <a:fontRef idx="minor">
-            <a:schemeClr val="tx1"/>
-          </a:fontRef>
-        </p:style>
-      </p:cxnSp>
-      <p:sp>
-        <p:nvSpPr>
-          <p:cNvPr id="28" name="TextBox 27">
-            <a:extLst>
-              <a:ext uri="{FF2B5EF4-FFF2-40B4-BE49-F238E27FC236}">
-                <a16:creationId xmlns:a16="http://schemas.microsoft.com/office/drawing/2014/main" id="{96D679BB-695A-4301-8816-A662797C4A93}"/>
-              </a:ext>
-            </a:extLst>
-          </p:cNvPr>
-          <p:cNvSpPr txBox="1"/>
-          <p:nvPr/>
-        </p:nvSpPr>
-        <p:spPr>
-          <a:xfrm>
-            <a:off x="8156449" y="3227462"/>
-            <a:ext cx="973536" cy="923330"/>
-          </a:xfrm>
-          <a:prstGeom prst="rect">
-            <a:avLst/>
-          </a:prstGeom>
-          <a:noFill/>
-        </p:spPr>
-        <p:txBody>
-          <a:bodyPr wrap="none" rtlCol="0">
-            <a:spAutoFit/>
-          </a:bodyPr>
-          <a:lstStyle/>
-          <a:p>
-            <a:r>
-              <a:rPr lang="en-US" dirty="0"/>
-              <a:t>Firebase</a:t>
-            </a:r>
-          </a:p>
-          <a:p>
-            <a:endParaRPr lang="en-US" dirty="0"/>
-          </a:p>
-          <a:p>
-            <a:r>
-              <a:rPr lang="en-US" dirty="0"/>
-              <a:t>internal</a:t>
-            </a:r>
-          </a:p>
-        </p:txBody>
-      </p:sp>
-      <p:sp>
-        <p:nvSpPr>
-          <p:cNvPr id="30" name="TextBox 29">
-            <a:extLst>
-              <a:ext uri="{FF2B5EF4-FFF2-40B4-BE49-F238E27FC236}">
-                <a16:creationId xmlns:a16="http://schemas.microsoft.com/office/drawing/2014/main" id="{A25AE6A2-16A8-4D56-8D48-41D8F26A5474}"/>
-              </a:ext>
-            </a:extLst>
-          </p:cNvPr>
-          <p:cNvSpPr txBox="1"/>
-          <p:nvPr/>
-        </p:nvSpPr>
-        <p:spPr>
-          <a:xfrm>
-            <a:off x="1097280" y="4945731"/>
-            <a:ext cx="2066544" cy="646331"/>
-          </a:xfrm>
-          <a:prstGeom prst="rect">
-            <a:avLst/>
-          </a:prstGeom>
-          <a:noFill/>
-        </p:spPr>
-        <p:txBody>
-          <a:bodyPr wrap="square" rtlCol="0">
-            <a:spAutoFit/>
-          </a:bodyPr>
-          <a:lstStyle/>
-          <a:p>
-            <a:pPr marL="285750" indent="-285750">
-              <a:buFont typeface="Wingdings" panose="05000000000000000000" pitchFamily="2" charset="2"/>
-              <a:buChar char="v"/>
-            </a:pPr>
-            <a:r>
-              <a:rPr lang="en-US" dirty="0"/>
-              <a:t>iOS</a:t>
-            </a:r>
-          </a:p>
-          <a:p>
-            <a:pPr marL="285750" indent="-285750">
-              <a:buFont typeface="Wingdings" panose="05000000000000000000" pitchFamily="2" charset="2"/>
-              <a:buChar char="v"/>
-            </a:pPr>
-            <a:r>
-              <a:rPr lang="en-US" dirty="0"/>
-              <a:t>Android</a:t>
+          <p:cNvPr id="3" name="Content Placeholder 2">
+            <a:extLst>
+              <a:ext uri="{FF2B5EF4-FFF2-40B4-BE49-F238E27FC236}">
+                <a16:creationId xmlns:a16="http://schemas.microsoft.com/office/drawing/2014/main" id="{40719872-A57B-4BAD-9F39-91915EF8C6DC}"/>
+              </a:ext>
+            </a:extLst>
+          </p:cNvPr>
+          <p:cNvSpPr>
+            <a:spLocks noGrp="1"/>
+          </p:cNvSpPr>
+          <p:nvPr>
+            <p:ph idx="1"/>
+          </p:nvPr>
+        </p:nvSpPr>
+        <p:spPr/>
+        <p:txBody>
+          <a:bodyPr/>
+          <a:lstStyle/>
+          <a:p>
+            <a:pPr algn="r" rtl="1"/>
+            <a:r>
+              <a:rPr lang="he-IL" dirty="0"/>
+              <a:t>עיצוב ברמה גבוהה</a:t>
+            </a:r>
+          </a:p>
+          <a:p>
+            <a:pPr algn="r" rtl="1"/>
+            <a:r>
+              <a:rPr lang="he-IL" dirty="0"/>
+              <a:t>מהירות</a:t>
+            </a:r>
+          </a:p>
+          <a:p>
+            <a:pPr algn="r" rtl="1"/>
+            <a:r>
+              <a:rPr lang="he-IL" dirty="0"/>
+              <a:t>לנסות שהאפליקצייה לא תישכח</a:t>
+            </a:r>
+          </a:p>
+          <a:p>
+            <a:pPr algn="r" rtl="1"/>
+            <a:r>
+              <a:rPr lang="he-IL" dirty="0"/>
+              <a:t>מכוון טסטים</a:t>
             </a:r>
           </a:p>
         </p:txBody>
@@ -12779,7 +12949,7 @@
     </p:spTree>
     <p:extLst>
       <p:ext uri="{BB962C8B-B14F-4D97-AF65-F5344CB8AC3E}">
-        <p14:creationId xmlns:p14="http://schemas.microsoft.com/office/powerpoint/2010/main" val="260076347"/>
+        <p14:creationId xmlns:p14="http://schemas.microsoft.com/office/powerpoint/2010/main" val="3893419485"/>
       </p:ext>
     </p:extLst>
   </p:cSld>
@@ -12881,6 +13051,832 @@
     <p:extLst>
       <p:ext uri="{BB962C8B-B14F-4D97-AF65-F5344CB8AC3E}">
         <p14:creationId xmlns:p14="http://schemas.microsoft.com/office/powerpoint/2010/main" val="2439750237"/>
+      </p:ext>
+    </p:extLst>
+  </p:cSld>
+  <p:clrMapOvr>
+    <a:masterClrMapping/>
+  </p:clrMapOvr>
+</p:sld>
+</file>
+
+<file path=ppt/slides/slide20.xml><?xml version="1.0" encoding="utf-8"?>
+<p:sld xmlns:a="http://schemas.openxmlformats.org/drawingml/2006/main" xmlns:r="http://schemas.openxmlformats.org/officeDocument/2006/relationships" xmlns:p="http://schemas.openxmlformats.org/presentationml/2006/main">
+  <p:cSld>
+    <p:spTree>
+      <p:nvGrpSpPr>
+        <p:cNvPr id="1" name=""/>
+        <p:cNvGrpSpPr/>
+        <p:nvPr/>
+      </p:nvGrpSpPr>
+      <p:grpSpPr>
+        <a:xfrm>
+          <a:off x="0" y="0"/>
+          <a:ext cx="0" cy="0"/>
+          <a:chOff x="0" y="0"/>
+          <a:chExt cx="0" cy="0"/>
+        </a:xfrm>
+      </p:grpSpPr>
+      <p:sp>
+        <p:nvSpPr>
+          <p:cNvPr id="2" name="Title 1">
+            <a:extLst>
+              <a:ext uri="{FF2B5EF4-FFF2-40B4-BE49-F238E27FC236}">
+                <a16:creationId xmlns:a16="http://schemas.microsoft.com/office/drawing/2014/main" id="{F66FDA7B-271C-41AE-AC17-881C73426E79}"/>
+              </a:ext>
+            </a:extLst>
+          </p:cNvPr>
+          <p:cNvSpPr>
+            <a:spLocks noGrp="1"/>
+          </p:cNvSpPr>
+          <p:nvPr>
+            <p:ph type="title"/>
+          </p:nvPr>
+        </p:nvSpPr>
+        <p:spPr/>
+        <p:txBody>
+          <a:bodyPr>
+            <a:normAutofit/>
+          </a:bodyPr>
+          <a:lstStyle/>
+          <a:p>
+            <a:r>
+              <a:rPr lang="en-US" sz="5400" b="1" u="sng" dirty="0">
+                <a:effectLst>
+                  <a:outerShdw blurRad="38100" dist="38100" dir="2700000" algn="tl">
+                    <a:srgbClr val="000000">
+                      <a:alpha val="43137"/>
+                    </a:srgbClr>
+                  </a:outerShdw>
+                </a:effectLst>
+              </a:rPr>
+              <a:t>Architecture </a:t>
+            </a:r>
+          </a:p>
+        </p:txBody>
+      </p:sp>
+      <p:sp>
+        <p:nvSpPr>
+          <p:cNvPr id="4" name="Cube 3">
+            <a:extLst>
+              <a:ext uri="{FF2B5EF4-FFF2-40B4-BE49-F238E27FC236}">
+                <a16:creationId xmlns:a16="http://schemas.microsoft.com/office/drawing/2014/main" id="{B56AB0F1-D72C-4009-8209-89DD65993DA6}"/>
+              </a:ext>
+            </a:extLst>
+          </p:cNvPr>
+          <p:cNvSpPr/>
+          <p:nvPr/>
+        </p:nvSpPr>
+        <p:spPr>
+          <a:xfrm>
+            <a:off x="1097280" y="1589103"/>
+            <a:ext cx="2840707" cy="4098465"/>
+          </a:xfrm>
+          <a:prstGeom prst="cube">
+            <a:avLst>
+              <a:gd name="adj" fmla="val 13007"/>
+            </a:avLst>
+          </a:prstGeom>
+          <a:solidFill>
+            <a:schemeClr val="bg1">
+              <a:lumMod val="95000"/>
+              <a:alpha val="33000"/>
+            </a:schemeClr>
+          </a:solidFill>
+        </p:spPr>
+        <p:style>
+          <a:lnRef idx="2">
+            <a:schemeClr val="accent1">
+              <a:shade val="50000"/>
+            </a:schemeClr>
+          </a:lnRef>
+          <a:fillRef idx="1">
+            <a:schemeClr val="accent1"/>
+          </a:fillRef>
+          <a:effectRef idx="0">
+            <a:schemeClr val="accent1"/>
+          </a:effectRef>
+          <a:fontRef idx="minor">
+            <a:schemeClr val="lt1"/>
+          </a:fontRef>
+        </p:style>
+        <p:txBody>
+          <a:bodyPr rtlCol="0" anchor="ctr"/>
+          <a:lstStyle/>
+          <a:p>
+            <a:pPr algn="ctr"/>
+            <a:endParaRPr lang="en-US" dirty="0"/>
+          </a:p>
+        </p:txBody>
+      </p:sp>
+      <p:sp>
+        <p:nvSpPr>
+          <p:cNvPr id="6" name="Cylinder 5">
+            <a:extLst>
+              <a:ext uri="{FF2B5EF4-FFF2-40B4-BE49-F238E27FC236}">
+                <a16:creationId xmlns:a16="http://schemas.microsoft.com/office/drawing/2014/main" id="{B77B9033-6CF9-4FCB-846F-216BF781E91E}"/>
+              </a:ext>
+            </a:extLst>
+          </p:cNvPr>
+          <p:cNvSpPr/>
+          <p:nvPr/>
+        </p:nvSpPr>
+        <p:spPr>
+          <a:xfrm>
+            <a:off x="9108488" y="1589101"/>
+            <a:ext cx="2521259" cy="4098466"/>
+          </a:xfrm>
+          <a:prstGeom prst="can">
+            <a:avLst>
+              <a:gd name="adj" fmla="val 27817"/>
+            </a:avLst>
+          </a:prstGeom>
+          <a:solidFill>
+            <a:schemeClr val="bg1">
+              <a:lumMod val="95000"/>
+              <a:alpha val="33000"/>
+            </a:schemeClr>
+          </a:solidFill>
+        </p:spPr>
+        <p:style>
+          <a:lnRef idx="2">
+            <a:schemeClr val="accent1">
+              <a:shade val="50000"/>
+            </a:schemeClr>
+          </a:lnRef>
+          <a:fillRef idx="1">
+            <a:schemeClr val="accent1"/>
+          </a:fillRef>
+          <a:effectRef idx="0">
+            <a:schemeClr val="accent1"/>
+          </a:effectRef>
+          <a:fontRef idx="minor">
+            <a:schemeClr val="lt1"/>
+          </a:fontRef>
+        </p:style>
+        <p:txBody>
+          <a:bodyPr rtlCol="0" anchor="ctr"/>
+          <a:lstStyle/>
+          <a:p>
+            <a:pPr algn="ctr"/>
+            <a:endParaRPr lang="en-US"/>
+          </a:p>
+        </p:txBody>
+      </p:sp>
+      <p:sp>
+        <p:nvSpPr>
+          <p:cNvPr id="7" name="TextBox 6">
+            <a:extLst>
+              <a:ext uri="{FF2B5EF4-FFF2-40B4-BE49-F238E27FC236}">
+                <a16:creationId xmlns:a16="http://schemas.microsoft.com/office/drawing/2014/main" id="{80AAD6F3-440A-4D6A-9732-189A5434DFB6}"/>
+              </a:ext>
+            </a:extLst>
+          </p:cNvPr>
+          <p:cNvSpPr txBox="1"/>
+          <p:nvPr/>
+        </p:nvSpPr>
+        <p:spPr>
+          <a:xfrm>
+            <a:off x="1652725" y="1530502"/>
+            <a:ext cx="2566387" cy="461665"/>
+          </a:xfrm>
+          <a:prstGeom prst="rect">
+            <a:avLst/>
+          </a:prstGeom>
+          <a:noFill/>
+        </p:spPr>
+        <p:txBody>
+          <a:bodyPr wrap="square" rtlCol="0">
+            <a:spAutoFit/>
+          </a:bodyPr>
+          <a:lstStyle/>
+          <a:p>
+            <a:r>
+              <a:rPr lang="en-US" sz="2400" dirty="0">
+                <a:effectLst>
+                  <a:outerShdw blurRad="38100" dist="38100" dir="2700000" algn="tl">
+                    <a:srgbClr val="000000">
+                      <a:alpha val="43137"/>
+                    </a:srgbClr>
+                  </a:outerShdw>
+                </a:effectLst>
+              </a:rPr>
+              <a:t>Application</a:t>
+            </a:r>
+          </a:p>
+        </p:txBody>
+      </p:sp>
+      <p:sp>
+        <p:nvSpPr>
+          <p:cNvPr id="9" name="TextBox 8">
+            <a:extLst>
+              <a:ext uri="{FF2B5EF4-FFF2-40B4-BE49-F238E27FC236}">
+                <a16:creationId xmlns:a16="http://schemas.microsoft.com/office/drawing/2014/main" id="{0C14FE82-DD31-486B-BD01-4082E1479EC7}"/>
+              </a:ext>
+            </a:extLst>
+          </p:cNvPr>
+          <p:cNvSpPr txBox="1"/>
+          <p:nvPr/>
+        </p:nvSpPr>
+        <p:spPr>
+          <a:xfrm>
+            <a:off x="9479130" y="1748367"/>
+            <a:ext cx="1779974" cy="461665"/>
+          </a:xfrm>
+          <a:prstGeom prst="rect">
+            <a:avLst/>
+          </a:prstGeom>
+          <a:noFill/>
+        </p:spPr>
+        <p:txBody>
+          <a:bodyPr wrap="square" rtlCol="0">
+            <a:spAutoFit/>
+          </a:bodyPr>
+          <a:lstStyle/>
+          <a:p>
+            <a:r>
+              <a:rPr lang="en-US" sz="2400" dirty="0">
+                <a:effectLst>
+                  <a:outerShdw blurRad="38100" dist="38100" dir="2700000" algn="tl">
+                    <a:srgbClr val="000000">
+                      <a:alpha val="43137"/>
+                    </a:srgbClr>
+                  </a:outerShdw>
+                </a:effectLst>
+              </a:rPr>
+              <a:t>DB Firebase</a:t>
+            </a:r>
+          </a:p>
+        </p:txBody>
+      </p:sp>
+      <p:sp>
+        <p:nvSpPr>
+          <p:cNvPr id="10" name="Cube 9">
+            <a:extLst>
+              <a:ext uri="{FF2B5EF4-FFF2-40B4-BE49-F238E27FC236}">
+                <a16:creationId xmlns:a16="http://schemas.microsoft.com/office/drawing/2014/main" id="{8DD0A90A-7043-4E3E-8E19-0B9AFE23B85F}"/>
+              </a:ext>
+            </a:extLst>
+          </p:cNvPr>
+          <p:cNvSpPr/>
+          <p:nvPr/>
+        </p:nvSpPr>
+        <p:spPr>
+          <a:xfrm>
+            <a:off x="4949485" y="1589101"/>
+            <a:ext cx="3206964" cy="4098465"/>
+          </a:xfrm>
+          <a:prstGeom prst="cube">
+            <a:avLst>
+              <a:gd name="adj" fmla="val 12279"/>
+            </a:avLst>
+          </a:prstGeom>
+          <a:solidFill>
+            <a:schemeClr val="bg1">
+              <a:lumMod val="95000"/>
+              <a:alpha val="33000"/>
+            </a:schemeClr>
+          </a:solidFill>
+        </p:spPr>
+        <p:style>
+          <a:lnRef idx="2">
+            <a:schemeClr val="accent1">
+              <a:shade val="50000"/>
+            </a:schemeClr>
+          </a:lnRef>
+          <a:fillRef idx="1">
+            <a:schemeClr val="accent1"/>
+          </a:fillRef>
+          <a:effectRef idx="0">
+            <a:schemeClr val="accent1"/>
+          </a:effectRef>
+          <a:fontRef idx="minor">
+            <a:schemeClr val="lt1"/>
+          </a:fontRef>
+        </p:style>
+        <p:txBody>
+          <a:bodyPr rtlCol="0" anchor="ctr"/>
+          <a:lstStyle/>
+          <a:p>
+            <a:pPr algn="ctr"/>
+            <a:endParaRPr lang="en-US" dirty="0"/>
+          </a:p>
+        </p:txBody>
+      </p:sp>
+      <p:sp>
+        <p:nvSpPr>
+          <p:cNvPr id="11" name="TextBox 10">
+            <a:extLst>
+              <a:ext uri="{FF2B5EF4-FFF2-40B4-BE49-F238E27FC236}">
+                <a16:creationId xmlns:a16="http://schemas.microsoft.com/office/drawing/2014/main" id="{01A500CB-422F-45CE-A8FC-4073E8CE158C}"/>
+              </a:ext>
+            </a:extLst>
+          </p:cNvPr>
+          <p:cNvSpPr txBox="1"/>
+          <p:nvPr/>
+        </p:nvSpPr>
+        <p:spPr>
+          <a:xfrm>
+            <a:off x="5944709" y="1534071"/>
+            <a:ext cx="1438182" cy="461665"/>
+          </a:xfrm>
+          <a:prstGeom prst="rect">
+            <a:avLst/>
+          </a:prstGeom>
+          <a:noFill/>
+        </p:spPr>
+        <p:txBody>
+          <a:bodyPr wrap="square" rtlCol="0">
+            <a:spAutoFit/>
+          </a:bodyPr>
+          <a:lstStyle/>
+          <a:p>
+            <a:r>
+              <a:rPr lang="en-US" sz="2400" dirty="0">
+                <a:effectLst>
+                  <a:outerShdw blurRad="38100" dist="38100" dir="2700000" algn="tl">
+                    <a:srgbClr val="000000">
+                      <a:alpha val="43137"/>
+                    </a:srgbClr>
+                  </a:outerShdw>
+                </a:effectLst>
+              </a:rPr>
+              <a:t>Firebase</a:t>
+            </a:r>
+          </a:p>
+        </p:txBody>
+      </p:sp>
+      <p:sp>
+        <p:nvSpPr>
+          <p:cNvPr id="12" name="TextBox 11">
+            <a:extLst>
+              <a:ext uri="{FF2B5EF4-FFF2-40B4-BE49-F238E27FC236}">
+                <a16:creationId xmlns:a16="http://schemas.microsoft.com/office/drawing/2014/main" id="{11A97292-5E1A-49A3-8433-9AE375DF12D1}"/>
+              </a:ext>
+            </a:extLst>
+          </p:cNvPr>
+          <p:cNvSpPr txBox="1"/>
+          <p:nvPr/>
+        </p:nvSpPr>
+        <p:spPr>
+          <a:xfrm>
+            <a:off x="1097280" y="2152353"/>
+            <a:ext cx="2840707" cy="1477328"/>
+          </a:xfrm>
+          <a:prstGeom prst="rect">
+            <a:avLst/>
+          </a:prstGeom>
+          <a:noFill/>
+        </p:spPr>
+        <p:txBody>
+          <a:bodyPr wrap="square" rtlCol="0">
+            <a:spAutoFit/>
+          </a:bodyPr>
+          <a:lstStyle/>
+          <a:p>
+            <a:pPr marL="285750" indent="-285750">
+              <a:buFont typeface="Arial" panose="020B0604020202020204" pitchFamily="34" charset="0"/>
+              <a:buChar char="•"/>
+            </a:pPr>
+            <a:r>
+              <a:rPr lang="en-US" dirty="0"/>
+              <a:t>User Registration</a:t>
+            </a:r>
+          </a:p>
+          <a:p>
+            <a:pPr marL="285750" indent="-285750">
+              <a:buFont typeface="Arial" panose="020B0604020202020204" pitchFamily="34" charset="0"/>
+              <a:buChar char="•"/>
+            </a:pPr>
+            <a:r>
+              <a:rPr lang="en-US" dirty="0"/>
+              <a:t>User Login</a:t>
+            </a:r>
+          </a:p>
+          <a:p>
+            <a:pPr marL="285750" indent="-285750">
+              <a:buFont typeface="Arial" panose="020B0604020202020204" pitchFamily="34" charset="0"/>
+              <a:buChar char="•"/>
+            </a:pPr>
+            <a:r>
+              <a:rPr lang="en-US" dirty="0"/>
+              <a:t>Event Management</a:t>
+            </a:r>
+          </a:p>
+          <a:p>
+            <a:pPr marL="285750" indent="-285750">
+              <a:buFont typeface="Arial" panose="020B0604020202020204" pitchFamily="34" charset="0"/>
+              <a:buChar char="•"/>
+            </a:pPr>
+            <a:r>
+              <a:rPr lang="en-US" dirty="0"/>
+              <a:t>Chat Management</a:t>
+            </a:r>
+          </a:p>
+          <a:p>
+            <a:pPr marL="285750" indent="-285750">
+              <a:buFont typeface="Arial" panose="020B0604020202020204" pitchFamily="34" charset="0"/>
+              <a:buChar char="•"/>
+            </a:pPr>
+            <a:r>
+              <a:rPr lang="en-US" dirty="0"/>
+              <a:t>Bulletin Management</a:t>
+            </a:r>
+          </a:p>
+        </p:txBody>
+      </p:sp>
+      <p:sp>
+        <p:nvSpPr>
+          <p:cNvPr id="13" name="TextBox 12">
+            <a:extLst>
+              <a:ext uri="{FF2B5EF4-FFF2-40B4-BE49-F238E27FC236}">
+                <a16:creationId xmlns:a16="http://schemas.microsoft.com/office/drawing/2014/main" id="{5554859F-9460-485B-9439-79E8A48A4BAC}"/>
+              </a:ext>
+            </a:extLst>
+          </p:cNvPr>
+          <p:cNvSpPr txBox="1"/>
+          <p:nvPr/>
+        </p:nvSpPr>
+        <p:spPr>
+          <a:xfrm>
+            <a:off x="4949485" y="2152353"/>
+            <a:ext cx="3124667" cy="1754326"/>
+          </a:xfrm>
+          <a:prstGeom prst="rect">
+            <a:avLst/>
+          </a:prstGeom>
+          <a:noFill/>
+        </p:spPr>
+        <p:txBody>
+          <a:bodyPr wrap="square" rtlCol="0">
+            <a:spAutoFit/>
+          </a:bodyPr>
+          <a:lstStyle/>
+          <a:p>
+            <a:pPr marL="285750" indent="-285750">
+              <a:buFont typeface="Arial" panose="020B0604020202020204" pitchFamily="34" charset="0"/>
+              <a:buChar char="•"/>
+            </a:pPr>
+            <a:r>
+              <a:rPr lang="en-US" dirty="0"/>
+              <a:t>Database Management</a:t>
+            </a:r>
+          </a:p>
+          <a:p>
+            <a:pPr marL="285750" indent="-285750">
+              <a:buFont typeface="Arial" panose="020B0604020202020204" pitchFamily="34" charset="0"/>
+              <a:buChar char="•"/>
+            </a:pPr>
+            <a:r>
+              <a:rPr lang="en-US" dirty="0"/>
+              <a:t>User Management</a:t>
+            </a:r>
+          </a:p>
+          <a:p>
+            <a:pPr marL="742950" lvl="1" indent="-285750">
+              <a:buFont typeface="Arial" panose="020B0604020202020204" pitchFamily="34" charset="0"/>
+              <a:buChar char="•"/>
+            </a:pPr>
+            <a:r>
+              <a:rPr lang="en-US" dirty="0"/>
+              <a:t>Regular</a:t>
+            </a:r>
+          </a:p>
+          <a:p>
+            <a:pPr marL="742950" lvl="1" indent="-285750">
+              <a:buFont typeface="Arial" panose="020B0604020202020204" pitchFamily="34" charset="0"/>
+              <a:buChar char="•"/>
+            </a:pPr>
+            <a:r>
+              <a:rPr lang="en-US" dirty="0"/>
+              <a:t>Admin</a:t>
+            </a:r>
+          </a:p>
+          <a:p>
+            <a:pPr marL="285750" indent="-285750">
+              <a:buFont typeface="Arial" panose="020B0604020202020204" pitchFamily="34" charset="0"/>
+              <a:buChar char="•"/>
+            </a:pPr>
+            <a:r>
+              <a:rPr lang="en-US" dirty="0"/>
+              <a:t>Places Management</a:t>
+            </a:r>
+          </a:p>
+          <a:p>
+            <a:pPr marL="285750" indent="-285750">
+              <a:buFont typeface="Arial" panose="020B0604020202020204" pitchFamily="34" charset="0"/>
+              <a:buChar char="•"/>
+            </a:pPr>
+            <a:r>
+              <a:rPr lang="en-US" dirty="0"/>
+              <a:t>Notification Management</a:t>
+            </a:r>
+          </a:p>
+        </p:txBody>
+      </p:sp>
+      <p:sp>
+        <p:nvSpPr>
+          <p:cNvPr id="14" name="TextBox 13">
+            <a:extLst>
+              <a:ext uri="{FF2B5EF4-FFF2-40B4-BE49-F238E27FC236}">
+                <a16:creationId xmlns:a16="http://schemas.microsoft.com/office/drawing/2014/main" id="{87E4D401-FDA1-4C09-863B-91A6BA4A15EA}"/>
+              </a:ext>
+            </a:extLst>
+          </p:cNvPr>
+          <p:cNvSpPr txBox="1"/>
+          <p:nvPr/>
+        </p:nvSpPr>
+        <p:spPr>
+          <a:xfrm>
+            <a:off x="9145514" y="2345753"/>
+            <a:ext cx="2468703" cy="1477328"/>
+          </a:xfrm>
+          <a:prstGeom prst="rect">
+            <a:avLst/>
+          </a:prstGeom>
+          <a:noFill/>
+        </p:spPr>
+        <p:txBody>
+          <a:bodyPr wrap="square" rtlCol="0">
+            <a:spAutoFit/>
+          </a:bodyPr>
+          <a:lstStyle/>
+          <a:p>
+            <a:pPr marL="285750" indent="-285750">
+              <a:buFont typeface="Arial" panose="020B0604020202020204" pitchFamily="34" charset="0"/>
+              <a:buChar char="•"/>
+            </a:pPr>
+            <a:r>
+              <a:rPr lang="en-US" dirty="0"/>
+              <a:t>Stores </a:t>
+            </a:r>
+          </a:p>
+          <a:p>
+            <a:pPr marL="742950" lvl="1" indent="-285750">
+              <a:buFont typeface="Arial" panose="020B0604020202020204" pitchFamily="34" charset="0"/>
+              <a:buChar char="•"/>
+            </a:pPr>
+            <a:r>
+              <a:rPr lang="en-US" dirty="0"/>
+              <a:t>Users</a:t>
+            </a:r>
+          </a:p>
+          <a:p>
+            <a:pPr marL="742950" lvl="1" indent="-285750">
+              <a:buFont typeface="Arial" panose="020B0604020202020204" pitchFamily="34" charset="0"/>
+              <a:buChar char="•"/>
+            </a:pPr>
+            <a:r>
+              <a:rPr lang="en-US" dirty="0"/>
+              <a:t>Posts</a:t>
+            </a:r>
+          </a:p>
+          <a:p>
+            <a:pPr marL="742950" lvl="1" indent="-285750">
+              <a:buFont typeface="Arial" panose="020B0604020202020204" pitchFamily="34" charset="0"/>
+              <a:buChar char="•"/>
+            </a:pPr>
+            <a:r>
+              <a:rPr lang="en-US" dirty="0"/>
+              <a:t>Events</a:t>
+            </a:r>
+          </a:p>
+          <a:p>
+            <a:pPr marL="742950" lvl="1" indent="-285750">
+              <a:buFont typeface="Arial" panose="020B0604020202020204" pitchFamily="34" charset="0"/>
+              <a:buChar char="•"/>
+            </a:pPr>
+            <a:r>
+              <a:rPr lang="en-US" dirty="0"/>
+              <a:t>Places</a:t>
+            </a:r>
+          </a:p>
+        </p:txBody>
+      </p:sp>
+      <p:cxnSp>
+        <p:nvCxnSpPr>
+          <p:cNvPr id="20" name="Straight Arrow Connector 19">
+            <a:extLst>
+              <a:ext uri="{FF2B5EF4-FFF2-40B4-BE49-F238E27FC236}">
+                <a16:creationId xmlns:a16="http://schemas.microsoft.com/office/drawing/2014/main" id="{7F08F37E-767F-4123-81D0-A6E126211984}"/>
+              </a:ext>
+            </a:extLst>
+          </p:cNvPr>
+          <p:cNvCxnSpPr>
+            <a:cxnSpLocks/>
+            <a:stCxn id="4" idx="4"/>
+            <a:endCxn id="10" idx="2"/>
+          </p:cNvCxnSpPr>
+          <p:nvPr/>
+        </p:nvCxnSpPr>
+        <p:spPr>
+          <a:xfrm>
+            <a:off x="3568496" y="3823081"/>
+            <a:ext cx="1380989" cy="12144"/>
+          </a:xfrm>
+          <a:prstGeom prst="straightConnector1">
+            <a:avLst/>
+          </a:prstGeom>
+          <a:ln w="38100">
+            <a:solidFill>
+              <a:schemeClr val="tx1"/>
+            </a:solidFill>
+            <a:tailEnd type="triangle"/>
+          </a:ln>
+        </p:spPr>
+        <p:style>
+          <a:lnRef idx="1">
+            <a:schemeClr val="accent1"/>
+          </a:lnRef>
+          <a:fillRef idx="0">
+            <a:schemeClr val="accent1"/>
+          </a:fillRef>
+          <a:effectRef idx="0">
+            <a:schemeClr val="accent1"/>
+          </a:effectRef>
+          <a:fontRef idx="minor">
+            <a:schemeClr val="tx1"/>
+          </a:fontRef>
+        </p:style>
+      </p:cxnSp>
+      <p:sp>
+        <p:nvSpPr>
+          <p:cNvPr id="25" name="TextBox 24">
+            <a:extLst>
+              <a:ext uri="{FF2B5EF4-FFF2-40B4-BE49-F238E27FC236}">
+                <a16:creationId xmlns:a16="http://schemas.microsoft.com/office/drawing/2014/main" id="{F56F38DA-08BD-439F-B2DF-0C40BA79B6D2}"/>
+              </a:ext>
+            </a:extLst>
+          </p:cNvPr>
+          <p:cNvSpPr txBox="1"/>
+          <p:nvPr/>
+        </p:nvSpPr>
+        <p:spPr>
+          <a:xfrm>
+            <a:off x="4090253" y="3425950"/>
+            <a:ext cx="494046" cy="369332"/>
+          </a:xfrm>
+          <a:prstGeom prst="rect">
+            <a:avLst/>
+          </a:prstGeom>
+          <a:noFill/>
+        </p:spPr>
+        <p:txBody>
+          <a:bodyPr wrap="none" rtlCol="0">
+            <a:spAutoFit/>
+          </a:bodyPr>
+          <a:lstStyle/>
+          <a:p>
+            <a:r>
+              <a:rPr lang="en-US" dirty="0"/>
+              <a:t>API</a:t>
+            </a:r>
+          </a:p>
+        </p:txBody>
+      </p:sp>
+      <p:cxnSp>
+        <p:nvCxnSpPr>
+          <p:cNvPr id="27" name="Straight Arrow Connector 26">
+            <a:extLst>
+              <a:ext uri="{FF2B5EF4-FFF2-40B4-BE49-F238E27FC236}">
+                <a16:creationId xmlns:a16="http://schemas.microsoft.com/office/drawing/2014/main" id="{0CEBF581-C5F5-4E11-B9A5-512A01A47D3F}"/>
+              </a:ext>
+            </a:extLst>
+          </p:cNvPr>
+          <p:cNvCxnSpPr>
+            <a:cxnSpLocks/>
+            <a:stCxn id="10" idx="4"/>
+            <a:endCxn id="6" idx="2"/>
+          </p:cNvCxnSpPr>
+          <p:nvPr/>
+        </p:nvCxnSpPr>
+        <p:spPr>
+          <a:xfrm flipV="1">
+            <a:off x="7762666" y="3638334"/>
+            <a:ext cx="1345822" cy="196891"/>
+          </a:xfrm>
+          <a:prstGeom prst="straightConnector1">
+            <a:avLst/>
+          </a:prstGeom>
+          <a:ln w="38100">
+            <a:solidFill>
+              <a:schemeClr val="tx1"/>
+            </a:solidFill>
+            <a:tailEnd type="triangle"/>
+          </a:ln>
+        </p:spPr>
+        <p:style>
+          <a:lnRef idx="1">
+            <a:schemeClr val="accent1"/>
+          </a:lnRef>
+          <a:fillRef idx="0">
+            <a:schemeClr val="accent1"/>
+          </a:fillRef>
+          <a:effectRef idx="0">
+            <a:schemeClr val="accent1"/>
+          </a:effectRef>
+          <a:fontRef idx="minor">
+            <a:schemeClr val="tx1"/>
+          </a:fontRef>
+        </p:style>
+      </p:cxnSp>
+      <p:sp>
+        <p:nvSpPr>
+          <p:cNvPr id="28" name="TextBox 27">
+            <a:extLst>
+              <a:ext uri="{FF2B5EF4-FFF2-40B4-BE49-F238E27FC236}">
+                <a16:creationId xmlns:a16="http://schemas.microsoft.com/office/drawing/2014/main" id="{96D679BB-695A-4301-8816-A662797C4A93}"/>
+              </a:ext>
+            </a:extLst>
+          </p:cNvPr>
+          <p:cNvSpPr txBox="1"/>
+          <p:nvPr/>
+        </p:nvSpPr>
+        <p:spPr>
+          <a:xfrm>
+            <a:off x="8156449" y="3227462"/>
+            <a:ext cx="973536" cy="923330"/>
+          </a:xfrm>
+          <a:prstGeom prst="rect">
+            <a:avLst/>
+          </a:prstGeom>
+          <a:noFill/>
+        </p:spPr>
+        <p:txBody>
+          <a:bodyPr wrap="none" rtlCol="0">
+            <a:spAutoFit/>
+          </a:bodyPr>
+          <a:lstStyle/>
+          <a:p>
+            <a:r>
+              <a:rPr lang="en-US" dirty="0"/>
+              <a:t>Firebase</a:t>
+            </a:r>
+          </a:p>
+          <a:p>
+            <a:endParaRPr lang="en-US" dirty="0"/>
+          </a:p>
+          <a:p>
+            <a:r>
+              <a:rPr lang="en-US" dirty="0"/>
+              <a:t>internal</a:t>
+            </a:r>
+          </a:p>
+        </p:txBody>
+      </p:sp>
+      <p:sp>
+        <p:nvSpPr>
+          <p:cNvPr id="30" name="TextBox 29">
+            <a:extLst>
+              <a:ext uri="{FF2B5EF4-FFF2-40B4-BE49-F238E27FC236}">
+                <a16:creationId xmlns:a16="http://schemas.microsoft.com/office/drawing/2014/main" id="{A25AE6A2-16A8-4D56-8D48-41D8F26A5474}"/>
+              </a:ext>
+            </a:extLst>
+          </p:cNvPr>
+          <p:cNvSpPr txBox="1"/>
+          <p:nvPr/>
+        </p:nvSpPr>
+        <p:spPr>
+          <a:xfrm>
+            <a:off x="1097280" y="4945731"/>
+            <a:ext cx="2066544" cy="646331"/>
+          </a:xfrm>
+          <a:prstGeom prst="rect">
+            <a:avLst/>
+          </a:prstGeom>
+          <a:noFill/>
+        </p:spPr>
+        <p:txBody>
+          <a:bodyPr wrap="square" rtlCol="0">
+            <a:spAutoFit/>
+          </a:bodyPr>
+          <a:lstStyle/>
+          <a:p>
+            <a:pPr marL="285750" indent="-285750">
+              <a:buFont typeface="Wingdings" panose="05000000000000000000" pitchFamily="2" charset="2"/>
+              <a:buChar char="v"/>
+            </a:pPr>
+            <a:r>
+              <a:rPr lang="en-US" dirty="0"/>
+              <a:t>iOS</a:t>
+            </a:r>
+          </a:p>
+          <a:p>
+            <a:pPr marL="285750" indent="-285750">
+              <a:buFont typeface="Wingdings" panose="05000000000000000000" pitchFamily="2" charset="2"/>
+              <a:buChar char="v"/>
+            </a:pPr>
+            <a:r>
+              <a:rPr lang="en-US" dirty="0"/>
+              <a:t>Android</a:t>
+            </a:r>
+          </a:p>
+        </p:txBody>
+      </p:sp>
+    </p:spTree>
+    <p:extLst>
+      <p:ext uri="{BB962C8B-B14F-4D97-AF65-F5344CB8AC3E}">
+        <p14:creationId xmlns:p14="http://schemas.microsoft.com/office/powerpoint/2010/main" val="260076347"/>
       </p:ext>
     </p:extLst>
   </p:cSld>
